--- a/Slides/Week_3_Panel_Data_Part1.pptx
+++ b/Slides/Week_3_Panel_Data_Part1.pptx
@@ -6,25 +6,25 @@
   </p:sldMasterIdLst>
   <p:sldIdLst>
     <p:sldId id="256" r:id="rId2"/>
-    <p:sldId id="257" r:id="rId3"/>
-    <p:sldId id="267" r:id="rId4"/>
-    <p:sldId id="258" r:id="rId5"/>
-    <p:sldId id="259" r:id="rId6"/>
-    <p:sldId id="268" r:id="rId7"/>
-    <p:sldId id="269" r:id="rId8"/>
-    <p:sldId id="271" r:id="rId9"/>
-    <p:sldId id="272" r:id="rId10"/>
-    <p:sldId id="273" r:id="rId11"/>
-    <p:sldId id="278" r:id="rId12"/>
-    <p:sldId id="270" r:id="rId13"/>
-    <p:sldId id="274" r:id="rId14"/>
-    <p:sldId id="261" r:id="rId15"/>
-    <p:sldId id="262" r:id="rId16"/>
-    <p:sldId id="275" r:id="rId17"/>
-    <p:sldId id="276" r:id="rId18"/>
-    <p:sldId id="277" r:id="rId19"/>
-    <p:sldId id="280" r:id="rId20"/>
-    <p:sldId id="281" r:id="rId21"/>
+    <p:sldId id="300" r:id="rId3"/>
+    <p:sldId id="257" r:id="rId4"/>
+    <p:sldId id="267" r:id="rId5"/>
+    <p:sldId id="258" r:id="rId6"/>
+    <p:sldId id="259" r:id="rId7"/>
+    <p:sldId id="268" r:id="rId8"/>
+    <p:sldId id="269" r:id="rId9"/>
+    <p:sldId id="271" r:id="rId10"/>
+    <p:sldId id="272" r:id="rId11"/>
+    <p:sldId id="273" r:id="rId12"/>
+    <p:sldId id="278" r:id="rId13"/>
+    <p:sldId id="270" r:id="rId14"/>
+    <p:sldId id="274" r:id="rId15"/>
+    <p:sldId id="261" r:id="rId16"/>
+    <p:sldId id="262" r:id="rId17"/>
+    <p:sldId id="275" r:id="rId18"/>
+    <p:sldId id="276" r:id="rId19"/>
+    <p:sldId id="277" r:id="rId20"/>
+    <p:sldId id="280" r:id="rId21"/>
     <p:sldId id="282" r:id="rId22"/>
     <p:sldId id="279" r:id="rId23"/>
     <p:sldId id="266" r:id="rId24"/>
@@ -145,6 +145,11 @@
       </a:defRPr>
     </a:lvl9pPr>
   </p:defaultTextStyle>
+  <p:extLst>
+    <p:ext uri="{EFAFB233-063F-42B5-8137-9DF3F51BA10A}">
+      <p15:sldGuideLst xmlns:p15="http://schemas.microsoft.com/office/powerpoint/2012/main"/>
+    </p:ext>
+  </p:extLst>
 </p:presentation>
 </file>
 
@@ -295,7 +300,7 @@
           <a:p>
             <a:fld id="{3270012D-94D3-0947-9D71-029D28FD143D}" type="datetimeFigureOut">
               <a:rPr lang="en-US" smtClean="0"/>
-              <a:t>7/31/23</a:t>
+              <a:t>3/10/24</a:t>
             </a:fld>
             <a:endParaRPr lang="en-US"/>
           </a:p>
@@ -493,7 +498,7 @@
           <a:p>
             <a:fld id="{3270012D-94D3-0947-9D71-029D28FD143D}" type="datetimeFigureOut">
               <a:rPr lang="en-US" smtClean="0"/>
-              <a:t>7/31/23</a:t>
+              <a:t>3/10/24</a:t>
             </a:fld>
             <a:endParaRPr lang="en-US"/>
           </a:p>
@@ -701,7 +706,7 @@
           <a:p>
             <a:fld id="{3270012D-94D3-0947-9D71-029D28FD143D}" type="datetimeFigureOut">
               <a:rPr lang="en-US" smtClean="0"/>
-              <a:t>7/31/23</a:t>
+              <a:t>3/10/24</a:t>
             </a:fld>
             <a:endParaRPr lang="en-US"/>
           </a:p>
@@ -899,7 +904,7 @@
           <a:p>
             <a:fld id="{3270012D-94D3-0947-9D71-029D28FD143D}" type="datetimeFigureOut">
               <a:rPr lang="en-US" smtClean="0"/>
-              <a:t>7/31/23</a:t>
+              <a:t>3/10/24</a:t>
             </a:fld>
             <a:endParaRPr lang="en-US"/>
           </a:p>
@@ -1174,7 +1179,7 @@
           <a:p>
             <a:fld id="{3270012D-94D3-0947-9D71-029D28FD143D}" type="datetimeFigureOut">
               <a:rPr lang="en-US" smtClean="0"/>
-              <a:t>7/31/23</a:t>
+              <a:t>3/10/24</a:t>
             </a:fld>
             <a:endParaRPr lang="en-US"/>
           </a:p>
@@ -1439,7 +1444,7 @@
           <a:p>
             <a:fld id="{3270012D-94D3-0947-9D71-029D28FD143D}" type="datetimeFigureOut">
               <a:rPr lang="en-US" smtClean="0"/>
-              <a:t>7/31/23</a:t>
+              <a:t>3/10/24</a:t>
             </a:fld>
             <a:endParaRPr lang="en-US"/>
           </a:p>
@@ -1851,7 +1856,7 @@
           <a:p>
             <a:fld id="{3270012D-94D3-0947-9D71-029D28FD143D}" type="datetimeFigureOut">
               <a:rPr lang="en-US" smtClean="0"/>
-              <a:t>7/31/23</a:t>
+              <a:t>3/10/24</a:t>
             </a:fld>
             <a:endParaRPr lang="en-US"/>
           </a:p>
@@ -1992,7 +1997,7 @@
           <a:p>
             <a:fld id="{3270012D-94D3-0947-9D71-029D28FD143D}" type="datetimeFigureOut">
               <a:rPr lang="en-US" smtClean="0"/>
-              <a:t>7/31/23</a:t>
+              <a:t>3/10/24</a:t>
             </a:fld>
             <a:endParaRPr lang="en-US"/>
           </a:p>
@@ -2105,7 +2110,7 @@
           <a:p>
             <a:fld id="{3270012D-94D3-0947-9D71-029D28FD143D}" type="datetimeFigureOut">
               <a:rPr lang="en-US" smtClean="0"/>
-              <a:t>7/31/23</a:t>
+              <a:t>3/10/24</a:t>
             </a:fld>
             <a:endParaRPr lang="en-US"/>
           </a:p>
@@ -2416,7 +2421,7 @@
           <a:p>
             <a:fld id="{3270012D-94D3-0947-9D71-029D28FD143D}" type="datetimeFigureOut">
               <a:rPr lang="en-US" smtClean="0"/>
-              <a:t>7/31/23</a:t>
+              <a:t>3/10/24</a:t>
             </a:fld>
             <a:endParaRPr lang="en-US"/>
           </a:p>
@@ -2704,7 +2709,7 @@
           <a:p>
             <a:fld id="{3270012D-94D3-0947-9D71-029D28FD143D}" type="datetimeFigureOut">
               <a:rPr lang="en-US" smtClean="0"/>
-              <a:t>7/31/23</a:t>
+              <a:t>3/10/24</a:t>
             </a:fld>
             <a:endParaRPr lang="en-US"/>
           </a:p>
@@ -2945,7 +2950,7 @@
           <a:p>
             <a:fld id="{3270012D-94D3-0947-9D71-029D28FD143D}" type="datetimeFigureOut">
               <a:rPr lang="en-US" smtClean="0"/>
-              <a:t>7/31/23</a:t>
+              <a:t>3/10/24</a:t>
             </a:fld>
             <a:endParaRPr lang="en-US"/>
           </a:p>
@@ -3415,7 +3420,7 @@
           <a:p>
             <a:r>
               <a:rPr lang="en-US" dirty="0"/>
-              <a:t>Pooling Cross-Sections and Panel Data</a:t>
+              <a:t>Pooling Cross Sections and First Difference Estimator</a:t>
             </a:r>
           </a:p>
         </p:txBody>
@@ -3473,7 +3478,7 @@
           <a:p>
             <a:r>
               <a:rPr lang="en-US" dirty="0"/>
-              <a:t>Pooling Independent Cross Sections across Time</a:t>
+              <a:t>Interactions with Pooled Data</a:t>
             </a:r>
           </a:p>
         </p:txBody>
@@ -3499,7 +3504,7 @@
             <p:spPr/>
             <p:txBody>
               <a:bodyPr>
-                <a:normAutofit fontScale="92500" lnSpcReduction="20000"/>
+                <a:normAutofit lnSpcReduction="10000"/>
               </a:bodyPr>
               <a:lstStyle/>
               <a:p>
@@ -3946,6 +3951,410 @@
               <a:p>
                 <a:r>
                   <a:rPr lang="en-US" dirty="0"/>
+                  <a:t>Returns to education can vary by year with our interactions</a:t>
+                </a:r>
+              </a:p>
+              <a:p>
+                <a:pPr lvl="1"/>
+                <a:r>
+                  <a:rPr lang="en-US" dirty="0"/>
+                  <a:t>The returns to education in 1978 is </a:t>
+                </a:r>
+                <a14:m>
+                  <m:oMath xmlns:m="http://schemas.openxmlformats.org/officeDocument/2006/math">
+                    <m:sSub>
+                      <m:sSubPr>
+                        <m:ctrlPr>
+                          <a:rPr lang="en-US" b="0" i="1" smtClean="0">
+                            <a:latin typeface="Cambria Math" panose="02040503050406030204" pitchFamily="18" charset="0"/>
+                          </a:rPr>
+                        </m:ctrlPr>
+                      </m:sSubPr>
+                      <m:e>
+                        <m:r>
+                          <a:rPr lang="en-US" b="0" i="1" smtClean="0">
+                            <a:latin typeface="Cambria Math" panose="02040503050406030204" pitchFamily="18" charset="0"/>
+                          </a:rPr>
+                          <m:t>𝛽</m:t>
+                        </m:r>
+                      </m:e>
+                      <m:sub>
+                        <m:r>
+                          <a:rPr lang="en-US" b="0" i="1" smtClean="0">
+                            <a:latin typeface="Cambria Math" panose="02040503050406030204" pitchFamily="18" charset="0"/>
+                          </a:rPr>
+                          <m:t>1</m:t>
+                        </m:r>
+                      </m:sub>
+                    </m:sSub>
+                  </m:oMath>
+                </a14:m>
+                <a:endParaRPr lang="en-US" dirty="0"/>
+              </a:p>
+              <a:p>
+                <a:pPr lvl="1"/>
+                <a:r>
+                  <a:rPr lang="en-US" dirty="0"/>
+                  <a:t>The returns to education in 1985 is </a:t>
+                </a:r>
+                <a14:m>
+                  <m:oMath xmlns:m="http://schemas.openxmlformats.org/officeDocument/2006/math">
+                    <m:sSub>
+                      <m:sSubPr>
+                        <m:ctrlPr>
+                          <a:rPr lang="en-US" b="0" i="1" smtClean="0">
+                            <a:latin typeface="Cambria Math" panose="02040503050406030204" pitchFamily="18" charset="0"/>
+                          </a:rPr>
+                        </m:ctrlPr>
+                      </m:sSubPr>
+                      <m:e>
+                        <m:r>
+                          <a:rPr lang="en-US" b="0" i="1" smtClean="0">
+                            <a:latin typeface="Cambria Math" panose="02040503050406030204" pitchFamily="18" charset="0"/>
+                          </a:rPr>
+                          <m:t>𝛽</m:t>
+                        </m:r>
+                      </m:e>
+                      <m:sub>
+                        <m:r>
+                          <a:rPr lang="en-US" b="0" i="1" smtClean="0">
+                            <a:latin typeface="Cambria Math" panose="02040503050406030204" pitchFamily="18" charset="0"/>
+                          </a:rPr>
+                          <m:t>1</m:t>
+                        </m:r>
+                      </m:sub>
+                    </m:sSub>
+                    <m:r>
+                      <a:rPr lang="en-US" b="0" i="1" smtClean="0">
+                        <a:latin typeface="Cambria Math" panose="02040503050406030204" pitchFamily="18" charset="0"/>
+                      </a:rPr>
+                      <m:t>+</m:t>
+                    </m:r>
+                    <m:sSub>
+                      <m:sSubPr>
+                        <m:ctrlPr>
+                          <a:rPr lang="en-US" b="0" i="1" smtClean="0">
+                            <a:latin typeface="Cambria Math" panose="02040503050406030204" pitchFamily="18" charset="0"/>
+                          </a:rPr>
+                        </m:ctrlPr>
+                      </m:sSubPr>
+                      <m:e>
+                        <m:r>
+                          <a:rPr lang="en-US" b="0" i="1" smtClean="0">
+                            <a:latin typeface="Cambria Math" panose="02040503050406030204" pitchFamily="18" charset="0"/>
+                          </a:rPr>
+                          <m:t>𝛿</m:t>
+                        </m:r>
+                      </m:e>
+                      <m:sub>
+                        <m:r>
+                          <a:rPr lang="en-US" b="0" i="1" smtClean="0">
+                            <a:latin typeface="Cambria Math" panose="02040503050406030204" pitchFamily="18" charset="0"/>
+                          </a:rPr>
+                          <m:t>1</m:t>
+                        </m:r>
+                      </m:sub>
+                    </m:sSub>
+                  </m:oMath>
+                </a14:m>
+                <a:endParaRPr lang="en-US" dirty="0"/>
+              </a:p>
+              <a:p>
+                <a:pPr lvl="1"/>
+                <a14:m>
+                  <m:oMath xmlns:m="http://schemas.openxmlformats.org/officeDocument/2006/math">
+                    <m:sSub>
+                      <m:sSubPr>
+                        <m:ctrlPr>
+                          <a:rPr lang="en-US" b="0" i="1" smtClean="0">
+                            <a:latin typeface="Cambria Math" panose="02040503050406030204" pitchFamily="18" charset="0"/>
+                          </a:rPr>
+                        </m:ctrlPr>
+                      </m:sSubPr>
+                      <m:e>
+                        <m:r>
+                          <a:rPr lang="en-US" b="0" i="1" smtClean="0">
+                            <a:latin typeface="Cambria Math" panose="02040503050406030204" pitchFamily="18" charset="0"/>
+                          </a:rPr>
+                          <m:t>𝛿</m:t>
+                        </m:r>
+                      </m:e>
+                      <m:sub>
+                        <m:r>
+                          <a:rPr lang="en-US" b="0" i="1" smtClean="0">
+                            <a:latin typeface="Cambria Math" panose="02040503050406030204" pitchFamily="18" charset="0"/>
+                          </a:rPr>
+                          <m:t>1</m:t>
+                        </m:r>
+                      </m:sub>
+                    </m:sSub>
+                  </m:oMath>
+                </a14:m>
+                <a:r>
+                  <a:rPr lang="en-US" dirty="0"/>
+                  <a:t> represents how much returns to education changed between 1978 and 1985</a:t>
+                </a:r>
+              </a:p>
+              <a:p>
+                <a:r>
+                  <a:rPr lang="en-US" dirty="0"/>
+                  <a:t>Wage differential between men and women</a:t>
+                </a:r>
+              </a:p>
+              <a:p>
+                <a:pPr lvl="1"/>
+                <a14:m>
+                  <m:oMath xmlns:m="http://schemas.openxmlformats.org/officeDocument/2006/math">
+                    <m:sSub>
+                      <m:sSubPr>
+                        <m:ctrlPr>
+                          <a:rPr lang="en-US" b="0" i="1" smtClean="0">
+                            <a:latin typeface="Cambria Math" panose="02040503050406030204" pitchFamily="18" charset="0"/>
+                          </a:rPr>
+                        </m:ctrlPr>
+                      </m:sSubPr>
+                      <m:e>
+                        <m:r>
+                          <a:rPr lang="en-US" b="0" i="1" smtClean="0">
+                            <a:latin typeface="Cambria Math" panose="02040503050406030204" pitchFamily="18" charset="0"/>
+                          </a:rPr>
+                          <m:t>𝛽</m:t>
+                        </m:r>
+                      </m:e>
+                      <m:sub>
+                        <m:r>
+                          <a:rPr lang="en-US" b="0" i="1" smtClean="0">
+                            <a:latin typeface="Cambria Math" panose="02040503050406030204" pitchFamily="18" charset="0"/>
+                          </a:rPr>
+                          <m:t>5</m:t>
+                        </m:r>
+                      </m:sub>
+                    </m:sSub>
+                  </m:oMath>
+                </a14:m>
+                <a:r>
+                  <a:rPr lang="en-US" dirty="0"/>
+                  <a:t> represents the logged wage differential between men and women </a:t>
+                </a:r>
+                <a:r>
+                  <a:rPr lang="en-US" b="1" dirty="0"/>
+                  <a:t>in 1978</a:t>
+                </a:r>
+              </a:p>
+              <a:p>
+                <a:pPr lvl="1"/>
+                <a14:m>
+                  <m:oMath xmlns:m="http://schemas.openxmlformats.org/officeDocument/2006/math">
+                    <m:sSub>
+                      <m:sSubPr>
+                        <m:ctrlPr>
+                          <a:rPr lang="en-US" b="0" i="1" smtClean="0">
+                            <a:latin typeface="Cambria Math" panose="02040503050406030204" pitchFamily="18" charset="0"/>
+                          </a:rPr>
+                        </m:ctrlPr>
+                      </m:sSubPr>
+                      <m:e>
+                        <m:r>
+                          <a:rPr lang="en-US" b="0" i="1" smtClean="0">
+                            <a:latin typeface="Cambria Math" panose="02040503050406030204" pitchFamily="18" charset="0"/>
+                          </a:rPr>
+                          <m:t>𝛽</m:t>
+                        </m:r>
+                      </m:e>
+                      <m:sub>
+                        <m:r>
+                          <a:rPr lang="en-US" b="0" i="1" smtClean="0">
+                            <a:latin typeface="Cambria Math" panose="02040503050406030204" pitchFamily="18" charset="0"/>
+                          </a:rPr>
+                          <m:t>5</m:t>
+                        </m:r>
+                      </m:sub>
+                    </m:sSub>
+                    <m:r>
+                      <a:rPr lang="en-US" b="0" i="1" smtClean="0">
+                        <a:latin typeface="Cambria Math" panose="02040503050406030204" pitchFamily="18" charset="0"/>
+                      </a:rPr>
+                      <m:t>+</m:t>
+                    </m:r>
+                    <m:sSub>
+                      <m:sSubPr>
+                        <m:ctrlPr>
+                          <a:rPr lang="en-US" b="0" i="1" smtClean="0">
+                            <a:latin typeface="Cambria Math" panose="02040503050406030204" pitchFamily="18" charset="0"/>
+                          </a:rPr>
+                        </m:ctrlPr>
+                      </m:sSubPr>
+                      <m:e>
+                        <m:r>
+                          <a:rPr lang="en-US" b="0" i="1" smtClean="0">
+                            <a:latin typeface="Cambria Math" panose="02040503050406030204" pitchFamily="18" charset="0"/>
+                          </a:rPr>
+                          <m:t>𝛿</m:t>
+                        </m:r>
+                      </m:e>
+                      <m:sub>
+                        <m:r>
+                          <a:rPr lang="en-US" b="0" i="1" smtClean="0">
+                            <a:latin typeface="Cambria Math" panose="02040503050406030204" pitchFamily="18" charset="0"/>
+                          </a:rPr>
+                          <m:t>5</m:t>
+                        </m:r>
+                      </m:sub>
+                    </m:sSub>
+                  </m:oMath>
+                </a14:m>
+                <a:r>
+                  <a:rPr lang="en-US" dirty="0"/>
+                  <a:t> represents the logged wage differential </a:t>
+                </a:r>
+                <a:r>
+                  <a:rPr lang="en-US" b="1" dirty="0"/>
+                  <a:t>in 1985</a:t>
+                </a:r>
+              </a:p>
+              <a:p>
+                <a:pPr lvl="1"/>
+                <a:endParaRPr lang="en-US" dirty="0"/>
+              </a:p>
+              <a:p>
+                <a:pPr marL="457200" lvl="1" indent="0">
+                  <a:buNone/>
+                </a:pPr>
+                <a:endParaRPr lang="en-US" dirty="0"/>
+              </a:p>
+            </p:txBody>
+          </p:sp>
+        </mc:Choice>
+        <mc:Fallback>
+          <p:sp>
+            <p:nvSpPr>
+              <p:cNvPr id="3" name="Content Placeholder 2">
+                <a:extLst>
+                  <a:ext uri="{FF2B5EF4-FFF2-40B4-BE49-F238E27FC236}">
+                    <a16:creationId xmlns:a16="http://schemas.microsoft.com/office/drawing/2014/main" id="{C0E384C5-7CDA-A7D1-F3D4-202DD23EBB6A}"/>
+                  </a:ext>
+                </a:extLst>
+              </p:cNvPr>
+              <p:cNvSpPr>
+                <a:spLocks noGrp="1" noRot="1" noChangeAspect="1" noMove="1" noResize="1" noEditPoints="1" noAdjustHandles="1" noChangeArrowheads="1" noChangeShapeType="1" noTextEdit="1"/>
+              </p:cNvSpPr>
+              <p:nvPr>
+                <p:ph idx="1"/>
+              </p:nvPr>
+            </p:nvSpPr>
+            <p:spPr>
+              <a:blipFill>
+                <a:blip r:embed="rId2"/>
+                <a:stretch>
+                  <a:fillRect l="-1086" t="-3198"/>
+                </a:stretch>
+              </a:blipFill>
+            </p:spPr>
+            <p:txBody>
+              <a:bodyPr/>
+              <a:lstStyle/>
+              <a:p>
+                <a:r>
+                  <a:rPr lang="en-US">
+                    <a:noFill/>
+                  </a:rPr>
+                  <a:t> </a:t>
+                </a:r>
+              </a:p>
+            </p:txBody>
+          </p:sp>
+        </mc:Fallback>
+      </mc:AlternateContent>
+    </p:spTree>
+    <p:extLst>
+      <p:ext uri="{BB962C8B-B14F-4D97-AF65-F5344CB8AC3E}">
+        <p14:creationId xmlns:p14="http://schemas.microsoft.com/office/powerpoint/2010/main" val="1928230344"/>
+      </p:ext>
+    </p:extLst>
+  </p:cSld>
+  <p:clrMapOvr>
+    <a:masterClrMapping/>
+  </p:clrMapOvr>
+</p:sld>
+</file>
+
+<file path=ppt/slides/slide11.xml><?xml version="1.0" encoding="utf-8"?>
+<p:sld xmlns:a="http://schemas.openxmlformats.org/drawingml/2006/main" xmlns:r="http://schemas.openxmlformats.org/officeDocument/2006/relationships" xmlns:p="http://schemas.openxmlformats.org/presentationml/2006/main">
+  <p:cSld>
+    <p:spTree>
+      <p:nvGrpSpPr>
+        <p:cNvPr id="1" name=""/>
+        <p:cNvGrpSpPr/>
+        <p:nvPr/>
+      </p:nvGrpSpPr>
+      <p:grpSpPr>
+        <a:xfrm>
+          <a:off x="0" y="0"/>
+          <a:ext cx="0" cy="0"/>
+          <a:chOff x="0" y="0"/>
+          <a:chExt cx="0" cy="0"/>
+        </a:xfrm>
+      </p:grpSpPr>
+      <p:sp>
+        <p:nvSpPr>
+          <p:cNvPr id="2" name="Title 1">
+            <a:extLst>
+              <a:ext uri="{FF2B5EF4-FFF2-40B4-BE49-F238E27FC236}">
+                <a16:creationId xmlns:a16="http://schemas.microsoft.com/office/drawing/2014/main" id="{E16C1247-8488-128D-CC95-F9D44F4366C0}"/>
+              </a:ext>
+            </a:extLst>
+          </p:cNvPr>
+          <p:cNvSpPr>
+            <a:spLocks noGrp="1"/>
+          </p:cNvSpPr>
+          <p:nvPr>
+            <p:ph type="title"/>
+          </p:nvPr>
+        </p:nvSpPr>
+        <p:spPr/>
+        <p:txBody>
+          <a:bodyPr/>
+          <a:lstStyle/>
+          <a:p>
+            <a:r>
+              <a:rPr lang="en-US" dirty="0"/>
+              <a:t>Interactions with Pooled Data</a:t>
+            </a:r>
+          </a:p>
+        </p:txBody>
+      </p:sp>
+      <mc:AlternateContent xmlns:mc="http://schemas.openxmlformats.org/markup-compatibility/2006">
+        <mc:Choice xmlns:a14="http://schemas.microsoft.com/office/drawing/2010/main" Requires="a14">
+          <p:sp>
+            <p:nvSpPr>
+              <p:cNvPr id="3" name="Content Placeholder 2">
+                <a:extLst>
+                  <a:ext uri="{FF2B5EF4-FFF2-40B4-BE49-F238E27FC236}">
+                    <a16:creationId xmlns:a16="http://schemas.microsoft.com/office/drawing/2014/main" id="{C0E384C5-7CDA-A7D1-F3D4-202DD23EBB6A}"/>
+                  </a:ext>
+                </a:extLst>
+              </p:cNvPr>
+              <p:cNvSpPr>
+                <a:spLocks noGrp="1"/>
+              </p:cNvSpPr>
+              <p:nvPr>
+                <p:ph idx="1"/>
+              </p:nvPr>
+            </p:nvSpPr>
+            <p:spPr>
+              <a:xfrm>
+                <a:off x="838200" y="1825625"/>
+                <a:ext cx="10515600" cy="4893674"/>
+              </a:xfrm>
+            </p:spPr>
+            <p:txBody>
+              <a:bodyPr>
+                <a:normAutofit/>
+              </a:bodyPr>
+              <a:lstStyle/>
+              <a:p>
+                <a:r>
+                  <a:rPr lang="en-US" dirty="0"/>
                   <a:t>Another factor to consider: inflation</a:t>
                 </a:r>
               </a:p>
@@ -3960,7 +4369,23 @@
                 <a:pPr lvl="1"/>
                 <a:r>
                   <a:rPr lang="en-US" dirty="0"/>
-                  <a:t>Or, we can use time binaries/dummies to account for inflation and the natural log of wages where </a:t>
+                  <a:t>Or, we can use </a:t>
+                </a:r>
+                <a:r>
+                  <a:rPr lang="en-US" b="1" dirty="0"/>
+                  <a:t>time binaries/dummies </a:t>
+                </a:r>
+                <a:r>
+                  <a:rPr lang="en-US" dirty="0"/>
+                  <a:t>to account for inflation and </a:t>
+                </a:r>
+                <a:r>
+                  <a:rPr lang="en-US" b="1" dirty="0"/>
+                  <a:t>the natural log of wages </a:t>
+                </a:r>
+                <a:r>
+                  <a:rPr lang="en-US" dirty="0"/>
+                  <a:t>where </a:t>
                 </a:r>
                 <a14:m>
                   <m:oMath xmlns:m="http://schemas.openxmlformats.org/officeDocument/2006/math">
@@ -4205,7 +4630,11 @@
                 <a:pPr lvl="1"/>
                 <a:r>
                   <a:rPr lang="en-US" dirty="0"/>
-                  <a:t>While wages vary across people, the deflator factor does not and the deflator factor will be absorbed into the intercept</a:t>
+                  <a:t>While wages vary across people, the deflator factor does not and </a:t>
+                </a:r>
+                <a:r>
+                  <a:rPr lang="en-US" b="1" dirty="0"/>
+                  <a:t>the deflator factor will be absorbed into the intercept</a:t>
                 </a:r>
               </a:p>
               <a:p>
@@ -4248,10 +4677,14 @@
               </p:nvPr>
             </p:nvSpPr>
             <p:spPr>
+              <a:xfrm>
+                <a:off x="838200" y="1825625"/>
+                <a:ext cx="10515600" cy="4893674"/>
+              </a:xfrm>
               <a:blipFill>
                 <a:blip r:embed="rId2"/>
                 <a:stretch>
-                  <a:fillRect l="-965" t="-3488" b="-872"/>
+                  <a:fillRect l="-1086" t="-2073" r="-844"/>
                 </a:stretch>
               </a:blipFill>
             </p:spPr>
@@ -4283,7 +4716,7 @@
 </p:sld>
 </file>
 
-<file path=ppt/slides/slide11.xml><?xml version="1.0" encoding="utf-8"?>
+<file path=ppt/slides/slide12.xml><?xml version="1.0" encoding="utf-8"?>
 <p:sld xmlns:a="http://schemas.openxmlformats.org/drawingml/2006/main" xmlns:r="http://schemas.openxmlformats.org/officeDocument/2006/relationships" xmlns:p="http://schemas.openxmlformats.org/presentationml/2006/main">
   <p:cSld>
     <p:spTree>
@@ -4323,7 +4756,7 @@
           <a:p>
             <a:r>
               <a:rPr lang="en-US" dirty="0"/>
-              <a:t>Pooling Independent Cross Sections across Time</a:t>
+              <a:t>Limitations of Pooled Data</a:t>
             </a:r>
           </a:p>
         </p:txBody>
@@ -4353,18 +4786,44 @@
               <a:p>
                 <a:r>
                   <a:rPr lang="en-US" dirty="0"/>
-                  <a:t>Let’s look at another example (Stata)</a:t>
+                  <a:t>Pooled Data (and Panel Data) cannot solve simultaneity bias</a:t>
                 </a:r>
               </a:p>
               <a:p>
                 <a:pPr lvl="1"/>
                 <a:r>
                   <a:rPr lang="en-US" dirty="0"/>
+                  <a:t>We’ll need an instrumental variable to solve this issue</a:t>
+                </a:r>
+              </a:p>
+              <a:p>
+                <a:r>
+                  <a:rPr lang="en-US" dirty="0"/>
+                  <a:t>Crime Rate and Police Per Capita</a:t>
+                </a:r>
+              </a:p>
+              <a:p>
+                <a:pPr lvl="1"/>
+                <a:r>
+                  <a:rPr lang="en-US" dirty="0"/>
+                  <a:t>Modeling crime rate and police per capita</a:t>
+                </a:r>
+              </a:p>
+              <a:p>
+                <a:pPr lvl="1"/>
+                <a:r>
+                  <a:rPr lang="en-US" dirty="0"/>
+                  <a:t>Cities with high crime rates also likely have higher police per capita</a:t>
+                </a:r>
+              </a:p>
+              <a:p>
+                <a:r>
+                  <a:rPr lang="en-US" dirty="0"/>
                   <a:t>In a simple model is biased in the </a:t>
                 </a:r>
               </a:p>
               <a:p>
-                <a:pPr lvl="2"/>
+                <a:pPr lvl="1"/>
                 <a14:m>
                   <m:oMath xmlns:m="http://schemas.openxmlformats.org/officeDocument/2006/math">
                     <m:r>
@@ -4439,7 +4898,31 @@
                       <a:rPr lang="en-US" b="0" i="1" smtClean="0">
                         <a:latin typeface="Cambria Math" panose="02040503050406030204" pitchFamily="18" charset="0"/>
                       </a:rPr>
-                      <m:t>𝑢𝑛𝑒𝑚𝑝𝑟𝑎𝑡𝑒</m:t>
+                      <m:t>𝑝𝑜𝑙𝑖𝑐𝑒</m:t>
+                    </m:r>
+                    <m:r>
+                      <a:rPr lang="en-US" b="0" i="1" smtClean="0">
+                        <a:latin typeface="Cambria Math" panose="02040503050406030204" pitchFamily="18" charset="0"/>
+                      </a:rPr>
+                      <m:t>_</m:t>
+                    </m:r>
+                    <m:r>
+                      <a:rPr lang="en-US" b="0" i="1" smtClean="0">
+                        <a:latin typeface="Cambria Math" panose="02040503050406030204" pitchFamily="18" charset="0"/>
+                      </a:rPr>
+                      <m:t>𝑝𝑒𝑟</m:t>
+                    </m:r>
+                    <m:r>
+                      <a:rPr lang="en-US" b="0" i="1" smtClean="0">
+                        <a:latin typeface="Cambria Math" panose="02040503050406030204" pitchFamily="18" charset="0"/>
+                      </a:rPr>
+                      <m:t>_</m:t>
+                    </m:r>
+                    <m:r>
+                      <a:rPr lang="en-US" b="0" i="1" smtClean="0">
+                        <a:latin typeface="Cambria Math" panose="02040503050406030204" pitchFamily="18" charset="0"/>
+                      </a:rPr>
+                      <m:t>𝑐𝑎𝑝𝑖𝑡𝑎</m:t>
                     </m:r>
                     <m:r>
                       <a:rPr lang="en-US" b="0" i="1" smtClean="0">
@@ -4458,14 +4941,13 @@
                 <a:endParaRPr lang="en-US" dirty="0"/>
               </a:p>
               <a:p>
+                <a:r>
+                  <a:rPr lang="en-US" dirty="0"/>
+                  <a:t>Adding a time secular trend will not relieve the bias</a:t>
+                </a:r>
+              </a:p>
+              <a:p>
                 <a:pPr lvl="1"/>
-                <a:r>
-                  <a:rPr lang="en-US" dirty="0"/>
-                  <a:t>Adding a time secular trend</a:t>
-                </a:r>
-              </a:p>
-              <a:p>
-                <a:pPr lvl="2"/>
                 <a14:m>
                   <m:oMath xmlns:m="http://schemas.openxmlformats.org/officeDocument/2006/math">
                     <m:r>
@@ -4540,7 +5022,31 @@
                       <a:rPr lang="en-US" b="0" i="1" smtClean="0">
                         <a:latin typeface="Cambria Math" panose="02040503050406030204" pitchFamily="18" charset="0"/>
                       </a:rPr>
-                      <m:t>𝑢𝑛𝑒𝑚𝑝𝑟𝑎𝑡𝑒</m:t>
+                      <m:t>𝑝𝑜𝑙𝑖𝑐𝑒</m:t>
+                    </m:r>
+                    <m:r>
+                      <a:rPr lang="en-US" b="0" i="1" smtClean="0">
+                        <a:latin typeface="Cambria Math" panose="02040503050406030204" pitchFamily="18" charset="0"/>
+                      </a:rPr>
+                      <m:t>_</m:t>
+                    </m:r>
+                    <m:r>
+                      <a:rPr lang="en-US" b="0" i="1" smtClean="0">
+                        <a:latin typeface="Cambria Math" panose="02040503050406030204" pitchFamily="18" charset="0"/>
+                      </a:rPr>
+                      <m:t>𝑝𝑒𝑟</m:t>
+                    </m:r>
+                    <m:r>
+                      <a:rPr lang="en-US" b="0" i="1" smtClean="0">
+                        <a:latin typeface="Cambria Math" panose="02040503050406030204" pitchFamily="18" charset="0"/>
+                      </a:rPr>
+                      <m:t>_</m:t>
+                    </m:r>
+                    <m:r>
+                      <a:rPr lang="en-US" b="0" i="1" smtClean="0">
+                        <a:latin typeface="Cambria Math" panose="02040503050406030204" pitchFamily="18" charset="0"/>
+                      </a:rPr>
+                      <m:t>𝑐𝑎𝑝𝑖𝑡𝑎</m:t>
                     </m:r>
                     <m:r>
                       <a:rPr lang="en-US" b="0" i="1" smtClean="0">
@@ -4658,7 +5164,7 @@
 </p:sld>
 </file>
 
-<file path=ppt/slides/slide12.xml><?xml version="1.0" encoding="utf-8"?>
+<file path=ppt/slides/slide13.xml><?xml version="1.0" encoding="utf-8"?>
 <p:sld xmlns:a="http://schemas.openxmlformats.org/drawingml/2006/main" xmlns:r="http://schemas.openxmlformats.org/officeDocument/2006/relationships" xmlns:p="http://schemas.openxmlformats.org/presentationml/2006/main">
   <p:cSld>
     <p:spTree>
@@ -4703,8 +5209,8 @@
           </a:p>
         </p:txBody>
       </p:sp>
-      <mc:AlternateContent xmlns:mc="http://schemas.openxmlformats.org/markup-compatibility/2006">
-        <mc:Choice xmlns:a14="http://schemas.microsoft.com/office/drawing/2010/main" Requires="a14">
+      <mc:AlternateContent xmlns:mc="http://schemas.openxmlformats.org/markup-compatibility/2006" xmlns:a14="http://schemas.microsoft.com/office/drawing/2010/main">
+        <mc:Choice Requires="a14">
           <p:sp>
             <p:nvSpPr>
               <p:cNvPr id="3" name="Content Placeholder 2">
@@ -4868,7 +5374,7 @@
             </p:txBody>
           </p:sp>
         </mc:Choice>
-        <mc:Fallback>
+        <mc:Fallback xmlns="">
           <p:sp>
             <p:nvSpPr>
               <p:cNvPr id="3" name="Content Placeholder 2">
@@ -4921,7 +5427,7 @@
 </p:sld>
 </file>
 
-<file path=ppt/slides/slide13.xml><?xml version="1.0" encoding="utf-8"?>
+<file path=ppt/slides/slide14.xml><?xml version="1.0" encoding="utf-8"?>
 <p:sld xmlns:a="http://schemas.openxmlformats.org/drawingml/2006/main" xmlns:r="http://schemas.openxmlformats.org/officeDocument/2006/relationships" xmlns:p="http://schemas.openxmlformats.org/presentationml/2006/main">
   <p:cSld>
     <p:spTree>
@@ -5013,7 +5519,7 @@
               <a:p>
                 <a:r>
                   <a:rPr lang="en-US" dirty="0"/>
-                  <a:t>For many time periods </a:t>
+                  <a:t>Alternatively, for many time periods </a:t>
                 </a:r>
                 <a14:m>
                   <m:oMath xmlns:m="http://schemas.openxmlformats.org/officeDocument/2006/math">
@@ -5766,7 +6272,7 @@
 </p:sld>
 </file>
 
-<file path=ppt/slides/slide14.xml><?xml version="1.0" encoding="utf-8"?>
+<file path=ppt/slides/slide15.xml><?xml version="1.0" encoding="utf-8"?>
 <p:sld xmlns:a="http://schemas.openxmlformats.org/drawingml/2006/main" xmlns:r="http://schemas.openxmlformats.org/officeDocument/2006/relationships" xmlns:p="http://schemas.openxmlformats.org/presentationml/2006/main">
   <p:cSld>
     <p:spTree>
@@ -5849,7 +6355,7 @@
 </p:sld>
 </file>
 
-<file path=ppt/slides/slide15.xml><?xml version="1.0" encoding="utf-8"?>
+<file path=ppt/slides/slide16.xml><?xml version="1.0" encoding="utf-8"?>
 <p:sld xmlns:a="http://schemas.openxmlformats.org/drawingml/2006/main" xmlns:r="http://schemas.openxmlformats.org/officeDocument/2006/relationships" xmlns:p="http://schemas.openxmlformats.org/presentationml/2006/main">
   <p:cSld>
     <p:spTree>
@@ -5924,7 +6430,27 @@
             <a:pPr lvl="1"/>
             <a:r>
               <a:rPr lang="en-US" dirty="0"/>
-              <a:t>Panel data or longitudinal data have a cross-section and a time dimension, but panel data follow the same unit over time</a:t>
+              <a:t>Panel data or longitudinal data have </a:t>
+            </a:r>
+            <a:r>
+              <a:rPr lang="en-US" b="1" dirty="0"/>
+              <a:t>a cross-section </a:t>
+            </a:r>
+            <a:r>
+              <a:rPr lang="en-US" dirty="0"/>
+              <a:t>and </a:t>
+            </a:r>
+            <a:r>
+              <a:rPr lang="en-US" b="1" dirty="0"/>
+              <a:t>a time dimension</a:t>
+            </a:r>
+            <a:r>
+              <a:rPr lang="en-US" dirty="0"/>
+              <a:t>, but </a:t>
+            </a:r>
+            <a:r>
+              <a:rPr lang="en-US" b="1" dirty="0"/>
+              <a:t>panel data follow the same unit over time</a:t>
             </a:r>
           </a:p>
           <a:p>
@@ -5957,8 +6483,16 @@
           <a:p>
             <a:pPr lvl="1"/>
             <a:r>
-              <a:rPr lang="en-US" dirty="0"/>
-              <a:t>We can follow a unit of analysis over time and control for observed and unobserved time-invariant confounders</a:t>
+              <a:rPr lang="en-US" b="1" dirty="0"/>
+              <a:t>Key: We can follow a unit of analysis over time and control for observed and unobserved </a:t>
+            </a:r>
+            <a:r>
+              <a:rPr lang="en-US" b="1" i="1" u="sng" dirty="0"/>
+              <a:t>time-invariant</a:t>
+            </a:r>
+            <a:r>
+              <a:rPr lang="en-US" b="1" dirty="0"/>
+              <a:t> confounders</a:t>
             </a:r>
           </a:p>
           <a:p>
@@ -5979,7 +6513,7 @@
 </p:sld>
 </file>
 
-<file path=ppt/slides/slide16.xml><?xml version="1.0" encoding="utf-8"?>
+<file path=ppt/slides/slide17.xml><?xml version="1.0" encoding="utf-8"?>
 <p:sld xmlns:a="http://schemas.openxmlformats.org/drawingml/2006/main" xmlns:r="http://schemas.openxmlformats.org/officeDocument/2006/relationships" xmlns:p="http://schemas.openxmlformats.org/presentationml/2006/main">
   <p:cSld>
     <p:spTree>
@@ -6312,7 +6846,23 @@
                 <a:pPr lvl="1"/>
                 <a:r>
                   <a:rPr lang="en-US" dirty="0"/>
-                  <a:t>The error term still contains time-vary and time-invariant factors affecting </a:t>
+                  <a:t>The error term still contains </a:t>
+                </a:r>
+                <a:r>
+                  <a:rPr lang="en-US" b="1" dirty="0"/>
+                  <a:t>time-vary</a:t>
+                </a:r>
+                <a:r>
+                  <a:rPr lang="en-US" dirty="0"/>
+                  <a:t> and </a:t>
+                </a:r>
+                <a:r>
+                  <a:rPr lang="en-US" b="1" dirty="0"/>
+                  <a:t>time-invariant factors </a:t>
+                </a:r>
+                <a:r>
+                  <a:rPr lang="en-US" dirty="0"/>
+                  <a:t>affecting </a:t>
                 </a:r>
                 <a14:m>
                   <m:oMath xmlns:m="http://schemas.openxmlformats.org/officeDocument/2006/math">
@@ -6355,14 +6905,30 @@
                 <a:pPr lvl="1"/>
                 <a:r>
                   <a:rPr lang="en-US" dirty="0"/>
-                  <a:t>We can control for secular trends over time with time binaries</a:t>
+                  <a:t>We can control for </a:t>
+                </a:r>
+                <a:r>
+                  <a:rPr lang="en-US" b="1" dirty="0"/>
+                  <a:t>secular trends </a:t>
+                </a:r>
+                <a:r>
+                  <a:rPr lang="en-US" dirty="0"/>
+                  <a:t>over time with time binaries</a:t>
                 </a:r>
               </a:p>
               <a:p>
                 <a:pPr lvl="1"/>
                 <a:r>
                   <a:rPr lang="en-US" dirty="0"/>
-                  <a:t>We can control for time-invariant observed and unobserved factors through unit of analysis binaries</a:t>
+                  <a:t>We can control for </a:t>
+                </a:r>
+                <a:r>
+                  <a:rPr lang="en-US" b="1" dirty="0"/>
+                  <a:t>time-invariant observed and unobserved factors </a:t>
+                </a:r>
+                <a:r>
+                  <a:rPr lang="en-US" dirty="0"/>
+                  <a:t>through unit of analysis binaries</a:t>
                 </a:r>
               </a:p>
               <a:p>
@@ -6758,7 +7324,7 @@
 </p:sld>
 </file>
 
-<file path=ppt/slides/slide17.xml><?xml version="1.0" encoding="utf-8"?>
+<file path=ppt/slides/slide18.xml><?xml version="1.0" encoding="utf-8"?>
 <p:sld xmlns:a="http://schemas.openxmlformats.org/drawingml/2006/main" xmlns:r="http://schemas.openxmlformats.org/officeDocument/2006/relationships" xmlns:p="http://schemas.openxmlformats.org/presentationml/2006/main">
   <p:cSld>
     <p:spTree>
@@ -6870,13 +7436,17 @@
                 </a14:m>
                 <a:r>
                   <a:rPr lang="en-US" dirty="0"/>
-                  <a:t> are usually referred to as fixed effects</a:t>
+                  <a:t> are usually referred to as </a:t>
+                </a:r>
+                <a:r>
+                  <a:rPr lang="en-US" b="1" dirty="0"/>
+                  <a:t>fixed effects</a:t>
                 </a:r>
               </a:p>
               <a:p>
                 <a:pPr lvl="1"/>
                 <a:r>
-                  <a:rPr lang="en-US" dirty="0"/>
+                  <a:rPr lang="en-US" b="1" dirty="0"/>
                   <a:t>These capture all observed and unobserved factors that do not vary over time</a:t>
                 </a:r>
               </a:p>
@@ -7056,7 +7626,7 @@
               <a:blipFill>
                 <a:blip r:embed="rId2"/>
                 <a:stretch>
-                  <a:fillRect l="-1086" t="-2326" r="-483"/>
+                  <a:fillRect l="-1086" t="-2326"/>
                 </a:stretch>
               </a:blipFill>
             </p:spPr>
@@ -7088,7 +7658,7 @@
 </p:sld>
 </file>
 
-<file path=ppt/slides/slide18.xml><?xml version="1.0" encoding="utf-8"?>
+<file path=ppt/slides/slide19.xml><?xml version="1.0" encoding="utf-8"?>
 <p:sld xmlns:a="http://schemas.openxmlformats.org/drawingml/2006/main" xmlns:r="http://schemas.openxmlformats.org/officeDocument/2006/relationships" xmlns:p="http://schemas.openxmlformats.org/presentationml/2006/main">
   <p:cSld>
     <p:spTree>
@@ -7279,13 +7849,7 @@
                           <a:rPr lang="en-US" b="0" i="1" smtClean="0">
                             <a:latin typeface="Cambria Math" panose="02040503050406030204" pitchFamily="18" charset="0"/>
                           </a:rPr>
-                          <m:t>1</m:t>
-                        </m:r>
-                        <m:r>
-                          <a:rPr lang="en-US" b="0" i="1" smtClean="0">
-                            <a:latin typeface="Cambria Math" panose="02040503050406030204" pitchFamily="18" charset="0"/>
-                          </a:rPr>
-                          <m:t>,</m:t>
+                          <m:t>1,</m:t>
                         </m:r>
                         <m:r>
                           <a:rPr lang="en-US" b="0" i="1" smtClean="0">
@@ -7487,6 +8051,44 @@
                   <a:rPr lang="en-US" dirty="0"/>
                   <a:t>We’ll see similar error when we discuss time-series analysis</a:t>
                 </a:r>
+              </a:p>
+              <a:p>
+                <a:r>
+                  <a:rPr lang="en-US" dirty="0"/>
+                  <a:t>Note</a:t>
+                </a:r>
+              </a:p>
+              <a:p>
+                <a:pPr lvl="1"/>
+                <a:r>
+                  <a:rPr lang="en-US" dirty="0"/>
+                  <a:t>The idiosyncratic error contains time </a:t>
+                </a:r>
+                <a14:m>
+                  <m:oMath xmlns:m="http://schemas.openxmlformats.org/officeDocument/2006/math">
+                    <m:r>
+                      <a:rPr lang="en-US" b="0" i="1" smtClean="0">
+                        <a:latin typeface="Cambria Math" panose="02040503050406030204" pitchFamily="18" charset="0"/>
+                      </a:rPr>
+                      <m:t>𝑡</m:t>
+                    </m:r>
+                  </m:oMath>
+                </a14:m>
+                <a:r>
+                  <a:rPr lang="en-US" dirty="0"/>
+                  <a:t> and unit of observation </a:t>
+                </a:r>
+                <a14:m>
+                  <m:oMath xmlns:m="http://schemas.openxmlformats.org/officeDocument/2006/math">
+                    <m:r>
+                      <a:rPr lang="en-US" b="0" i="1" smtClean="0">
+                        <a:latin typeface="Cambria Math" panose="02040503050406030204" pitchFamily="18" charset="0"/>
+                      </a:rPr>
+                      <m:t>𝑖</m:t>
+                    </m:r>
+                  </m:oMath>
+                </a14:m>
+                <a:endParaRPr lang="en-US" dirty="0"/>
               </a:p>
               <a:p>
                 <a:pPr lvl="2"/>
@@ -7552,7 +8154,117 @@
 </p:sld>
 </file>
 
-<file path=ppt/slides/slide19.xml><?xml version="1.0" encoding="utf-8"?>
+<file path=ppt/slides/slide2.xml><?xml version="1.0" encoding="utf-8"?>
+<p:sld xmlns:a="http://schemas.openxmlformats.org/drawingml/2006/main" xmlns:r="http://schemas.openxmlformats.org/officeDocument/2006/relationships" xmlns:p="http://schemas.openxmlformats.org/presentationml/2006/main">
+  <p:cSld>
+    <p:spTree>
+      <p:nvGrpSpPr>
+        <p:cNvPr id="1" name=""/>
+        <p:cNvGrpSpPr/>
+        <p:nvPr/>
+      </p:nvGrpSpPr>
+      <p:grpSpPr>
+        <a:xfrm>
+          <a:off x="0" y="0"/>
+          <a:ext cx="0" cy="0"/>
+          <a:chOff x="0" y="0"/>
+          <a:chExt cx="0" cy="0"/>
+        </a:xfrm>
+      </p:grpSpPr>
+      <p:sp>
+        <p:nvSpPr>
+          <p:cNvPr id="2" name="Title 1">
+            <a:extLst>
+              <a:ext uri="{FF2B5EF4-FFF2-40B4-BE49-F238E27FC236}">
+                <a16:creationId xmlns:a16="http://schemas.microsoft.com/office/drawing/2014/main" id="{66B69E26-C80C-F6D8-DCFE-A28A8278E952}"/>
+              </a:ext>
+            </a:extLst>
+          </p:cNvPr>
+          <p:cNvSpPr>
+            <a:spLocks noGrp="1"/>
+          </p:cNvSpPr>
+          <p:nvPr>
+            <p:ph type="title"/>
+          </p:nvPr>
+        </p:nvSpPr>
+        <p:spPr/>
+        <p:txBody>
+          <a:bodyPr/>
+          <a:lstStyle/>
+          <a:p>
+            <a:r>
+              <a:rPr lang="en-US" dirty="0"/>
+              <a:t>Announcements</a:t>
+            </a:r>
+          </a:p>
+        </p:txBody>
+      </p:sp>
+      <p:sp>
+        <p:nvSpPr>
+          <p:cNvPr id="3" name="Content Placeholder 2">
+            <a:extLst>
+              <a:ext uri="{FF2B5EF4-FFF2-40B4-BE49-F238E27FC236}">
+                <a16:creationId xmlns:a16="http://schemas.microsoft.com/office/drawing/2014/main" id="{2076F685-E304-6436-4C3B-35FFEB882F0A}"/>
+              </a:ext>
+            </a:extLst>
+          </p:cNvPr>
+          <p:cNvSpPr>
+            <a:spLocks noGrp="1"/>
+          </p:cNvSpPr>
+          <p:nvPr>
+            <p:ph idx="1"/>
+          </p:nvPr>
+        </p:nvSpPr>
+        <p:spPr/>
+        <p:txBody>
+          <a:bodyPr/>
+          <a:lstStyle/>
+          <a:p>
+            <a:r>
+              <a:rPr lang="en-US" dirty="0"/>
+              <a:t>Discussion 3 is available</a:t>
+            </a:r>
+          </a:p>
+          <a:p>
+            <a:r>
+              <a:rPr lang="en-US" dirty="0"/>
+              <a:t>Problem Set 1 – Instrumental Variables is available </a:t>
+            </a:r>
+          </a:p>
+          <a:p>
+            <a:pPr lvl="1"/>
+            <a:r>
+              <a:rPr lang="en-US" dirty="0"/>
+              <a:t>Due April 1</a:t>
+            </a:r>
+            <a:r>
+              <a:rPr lang="en-US" baseline="30000" dirty="0"/>
+              <a:t>st</a:t>
+            </a:r>
+            <a:endParaRPr lang="en-US" dirty="0"/>
+          </a:p>
+          <a:p>
+            <a:pPr marL="457200" lvl="1" indent="0">
+              <a:buNone/>
+            </a:pPr>
+            <a:endParaRPr lang="en-US" dirty="0"/>
+          </a:p>
+        </p:txBody>
+      </p:sp>
+    </p:spTree>
+    <p:extLst>
+      <p:ext uri="{BB962C8B-B14F-4D97-AF65-F5344CB8AC3E}">
+        <p14:creationId xmlns:p14="http://schemas.microsoft.com/office/powerpoint/2010/main" val="1136201277"/>
+      </p:ext>
+    </p:extLst>
+  </p:cSld>
+  <p:clrMapOvr>
+    <a:masterClrMapping/>
+  </p:clrMapOvr>
+</p:sld>
+</file>
+
+<file path=ppt/slides/slide20.xml><?xml version="1.0" encoding="utf-8"?>
 <p:sld xmlns:a="http://schemas.openxmlformats.org/drawingml/2006/main" xmlns:r="http://schemas.openxmlformats.org/officeDocument/2006/relationships" xmlns:p="http://schemas.openxmlformats.org/presentationml/2006/main">
   <p:cSld>
     <p:spTree>
@@ -7615,10 +8327,15 @@
                 <p:ph idx="1"/>
               </p:nvPr>
             </p:nvSpPr>
-            <p:spPr/>
+            <p:spPr>
+              <a:xfrm>
+                <a:off x="838200" y="1825624"/>
+                <a:ext cx="10515600" cy="5032375"/>
+              </a:xfrm>
+            </p:spPr>
             <p:txBody>
               <a:bodyPr>
-                <a:normAutofit fontScale="85000" lnSpcReduction="20000"/>
+                <a:normAutofit fontScale="85000" lnSpcReduction="10000"/>
               </a:bodyPr>
               <a:lstStyle/>
               <a:p>
@@ -7628,17 +8345,41 @@
                 </a:r>
               </a:p>
               <a:p>
+                <a:pPr marL="0" indent="0">
+                  <a:buNone/>
+                </a:pPr>
                 <a:endParaRPr lang="en-US" dirty="0"/>
               </a:p>
               <a:p>
-                <a:r>
-                  <a:rPr lang="en-US" dirty="0"/>
-                  <a:t>1) Fixed Effects (Within) Estimator</a:t>
+                <a:pPr marL="514350" indent="-514350">
+                  <a:buFont typeface="+mj-lt"/>
+                  <a:buAutoNum type="arabicPeriod"/>
+                </a:pPr>
+                <a:r>
+                  <a:rPr lang="en-US" dirty="0"/>
+                  <a:t>First-Difference Estimator</a:t>
                 </a:r>
               </a:p>
               <a:p>
                 <a:pPr lvl="1"/>
                 <a:r>
+                  <a:rPr lang="en-US" b="1" dirty="0"/>
+                  <a:t>We look at the change, or the difference, within the dependent and explanatory variables between 2 periods</a:t>
+                </a:r>
+              </a:p>
+              <a:p>
+                <a:pPr marL="514350" indent="-514350">
+                  <a:buFont typeface="+mj-lt"/>
+                  <a:buAutoNum type="arabicPeriod"/>
+                </a:pPr>
+                <a:r>
+                  <a:rPr lang="en-US" dirty="0"/>
+                  <a:t>Fixed Effects (Within) Estimator</a:t>
+                </a:r>
+              </a:p>
+              <a:p>
+                <a:pPr lvl="1"/>
+                <a:r>
                   <a:rPr lang="en-US" dirty="0"/>
                   <a:t>We eliminate time-invariant heterogeneity by looking at variation within a unit of analysis</a:t>
                 </a:r>
@@ -7646,8 +8387,12 @@
               <a:p>
                 <a:pPr lvl="1"/>
                 <a:r>
-                  <a:rPr lang="en-US" dirty="0"/>
-                  <a:t>We demean each variable (subtract each observation from the mean)</a:t>
+                  <a:rPr lang="en-US" b="1" dirty="0"/>
+                  <a:t>We demean each variable </a:t>
+                </a:r>
+                <a:r>
+                  <a:rPr lang="en-US" dirty="0"/>
+                  <a:t>(subtract each observation from the mean)</a:t>
                 </a:r>
               </a:p>
               <a:p>
@@ -7658,14 +8403,29 @@
                 </a:r>
               </a:p>
               <a:p>
-                <a:r>
-                  <a:rPr lang="en-US" dirty="0"/>
-                  <a:t>2) Least-Squares Dummy Variable Estimator (LSDV)</a:t>
-                </a:r>
-              </a:p>
-              <a:p>
                 <a:pPr lvl="1"/>
                 <a:r>
+                  <a:rPr lang="en-US" b="1" dirty="0"/>
+                  <a:t>We look at variation within a unit of observation – </a:t>
+                </a:r>
+                <a:r>
+                  <a:rPr lang="en-US" dirty="0"/>
+                  <a:t>hence Within Estimator</a:t>
+                </a:r>
+              </a:p>
+              <a:p>
+                <a:pPr marL="514350" indent="-514350">
+                  <a:buFont typeface="+mj-lt"/>
+                  <a:buAutoNum type="arabicPeriod"/>
+                </a:pPr>
+                <a:r>
+                  <a:rPr lang="en-US" dirty="0"/>
+                  <a:t>Least-Squares Dummy Variable Estimator (LSDV)</a:t>
+                </a:r>
+              </a:p>
+              <a:p>
+                <a:pPr lvl="1"/>
+                <a:r>
                   <a:rPr lang="en-US" dirty="0"/>
                   <a:t>Binaries for each unit of analysis</a:t>
                 </a:r>
@@ -7673,28 +8433,7 @@
               <a:p>
                 <a:r>
                   <a:rPr lang="en-US" dirty="0"/>
-                  <a:t>3) First-Difference Estimator</a:t>
-                </a:r>
-              </a:p>
-              <a:p>
-                <a:pPr lvl="1"/>
-                <a:r>
-                  <a:rPr lang="en-US" dirty="0"/>
-                  <a:t>We look at the change, or the difference, within the dependent and explanatory variables between 2 periods</a:t>
-                </a:r>
-              </a:p>
-              <a:p>
-                <a:pPr lvl="1"/>
-                <a:r>
-                  <a:rPr lang="en-US" dirty="0"/>
-                  <a:t>Note:</a:t>
-                </a:r>
-              </a:p>
-              <a:p>
-                <a:pPr lvl="2"/>
-                <a:r>
-                  <a:rPr lang="en-US" dirty="0"/>
-                  <a:t>When </a:t>
+                  <a:t>Note: When </a:t>
                 </a:r>
                 <a14:m>
                   <m:oMath xmlns:m="http://schemas.openxmlformats.org/officeDocument/2006/math">
@@ -7716,6 +8455,17 @@
                   <a:rPr lang="en-US" dirty="0"/>
                   <a:t>,  FE/Within, LSDV, and First-Difference Estimators are similar</a:t>
                 </a:r>
+              </a:p>
+              <a:p>
+                <a:pPr lvl="1"/>
+                <a:endParaRPr lang="en-US" dirty="0"/>
+              </a:p>
+              <a:p>
+                <a:endParaRPr lang="en-US" dirty="0"/>
+              </a:p>
+              <a:p>
+                <a:pPr lvl="2"/>
+                <a:endParaRPr lang="en-US" dirty="0"/>
               </a:p>
               <a:p>
                 <a:pPr lvl="1"/>
@@ -7746,10 +8496,14 @@
               </p:nvPr>
             </p:nvSpPr>
             <p:spPr>
+              <a:xfrm>
+                <a:off x="838200" y="1825624"/>
+                <a:ext cx="10515600" cy="5032375"/>
+              </a:xfrm>
               <a:blipFill>
                 <a:blip r:embed="rId2"/>
                 <a:stretch>
-                  <a:fillRect l="-844" t="-3198" r="-483"/>
+                  <a:fillRect l="-965" t="-2267" r="-483"/>
                 </a:stretch>
               </a:blipFill>
             </p:spPr>
@@ -7772,1699 +8526,6 @@
     <p:extLst>
       <p:ext uri="{BB962C8B-B14F-4D97-AF65-F5344CB8AC3E}">
         <p14:creationId xmlns:p14="http://schemas.microsoft.com/office/powerpoint/2010/main" val="3237428693"/>
-      </p:ext>
-    </p:extLst>
-  </p:cSld>
-  <p:clrMapOvr>
-    <a:masterClrMapping/>
-  </p:clrMapOvr>
-</p:sld>
-</file>
-
-<file path=ppt/slides/slide2.xml><?xml version="1.0" encoding="utf-8"?>
-<p:sld xmlns:a="http://schemas.openxmlformats.org/drawingml/2006/main" xmlns:r="http://schemas.openxmlformats.org/officeDocument/2006/relationships" xmlns:p="http://schemas.openxmlformats.org/presentationml/2006/main">
-  <p:cSld>
-    <p:spTree>
-      <p:nvGrpSpPr>
-        <p:cNvPr id="1" name=""/>
-        <p:cNvGrpSpPr/>
-        <p:nvPr/>
-      </p:nvGrpSpPr>
-      <p:grpSpPr>
-        <a:xfrm>
-          <a:off x="0" y="0"/>
-          <a:ext cx="0" cy="0"/>
-          <a:chOff x="0" y="0"/>
-          <a:chExt cx="0" cy="0"/>
-        </a:xfrm>
-      </p:grpSpPr>
-      <p:sp>
-        <p:nvSpPr>
-          <p:cNvPr id="2" name="Title 1">
-            <a:extLst>
-              <a:ext uri="{FF2B5EF4-FFF2-40B4-BE49-F238E27FC236}">
-                <a16:creationId xmlns:a16="http://schemas.microsoft.com/office/drawing/2014/main" id="{50EB53BF-8570-F673-6CAC-1BAF659F680F}"/>
-              </a:ext>
-            </a:extLst>
-          </p:cNvPr>
-          <p:cNvSpPr>
-            <a:spLocks noGrp="1"/>
-          </p:cNvSpPr>
-          <p:nvPr>
-            <p:ph type="title"/>
-          </p:nvPr>
-        </p:nvSpPr>
-        <p:spPr/>
-        <p:txBody>
-          <a:bodyPr/>
-          <a:lstStyle/>
-          <a:p>
-            <a:r>
-              <a:rPr lang="en-US" dirty="0"/>
-              <a:t>Overview</a:t>
-            </a:r>
-          </a:p>
-        </p:txBody>
-      </p:sp>
-      <p:sp>
-        <p:nvSpPr>
-          <p:cNvPr id="3" name="Content Placeholder 2">
-            <a:extLst>
-              <a:ext uri="{FF2B5EF4-FFF2-40B4-BE49-F238E27FC236}">
-                <a16:creationId xmlns:a16="http://schemas.microsoft.com/office/drawing/2014/main" id="{D2C814BD-5F47-3586-C661-4AF98D2476AF}"/>
-              </a:ext>
-            </a:extLst>
-          </p:cNvPr>
-          <p:cNvSpPr>
-            <a:spLocks noGrp="1"/>
-          </p:cNvSpPr>
-          <p:nvPr>
-            <p:ph idx="1"/>
-          </p:nvPr>
-        </p:nvSpPr>
-        <p:spPr/>
-        <p:txBody>
-          <a:bodyPr>
-            <a:normAutofit/>
-          </a:bodyPr>
-          <a:lstStyle/>
-          <a:p>
-            <a:r>
-              <a:rPr lang="en-US" dirty="0"/>
-              <a:t>Pooling independent cross sections across time</a:t>
-            </a:r>
-          </a:p>
-          <a:p>
-            <a:r>
-              <a:rPr lang="en-US" dirty="0"/>
-              <a:t>Two-period panel data analysis</a:t>
-            </a:r>
-          </a:p>
-          <a:p>
-            <a:r>
-              <a:rPr lang="en-US" dirty="0"/>
-              <a:t>Differencing with more than two time periods</a:t>
-            </a:r>
-          </a:p>
-          <a:p>
-            <a:r>
-              <a:rPr lang="en-US" dirty="0"/>
-              <a:t>Stata Examples and Work</a:t>
-            </a:r>
-          </a:p>
-        </p:txBody>
-      </p:sp>
-    </p:spTree>
-    <p:extLst>
-      <p:ext uri="{BB962C8B-B14F-4D97-AF65-F5344CB8AC3E}">
-        <p14:creationId xmlns:p14="http://schemas.microsoft.com/office/powerpoint/2010/main" val="297288293"/>
-      </p:ext>
-    </p:extLst>
-  </p:cSld>
-  <p:clrMapOvr>
-    <a:masterClrMapping/>
-  </p:clrMapOvr>
-</p:sld>
-</file>
-
-<file path=ppt/slides/slide20.xml><?xml version="1.0" encoding="utf-8"?>
-<p:sld xmlns:a="http://schemas.openxmlformats.org/drawingml/2006/main" xmlns:r="http://schemas.openxmlformats.org/officeDocument/2006/relationships" xmlns:p="http://schemas.openxmlformats.org/presentationml/2006/main">
-  <p:cSld>
-    <p:spTree>
-      <p:nvGrpSpPr>
-        <p:cNvPr id="1" name=""/>
-        <p:cNvGrpSpPr/>
-        <p:nvPr/>
-      </p:nvGrpSpPr>
-      <p:grpSpPr>
-        <a:xfrm>
-          <a:off x="0" y="0"/>
-          <a:ext cx="0" cy="0"/>
-          <a:chOff x="0" y="0"/>
-          <a:chExt cx="0" cy="0"/>
-        </a:xfrm>
-      </p:grpSpPr>
-      <p:sp>
-        <p:nvSpPr>
-          <p:cNvPr id="2" name="Title 1">
-            <a:extLst>
-              <a:ext uri="{FF2B5EF4-FFF2-40B4-BE49-F238E27FC236}">
-                <a16:creationId xmlns:a16="http://schemas.microsoft.com/office/drawing/2014/main" id="{0CB68953-4473-DE42-8134-5D8DB4D15D44}"/>
-              </a:ext>
-            </a:extLst>
-          </p:cNvPr>
-          <p:cNvSpPr>
-            <a:spLocks noGrp="1"/>
-          </p:cNvSpPr>
-          <p:nvPr>
-            <p:ph type="title"/>
-          </p:nvPr>
-        </p:nvSpPr>
-        <p:spPr/>
-        <p:txBody>
-          <a:bodyPr/>
-          <a:lstStyle/>
-          <a:p>
-            <a:r>
-              <a:rPr lang="en-US" dirty="0"/>
-              <a:t>First-Difference Equation</a:t>
-            </a:r>
-          </a:p>
-        </p:txBody>
-      </p:sp>
-      <mc:AlternateContent xmlns:mc="http://schemas.openxmlformats.org/markup-compatibility/2006">
-        <mc:Choice xmlns:a14="http://schemas.microsoft.com/office/drawing/2010/main" Requires="a14">
-          <p:sp>
-            <p:nvSpPr>
-              <p:cNvPr id="3" name="Content Placeholder 2">
-                <a:extLst>
-                  <a:ext uri="{FF2B5EF4-FFF2-40B4-BE49-F238E27FC236}">
-                    <a16:creationId xmlns:a16="http://schemas.microsoft.com/office/drawing/2014/main" id="{0AE0C390-4C34-5244-049B-845F458D659B}"/>
-                  </a:ext>
-                </a:extLst>
-              </p:cNvPr>
-              <p:cNvSpPr>
-                <a:spLocks noGrp="1"/>
-              </p:cNvSpPr>
-              <p:nvPr>
-                <p:ph idx="1"/>
-              </p:nvPr>
-            </p:nvSpPr>
-            <p:spPr/>
-            <p:txBody>
-              <a:bodyPr>
-                <a:normAutofit lnSpcReduction="10000"/>
-              </a:bodyPr>
-              <a:lstStyle/>
-              <a:p>
-                <a:r>
-                  <a:rPr lang="en-US" dirty="0"/>
-                  <a:t>First-Differencing is another way to take care of time-invariant heterogeneity </a:t>
-                </a:r>
-                <a14:m>
-                  <m:oMath xmlns:m="http://schemas.openxmlformats.org/officeDocument/2006/math">
-                    <m:sSub>
-                      <m:sSubPr>
-                        <m:ctrlPr>
-                          <a:rPr lang="en-US" b="0" i="1" smtClean="0">
-                            <a:latin typeface="Cambria Math" panose="02040503050406030204" pitchFamily="18" charset="0"/>
-                          </a:rPr>
-                        </m:ctrlPr>
-                      </m:sSubPr>
-                      <m:e>
-                        <m:r>
-                          <a:rPr lang="en-US" b="0" i="1" smtClean="0">
-                            <a:latin typeface="Cambria Math" panose="02040503050406030204" pitchFamily="18" charset="0"/>
-                          </a:rPr>
-                          <m:t>𝑎</m:t>
-                        </m:r>
-                      </m:e>
-                      <m:sub>
-                        <m:r>
-                          <a:rPr lang="en-US" b="0" i="1" smtClean="0">
-                            <a:latin typeface="Cambria Math" panose="02040503050406030204" pitchFamily="18" charset="0"/>
-                          </a:rPr>
-                          <m:t>𝑖</m:t>
-                        </m:r>
-                      </m:sub>
-                    </m:sSub>
-                  </m:oMath>
-                </a14:m>
-                <a:endParaRPr lang="en-US" dirty="0"/>
-              </a:p>
-              <a:p>
-                <a:pPr lvl="1"/>
-                <a:r>
-                  <a:rPr lang="en-US" dirty="0"/>
-                  <a:t>We look at the change, or the difference, within the dependent and explanatory variables between 2 periods</a:t>
-                </a:r>
-              </a:p>
-              <a:p>
-                <a:pPr lvl="1"/>
-                <a14:m>
-                  <m:oMath xmlns:m="http://schemas.openxmlformats.org/officeDocument/2006/math">
-                    <m:sSub>
-                      <m:sSubPr>
-                        <m:ctrlPr>
-                          <a:rPr lang="en-US" b="0" i="1" smtClean="0">
-                            <a:latin typeface="Cambria Math" panose="02040503050406030204" pitchFamily="18" charset="0"/>
-                          </a:rPr>
-                        </m:ctrlPr>
-                      </m:sSubPr>
-                      <m:e>
-                        <m:r>
-                          <a:rPr lang="en-US" b="0" i="1" smtClean="0">
-                            <a:latin typeface="Cambria Math" panose="02040503050406030204" pitchFamily="18" charset="0"/>
-                          </a:rPr>
-                          <m:t>𝑦</m:t>
-                        </m:r>
-                      </m:e>
-                      <m:sub>
-                        <m:r>
-                          <a:rPr lang="en-US" b="0" i="1" smtClean="0">
-                            <a:latin typeface="Cambria Math" panose="02040503050406030204" pitchFamily="18" charset="0"/>
-                          </a:rPr>
-                          <m:t>𝑖𝑡</m:t>
-                        </m:r>
-                      </m:sub>
-                    </m:sSub>
-                    <m:r>
-                      <a:rPr lang="en-US" b="0" i="1" smtClean="0">
-                        <a:latin typeface="Cambria Math" panose="02040503050406030204" pitchFamily="18" charset="0"/>
-                      </a:rPr>
-                      <m:t>=</m:t>
-                    </m:r>
-                    <m:sSub>
-                      <m:sSubPr>
-                        <m:ctrlPr>
-                          <a:rPr lang="en-US" b="0" i="1" smtClean="0">
-                            <a:latin typeface="Cambria Math" panose="02040503050406030204" pitchFamily="18" charset="0"/>
-                          </a:rPr>
-                        </m:ctrlPr>
-                      </m:sSubPr>
-                      <m:e>
-                        <m:r>
-                          <a:rPr lang="en-US" b="0" i="1" smtClean="0">
-                            <a:latin typeface="Cambria Math" panose="02040503050406030204" pitchFamily="18" charset="0"/>
-                          </a:rPr>
-                          <m:t>𝛽</m:t>
-                        </m:r>
-                      </m:e>
-                      <m:sub>
-                        <m:r>
-                          <a:rPr lang="en-US" b="0" i="1" smtClean="0">
-                            <a:latin typeface="Cambria Math" panose="02040503050406030204" pitchFamily="18" charset="0"/>
-                          </a:rPr>
-                          <m:t>0</m:t>
-                        </m:r>
-                      </m:sub>
-                    </m:sSub>
-                    <m:r>
-                      <a:rPr lang="en-US" b="0" i="1" smtClean="0">
-                        <a:latin typeface="Cambria Math" panose="02040503050406030204" pitchFamily="18" charset="0"/>
-                      </a:rPr>
-                      <m:t>+</m:t>
-                    </m:r>
-                    <m:sSub>
-                      <m:sSubPr>
-                        <m:ctrlPr>
-                          <a:rPr lang="en-US" b="0" i="1" smtClean="0">
-                            <a:latin typeface="Cambria Math" panose="02040503050406030204" pitchFamily="18" charset="0"/>
-                          </a:rPr>
-                        </m:ctrlPr>
-                      </m:sSubPr>
-                      <m:e>
-                        <m:r>
-                          <a:rPr lang="en-US" b="0" i="1" smtClean="0">
-                            <a:latin typeface="Cambria Math" panose="02040503050406030204" pitchFamily="18" charset="0"/>
-                          </a:rPr>
-                          <m:t>𝛿</m:t>
-                        </m:r>
-                      </m:e>
-                      <m:sub>
-                        <m:r>
-                          <a:rPr lang="en-US" b="0" i="1" smtClean="0">
-                            <a:latin typeface="Cambria Math" panose="02040503050406030204" pitchFamily="18" charset="0"/>
-                          </a:rPr>
-                          <m:t>0</m:t>
-                        </m:r>
-                      </m:sub>
-                    </m:sSub>
-                    <m:r>
-                      <a:rPr lang="en-US" b="0" i="1" smtClean="0">
-                        <a:latin typeface="Cambria Math" panose="02040503050406030204" pitchFamily="18" charset="0"/>
-                      </a:rPr>
-                      <m:t>𝑑</m:t>
-                    </m:r>
-                    <m:sSub>
-                      <m:sSubPr>
-                        <m:ctrlPr>
-                          <a:rPr lang="en-US" b="0" i="1" smtClean="0">
-                            <a:latin typeface="Cambria Math" panose="02040503050406030204" pitchFamily="18" charset="0"/>
-                          </a:rPr>
-                        </m:ctrlPr>
-                      </m:sSubPr>
-                      <m:e>
-                        <m:r>
-                          <a:rPr lang="en-US" b="0" i="1" smtClean="0">
-                            <a:latin typeface="Cambria Math" panose="02040503050406030204" pitchFamily="18" charset="0"/>
-                          </a:rPr>
-                          <m:t>2</m:t>
-                        </m:r>
-                      </m:e>
-                      <m:sub>
-                        <m:r>
-                          <a:rPr lang="en-US" b="0" i="1" smtClean="0">
-                            <a:latin typeface="Cambria Math" panose="02040503050406030204" pitchFamily="18" charset="0"/>
-                          </a:rPr>
-                          <m:t>𝑡</m:t>
-                        </m:r>
-                      </m:sub>
-                    </m:sSub>
-                    <m:r>
-                      <a:rPr lang="en-US" b="0" i="1" smtClean="0">
-                        <a:latin typeface="Cambria Math" panose="02040503050406030204" pitchFamily="18" charset="0"/>
-                      </a:rPr>
-                      <m:t>+</m:t>
-                    </m:r>
-                    <m:sSub>
-                      <m:sSubPr>
-                        <m:ctrlPr>
-                          <a:rPr lang="en-US" b="0" i="1" smtClean="0">
-                            <a:latin typeface="Cambria Math" panose="02040503050406030204" pitchFamily="18" charset="0"/>
-                          </a:rPr>
-                        </m:ctrlPr>
-                      </m:sSubPr>
-                      <m:e>
-                        <m:r>
-                          <a:rPr lang="en-US" b="0" i="1" smtClean="0">
-                            <a:latin typeface="Cambria Math" panose="02040503050406030204" pitchFamily="18" charset="0"/>
-                          </a:rPr>
-                          <m:t>𝛽</m:t>
-                        </m:r>
-                      </m:e>
-                      <m:sub>
-                        <m:r>
-                          <a:rPr lang="en-US" b="0" i="1" smtClean="0">
-                            <a:latin typeface="Cambria Math" panose="02040503050406030204" pitchFamily="18" charset="0"/>
-                          </a:rPr>
-                          <m:t>1</m:t>
-                        </m:r>
-                      </m:sub>
-                    </m:sSub>
-                    <m:sSub>
-                      <m:sSubPr>
-                        <m:ctrlPr>
-                          <a:rPr lang="en-US" b="0" i="1" smtClean="0">
-                            <a:latin typeface="Cambria Math" panose="02040503050406030204" pitchFamily="18" charset="0"/>
-                          </a:rPr>
-                        </m:ctrlPr>
-                      </m:sSubPr>
-                      <m:e>
-                        <m:r>
-                          <a:rPr lang="en-US" b="0" i="1" smtClean="0">
-                            <a:latin typeface="Cambria Math" panose="02040503050406030204" pitchFamily="18" charset="0"/>
-                          </a:rPr>
-                          <m:t>𝑥</m:t>
-                        </m:r>
-                      </m:e>
-                      <m:sub>
-                        <m:r>
-                          <a:rPr lang="en-US" b="0" i="1" smtClean="0">
-                            <a:latin typeface="Cambria Math" panose="02040503050406030204" pitchFamily="18" charset="0"/>
-                          </a:rPr>
-                          <m:t>𝑖𝑡</m:t>
-                        </m:r>
-                      </m:sub>
-                    </m:sSub>
-                    <m:r>
-                      <a:rPr lang="en-US" b="0" i="1" smtClean="0">
-                        <a:latin typeface="Cambria Math" panose="02040503050406030204" pitchFamily="18" charset="0"/>
-                      </a:rPr>
-                      <m:t>+</m:t>
-                    </m:r>
-                    <m:sSub>
-                      <m:sSubPr>
-                        <m:ctrlPr>
-                          <a:rPr lang="en-US" b="0" i="1" smtClean="0">
-                            <a:latin typeface="Cambria Math" panose="02040503050406030204" pitchFamily="18" charset="0"/>
-                          </a:rPr>
-                        </m:ctrlPr>
-                      </m:sSubPr>
-                      <m:e>
-                        <m:r>
-                          <a:rPr lang="en-US" b="0" i="1" smtClean="0">
-                            <a:latin typeface="Cambria Math" panose="02040503050406030204" pitchFamily="18" charset="0"/>
-                          </a:rPr>
-                          <m:t>𝑎</m:t>
-                        </m:r>
-                      </m:e>
-                      <m:sub>
-                        <m:r>
-                          <a:rPr lang="en-US" b="0" i="1" smtClean="0">
-                            <a:latin typeface="Cambria Math" panose="02040503050406030204" pitchFamily="18" charset="0"/>
-                          </a:rPr>
-                          <m:t>𝑖</m:t>
-                        </m:r>
-                      </m:sub>
-                    </m:sSub>
-                    <m:r>
-                      <a:rPr lang="en-US" b="0" i="1" smtClean="0">
-                        <a:latin typeface="Cambria Math" panose="02040503050406030204" pitchFamily="18" charset="0"/>
-                      </a:rPr>
-                      <m:t>+</m:t>
-                    </m:r>
-                    <m:sSub>
-                      <m:sSubPr>
-                        <m:ctrlPr>
-                          <a:rPr lang="en-US" b="0" i="1" smtClean="0">
-                            <a:latin typeface="Cambria Math" panose="02040503050406030204" pitchFamily="18" charset="0"/>
-                          </a:rPr>
-                        </m:ctrlPr>
-                      </m:sSubPr>
-                      <m:e>
-                        <m:r>
-                          <a:rPr lang="en-US" b="0" i="1" smtClean="0">
-                            <a:latin typeface="Cambria Math" panose="02040503050406030204" pitchFamily="18" charset="0"/>
-                          </a:rPr>
-                          <m:t>𝑢</m:t>
-                        </m:r>
-                      </m:e>
-                      <m:sub>
-                        <m:r>
-                          <a:rPr lang="en-US" b="0" i="1" smtClean="0">
-                            <a:latin typeface="Cambria Math" panose="02040503050406030204" pitchFamily="18" charset="0"/>
-                          </a:rPr>
-                          <m:t>𝑖𝑡</m:t>
-                        </m:r>
-                      </m:sub>
-                    </m:sSub>
-                  </m:oMath>
-                </a14:m>
-                <a:endParaRPr lang="en-US" dirty="0"/>
-              </a:p>
-              <a:p>
-                <a:pPr lvl="1"/>
-                <a14:m>
-                  <m:oMath xmlns:m="http://schemas.openxmlformats.org/officeDocument/2006/math">
-                    <m:sSub>
-                      <m:sSubPr>
-                        <m:ctrlPr>
-                          <a:rPr lang="en-US" b="0" i="1" smtClean="0">
-                            <a:latin typeface="Cambria Math" panose="02040503050406030204" pitchFamily="18" charset="0"/>
-                          </a:rPr>
-                        </m:ctrlPr>
-                      </m:sSubPr>
-                      <m:e>
-                        <m:r>
-                          <a:rPr lang="en-US" b="0" i="1" smtClean="0">
-                            <a:latin typeface="Cambria Math" panose="02040503050406030204" pitchFamily="18" charset="0"/>
-                          </a:rPr>
-                          <m:t>𝑦</m:t>
-                        </m:r>
-                      </m:e>
-                      <m:sub>
-                        <m:r>
-                          <a:rPr lang="en-US" b="0" i="1" smtClean="0">
-                            <a:latin typeface="Cambria Math" panose="02040503050406030204" pitchFamily="18" charset="0"/>
-                          </a:rPr>
-                          <m:t>𝑖</m:t>
-                        </m:r>
-                        <m:r>
-                          <a:rPr lang="en-US" b="0" i="1" smtClean="0">
-                            <a:latin typeface="Cambria Math" panose="02040503050406030204" pitchFamily="18" charset="0"/>
-                          </a:rPr>
-                          <m:t>,2</m:t>
-                        </m:r>
-                      </m:sub>
-                    </m:sSub>
-                    <m:r>
-                      <a:rPr lang="en-US" b="0" i="1" smtClean="0">
-                        <a:latin typeface="Cambria Math" panose="02040503050406030204" pitchFamily="18" charset="0"/>
-                      </a:rPr>
-                      <m:t>=</m:t>
-                    </m:r>
-                    <m:d>
-                      <m:dPr>
-                        <m:ctrlPr>
-                          <a:rPr lang="en-US" b="0" i="1" smtClean="0">
-                            <a:latin typeface="Cambria Math" panose="02040503050406030204" pitchFamily="18" charset="0"/>
-                          </a:rPr>
-                        </m:ctrlPr>
-                      </m:dPr>
-                      <m:e>
-                        <m:sSub>
-                          <m:sSubPr>
-                            <m:ctrlPr>
-                              <a:rPr lang="en-US" b="0" i="1" smtClean="0">
-                                <a:latin typeface="Cambria Math" panose="02040503050406030204" pitchFamily="18" charset="0"/>
-                              </a:rPr>
-                            </m:ctrlPr>
-                          </m:sSubPr>
-                          <m:e>
-                            <m:r>
-                              <a:rPr lang="en-US" b="0" i="1" smtClean="0">
-                                <a:latin typeface="Cambria Math" panose="02040503050406030204" pitchFamily="18" charset="0"/>
-                              </a:rPr>
-                              <m:t>𝛽</m:t>
-                            </m:r>
-                          </m:e>
-                          <m:sub>
-                            <m:r>
-                              <a:rPr lang="en-US" b="0" i="1" smtClean="0">
-                                <a:latin typeface="Cambria Math" panose="02040503050406030204" pitchFamily="18" charset="0"/>
-                              </a:rPr>
-                              <m:t>0</m:t>
-                            </m:r>
-                          </m:sub>
-                        </m:sSub>
-                        <m:r>
-                          <a:rPr lang="en-US" b="0" i="1" smtClean="0">
-                            <a:latin typeface="Cambria Math" panose="02040503050406030204" pitchFamily="18" charset="0"/>
-                          </a:rPr>
-                          <m:t>+</m:t>
-                        </m:r>
-                        <m:sSub>
-                          <m:sSubPr>
-                            <m:ctrlPr>
-                              <a:rPr lang="en-US" b="0" i="1" smtClean="0">
-                                <a:latin typeface="Cambria Math" panose="02040503050406030204" pitchFamily="18" charset="0"/>
-                              </a:rPr>
-                            </m:ctrlPr>
-                          </m:sSubPr>
-                          <m:e>
-                            <m:r>
-                              <a:rPr lang="en-US" b="0" i="1" smtClean="0">
-                                <a:latin typeface="Cambria Math" panose="02040503050406030204" pitchFamily="18" charset="0"/>
-                              </a:rPr>
-                              <m:t>𝛿</m:t>
-                            </m:r>
-                          </m:e>
-                          <m:sub>
-                            <m:r>
-                              <a:rPr lang="en-US" b="0" i="1" smtClean="0">
-                                <a:latin typeface="Cambria Math" panose="02040503050406030204" pitchFamily="18" charset="0"/>
-                              </a:rPr>
-                              <m:t>0</m:t>
-                            </m:r>
-                          </m:sub>
-                        </m:sSub>
-                      </m:e>
-                    </m:d>
-                    <m:r>
-                      <a:rPr lang="en-US" b="0" i="1" smtClean="0">
-                        <a:latin typeface="Cambria Math" panose="02040503050406030204" pitchFamily="18" charset="0"/>
-                      </a:rPr>
-                      <m:t>+</m:t>
-                    </m:r>
-                    <m:sSub>
-                      <m:sSubPr>
-                        <m:ctrlPr>
-                          <a:rPr lang="en-US" b="0" i="1" smtClean="0">
-                            <a:latin typeface="Cambria Math" panose="02040503050406030204" pitchFamily="18" charset="0"/>
-                          </a:rPr>
-                        </m:ctrlPr>
-                      </m:sSubPr>
-                      <m:e>
-                        <m:r>
-                          <a:rPr lang="en-US" b="0" i="1" smtClean="0">
-                            <a:latin typeface="Cambria Math" panose="02040503050406030204" pitchFamily="18" charset="0"/>
-                          </a:rPr>
-                          <m:t>𝛽</m:t>
-                        </m:r>
-                      </m:e>
-                      <m:sub>
-                        <m:r>
-                          <a:rPr lang="en-US" b="0" i="1" smtClean="0">
-                            <a:latin typeface="Cambria Math" panose="02040503050406030204" pitchFamily="18" charset="0"/>
-                          </a:rPr>
-                          <m:t>1</m:t>
-                        </m:r>
-                      </m:sub>
-                    </m:sSub>
-                    <m:sSub>
-                      <m:sSubPr>
-                        <m:ctrlPr>
-                          <a:rPr lang="en-US" b="0" i="1" smtClean="0">
-                            <a:latin typeface="Cambria Math" panose="02040503050406030204" pitchFamily="18" charset="0"/>
-                          </a:rPr>
-                        </m:ctrlPr>
-                      </m:sSubPr>
-                      <m:e>
-                        <m:r>
-                          <a:rPr lang="en-US" b="0" i="1" smtClean="0">
-                            <a:latin typeface="Cambria Math" panose="02040503050406030204" pitchFamily="18" charset="0"/>
-                          </a:rPr>
-                          <m:t>𝑥</m:t>
-                        </m:r>
-                      </m:e>
-                      <m:sub>
-                        <m:r>
-                          <a:rPr lang="en-US" b="0" i="1" smtClean="0">
-                            <a:latin typeface="Cambria Math" panose="02040503050406030204" pitchFamily="18" charset="0"/>
-                          </a:rPr>
-                          <m:t>𝑖</m:t>
-                        </m:r>
-                        <m:r>
-                          <a:rPr lang="en-US" b="0" i="1" smtClean="0">
-                            <a:latin typeface="Cambria Math" panose="02040503050406030204" pitchFamily="18" charset="0"/>
-                          </a:rPr>
-                          <m:t>,2</m:t>
-                        </m:r>
-                      </m:sub>
-                    </m:sSub>
-                    <m:r>
-                      <a:rPr lang="en-US" b="0" i="1" smtClean="0">
-                        <a:latin typeface="Cambria Math" panose="02040503050406030204" pitchFamily="18" charset="0"/>
-                      </a:rPr>
-                      <m:t>+</m:t>
-                    </m:r>
-                    <m:sSub>
-                      <m:sSubPr>
-                        <m:ctrlPr>
-                          <a:rPr lang="en-US" b="0" i="1" smtClean="0">
-                            <a:latin typeface="Cambria Math" panose="02040503050406030204" pitchFamily="18" charset="0"/>
-                          </a:rPr>
-                        </m:ctrlPr>
-                      </m:sSubPr>
-                      <m:e>
-                        <m:r>
-                          <a:rPr lang="en-US" b="0" i="1" smtClean="0">
-                            <a:latin typeface="Cambria Math" panose="02040503050406030204" pitchFamily="18" charset="0"/>
-                          </a:rPr>
-                          <m:t>𝑎</m:t>
-                        </m:r>
-                      </m:e>
-                      <m:sub>
-                        <m:r>
-                          <a:rPr lang="en-US" b="0" i="1" smtClean="0">
-                            <a:latin typeface="Cambria Math" panose="02040503050406030204" pitchFamily="18" charset="0"/>
-                          </a:rPr>
-                          <m:t>𝑖</m:t>
-                        </m:r>
-                      </m:sub>
-                    </m:sSub>
-                    <m:r>
-                      <a:rPr lang="en-US" b="0" i="1" smtClean="0">
-                        <a:latin typeface="Cambria Math" panose="02040503050406030204" pitchFamily="18" charset="0"/>
-                      </a:rPr>
-                      <m:t>+</m:t>
-                    </m:r>
-                    <m:sSub>
-                      <m:sSubPr>
-                        <m:ctrlPr>
-                          <a:rPr lang="en-US" b="0" i="1" smtClean="0">
-                            <a:latin typeface="Cambria Math" panose="02040503050406030204" pitchFamily="18" charset="0"/>
-                          </a:rPr>
-                        </m:ctrlPr>
-                      </m:sSubPr>
-                      <m:e>
-                        <m:r>
-                          <a:rPr lang="en-US" b="0" i="1" smtClean="0">
-                            <a:latin typeface="Cambria Math" panose="02040503050406030204" pitchFamily="18" charset="0"/>
-                          </a:rPr>
-                          <m:t>𝑢</m:t>
-                        </m:r>
-                      </m:e>
-                      <m:sub>
-                        <m:r>
-                          <a:rPr lang="en-US" b="0" i="1" smtClean="0">
-                            <a:latin typeface="Cambria Math" panose="02040503050406030204" pitchFamily="18" charset="0"/>
-                          </a:rPr>
-                          <m:t>𝑖</m:t>
-                        </m:r>
-                        <m:r>
-                          <a:rPr lang="en-US" b="0" i="1" smtClean="0">
-                            <a:latin typeface="Cambria Math" panose="02040503050406030204" pitchFamily="18" charset="0"/>
-                          </a:rPr>
-                          <m:t>,2</m:t>
-                        </m:r>
-                      </m:sub>
-                    </m:sSub>
-                  </m:oMath>
-                </a14:m>
-                <a:r>
-                  <a:rPr lang="en-US" dirty="0"/>
-                  <a:t> for </a:t>
-                </a:r>
-                <a14:m>
-                  <m:oMath xmlns:m="http://schemas.openxmlformats.org/officeDocument/2006/math">
-                    <m:r>
-                      <a:rPr lang="en-US" b="0" i="1" smtClean="0">
-                        <a:latin typeface="Cambria Math" panose="02040503050406030204" pitchFamily="18" charset="0"/>
-                      </a:rPr>
-                      <m:t>𝑡</m:t>
-                    </m:r>
-                    <m:r>
-                      <a:rPr lang="en-US" b="0" i="1" smtClean="0">
-                        <a:latin typeface="Cambria Math" panose="02040503050406030204" pitchFamily="18" charset="0"/>
-                      </a:rPr>
-                      <m:t>=2</m:t>
-                    </m:r>
-                  </m:oMath>
-                </a14:m>
-                <a:endParaRPr lang="en-US" dirty="0"/>
-              </a:p>
-              <a:p>
-                <a:pPr lvl="1"/>
-                <a14:m>
-                  <m:oMath xmlns:m="http://schemas.openxmlformats.org/officeDocument/2006/math">
-                    <m:sSub>
-                      <m:sSubPr>
-                        <m:ctrlPr>
-                          <a:rPr lang="en-US" b="0" i="1" smtClean="0">
-                            <a:latin typeface="Cambria Math" panose="02040503050406030204" pitchFamily="18" charset="0"/>
-                          </a:rPr>
-                        </m:ctrlPr>
-                      </m:sSubPr>
-                      <m:e>
-                        <m:r>
-                          <a:rPr lang="en-US" b="0" i="1" smtClean="0">
-                            <a:latin typeface="Cambria Math" panose="02040503050406030204" pitchFamily="18" charset="0"/>
-                          </a:rPr>
-                          <m:t>𝑦</m:t>
-                        </m:r>
-                      </m:e>
-                      <m:sub>
-                        <m:r>
-                          <a:rPr lang="en-US" b="0" i="1" smtClean="0">
-                            <a:latin typeface="Cambria Math" panose="02040503050406030204" pitchFamily="18" charset="0"/>
-                          </a:rPr>
-                          <m:t>𝑖</m:t>
-                        </m:r>
-                        <m:r>
-                          <a:rPr lang="en-US" b="0" i="1" smtClean="0">
-                            <a:latin typeface="Cambria Math" panose="02040503050406030204" pitchFamily="18" charset="0"/>
-                          </a:rPr>
-                          <m:t>,1</m:t>
-                        </m:r>
-                      </m:sub>
-                    </m:sSub>
-                    <m:r>
-                      <a:rPr lang="en-US" b="0" i="1" smtClean="0">
-                        <a:latin typeface="Cambria Math" panose="02040503050406030204" pitchFamily="18" charset="0"/>
-                      </a:rPr>
-                      <m:t>=</m:t>
-                    </m:r>
-                    <m:sSub>
-                      <m:sSubPr>
-                        <m:ctrlPr>
-                          <a:rPr lang="en-US" b="0" i="1" smtClean="0">
-                            <a:latin typeface="Cambria Math" panose="02040503050406030204" pitchFamily="18" charset="0"/>
-                          </a:rPr>
-                        </m:ctrlPr>
-                      </m:sSubPr>
-                      <m:e>
-                        <m:r>
-                          <a:rPr lang="en-US" b="0" i="1" smtClean="0">
-                            <a:latin typeface="Cambria Math" panose="02040503050406030204" pitchFamily="18" charset="0"/>
-                          </a:rPr>
-                          <m:t>𝛽</m:t>
-                        </m:r>
-                      </m:e>
-                      <m:sub>
-                        <m:r>
-                          <a:rPr lang="en-US" b="0" i="1" smtClean="0">
-                            <a:latin typeface="Cambria Math" panose="02040503050406030204" pitchFamily="18" charset="0"/>
-                          </a:rPr>
-                          <m:t>0</m:t>
-                        </m:r>
-                      </m:sub>
-                    </m:sSub>
-                    <m:r>
-                      <a:rPr lang="en-US" b="0" i="1" smtClean="0">
-                        <a:latin typeface="Cambria Math" panose="02040503050406030204" pitchFamily="18" charset="0"/>
-                      </a:rPr>
-                      <m:t>+</m:t>
-                    </m:r>
-                    <m:sSub>
-                      <m:sSubPr>
-                        <m:ctrlPr>
-                          <a:rPr lang="en-US" b="0" i="1" smtClean="0">
-                            <a:latin typeface="Cambria Math" panose="02040503050406030204" pitchFamily="18" charset="0"/>
-                          </a:rPr>
-                        </m:ctrlPr>
-                      </m:sSubPr>
-                      <m:e>
-                        <m:r>
-                          <a:rPr lang="en-US" b="0" i="1" smtClean="0">
-                            <a:latin typeface="Cambria Math" panose="02040503050406030204" pitchFamily="18" charset="0"/>
-                          </a:rPr>
-                          <m:t>𝛽</m:t>
-                        </m:r>
-                      </m:e>
-                      <m:sub>
-                        <m:r>
-                          <a:rPr lang="en-US" b="0" i="1" smtClean="0">
-                            <a:latin typeface="Cambria Math" panose="02040503050406030204" pitchFamily="18" charset="0"/>
-                          </a:rPr>
-                          <m:t>1</m:t>
-                        </m:r>
-                      </m:sub>
-                    </m:sSub>
-                    <m:sSub>
-                      <m:sSubPr>
-                        <m:ctrlPr>
-                          <a:rPr lang="en-US" b="0" i="1" smtClean="0">
-                            <a:latin typeface="Cambria Math" panose="02040503050406030204" pitchFamily="18" charset="0"/>
-                          </a:rPr>
-                        </m:ctrlPr>
-                      </m:sSubPr>
-                      <m:e>
-                        <m:r>
-                          <a:rPr lang="en-US" b="0" i="1" smtClean="0">
-                            <a:latin typeface="Cambria Math" panose="02040503050406030204" pitchFamily="18" charset="0"/>
-                          </a:rPr>
-                          <m:t>𝑥</m:t>
-                        </m:r>
-                      </m:e>
-                      <m:sub>
-                        <m:r>
-                          <a:rPr lang="en-US" b="0" i="1" smtClean="0">
-                            <a:latin typeface="Cambria Math" panose="02040503050406030204" pitchFamily="18" charset="0"/>
-                          </a:rPr>
-                          <m:t>𝑖</m:t>
-                        </m:r>
-                        <m:r>
-                          <a:rPr lang="en-US" b="0" i="1" smtClean="0">
-                            <a:latin typeface="Cambria Math" panose="02040503050406030204" pitchFamily="18" charset="0"/>
-                          </a:rPr>
-                          <m:t>,1</m:t>
-                        </m:r>
-                      </m:sub>
-                    </m:sSub>
-                    <m:r>
-                      <a:rPr lang="en-US" b="0" i="1" smtClean="0">
-                        <a:latin typeface="Cambria Math" panose="02040503050406030204" pitchFamily="18" charset="0"/>
-                      </a:rPr>
-                      <m:t>+</m:t>
-                    </m:r>
-                    <m:sSub>
-                      <m:sSubPr>
-                        <m:ctrlPr>
-                          <a:rPr lang="en-US" b="0" i="1" smtClean="0">
-                            <a:latin typeface="Cambria Math" panose="02040503050406030204" pitchFamily="18" charset="0"/>
-                          </a:rPr>
-                        </m:ctrlPr>
-                      </m:sSubPr>
-                      <m:e>
-                        <m:r>
-                          <a:rPr lang="en-US" b="0" i="1" smtClean="0">
-                            <a:latin typeface="Cambria Math" panose="02040503050406030204" pitchFamily="18" charset="0"/>
-                          </a:rPr>
-                          <m:t>𝑎</m:t>
-                        </m:r>
-                      </m:e>
-                      <m:sub>
-                        <m:r>
-                          <a:rPr lang="en-US" b="0" i="1" smtClean="0">
-                            <a:latin typeface="Cambria Math" panose="02040503050406030204" pitchFamily="18" charset="0"/>
-                          </a:rPr>
-                          <m:t>𝑖</m:t>
-                        </m:r>
-                      </m:sub>
-                    </m:sSub>
-                    <m:r>
-                      <a:rPr lang="en-US" b="0" i="1" smtClean="0">
-                        <a:latin typeface="Cambria Math" panose="02040503050406030204" pitchFamily="18" charset="0"/>
-                      </a:rPr>
-                      <m:t>+</m:t>
-                    </m:r>
-                    <m:sSub>
-                      <m:sSubPr>
-                        <m:ctrlPr>
-                          <a:rPr lang="en-US" b="0" i="1" smtClean="0">
-                            <a:latin typeface="Cambria Math" panose="02040503050406030204" pitchFamily="18" charset="0"/>
-                          </a:rPr>
-                        </m:ctrlPr>
-                      </m:sSubPr>
-                      <m:e>
-                        <m:r>
-                          <a:rPr lang="en-US" b="0" i="1" smtClean="0">
-                            <a:latin typeface="Cambria Math" panose="02040503050406030204" pitchFamily="18" charset="0"/>
-                          </a:rPr>
-                          <m:t>𝑢</m:t>
-                        </m:r>
-                      </m:e>
-                      <m:sub>
-                        <m:r>
-                          <a:rPr lang="en-US" b="0" i="1" smtClean="0">
-                            <a:latin typeface="Cambria Math" panose="02040503050406030204" pitchFamily="18" charset="0"/>
-                          </a:rPr>
-                          <m:t>𝑖𝑡</m:t>
-                        </m:r>
-                      </m:sub>
-                    </m:sSub>
-                  </m:oMath>
-                </a14:m>
-                <a:r>
-                  <a:rPr lang="en-US" dirty="0"/>
-                  <a:t> for </a:t>
-                </a:r>
-                <a14:m>
-                  <m:oMath xmlns:m="http://schemas.openxmlformats.org/officeDocument/2006/math">
-                    <m:r>
-                      <a:rPr lang="en-US" b="0" i="1" smtClean="0">
-                        <a:latin typeface="Cambria Math" panose="02040503050406030204" pitchFamily="18" charset="0"/>
-                      </a:rPr>
-                      <m:t>𝑡</m:t>
-                    </m:r>
-                    <m:r>
-                      <a:rPr lang="en-US" b="0" i="1" smtClean="0">
-                        <a:latin typeface="Cambria Math" panose="02040503050406030204" pitchFamily="18" charset="0"/>
-                      </a:rPr>
-                      <m:t>=1</m:t>
-                    </m:r>
-                  </m:oMath>
-                </a14:m>
-                <a:endParaRPr lang="en-US" dirty="0"/>
-              </a:p>
-              <a:p>
-                <a:r>
-                  <a:rPr lang="en-US" dirty="0"/>
-                  <a:t>Subtract equation when </a:t>
-                </a:r>
-                <a14:m>
-                  <m:oMath xmlns:m="http://schemas.openxmlformats.org/officeDocument/2006/math">
-                    <m:r>
-                      <a:rPr lang="en-US" b="0" i="1" smtClean="0">
-                        <a:latin typeface="Cambria Math" panose="02040503050406030204" pitchFamily="18" charset="0"/>
-                      </a:rPr>
-                      <m:t>𝑡</m:t>
-                    </m:r>
-                    <m:r>
-                      <a:rPr lang="en-US" b="0" i="1" smtClean="0">
-                        <a:latin typeface="Cambria Math" panose="02040503050406030204" pitchFamily="18" charset="0"/>
-                      </a:rPr>
-                      <m:t>=2</m:t>
-                    </m:r>
-                  </m:oMath>
-                </a14:m>
-                <a:r>
-                  <a:rPr lang="en-US" dirty="0"/>
-                  <a:t> from the equation when </a:t>
-                </a:r>
-                <a14:m>
-                  <m:oMath xmlns:m="http://schemas.openxmlformats.org/officeDocument/2006/math">
-                    <m:r>
-                      <a:rPr lang="en-US" b="0" i="1" smtClean="0">
-                        <a:latin typeface="Cambria Math" panose="02040503050406030204" pitchFamily="18" charset="0"/>
-                      </a:rPr>
-                      <m:t>𝑡</m:t>
-                    </m:r>
-                    <m:r>
-                      <a:rPr lang="en-US" b="0" i="1" smtClean="0">
-                        <a:latin typeface="Cambria Math" panose="02040503050406030204" pitchFamily="18" charset="0"/>
-                      </a:rPr>
-                      <m:t>=1</m:t>
-                    </m:r>
-                  </m:oMath>
-                </a14:m>
-                <a:endParaRPr lang="en-US" dirty="0"/>
-              </a:p>
-              <a:p>
-                <a:pPr lvl="1"/>
-                <a14:m>
-                  <m:oMath xmlns:m="http://schemas.openxmlformats.org/officeDocument/2006/math">
-                    <m:d>
-                      <m:dPr>
-                        <m:ctrlPr>
-                          <a:rPr lang="en-US" b="0" i="1" smtClean="0">
-                            <a:latin typeface="Cambria Math" panose="02040503050406030204" pitchFamily="18" charset="0"/>
-                          </a:rPr>
-                        </m:ctrlPr>
-                      </m:dPr>
-                      <m:e>
-                        <m:sSub>
-                          <m:sSubPr>
-                            <m:ctrlPr>
-                              <a:rPr lang="en-US" b="0" i="1" smtClean="0">
-                                <a:latin typeface="Cambria Math" panose="02040503050406030204" pitchFamily="18" charset="0"/>
-                              </a:rPr>
-                            </m:ctrlPr>
-                          </m:sSubPr>
-                          <m:e>
-                            <m:r>
-                              <a:rPr lang="en-US" b="0" i="1" smtClean="0">
-                                <a:latin typeface="Cambria Math" panose="02040503050406030204" pitchFamily="18" charset="0"/>
-                              </a:rPr>
-                              <m:t>𝑦</m:t>
-                            </m:r>
-                          </m:e>
-                          <m:sub>
-                            <m:r>
-                              <a:rPr lang="en-US" b="0" i="1" smtClean="0">
-                                <a:latin typeface="Cambria Math" panose="02040503050406030204" pitchFamily="18" charset="0"/>
-                              </a:rPr>
-                              <m:t>𝑖</m:t>
-                            </m:r>
-                            <m:r>
-                              <a:rPr lang="en-US" b="0" i="1" smtClean="0">
-                                <a:latin typeface="Cambria Math" panose="02040503050406030204" pitchFamily="18" charset="0"/>
-                              </a:rPr>
-                              <m:t>2</m:t>
-                            </m:r>
-                          </m:sub>
-                        </m:sSub>
-                        <m:r>
-                          <a:rPr lang="en-US" b="0" i="1" smtClean="0">
-                            <a:latin typeface="Cambria Math" panose="02040503050406030204" pitchFamily="18" charset="0"/>
-                          </a:rPr>
-                          <m:t>−</m:t>
-                        </m:r>
-                        <m:sSub>
-                          <m:sSubPr>
-                            <m:ctrlPr>
-                              <a:rPr lang="en-US" b="0" i="1" smtClean="0">
-                                <a:latin typeface="Cambria Math" panose="02040503050406030204" pitchFamily="18" charset="0"/>
-                              </a:rPr>
-                            </m:ctrlPr>
-                          </m:sSubPr>
-                          <m:e>
-                            <m:r>
-                              <a:rPr lang="en-US" b="0" i="1" smtClean="0">
-                                <a:latin typeface="Cambria Math" panose="02040503050406030204" pitchFamily="18" charset="0"/>
-                              </a:rPr>
-                              <m:t>𝑦</m:t>
-                            </m:r>
-                          </m:e>
-                          <m:sub>
-                            <m:r>
-                              <a:rPr lang="en-US" b="0" i="1" smtClean="0">
-                                <a:latin typeface="Cambria Math" panose="02040503050406030204" pitchFamily="18" charset="0"/>
-                              </a:rPr>
-                              <m:t>𝑖</m:t>
-                            </m:r>
-                            <m:r>
-                              <a:rPr lang="en-US" b="0" i="1" smtClean="0">
-                                <a:latin typeface="Cambria Math" panose="02040503050406030204" pitchFamily="18" charset="0"/>
-                              </a:rPr>
-                              <m:t>1</m:t>
-                            </m:r>
-                          </m:sub>
-                        </m:sSub>
-                      </m:e>
-                    </m:d>
-                    <m:r>
-                      <a:rPr lang="en-US" b="0" i="1" smtClean="0">
-                        <a:latin typeface="Cambria Math" panose="02040503050406030204" pitchFamily="18" charset="0"/>
-                      </a:rPr>
-                      <m:t>=</m:t>
-                    </m:r>
-                    <m:d>
-                      <m:dPr>
-                        <m:ctrlPr>
-                          <a:rPr lang="en-US" b="0" i="1" smtClean="0">
-                            <a:latin typeface="Cambria Math" panose="02040503050406030204" pitchFamily="18" charset="0"/>
-                          </a:rPr>
-                        </m:ctrlPr>
-                      </m:dPr>
-                      <m:e>
-                        <m:sSub>
-                          <m:sSubPr>
-                            <m:ctrlPr>
-                              <a:rPr lang="en-US" b="0" i="1" smtClean="0">
-                                <a:latin typeface="Cambria Math" panose="02040503050406030204" pitchFamily="18" charset="0"/>
-                              </a:rPr>
-                            </m:ctrlPr>
-                          </m:sSubPr>
-                          <m:e>
-                            <m:r>
-                              <a:rPr lang="en-US" b="0" i="1" smtClean="0">
-                                <a:latin typeface="Cambria Math" panose="02040503050406030204" pitchFamily="18" charset="0"/>
-                              </a:rPr>
-                              <m:t>𝛽</m:t>
-                            </m:r>
-                          </m:e>
-                          <m:sub>
-                            <m:r>
-                              <a:rPr lang="en-US" b="0" i="1" smtClean="0">
-                                <a:latin typeface="Cambria Math" panose="02040503050406030204" pitchFamily="18" charset="0"/>
-                              </a:rPr>
-                              <m:t>0</m:t>
-                            </m:r>
-                          </m:sub>
-                        </m:sSub>
-                        <m:r>
-                          <a:rPr lang="en-US" b="0" i="1" smtClean="0">
-                            <a:latin typeface="Cambria Math" panose="02040503050406030204" pitchFamily="18" charset="0"/>
-                          </a:rPr>
-                          <m:t>−</m:t>
-                        </m:r>
-                        <m:sSub>
-                          <m:sSubPr>
-                            <m:ctrlPr>
-                              <a:rPr lang="en-US" b="0" i="1" smtClean="0">
-                                <a:latin typeface="Cambria Math" panose="02040503050406030204" pitchFamily="18" charset="0"/>
-                              </a:rPr>
-                            </m:ctrlPr>
-                          </m:sSubPr>
-                          <m:e>
-                            <m:r>
-                              <a:rPr lang="en-US" b="0" i="1" smtClean="0">
-                                <a:latin typeface="Cambria Math" panose="02040503050406030204" pitchFamily="18" charset="0"/>
-                              </a:rPr>
-                              <m:t>𝛽</m:t>
-                            </m:r>
-                          </m:e>
-                          <m:sub>
-                            <m:r>
-                              <a:rPr lang="en-US" b="0" i="1" smtClean="0">
-                                <a:latin typeface="Cambria Math" panose="02040503050406030204" pitchFamily="18" charset="0"/>
-                              </a:rPr>
-                              <m:t>0</m:t>
-                            </m:r>
-                          </m:sub>
-                        </m:sSub>
-                      </m:e>
-                    </m:d>
-                    <m:r>
-                      <a:rPr lang="en-US" b="0" i="1" smtClean="0">
-                        <a:latin typeface="Cambria Math" panose="02040503050406030204" pitchFamily="18" charset="0"/>
-                      </a:rPr>
-                      <m:t>+</m:t>
-                    </m:r>
-                    <m:sSub>
-                      <m:sSubPr>
-                        <m:ctrlPr>
-                          <a:rPr lang="en-US" b="0" i="1" smtClean="0">
-                            <a:latin typeface="Cambria Math" panose="02040503050406030204" pitchFamily="18" charset="0"/>
-                          </a:rPr>
-                        </m:ctrlPr>
-                      </m:sSubPr>
-                      <m:e>
-                        <m:r>
-                          <a:rPr lang="en-US" b="0" i="1" smtClean="0">
-                            <a:latin typeface="Cambria Math" panose="02040503050406030204" pitchFamily="18" charset="0"/>
-                          </a:rPr>
-                          <m:t>𝛿</m:t>
-                        </m:r>
-                      </m:e>
-                      <m:sub>
-                        <m:r>
-                          <a:rPr lang="en-US" b="0" i="1" smtClean="0">
-                            <a:latin typeface="Cambria Math" panose="02040503050406030204" pitchFamily="18" charset="0"/>
-                          </a:rPr>
-                          <m:t>0</m:t>
-                        </m:r>
-                      </m:sub>
-                    </m:sSub>
-                    <m:r>
-                      <a:rPr lang="en-US" b="0" i="1" smtClean="0">
-                        <a:latin typeface="Cambria Math" panose="02040503050406030204" pitchFamily="18" charset="0"/>
-                      </a:rPr>
-                      <m:t>+</m:t>
-                    </m:r>
-                    <m:sSub>
-                      <m:sSubPr>
-                        <m:ctrlPr>
-                          <a:rPr lang="en-US" b="0" i="1" smtClean="0">
-                            <a:latin typeface="Cambria Math" panose="02040503050406030204" pitchFamily="18" charset="0"/>
-                          </a:rPr>
-                        </m:ctrlPr>
-                      </m:sSubPr>
-                      <m:e>
-                        <m:r>
-                          <a:rPr lang="en-US" b="0" i="1" smtClean="0">
-                            <a:latin typeface="Cambria Math" panose="02040503050406030204" pitchFamily="18" charset="0"/>
-                          </a:rPr>
-                          <m:t>𝛽</m:t>
-                        </m:r>
-                      </m:e>
-                      <m:sub>
-                        <m:r>
-                          <a:rPr lang="en-US" b="0" i="1" smtClean="0">
-                            <a:latin typeface="Cambria Math" panose="02040503050406030204" pitchFamily="18" charset="0"/>
-                          </a:rPr>
-                          <m:t>1</m:t>
-                        </m:r>
-                      </m:sub>
-                    </m:sSub>
-                    <m:d>
-                      <m:dPr>
-                        <m:ctrlPr>
-                          <a:rPr lang="en-US" b="0" i="1" smtClean="0">
-                            <a:latin typeface="Cambria Math" panose="02040503050406030204" pitchFamily="18" charset="0"/>
-                          </a:rPr>
-                        </m:ctrlPr>
-                      </m:dPr>
-                      <m:e>
-                        <m:sSub>
-                          <m:sSubPr>
-                            <m:ctrlPr>
-                              <a:rPr lang="en-US" b="0" i="1" smtClean="0">
-                                <a:latin typeface="Cambria Math" panose="02040503050406030204" pitchFamily="18" charset="0"/>
-                              </a:rPr>
-                            </m:ctrlPr>
-                          </m:sSubPr>
-                          <m:e>
-                            <m:r>
-                              <a:rPr lang="en-US" b="0" i="1" smtClean="0">
-                                <a:latin typeface="Cambria Math" panose="02040503050406030204" pitchFamily="18" charset="0"/>
-                              </a:rPr>
-                              <m:t>𝑥</m:t>
-                            </m:r>
-                          </m:e>
-                          <m:sub>
-                            <m:r>
-                              <a:rPr lang="en-US" b="0" i="1" smtClean="0">
-                                <a:latin typeface="Cambria Math" panose="02040503050406030204" pitchFamily="18" charset="0"/>
-                              </a:rPr>
-                              <m:t>𝑖</m:t>
-                            </m:r>
-                            <m:r>
-                              <a:rPr lang="en-US" b="0" i="1" smtClean="0">
-                                <a:latin typeface="Cambria Math" panose="02040503050406030204" pitchFamily="18" charset="0"/>
-                              </a:rPr>
-                              <m:t>2</m:t>
-                            </m:r>
-                          </m:sub>
-                        </m:sSub>
-                        <m:r>
-                          <a:rPr lang="en-US" b="0" i="1" smtClean="0">
-                            <a:latin typeface="Cambria Math" panose="02040503050406030204" pitchFamily="18" charset="0"/>
-                          </a:rPr>
-                          <m:t>−</m:t>
-                        </m:r>
-                        <m:sSub>
-                          <m:sSubPr>
-                            <m:ctrlPr>
-                              <a:rPr lang="en-US" b="0" i="1" smtClean="0">
-                                <a:latin typeface="Cambria Math" panose="02040503050406030204" pitchFamily="18" charset="0"/>
-                              </a:rPr>
-                            </m:ctrlPr>
-                          </m:sSubPr>
-                          <m:e>
-                            <m:r>
-                              <a:rPr lang="en-US" b="0" i="1" smtClean="0">
-                                <a:latin typeface="Cambria Math" panose="02040503050406030204" pitchFamily="18" charset="0"/>
-                              </a:rPr>
-                              <m:t>𝑥</m:t>
-                            </m:r>
-                          </m:e>
-                          <m:sub>
-                            <m:r>
-                              <a:rPr lang="en-US" b="0" i="1" smtClean="0">
-                                <a:latin typeface="Cambria Math" panose="02040503050406030204" pitchFamily="18" charset="0"/>
-                              </a:rPr>
-                              <m:t>𝑖</m:t>
-                            </m:r>
-                            <m:r>
-                              <a:rPr lang="en-US" b="0" i="1" smtClean="0">
-                                <a:latin typeface="Cambria Math" panose="02040503050406030204" pitchFamily="18" charset="0"/>
-                              </a:rPr>
-                              <m:t>1</m:t>
-                            </m:r>
-                          </m:sub>
-                        </m:sSub>
-                      </m:e>
-                    </m:d>
-                    <m:r>
-                      <a:rPr lang="en-US" b="0" i="1" smtClean="0">
-                        <a:latin typeface="Cambria Math" panose="02040503050406030204" pitchFamily="18" charset="0"/>
-                      </a:rPr>
-                      <m:t>+</m:t>
-                    </m:r>
-                    <m:d>
-                      <m:dPr>
-                        <m:ctrlPr>
-                          <a:rPr lang="en-US" b="0" i="1" smtClean="0">
-                            <a:latin typeface="Cambria Math" panose="02040503050406030204" pitchFamily="18" charset="0"/>
-                          </a:rPr>
-                        </m:ctrlPr>
-                      </m:dPr>
-                      <m:e>
-                        <m:sSub>
-                          <m:sSubPr>
-                            <m:ctrlPr>
-                              <a:rPr lang="en-US" b="0" i="1" smtClean="0">
-                                <a:latin typeface="Cambria Math" panose="02040503050406030204" pitchFamily="18" charset="0"/>
-                              </a:rPr>
-                            </m:ctrlPr>
-                          </m:sSubPr>
-                          <m:e>
-                            <m:r>
-                              <a:rPr lang="en-US" b="0" i="1" smtClean="0">
-                                <a:latin typeface="Cambria Math" panose="02040503050406030204" pitchFamily="18" charset="0"/>
-                              </a:rPr>
-                              <m:t>𝑎</m:t>
-                            </m:r>
-                          </m:e>
-                          <m:sub>
-                            <m:r>
-                              <a:rPr lang="en-US" b="0" i="1" smtClean="0">
-                                <a:latin typeface="Cambria Math" panose="02040503050406030204" pitchFamily="18" charset="0"/>
-                              </a:rPr>
-                              <m:t>𝑖</m:t>
-                            </m:r>
-                          </m:sub>
-                        </m:sSub>
-                        <m:r>
-                          <a:rPr lang="en-US" b="0" i="1" smtClean="0">
-                            <a:latin typeface="Cambria Math" panose="02040503050406030204" pitchFamily="18" charset="0"/>
-                          </a:rPr>
-                          <m:t>−</m:t>
-                        </m:r>
-                        <m:sSub>
-                          <m:sSubPr>
-                            <m:ctrlPr>
-                              <a:rPr lang="en-US" b="0" i="1" smtClean="0">
-                                <a:latin typeface="Cambria Math" panose="02040503050406030204" pitchFamily="18" charset="0"/>
-                              </a:rPr>
-                            </m:ctrlPr>
-                          </m:sSubPr>
-                          <m:e>
-                            <m:r>
-                              <a:rPr lang="en-US" b="0" i="1" smtClean="0">
-                                <a:latin typeface="Cambria Math" panose="02040503050406030204" pitchFamily="18" charset="0"/>
-                              </a:rPr>
-                              <m:t>𝑎</m:t>
-                            </m:r>
-                          </m:e>
-                          <m:sub>
-                            <m:r>
-                              <a:rPr lang="en-US" b="0" i="1" smtClean="0">
-                                <a:latin typeface="Cambria Math" panose="02040503050406030204" pitchFamily="18" charset="0"/>
-                              </a:rPr>
-                              <m:t>𝑖</m:t>
-                            </m:r>
-                          </m:sub>
-                        </m:sSub>
-                      </m:e>
-                    </m:d>
-                    <m:r>
-                      <a:rPr lang="en-US" b="0" i="1" smtClean="0">
-                        <a:latin typeface="Cambria Math" panose="02040503050406030204" pitchFamily="18" charset="0"/>
-                      </a:rPr>
-                      <m:t>+</m:t>
-                    </m:r>
-                    <m:d>
-                      <m:dPr>
-                        <m:ctrlPr>
-                          <a:rPr lang="en-US" b="0" i="1" smtClean="0">
-                            <a:latin typeface="Cambria Math" panose="02040503050406030204" pitchFamily="18" charset="0"/>
-                          </a:rPr>
-                        </m:ctrlPr>
-                      </m:dPr>
-                      <m:e>
-                        <m:sSub>
-                          <m:sSubPr>
-                            <m:ctrlPr>
-                              <a:rPr lang="en-US" b="0" i="1" smtClean="0">
-                                <a:latin typeface="Cambria Math" panose="02040503050406030204" pitchFamily="18" charset="0"/>
-                              </a:rPr>
-                            </m:ctrlPr>
-                          </m:sSubPr>
-                          <m:e>
-                            <m:r>
-                              <a:rPr lang="en-US" b="0" i="1" smtClean="0">
-                                <a:latin typeface="Cambria Math" panose="02040503050406030204" pitchFamily="18" charset="0"/>
-                              </a:rPr>
-                              <m:t>𝑢</m:t>
-                            </m:r>
-                          </m:e>
-                          <m:sub>
-                            <m:r>
-                              <a:rPr lang="en-US" b="0" i="1" smtClean="0">
-                                <a:latin typeface="Cambria Math" panose="02040503050406030204" pitchFamily="18" charset="0"/>
-                              </a:rPr>
-                              <m:t>𝑖</m:t>
-                            </m:r>
-                            <m:r>
-                              <a:rPr lang="en-US" b="0" i="1" smtClean="0">
-                                <a:latin typeface="Cambria Math" panose="02040503050406030204" pitchFamily="18" charset="0"/>
-                              </a:rPr>
-                              <m:t>2</m:t>
-                            </m:r>
-                          </m:sub>
-                        </m:sSub>
-                        <m:r>
-                          <a:rPr lang="en-US" b="0" i="1" smtClean="0">
-                            <a:latin typeface="Cambria Math" panose="02040503050406030204" pitchFamily="18" charset="0"/>
-                          </a:rPr>
-                          <m:t>−</m:t>
-                        </m:r>
-                        <m:sSub>
-                          <m:sSubPr>
-                            <m:ctrlPr>
-                              <a:rPr lang="en-US" b="0" i="1" smtClean="0">
-                                <a:latin typeface="Cambria Math" panose="02040503050406030204" pitchFamily="18" charset="0"/>
-                              </a:rPr>
-                            </m:ctrlPr>
-                          </m:sSubPr>
-                          <m:e>
-                            <m:r>
-                              <a:rPr lang="en-US" b="0" i="1" smtClean="0">
-                                <a:latin typeface="Cambria Math" panose="02040503050406030204" pitchFamily="18" charset="0"/>
-                              </a:rPr>
-                              <m:t>𝑢</m:t>
-                            </m:r>
-                          </m:e>
-                          <m:sub>
-                            <m:r>
-                              <a:rPr lang="en-US" b="0" i="1" smtClean="0">
-                                <a:latin typeface="Cambria Math" panose="02040503050406030204" pitchFamily="18" charset="0"/>
-                              </a:rPr>
-                              <m:t>𝑖</m:t>
-                            </m:r>
-                            <m:r>
-                              <a:rPr lang="en-US" b="0" i="1" smtClean="0">
-                                <a:latin typeface="Cambria Math" panose="02040503050406030204" pitchFamily="18" charset="0"/>
-                              </a:rPr>
-                              <m:t>1</m:t>
-                            </m:r>
-                          </m:sub>
-                        </m:sSub>
-                      </m:e>
-                    </m:d>
-                  </m:oMath>
-                </a14:m>
-                <a:endParaRPr lang="en-US" b="0" dirty="0"/>
-              </a:p>
-              <a:p>
-                <a:r>
-                  <a:rPr lang="en-US" dirty="0"/>
-                  <a:t>Our first-differenced equation</a:t>
-                </a:r>
-                <a:endParaRPr lang="en-US" b="0" dirty="0"/>
-              </a:p>
-              <a:p>
-                <a:pPr lvl="1"/>
-                <a14:m>
-                  <m:oMath xmlns:m="http://schemas.openxmlformats.org/officeDocument/2006/math">
-                    <m:r>
-                      <m:rPr>
-                        <m:sty m:val="p"/>
-                      </m:rPr>
-                      <a:rPr lang="en-US" b="0" i="0" smtClean="0">
-                        <a:latin typeface="Cambria Math" panose="02040503050406030204" pitchFamily="18" charset="0"/>
-                      </a:rPr>
-                      <m:t>Δ</m:t>
-                    </m:r>
-                    <m:sSub>
-                      <m:sSubPr>
-                        <m:ctrlPr>
-                          <a:rPr lang="en-US" b="0" i="1" smtClean="0">
-                            <a:latin typeface="Cambria Math" panose="02040503050406030204" pitchFamily="18" charset="0"/>
-                          </a:rPr>
-                        </m:ctrlPr>
-                      </m:sSubPr>
-                      <m:e>
-                        <m:r>
-                          <a:rPr lang="en-US" b="0" i="1" smtClean="0">
-                            <a:latin typeface="Cambria Math" panose="02040503050406030204" pitchFamily="18" charset="0"/>
-                          </a:rPr>
-                          <m:t>𝑦</m:t>
-                        </m:r>
-                      </m:e>
-                      <m:sub>
-                        <m:r>
-                          <a:rPr lang="en-US" b="0" i="1" smtClean="0">
-                            <a:latin typeface="Cambria Math" panose="02040503050406030204" pitchFamily="18" charset="0"/>
-                          </a:rPr>
-                          <m:t>𝑖</m:t>
-                        </m:r>
-                      </m:sub>
-                    </m:sSub>
-                    <m:r>
-                      <a:rPr lang="en-US" b="0" i="1" smtClean="0">
-                        <a:latin typeface="Cambria Math" panose="02040503050406030204" pitchFamily="18" charset="0"/>
-                      </a:rPr>
-                      <m:t>=</m:t>
-                    </m:r>
-                    <m:sSub>
-                      <m:sSubPr>
-                        <m:ctrlPr>
-                          <a:rPr lang="en-US" b="0" i="1" smtClean="0">
-                            <a:latin typeface="Cambria Math" panose="02040503050406030204" pitchFamily="18" charset="0"/>
-                          </a:rPr>
-                        </m:ctrlPr>
-                      </m:sSubPr>
-                      <m:e>
-                        <m:r>
-                          <a:rPr lang="en-US" b="0" i="1" smtClean="0">
-                            <a:latin typeface="Cambria Math" panose="02040503050406030204" pitchFamily="18" charset="0"/>
-                          </a:rPr>
-                          <m:t>𝛿</m:t>
-                        </m:r>
-                      </m:e>
-                      <m:sub>
-                        <m:r>
-                          <a:rPr lang="en-US" b="0" i="1" smtClean="0">
-                            <a:latin typeface="Cambria Math" panose="02040503050406030204" pitchFamily="18" charset="0"/>
-                          </a:rPr>
-                          <m:t>0</m:t>
-                        </m:r>
-                      </m:sub>
-                    </m:sSub>
-                    <m:r>
-                      <a:rPr lang="en-US" b="0" i="1" smtClean="0">
-                        <a:latin typeface="Cambria Math" panose="02040503050406030204" pitchFamily="18" charset="0"/>
-                      </a:rPr>
-                      <m:t>+</m:t>
-                    </m:r>
-                    <m:sSub>
-                      <m:sSubPr>
-                        <m:ctrlPr>
-                          <a:rPr lang="en-US" b="0" i="1" smtClean="0">
-                            <a:latin typeface="Cambria Math" panose="02040503050406030204" pitchFamily="18" charset="0"/>
-                          </a:rPr>
-                        </m:ctrlPr>
-                      </m:sSubPr>
-                      <m:e>
-                        <m:r>
-                          <a:rPr lang="en-US" b="0" i="1" smtClean="0">
-                            <a:latin typeface="Cambria Math" panose="02040503050406030204" pitchFamily="18" charset="0"/>
-                          </a:rPr>
-                          <m:t>𝛽</m:t>
-                        </m:r>
-                      </m:e>
-                      <m:sub>
-                        <m:r>
-                          <a:rPr lang="en-US" b="0" i="1" smtClean="0">
-                            <a:latin typeface="Cambria Math" panose="02040503050406030204" pitchFamily="18" charset="0"/>
-                          </a:rPr>
-                          <m:t>1</m:t>
-                        </m:r>
-                      </m:sub>
-                    </m:sSub>
-                    <m:r>
-                      <m:rPr>
-                        <m:sty m:val="p"/>
-                      </m:rPr>
-                      <a:rPr lang="en-US" b="0" i="0" smtClean="0">
-                        <a:latin typeface="Cambria Math" panose="02040503050406030204" pitchFamily="18" charset="0"/>
-                      </a:rPr>
-                      <m:t>Δ</m:t>
-                    </m:r>
-                    <m:sSub>
-                      <m:sSubPr>
-                        <m:ctrlPr>
-                          <a:rPr lang="en-US" b="0" i="1" smtClean="0">
-                            <a:latin typeface="Cambria Math" panose="02040503050406030204" pitchFamily="18" charset="0"/>
-                          </a:rPr>
-                        </m:ctrlPr>
-                      </m:sSubPr>
-                      <m:e>
-                        <m:r>
-                          <a:rPr lang="en-US" b="0" i="1" smtClean="0">
-                            <a:latin typeface="Cambria Math" panose="02040503050406030204" pitchFamily="18" charset="0"/>
-                          </a:rPr>
-                          <m:t>𝑥</m:t>
-                        </m:r>
-                      </m:e>
-                      <m:sub>
-                        <m:r>
-                          <a:rPr lang="en-US" b="0" i="1" smtClean="0">
-                            <a:latin typeface="Cambria Math" panose="02040503050406030204" pitchFamily="18" charset="0"/>
-                          </a:rPr>
-                          <m:t>𝑖</m:t>
-                        </m:r>
-                      </m:sub>
-                    </m:sSub>
-                    <m:r>
-                      <a:rPr lang="en-US" b="0" i="1" smtClean="0">
-                        <a:latin typeface="Cambria Math" panose="02040503050406030204" pitchFamily="18" charset="0"/>
-                      </a:rPr>
-                      <m:t>+</m:t>
-                    </m:r>
-                    <m:r>
-                      <m:rPr>
-                        <m:sty m:val="p"/>
-                      </m:rPr>
-                      <a:rPr lang="en-US" b="0" i="0" smtClean="0">
-                        <a:latin typeface="Cambria Math" panose="02040503050406030204" pitchFamily="18" charset="0"/>
-                      </a:rPr>
-                      <m:t>Δ</m:t>
-                    </m:r>
-                    <m:sSub>
-                      <m:sSubPr>
-                        <m:ctrlPr>
-                          <a:rPr lang="en-US" b="0" i="1" smtClean="0">
-                            <a:latin typeface="Cambria Math" panose="02040503050406030204" pitchFamily="18" charset="0"/>
-                          </a:rPr>
-                        </m:ctrlPr>
-                      </m:sSubPr>
-                      <m:e>
-                        <m:r>
-                          <a:rPr lang="en-US" b="0" i="1" smtClean="0">
-                            <a:latin typeface="Cambria Math" panose="02040503050406030204" pitchFamily="18" charset="0"/>
-                          </a:rPr>
-                          <m:t>𝑢</m:t>
-                        </m:r>
-                      </m:e>
-                      <m:sub>
-                        <m:r>
-                          <a:rPr lang="en-US" b="0" i="1" smtClean="0">
-                            <a:latin typeface="Cambria Math" panose="02040503050406030204" pitchFamily="18" charset="0"/>
-                          </a:rPr>
-                          <m:t>𝑖</m:t>
-                        </m:r>
-                      </m:sub>
-                    </m:sSub>
-                  </m:oMath>
-                </a14:m>
-                <a:endParaRPr lang="en-US" dirty="0"/>
-              </a:p>
-              <a:p>
-                <a:pPr lvl="1"/>
-                <a:endParaRPr lang="en-US" dirty="0"/>
-              </a:p>
-              <a:p>
-                <a:pPr lvl="1"/>
-                <a:endParaRPr lang="en-US" dirty="0"/>
-              </a:p>
-              <a:p>
-                <a:pPr lvl="1"/>
-                <a:endParaRPr lang="en-US" dirty="0"/>
-              </a:p>
-            </p:txBody>
-          </p:sp>
-        </mc:Choice>
-        <mc:Fallback>
-          <p:sp>
-            <p:nvSpPr>
-              <p:cNvPr id="3" name="Content Placeholder 2">
-                <a:extLst>
-                  <a:ext uri="{FF2B5EF4-FFF2-40B4-BE49-F238E27FC236}">
-                    <a16:creationId xmlns:a16="http://schemas.microsoft.com/office/drawing/2014/main" id="{0AE0C390-4C34-5244-049B-845F458D659B}"/>
-                  </a:ext>
-                </a:extLst>
-              </p:cNvPr>
-              <p:cNvSpPr>
-                <a:spLocks noGrp="1" noRot="1" noChangeAspect="1" noMove="1" noResize="1" noEditPoints="1" noAdjustHandles="1" noChangeArrowheads="1" noChangeShapeType="1" noTextEdit="1"/>
-              </p:cNvSpPr>
-              <p:nvPr>
-                <p:ph idx="1"/>
-              </p:nvPr>
-            </p:nvSpPr>
-            <p:spPr>
-              <a:blipFill>
-                <a:blip r:embed="rId2"/>
-                <a:stretch>
-                  <a:fillRect l="-1086" t="-3198" b="-872"/>
-                </a:stretch>
-              </a:blipFill>
-            </p:spPr>
-            <p:txBody>
-              <a:bodyPr/>
-              <a:lstStyle/>
-              <a:p>
-                <a:r>
-                  <a:rPr lang="en-US">
-                    <a:noFill/>
-                  </a:rPr>
-                  <a:t> </a:t>
-                </a:r>
-              </a:p>
-            </p:txBody>
-          </p:sp>
-        </mc:Fallback>
-      </mc:AlternateContent>
-    </p:spTree>
-    <p:extLst>
-      <p:ext uri="{BB962C8B-B14F-4D97-AF65-F5344CB8AC3E}">
-        <p14:creationId xmlns:p14="http://schemas.microsoft.com/office/powerpoint/2010/main" val="3994696768"/>
       </p:ext>
     </p:extLst>
   </p:cSld>
@@ -9546,38 +8607,50 @@
               <a:p>
                 <a:r>
                   <a:rPr lang="en-US" dirty="0"/>
-                  <a:t>First-Differencing is another way to take care of time-invariant heterogeneity </a:t>
+                  <a:t>First-Differencing is</a:t>
+                </a:r>
+                <a:r>
+                  <a:rPr lang="en-US" b="1" dirty="0"/>
+                  <a:t> one</a:t>
+                </a:r>
+                <a:r>
+                  <a:rPr lang="en-US" dirty="0"/>
+                  <a:t> </a:t>
+                </a:r>
+                <a:r>
+                  <a:rPr lang="en-US" b="1" dirty="0"/>
+                  <a:t>way to take care of time-invariant heterogeneity </a:t>
                 </a:r>
                 <a14:m>
                   <m:oMath xmlns:m="http://schemas.openxmlformats.org/officeDocument/2006/math">
                     <m:sSub>
                       <m:sSubPr>
                         <m:ctrlPr>
-                          <a:rPr lang="en-US" b="0" i="1" smtClean="0">
-                            <a:latin typeface="Cambria Math" panose="02040503050406030204" pitchFamily="18" charset="0"/>
-                          </a:rPr>
-                        </m:ctrlPr>
-                      </m:sSubPr>
-                      <m:e>
-                        <m:r>
-                          <a:rPr lang="en-US" b="0" i="1" smtClean="0">
-                            <a:latin typeface="Cambria Math" panose="02040503050406030204" pitchFamily="18" charset="0"/>
-                          </a:rPr>
-                          <m:t>𝑎</m:t>
-                        </m:r>
-                      </m:e>
-                      <m:sub>
-                        <m:r>
-                          <a:rPr lang="en-US" b="0" i="1" smtClean="0">
-                            <a:latin typeface="Cambria Math" panose="02040503050406030204" pitchFamily="18" charset="0"/>
-                          </a:rPr>
-                          <m:t>𝑖</m:t>
+                          <a:rPr lang="en-US" b="1" i="1" smtClean="0">
+                            <a:latin typeface="Cambria Math" panose="02040503050406030204" pitchFamily="18" charset="0"/>
+                          </a:rPr>
+                        </m:ctrlPr>
+                      </m:sSubPr>
+                      <m:e>
+                        <m:r>
+                          <a:rPr lang="en-US" b="1" i="1" smtClean="0">
+                            <a:latin typeface="Cambria Math" panose="02040503050406030204" pitchFamily="18" charset="0"/>
+                          </a:rPr>
+                          <m:t>𝒂</m:t>
+                        </m:r>
+                      </m:e>
+                      <m:sub>
+                        <m:r>
+                          <a:rPr lang="en-US" b="1" i="1" smtClean="0">
+                            <a:latin typeface="Cambria Math" panose="02040503050406030204" pitchFamily="18" charset="0"/>
+                          </a:rPr>
+                          <m:t>𝒊</m:t>
                         </m:r>
                       </m:sub>
                     </m:sSub>
                   </m:oMath>
                 </a14:m>
-                <a:endParaRPr lang="en-US" dirty="0"/>
+                <a:endParaRPr lang="en-US" b="1" dirty="0"/>
               </a:p>
               <a:p>
                 <a:pPr lvl="1"/>
@@ -10820,41 +9893,38 @@
                 <a14:m>
                   <m:oMath xmlns:m="http://schemas.openxmlformats.org/officeDocument/2006/math">
                     <m:r>
-                      <m:rPr>
-                        <m:sty m:val="p"/>
-                      </m:rPr>
-                      <a:rPr lang="en-US" b="0" i="0" smtClean="0">
-                        <a:latin typeface="Cambria Math" panose="02040503050406030204" pitchFamily="18" charset="0"/>
-                      </a:rPr>
-                      <m:t>Δ</m:t>
-                    </m:r>
-                    <m:sSub>
-                      <m:sSubPr>
-                        <m:ctrlPr>
-                          <a:rPr lang="en-US" b="0" i="1" smtClean="0">
-                            <a:latin typeface="Cambria Math" panose="02040503050406030204" pitchFamily="18" charset="0"/>
-                          </a:rPr>
-                        </m:ctrlPr>
-                      </m:sSubPr>
-                      <m:e>
-                        <m:r>
-                          <a:rPr lang="en-US" b="0" i="1" smtClean="0">
-                            <a:latin typeface="Cambria Math" panose="02040503050406030204" pitchFamily="18" charset="0"/>
-                          </a:rPr>
-                          <m:t>𝑦</m:t>
-                        </m:r>
-                      </m:e>
-                      <m:sub>
-                        <m:r>
-                          <a:rPr lang="en-US" b="0" i="1" smtClean="0">
-                            <a:latin typeface="Cambria Math" panose="02040503050406030204" pitchFamily="18" charset="0"/>
-                          </a:rPr>
-                          <m:t>𝑖</m:t>
-                        </m:r>
-                      </m:sub>
-                    </m:sSub>
-                    <m:r>
-                      <a:rPr lang="en-US" b="0" i="1" smtClean="0">
+                      <a:rPr lang="en-US" b="1" i="0" smtClean="0">
+                        <a:latin typeface="Cambria Math" panose="02040503050406030204" pitchFamily="18" charset="0"/>
+                      </a:rPr>
+                      <m:t>𝚫</m:t>
+                    </m:r>
+                    <m:sSub>
+                      <m:sSubPr>
+                        <m:ctrlPr>
+                          <a:rPr lang="en-US" b="1" i="1" smtClean="0">
+                            <a:latin typeface="Cambria Math" panose="02040503050406030204" pitchFamily="18" charset="0"/>
+                          </a:rPr>
+                        </m:ctrlPr>
+                      </m:sSubPr>
+                      <m:e>
+                        <m:r>
+                          <a:rPr lang="en-US" b="1" i="1" smtClean="0">
+                            <a:latin typeface="Cambria Math" panose="02040503050406030204" pitchFamily="18" charset="0"/>
+                          </a:rPr>
+                          <m:t>𝒚</m:t>
+                        </m:r>
+                      </m:e>
+                      <m:sub>
+                        <m:r>
+                          <a:rPr lang="en-US" b="1" i="1" smtClean="0">
+                            <a:latin typeface="Cambria Math" panose="02040503050406030204" pitchFamily="18" charset="0"/>
+                          </a:rPr>
+                          <m:t>𝒊</m:t>
+                        </m:r>
+                      </m:sub>
+                    </m:sSub>
+                    <m:r>
+                      <a:rPr lang="en-US" b="1" i="1" smtClean="0">
                         <a:latin typeface="Cambria Math" panose="02040503050406030204" pitchFamily="18" charset="0"/>
                       </a:rPr>
                       <m:t>=</m:t>
@@ -10862,30 +9932,30 @@
                     <m:sSub>
                       <m:sSubPr>
                         <m:ctrlPr>
-                          <a:rPr lang="en-US" b="0" i="1" smtClean="0">
-                            <a:latin typeface="Cambria Math" panose="02040503050406030204" pitchFamily="18" charset="0"/>
-                          </a:rPr>
-                        </m:ctrlPr>
-                      </m:sSubPr>
-                      <m:e>
-                        <m:r>
-                          <a:rPr lang="en-US" b="0" i="1" smtClean="0">
-                            <a:latin typeface="Cambria Math" panose="02040503050406030204" pitchFamily="18" charset="0"/>
-                          </a:rPr>
-                          <m:t>𝛿</m:t>
-                        </m:r>
-                      </m:e>
-                      <m:sub>
-                        <m:r>
-                          <a:rPr lang="en-US" b="0" i="1" smtClean="0">
-                            <a:latin typeface="Cambria Math" panose="02040503050406030204" pitchFamily="18" charset="0"/>
-                          </a:rPr>
-                          <m:t>0</m:t>
-                        </m:r>
-                      </m:sub>
-                    </m:sSub>
-                    <m:r>
-                      <a:rPr lang="en-US" b="0" i="1" smtClean="0">
+                          <a:rPr lang="en-US" b="1" i="1" smtClean="0">
+                            <a:latin typeface="Cambria Math" panose="02040503050406030204" pitchFamily="18" charset="0"/>
+                          </a:rPr>
+                        </m:ctrlPr>
+                      </m:sSubPr>
+                      <m:e>
+                        <m:r>
+                          <a:rPr lang="en-US" b="1" i="1" smtClean="0">
+                            <a:latin typeface="Cambria Math" panose="02040503050406030204" pitchFamily="18" charset="0"/>
+                          </a:rPr>
+                          <m:t>𝜹</m:t>
+                        </m:r>
+                      </m:e>
+                      <m:sub>
+                        <m:r>
+                          <a:rPr lang="en-US" b="1" i="1" smtClean="0">
+                            <a:latin typeface="Cambria Math" panose="02040503050406030204" pitchFamily="18" charset="0"/>
+                          </a:rPr>
+                          <m:t>𝟎</m:t>
+                        </m:r>
+                      </m:sub>
+                    </m:sSub>
+                    <m:r>
+                      <a:rPr lang="en-US" b="1" i="1" smtClean="0">
                         <a:latin typeface="Cambria Math" panose="02040503050406030204" pitchFamily="18" charset="0"/>
                       </a:rPr>
                       <m:t>+</m:t>
@@ -10893,105 +9963,99 @@
                     <m:sSub>
                       <m:sSubPr>
                         <m:ctrlPr>
-                          <a:rPr lang="en-US" b="0" i="1" smtClean="0">
-                            <a:latin typeface="Cambria Math" panose="02040503050406030204" pitchFamily="18" charset="0"/>
-                          </a:rPr>
-                        </m:ctrlPr>
-                      </m:sSubPr>
-                      <m:e>
-                        <m:r>
-                          <a:rPr lang="en-US" b="0" i="1" smtClean="0">
-                            <a:latin typeface="Cambria Math" panose="02040503050406030204" pitchFamily="18" charset="0"/>
-                          </a:rPr>
-                          <m:t>𝛽</m:t>
-                        </m:r>
-                      </m:e>
-                      <m:sub>
-                        <m:r>
-                          <a:rPr lang="en-US" b="0" i="1" smtClean="0">
-                            <a:latin typeface="Cambria Math" panose="02040503050406030204" pitchFamily="18" charset="0"/>
-                          </a:rPr>
-                          <m:t>1</m:t>
-                        </m:r>
-                      </m:sub>
-                    </m:sSub>
-                    <m:r>
-                      <m:rPr>
-                        <m:sty m:val="p"/>
-                      </m:rPr>
-                      <a:rPr lang="en-US" b="0" i="0" smtClean="0">
-                        <a:latin typeface="Cambria Math" panose="02040503050406030204" pitchFamily="18" charset="0"/>
-                      </a:rPr>
-                      <m:t>Δ</m:t>
-                    </m:r>
-                    <m:sSub>
-                      <m:sSubPr>
-                        <m:ctrlPr>
-                          <a:rPr lang="en-US" b="0" i="1" smtClean="0">
-                            <a:latin typeface="Cambria Math" panose="02040503050406030204" pitchFamily="18" charset="0"/>
-                          </a:rPr>
-                        </m:ctrlPr>
-                      </m:sSubPr>
-                      <m:e>
-                        <m:r>
-                          <a:rPr lang="en-US" b="0" i="1" smtClean="0">
-                            <a:latin typeface="Cambria Math" panose="02040503050406030204" pitchFamily="18" charset="0"/>
-                          </a:rPr>
-                          <m:t>𝑥</m:t>
-                        </m:r>
-                      </m:e>
-                      <m:sub>
-                        <m:r>
-                          <a:rPr lang="en-US" b="0" i="1" smtClean="0">
-                            <a:latin typeface="Cambria Math" panose="02040503050406030204" pitchFamily="18" charset="0"/>
-                          </a:rPr>
-                          <m:t>𝑖</m:t>
-                        </m:r>
-                      </m:sub>
-                    </m:sSub>
-                    <m:r>
-                      <a:rPr lang="en-US" b="0" i="1" smtClean="0">
+                          <a:rPr lang="en-US" b="1" i="1" smtClean="0">
+                            <a:latin typeface="Cambria Math" panose="02040503050406030204" pitchFamily="18" charset="0"/>
+                          </a:rPr>
+                        </m:ctrlPr>
+                      </m:sSubPr>
+                      <m:e>
+                        <m:r>
+                          <a:rPr lang="en-US" b="1" i="1" smtClean="0">
+                            <a:latin typeface="Cambria Math" panose="02040503050406030204" pitchFamily="18" charset="0"/>
+                          </a:rPr>
+                          <m:t>𝜷</m:t>
+                        </m:r>
+                      </m:e>
+                      <m:sub>
+                        <m:r>
+                          <a:rPr lang="en-US" b="1" i="1" smtClean="0">
+                            <a:latin typeface="Cambria Math" panose="02040503050406030204" pitchFamily="18" charset="0"/>
+                          </a:rPr>
+                          <m:t>𝟏</m:t>
+                        </m:r>
+                      </m:sub>
+                    </m:sSub>
+                    <m:r>
+                      <a:rPr lang="en-US" b="1" i="0" smtClean="0">
+                        <a:latin typeface="Cambria Math" panose="02040503050406030204" pitchFamily="18" charset="0"/>
+                      </a:rPr>
+                      <m:t>𝚫</m:t>
+                    </m:r>
+                    <m:sSub>
+                      <m:sSubPr>
+                        <m:ctrlPr>
+                          <a:rPr lang="en-US" b="1" i="1" smtClean="0">
+                            <a:latin typeface="Cambria Math" panose="02040503050406030204" pitchFamily="18" charset="0"/>
+                          </a:rPr>
+                        </m:ctrlPr>
+                      </m:sSubPr>
+                      <m:e>
+                        <m:r>
+                          <a:rPr lang="en-US" b="1" i="1" smtClean="0">
+                            <a:latin typeface="Cambria Math" panose="02040503050406030204" pitchFamily="18" charset="0"/>
+                          </a:rPr>
+                          <m:t>𝒙</m:t>
+                        </m:r>
+                      </m:e>
+                      <m:sub>
+                        <m:r>
+                          <a:rPr lang="en-US" b="1" i="1" smtClean="0">
+                            <a:latin typeface="Cambria Math" panose="02040503050406030204" pitchFamily="18" charset="0"/>
+                          </a:rPr>
+                          <m:t>𝒊</m:t>
+                        </m:r>
+                      </m:sub>
+                    </m:sSub>
+                    <m:r>
+                      <a:rPr lang="en-US" b="1" i="1" smtClean="0">
                         <a:latin typeface="Cambria Math" panose="02040503050406030204" pitchFamily="18" charset="0"/>
                       </a:rPr>
                       <m:t>+</m:t>
                     </m:r>
                     <m:r>
-                      <m:rPr>
-                        <m:sty m:val="p"/>
-                      </m:rPr>
-                      <a:rPr lang="en-US" b="0" i="0" smtClean="0">
-                        <a:latin typeface="Cambria Math" panose="02040503050406030204" pitchFamily="18" charset="0"/>
-                      </a:rPr>
-                      <m:t>Δ</m:t>
-                    </m:r>
-                    <m:sSub>
-                      <m:sSubPr>
-                        <m:ctrlPr>
-                          <a:rPr lang="en-US" b="0" i="1" smtClean="0">
-                            <a:latin typeface="Cambria Math" panose="02040503050406030204" pitchFamily="18" charset="0"/>
-                          </a:rPr>
-                        </m:ctrlPr>
-                      </m:sSubPr>
-                      <m:e>
-                        <m:r>
-                          <a:rPr lang="en-US" b="0" i="1" smtClean="0">
-                            <a:latin typeface="Cambria Math" panose="02040503050406030204" pitchFamily="18" charset="0"/>
-                          </a:rPr>
-                          <m:t>𝑢</m:t>
-                        </m:r>
-                      </m:e>
-                      <m:sub>
-                        <m:r>
-                          <a:rPr lang="en-US" b="0" i="1" smtClean="0">
-                            <a:latin typeface="Cambria Math" panose="02040503050406030204" pitchFamily="18" charset="0"/>
-                          </a:rPr>
-                          <m:t>𝑖</m:t>
+                      <a:rPr lang="en-US" b="1" i="0" smtClean="0">
+                        <a:latin typeface="Cambria Math" panose="02040503050406030204" pitchFamily="18" charset="0"/>
+                      </a:rPr>
+                      <m:t>𝚫</m:t>
+                    </m:r>
+                    <m:sSub>
+                      <m:sSubPr>
+                        <m:ctrlPr>
+                          <a:rPr lang="en-US" b="1" i="1" smtClean="0">
+                            <a:latin typeface="Cambria Math" panose="02040503050406030204" pitchFamily="18" charset="0"/>
+                          </a:rPr>
+                        </m:ctrlPr>
+                      </m:sSubPr>
+                      <m:e>
+                        <m:r>
+                          <a:rPr lang="en-US" b="1" i="1" smtClean="0">
+                            <a:latin typeface="Cambria Math" panose="02040503050406030204" pitchFamily="18" charset="0"/>
+                          </a:rPr>
+                          <m:t>𝒖</m:t>
+                        </m:r>
+                      </m:e>
+                      <m:sub>
+                        <m:r>
+                          <a:rPr lang="en-US" b="1" i="1" smtClean="0">
+                            <a:latin typeface="Cambria Math" panose="02040503050406030204" pitchFamily="18" charset="0"/>
+                          </a:rPr>
+                          <m:t>𝒊</m:t>
                         </m:r>
                       </m:sub>
                     </m:sSub>
                   </m:oMath>
                 </a14:m>
-                <a:endParaRPr lang="en-US" dirty="0"/>
+                <a:endParaRPr lang="en-US" b="1" dirty="0"/>
               </a:p>
               <a:p>
                 <a:pPr lvl="1"/>
@@ -11127,7 +10191,7 @@
             <p:spPr/>
             <p:txBody>
               <a:bodyPr>
-                <a:normAutofit lnSpcReduction="10000"/>
+                <a:normAutofit/>
               </a:bodyPr>
               <a:lstStyle/>
               <a:p>
@@ -11319,24 +10383,25 @@
                 <a:pPr lvl="1"/>
                 <a:r>
                   <a:rPr lang="en-US" dirty="0"/>
-                  <a:t>In a panel data model, an equation where the dependent and independent variables have all been first differenced between 2 periods</a:t>
-                </a:r>
-              </a:p>
-              <a:p>
-                <a:r>
-                  <a:rPr lang="en-US" dirty="0"/>
-                  <a:t>Key assumption</a:t>
+                  <a:t>In a panel data model, </a:t>
+                </a:r>
+                <a:r>
+                  <a:rPr lang="en-US" b="1" dirty="0"/>
+                  <a:t>an equation where the dependent and independent variables have all been first differenced between 2 periods</a:t>
+                </a:r>
+              </a:p>
+              <a:p>
+                <a:r>
+                  <a:rPr lang="en-US" dirty="0"/>
+                  <a:t>Key assumption is </a:t>
+                </a:r>
+                <a:r>
+                  <a:rPr lang="en-US" b="1" dirty="0"/>
+                  <a:t>Strict Exogeneity</a:t>
                 </a:r>
               </a:p>
               <a:p>
                 <a:pPr lvl="1"/>
-                <a:r>
-                  <a:rPr lang="en-US" dirty="0"/>
-                  <a:t>Strict Exogeneity</a:t>
-                </a:r>
-              </a:p>
-              <a:p>
-                <a:pPr lvl="2"/>
                 <a14:m>
                   <m:oMath xmlns:m="http://schemas.openxmlformats.org/officeDocument/2006/math">
                     <m:r>
@@ -11403,7 +10468,7 @@
                 <a:endParaRPr lang="en-US" dirty="0"/>
               </a:p>
               <a:p>
-                <a:pPr lvl="2"/>
+                <a:pPr lvl="1"/>
                 <a:r>
                   <a:rPr lang="en-US" dirty="0"/>
                   <a:t>There are no time-varying unobserved confounding biasing our results</a:t>
@@ -11450,7 +10515,7 @@
               <a:blipFill>
                 <a:blip r:embed="rId2"/>
                 <a:stretch>
-                  <a:fillRect l="-1086" t="-3198"/>
+                  <a:fillRect l="-1086" t="-2326"/>
                 </a:stretch>
               </a:blipFill>
             </p:spPr>
@@ -11836,8 +10901,20 @@
               <a:p>
                 <a:pPr lvl="1"/>
                 <a:r>
-                  <a:rPr lang="en-US" dirty="0"/>
-                  <a:t>Strict exogeneity assumption – the expected value of the idiosyncratic error given the explanatory variables in all time periods and the unobserved effect is zero </a:t>
+                  <a:rPr lang="en-US" b="1" dirty="0"/>
+                  <a:t>Strict exogeneity assumption </a:t>
+                </a:r>
+                <a:r>
+                  <a:rPr lang="en-US" dirty="0"/>
+                  <a:t>– the expected value of the idiosyncratic error given the explanatory variables </a:t>
+                </a:r>
+                <a:r>
+                  <a:rPr lang="en-US" b="1" dirty="0"/>
+                  <a:t>in all time periods </a:t>
+                </a:r>
+                <a:r>
+                  <a:rPr lang="en-US" dirty="0"/>
+                  <a:t>and the unobserved effect is zero </a:t>
                 </a:r>
                 <a14:m>
                   <m:oMath xmlns:m="http://schemas.openxmlformats.org/officeDocument/2006/math">
@@ -11917,7 +10994,7 @@
                         <m:sSub>
                           <m:sSubPr>
                             <m:ctrlPr>
-                              <a:rPr lang="en-US" b="0" i="0" smtClean="0">
+                              <a:rPr lang="en-US" b="0" i="1" smtClean="0">
                                 <a:latin typeface="Cambria Math" panose="02040503050406030204" pitchFamily="18" charset="0"/>
                               </a:rPr>
                             </m:ctrlPr>
@@ -12105,7 +11182,7 @@
               <a:p>
                 <a:pPr lvl="1"/>
                 <a:r>
-                  <a:rPr lang="en-US" dirty="0"/>
+                  <a:rPr lang="en-US" b="1" dirty="0"/>
                   <a:t>The idiosyncratic errors are not serially correlated</a:t>
                 </a:r>
               </a:p>
@@ -12183,7 +11260,7 @@
                               <a:rPr lang="en-US" b="0" i="1" smtClean="0">
                                 <a:latin typeface="Cambria Math" panose="02040503050406030204" pitchFamily="18" charset="0"/>
                               </a:rPr>
-                              <m:t>𝑥</m:t>
+                              <m:t>𝑢</m:t>
                             </m:r>
                           </m:e>
                           <m:sub>
@@ -12223,7 +11300,7 @@
                               <a:rPr lang="en-US" b="0" i="1" smtClean="0">
                                 <a:latin typeface="Cambria Math" panose="02040503050406030204" pitchFamily="18" charset="0"/>
                               </a:rPr>
-                              <m:t>𝑥</m:t>
+                              <m:t>𝑢</m:t>
                             </m:r>
                           </m:e>
                           <m:sub>
@@ -12398,7 +11475,7 @@
           <a:p>
             <a:r>
               <a:rPr lang="en-US" dirty="0"/>
-              <a:t>Using first-differencing or fixed effects (within) estimator is a good way of dealing with unobserved heterogeneity</a:t>
+              <a:t>Using first-differencing or fixed effects (within) estimator is a good way of dealing with time-invariant heterogeneity</a:t>
             </a:r>
           </a:p>
           <a:p>
@@ -12411,7 +11488,7 @@
           <a:p>
             <a:r>
               <a:rPr lang="en-US" dirty="0"/>
-              <a:t>There is a cost </a:t>
+              <a:t>There are costs/limitations</a:t>
             </a:r>
           </a:p>
           <a:p>
@@ -12425,7 +11502,7 @@
             <a:pPr lvl="1"/>
             <a:r>
               <a:rPr lang="en-US" dirty="0"/>
-              <a:t>We lose variation when we take the first difference/fixed effects within our explanatory variables</a:t>
+              <a:t>We lose variation when we take the first difference/fixed effects within our explanatory variables </a:t>
             </a:r>
           </a:p>
           <a:p>
@@ -12522,9 +11599,21 @@
               <a:p>
                 <a:r>
                   <a:rPr lang="en-US" dirty="0"/>
+                  <a:t>Multivariate First-Difference Estimator</a:t>
+                </a:r>
+              </a:p>
+              <a:p>
+                <a:pPr lvl="1"/>
+                <a:r>
+                  <a:rPr lang="en-US" dirty="0"/>
                   <a:t>It is not a problem to add more explanatory variables</a:t>
                 </a:r>
-                <a:endParaRPr lang="en-US" baseline="-25000" dirty="0"/>
+              </a:p>
+              <a:p>
+                <a:r>
+                  <a:rPr lang="en-US" dirty="0"/>
+                  <a:t>Our Model</a:t>
+                </a:r>
               </a:p>
               <a:p>
                 <a:pPr lvl="1"/>
@@ -12895,14 +11984,13 @@
                 <a:endParaRPr lang="en-US" dirty="0"/>
               </a:p>
               <a:p>
+                <a:r>
+                  <a:rPr lang="en-US" dirty="0"/>
+                  <a:t>There are three subscripts</a:t>
+                </a:r>
+              </a:p>
+              <a:p>
                 <a:pPr lvl="1"/>
-                <a:r>
-                  <a:rPr lang="en-US" dirty="0"/>
-                  <a:t>The three subscripts</a:t>
-                </a:r>
-              </a:p>
-              <a:p>
-                <a:pPr lvl="2"/>
                 <a14:m>
                   <m:oMath xmlns:m="http://schemas.openxmlformats.org/officeDocument/2006/math">
                     <m:r>
@@ -12919,7 +12007,7 @@
                 </a:r>
               </a:p>
               <a:p>
-                <a:pPr lvl="2"/>
+                <a:pPr lvl="1"/>
                 <a14:m>
                   <m:oMath xmlns:m="http://schemas.openxmlformats.org/officeDocument/2006/math">
                     <m:r>
@@ -12936,7 +12024,7 @@
                 </a:r>
               </a:p>
               <a:p>
-                <a:pPr lvl="2"/>
+                <a:pPr lvl="1"/>
                 <a14:m>
                   <m:oMath xmlns:m="http://schemas.openxmlformats.org/officeDocument/2006/math">
                     <m:r>
@@ -13060,13 +12148,13 @@
           <a:p>
             <a:r>
               <a:rPr lang="en-US" dirty="0"/>
-              <a:t>Problem with Fixed Effects Models</a:t>
+              <a:t>Problem with First Difference Models</a:t>
             </a:r>
           </a:p>
         </p:txBody>
       </p:sp>
-      <mc:AlternateContent xmlns:mc="http://schemas.openxmlformats.org/markup-compatibility/2006">
-        <mc:Choice xmlns:a14="http://schemas.microsoft.com/office/drawing/2010/main" Requires="a14">
+      <mc:AlternateContent xmlns:mc="http://schemas.openxmlformats.org/markup-compatibility/2006" xmlns:a14="http://schemas.microsoft.com/office/drawing/2010/main">
+        <mc:Choice Requires="a14">
           <p:sp>
             <p:nvSpPr>
               <p:cNvPr id="3" name="Content Placeholder 2">
@@ -13736,7 +12824,7 @@
             </p:txBody>
           </p:sp>
         </mc:Choice>
-        <mc:Fallback>
+        <mc:Fallback xmlns="">
           <p:sp>
             <p:nvSpPr>
               <p:cNvPr id="3" name="Content Placeholder 2">
@@ -13829,7 +12917,7 @@
           <a:p>
             <a:r>
               <a:rPr lang="en-US" dirty="0"/>
-              <a:t>Lags</a:t>
+              <a:t>Adding Lags</a:t>
             </a:r>
           </a:p>
         </p:txBody>
@@ -13855,20 +12943,28 @@
             <p:spPr/>
             <p:txBody>
               <a:bodyPr>
-                <a:normAutofit/>
+                <a:normAutofit lnSpcReduction="10000"/>
               </a:bodyPr>
               <a:lstStyle/>
               <a:p>
                 <a:r>
                   <a:rPr lang="en-US" dirty="0"/>
-                  <a:t>Explanatory Lags</a:t>
+                  <a:t>Explanatory Lags or Distributed Lag Model</a:t>
                 </a:r>
               </a:p>
               <a:p>
                 <a:pPr lvl="1"/>
                 <a:r>
                   <a:rPr lang="en-US" dirty="0"/>
-                  <a:t>In our panel data, it is possible to add lags to our model</a:t>
+                  <a:t>In our panel data, it is possible to add </a:t>
+                </a:r>
+                <a:r>
+                  <a:rPr lang="en-US" b="1" dirty="0"/>
+                  <a:t>lags of explanatory variables </a:t>
+                </a:r>
+                <a:r>
+                  <a:rPr lang="en-US" dirty="0"/>
+                  <a:t>to our model</a:t>
                 </a:r>
               </a:p>
               <a:p>
@@ -13905,27 +13001,7 @@
               <a:p>
                 <a:r>
                   <a:rPr lang="en-US" dirty="0"/>
-                  <a:t>Autoregressive lag</a:t>
-                </a:r>
-              </a:p>
-              <a:p>
-                <a:pPr lvl="1"/>
-                <a:r>
-                  <a:rPr lang="en-US" dirty="0"/>
-                  <a:t>The lag of the dependent variables may have explanatory power </a:t>
-                </a:r>
-              </a:p>
-              <a:p>
-                <a:pPr lvl="1"/>
-                <a:r>
-                  <a:rPr lang="en-US" dirty="0"/>
-                  <a:t>We’ll discuss this a bit more in our time series discussion</a:t>
-                </a:r>
-              </a:p>
-              <a:p>
-                <a:r>
-                  <a:rPr lang="en-US" dirty="0"/>
-                  <a:t>An example</a:t>
+                  <a:t>An example of distributed lag model</a:t>
                 </a:r>
               </a:p>
               <a:p>
@@ -14239,8 +13315,43 @@
                 <a:pPr lvl="1"/>
                 <a:r>
                   <a:rPr lang="en-US" dirty="0"/>
-                  <a:t>Crime is a function of the clear rate in the period time period</a:t>
-                </a:r>
+                  <a:t>Crime is a function of the clear rate in the </a:t>
+                </a:r>
+                <a:r>
+                  <a:rPr lang="en-US" b="1" dirty="0"/>
+                  <a:t>prior time period</a:t>
+                </a:r>
+              </a:p>
+              <a:p>
+                <a:r>
+                  <a:rPr lang="en-US" dirty="0"/>
+                  <a:t>Autoregressive AR lags</a:t>
+                </a:r>
+              </a:p>
+              <a:p>
+                <a:pPr lvl="1"/>
+                <a:r>
+                  <a:rPr lang="en-US" dirty="0"/>
+                  <a:t>The </a:t>
+                </a:r>
+                <a:r>
+                  <a:rPr lang="en-US" b="1" dirty="0"/>
+                  <a:t>lags of the dependent variables </a:t>
+                </a:r>
+                <a:r>
+                  <a:rPr lang="en-US" dirty="0"/>
+                  <a:t>may have explanatory power </a:t>
+                </a:r>
+              </a:p>
+              <a:p>
+                <a:pPr lvl="1"/>
+                <a:r>
+                  <a:rPr lang="en-US" dirty="0"/>
+                  <a:t>We’ll discuss this a bit more in our time series discussion</a:t>
+                </a:r>
+              </a:p>
+              <a:p>
+                <a:endParaRPr lang="en-US" dirty="0"/>
               </a:p>
             </p:txBody>
           </p:sp>
@@ -14266,7 +13377,7 @@
               <a:blipFill>
                 <a:blip r:embed="rId2"/>
                 <a:stretch>
-                  <a:fillRect l="-1086" t="-2326" b="-1163"/>
+                  <a:fillRect l="-1086" t="-3198"/>
                 </a:stretch>
               </a:blipFill>
             </p:spPr>
@@ -14361,7 +13472,12 @@
                 <p:ph idx="1"/>
               </p:nvPr>
             </p:nvSpPr>
-            <p:spPr/>
+            <p:spPr>
+              <a:xfrm>
+                <a:off x="838200" y="1825624"/>
+                <a:ext cx="10515600" cy="4842303"/>
+              </a:xfrm>
+            </p:spPr>
             <p:txBody>
               <a:bodyPr>
                 <a:normAutofit lnSpcReduction="10000"/>
@@ -14407,7 +13523,7 @@
                 <a:pPr lvl="1"/>
                 <a:r>
                   <a:rPr lang="en-US" dirty="0"/>
-                  <a:t>The first observation will be when </a:t>
+                  <a:t>The first observation for </a:t>
                 </a:r>
                 <a14:m>
                   <m:oMath xmlns:m="http://schemas.openxmlformats.org/officeDocument/2006/math">
@@ -14415,7 +13531,7 @@
                       <a:rPr lang="en-US" b="0" i="1" smtClean="0">
                         <a:latin typeface="Cambria Math" panose="02040503050406030204" pitchFamily="18" charset="0"/>
                       </a:rPr>
-                      <m:t>𝑡</m:t>
+                      <m:t>𝑖</m:t>
                     </m:r>
                     <m:r>
                       <a:rPr lang="en-US" b="0" i="1" smtClean="0">
@@ -14427,14 +13543,7 @@
                 </a14:m>
                 <a:r>
                   <a:rPr lang="en-US" dirty="0"/>
-                  <a:t> </a:t>
-                </a:r>
-              </a:p>
-              <a:p>
-                <a:pPr lvl="1"/>
-                <a:r>
-                  <a:rPr lang="en-US" dirty="0"/>
-                  <a:t>The second observation will be when </a:t>
+                  <a:t> will be when </a:t>
                 </a:r>
                 <a14:m>
                   <m:oMath xmlns:m="http://schemas.openxmlformats.org/officeDocument/2006/math">
@@ -14449,6 +13558,53 @@
                         <a:latin typeface="Cambria Math" panose="02040503050406030204" pitchFamily="18" charset="0"/>
                       </a:rPr>
                       <m:t>=1</m:t>
+                    </m:r>
+                  </m:oMath>
+                </a14:m>
+                <a:r>
+                  <a:rPr lang="en-US" dirty="0"/>
+                  <a:t> </a:t>
+                </a:r>
+              </a:p>
+              <a:p>
+                <a:pPr lvl="1"/>
+                <a:r>
+                  <a:rPr lang="en-US" dirty="0"/>
+                  <a:t>The second observation for </a:t>
+                </a:r>
+                <a14:m>
+                  <m:oMath xmlns:m="http://schemas.openxmlformats.org/officeDocument/2006/math">
+                    <m:r>
+                      <a:rPr lang="en-US" i="1">
+                        <a:latin typeface="Cambria Math" panose="02040503050406030204" pitchFamily="18" charset="0"/>
+                      </a:rPr>
+                      <m:t>𝑖</m:t>
+                    </m:r>
+                    <m:r>
+                      <a:rPr lang="en-US" i="1">
+                        <a:latin typeface="Cambria Math" panose="02040503050406030204" pitchFamily="18" charset="0"/>
+                      </a:rPr>
+                      <m:t>=1</m:t>
+                    </m:r>
+                  </m:oMath>
+                </a14:m>
+                <a:r>
+                  <a:rPr lang="en-US" dirty="0"/>
+                  <a:t> will be when </a:t>
+                </a:r>
+                <a14:m>
+                  <m:oMath xmlns:m="http://schemas.openxmlformats.org/officeDocument/2006/math">
+                    <m:r>
+                      <a:rPr lang="en-US" b="0" i="1" smtClean="0">
+                        <a:latin typeface="Cambria Math" panose="02040503050406030204" pitchFamily="18" charset="0"/>
+                      </a:rPr>
+                      <m:t>𝑡</m:t>
+                    </m:r>
+                    <m:r>
+                      <a:rPr lang="en-US" b="0" i="1" smtClean="0">
+                        <a:latin typeface="Cambria Math" panose="02040503050406030204" pitchFamily="18" charset="0"/>
+                      </a:rPr>
+                      <m:t>=2</m:t>
                     </m:r>
                   </m:oMath>
                 </a14:m>
@@ -14472,6 +13628,12 @@
                 <a:r>
                   <a:rPr lang="en-US" dirty="0"/>
                   <a:t>There should be a time period column and a unit of analysis column</a:t>
+                </a:r>
+              </a:p>
+              <a:p>
+                <a:r>
+                  <a:rPr lang="en-US" dirty="0"/>
+                  <a:t>Set up the Panel in long format</a:t>
                 </a:r>
               </a:p>
               <a:p>
@@ -14524,10 +13686,14 @@
               </p:nvPr>
             </p:nvSpPr>
             <p:spPr>
+              <a:xfrm>
+                <a:off x="838200" y="1825624"/>
+                <a:ext cx="10515600" cy="4842303"/>
+              </a:xfrm>
               <a:blipFill>
                 <a:blip r:embed="rId2"/>
                 <a:stretch>
-                  <a:fillRect l="-1086" t="-3198" b="-291"/>
+                  <a:fillRect l="-1086" t="-2872"/>
                 </a:stretch>
               </a:blipFill>
             </p:spPr>
@@ -14581,7 +13747,7 @@
           <p:cNvPr id="2" name="Title 1">
             <a:extLst>
               <a:ext uri="{FF2B5EF4-FFF2-40B4-BE49-F238E27FC236}">
-                <a16:creationId xmlns:a16="http://schemas.microsoft.com/office/drawing/2014/main" id="{97EDCF95-2F9C-6DBB-A552-C4C9AA49D3CF}"/>
+                <a16:creationId xmlns:a16="http://schemas.microsoft.com/office/drawing/2014/main" id="{50EB53BF-8570-F673-6CAC-1BAF659F680F}"/>
               </a:ext>
             </a:extLst>
           </p:cNvPr>
@@ -14599,17 +13765,17 @@
           <a:p>
             <a:r>
               <a:rPr lang="en-US" dirty="0"/>
-              <a:t>Pooling Independent Cross-Sections Across Time</a:t>
+              <a:t>Overview</a:t>
             </a:r>
           </a:p>
         </p:txBody>
       </p:sp>
       <p:sp>
         <p:nvSpPr>
-          <p:cNvPr id="3" name="Text Placeholder 2">
+          <p:cNvPr id="3" name="Content Placeholder 2">
             <a:extLst>
               <a:ext uri="{FF2B5EF4-FFF2-40B4-BE49-F238E27FC236}">
-                <a16:creationId xmlns:a16="http://schemas.microsoft.com/office/drawing/2014/main" id="{7E46C5BC-7149-F6B3-A6F9-C9125AFA75B5}"/>
+                <a16:creationId xmlns:a16="http://schemas.microsoft.com/office/drawing/2014/main" id="{D2C814BD-5F47-3586-C661-4AF98D2476AF}"/>
               </a:ext>
             </a:extLst>
           </p:cNvPr>
@@ -14617,22 +13783,45 @@
             <a:spLocks noGrp="1"/>
           </p:cNvSpPr>
           <p:nvPr>
-            <p:ph type="body" idx="1"/>
+            <p:ph idx="1"/>
           </p:nvPr>
         </p:nvSpPr>
         <p:spPr/>
         <p:txBody>
-          <a:bodyPr/>
+          <a:bodyPr>
+            <a:normAutofit/>
+          </a:bodyPr>
           <a:lstStyle/>
           <a:p>
-            <a:endParaRPr lang="en-US"/>
+            <a:r>
+              <a:rPr lang="en-US" dirty="0"/>
+              <a:t>Pooling independent cross sections across time</a:t>
+            </a:r>
+          </a:p>
+          <a:p>
+            <a:r>
+              <a:rPr lang="en-US" dirty="0"/>
+              <a:t>Two-period panel data analysis</a:t>
+            </a:r>
+          </a:p>
+          <a:p>
+            <a:r>
+              <a:rPr lang="en-US" dirty="0"/>
+              <a:t>Differencing with more than two time periods</a:t>
+            </a:r>
+          </a:p>
+          <a:p>
+            <a:r>
+              <a:rPr lang="en-US" dirty="0"/>
+              <a:t>Stata Examples </a:t>
+            </a:r>
           </a:p>
         </p:txBody>
       </p:sp>
     </p:spTree>
     <p:extLst>
       <p:ext uri="{BB962C8B-B14F-4D97-AF65-F5344CB8AC3E}">
-        <p14:creationId xmlns:p14="http://schemas.microsoft.com/office/powerpoint/2010/main" val="2146100197"/>
+        <p14:creationId xmlns:p14="http://schemas.microsoft.com/office/powerpoint/2010/main" val="297288293"/>
       </p:ext>
     </p:extLst>
   </p:cSld>
@@ -14770,8 +13959,8 @@
           </a:p>
         </p:txBody>
       </p:sp>
-      <mc:AlternateContent xmlns:mc="http://schemas.openxmlformats.org/markup-compatibility/2006">
-        <mc:Choice xmlns:a14="http://schemas.microsoft.com/office/drawing/2010/main" Requires="a14">
+      <mc:AlternateContent xmlns:mc="http://schemas.openxmlformats.org/markup-compatibility/2006" xmlns:a14="http://schemas.microsoft.com/office/drawing/2010/main">
+        <mc:Choice Requires="a14">
           <p:sp>
             <p:nvSpPr>
               <p:cNvPr id="3" name="Content Placeholder 2">
@@ -15465,7 +14654,7 @@
             </p:txBody>
           </p:sp>
         </mc:Choice>
-        <mc:Fallback>
+        <mc:Fallback xmlns="">
           <p:sp>
             <p:nvSpPr>
               <p:cNvPr id="3" name="Content Placeholder 2">
@@ -15581,10 +14770,15 @@
                 <p:ph idx="1"/>
               </p:nvPr>
             </p:nvSpPr>
-            <p:spPr/>
+            <p:spPr>
+              <a:xfrm>
+                <a:off x="838200" y="1825624"/>
+                <a:ext cx="10515600" cy="4852577"/>
+              </a:xfrm>
+            </p:spPr>
             <p:txBody>
               <a:bodyPr>
-                <a:normAutofit/>
+                <a:normAutofit fontScale="92500" lnSpcReduction="10000"/>
               </a:bodyPr>
               <a:lstStyle/>
               <a:p>
@@ -15622,6 +14816,46 @@
                 <a:r>
                   <a:rPr lang="en-US" dirty="0"/>
                   <a:t>Difference between Time Period 3 and 2</a:t>
+                </a:r>
+              </a:p>
+              <a:p>
+                <a:pPr lvl="1"/>
+                <a:r>
+                  <a:rPr lang="en-US" dirty="0"/>
+                  <a:t>There is no intercept </a:t>
+                </a:r>
+                <a14:m>
+                  <m:oMath xmlns:m="http://schemas.openxmlformats.org/officeDocument/2006/math">
+                    <m:sSub>
+                      <m:sSubPr>
+                        <m:ctrlPr>
+                          <a:rPr lang="en-US" b="0" i="1" smtClean="0">
+                            <a:latin typeface="Cambria Math" panose="02040503050406030204" pitchFamily="18" charset="0"/>
+                          </a:rPr>
+                        </m:ctrlPr>
+                      </m:sSubPr>
+                      <m:e>
+                        <m:r>
+                          <a:rPr lang="en-US" b="0" i="1" smtClean="0">
+                            <a:latin typeface="Cambria Math" panose="02040503050406030204" pitchFamily="18" charset="0"/>
+                          </a:rPr>
+                          <m:t>𝛿</m:t>
+                        </m:r>
+                      </m:e>
+                      <m:sub>
+                        <m:r>
+                          <a:rPr lang="en-US" b="0" i="1" smtClean="0">
+                            <a:latin typeface="Cambria Math" panose="02040503050406030204" pitchFamily="18" charset="0"/>
+                          </a:rPr>
+                          <m:t>1</m:t>
+                        </m:r>
+                      </m:sub>
+                    </m:sSub>
+                  </m:oMath>
+                </a14:m>
+                <a:r>
+                  <a:rPr lang="en-US" dirty="0"/>
+                  <a:t>, since it drops out</a:t>
                 </a:r>
               </a:p>
               <a:p>
@@ -16004,30 +15238,6 @@
               </a:p>
               <a:p>
                 <a:pPr lvl="1"/>
-                <a:r>
-                  <a:rPr lang="en-US" dirty="0"/>
-                  <a:t>When </a:t>
-                </a:r>
-                <a14:m>
-                  <m:oMath xmlns:m="http://schemas.openxmlformats.org/officeDocument/2006/math">
-                    <m:r>
-                      <a:rPr lang="en-US" b="0" i="1" smtClean="0">
-                        <a:latin typeface="Cambria Math" panose="02040503050406030204" pitchFamily="18" charset="0"/>
-                      </a:rPr>
-                      <m:t>𝑡</m:t>
-                    </m:r>
-                    <m:r>
-                      <a:rPr lang="en-US" b="0" i="1" smtClean="0">
-                        <a:latin typeface="Cambria Math" panose="02040503050406030204" pitchFamily="18" charset="0"/>
-                      </a:rPr>
-                      <m:t>=2</m:t>
-                    </m:r>
-                  </m:oMath>
-                </a14:m>
-                <a:r>
-                  <a:rPr lang="en-US" dirty="0"/>
-                  <a:t> </a:t>
-                </a:r>
                 <a14:m>
                   <m:oMath xmlns:m="http://schemas.openxmlformats.org/officeDocument/2006/math">
                     <m:r>
@@ -16070,12 +15280,6 @@
                         </m:r>
                       </m:sub>
                     </m:sSub>
-                    <m:r>
-                      <a:rPr lang="en-US" b="0" i="1" dirty="0" smtClean="0">
-                        <a:latin typeface="Cambria Math" panose="02040503050406030204" pitchFamily="18" charset="0"/>
-                      </a:rPr>
-                      <m:t>=1</m:t>
-                    </m:r>
                   </m:oMath>
                 </a14:m>
                 <a:r>
@@ -16124,15 +15328,12 @@
                         </m:r>
                       </m:sub>
                     </m:sSub>
-                    <m:r>
-                      <a:rPr lang="en-US" b="0" i="1" smtClean="0">
-                        <a:latin typeface="Cambria Math" panose="02040503050406030204" pitchFamily="18" charset="0"/>
-                      </a:rPr>
-                      <m:t>=0</m:t>
-                    </m:r>
                   </m:oMath>
                 </a14:m>
-                <a:endParaRPr lang="en-US" dirty="0"/>
+                <a:r>
+                  <a:rPr lang="en-US" dirty="0"/>
+                  <a:t> contain the differences in dummies</a:t>
+                </a:r>
               </a:p>
               <a:p>
                 <a:pPr lvl="1"/>
@@ -16152,8 +15353,97 @@
                       <a:rPr lang="en-US" b="0" i="1" smtClean="0">
                         <a:latin typeface="Cambria Math" panose="02040503050406030204" pitchFamily="18" charset="0"/>
                       </a:rPr>
-                      <m:t>=3 </m:t>
-                    </m:r>
+                      <m:t>=1</m:t>
+                    </m:r>
+                  </m:oMath>
+                </a14:m>
+                <a:r>
+                  <a:rPr lang="en-US" dirty="0"/>
+                  <a:t>, we don’t have a differenced observation</a:t>
+                </a:r>
+              </a:p>
+              <a:p>
+                <a:pPr lvl="1"/>
+                <a:r>
+                  <a:rPr lang="en-US" dirty="0"/>
+                  <a:t>When </a:t>
+                </a:r>
+                <a14:m>
+                  <m:oMath xmlns:m="http://schemas.openxmlformats.org/officeDocument/2006/math">
+                    <m:r>
+                      <a:rPr lang="en-US" b="0" i="1" smtClean="0">
+                        <a:latin typeface="Cambria Math" panose="02040503050406030204" pitchFamily="18" charset="0"/>
+                      </a:rPr>
+                      <m:t>𝑡</m:t>
+                    </m:r>
+                    <m:r>
+                      <a:rPr lang="en-US" b="0" i="1" smtClean="0">
+                        <a:latin typeface="Cambria Math" panose="02040503050406030204" pitchFamily="18" charset="0"/>
+                      </a:rPr>
+                      <m:t>=2</m:t>
+                    </m:r>
+                  </m:oMath>
+                </a14:m>
+                <a:r>
+                  <a:rPr lang="en-US" dirty="0"/>
+                  <a:t>, </a:t>
+                </a:r>
+                <a14:m>
+                  <m:oMath xmlns:m="http://schemas.openxmlformats.org/officeDocument/2006/math">
+                    <m:r>
+                      <m:rPr>
+                        <m:sty m:val="p"/>
+                      </m:rPr>
+                      <a:rPr lang="en-US" b="0" i="0" dirty="0" smtClean="0">
+                        <a:latin typeface="Cambria Math" panose="02040503050406030204" pitchFamily="18" charset="0"/>
+                      </a:rPr>
+                      <m:t>Δ</m:t>
+                    </m:r>
+                    <m:r>
+                      <a:rPr lang="en-US" b="0" i="1" dirty="0" smtClean="0">
+                        <a:latin typeface="Cambria Math" panose="02040503050406030204" pitchFamily="18" charset="0"/>
+                      </a:rPr>
+                      <m:t>𝑑</m:t>
+                    </m:r>
+                    <m:sSub>
+                      <m:sSubPr>
+                        <m:ctrlPr>
+                          <a:rPr lang="en-US" b="0" i="1" dirty="0" smtClean="0">
+                            <a:latin typeface="Cambria Math" panose="02040503050406030204" pitchFamily="18" charset="0"/>
+                          </a:rPr>
+                        </m:ctrlPr>
+                      </m:sSubPr>
+                      <m:e>
+                        <m:r>
+                          <a:rPr lang="en-US" b="0" i="1" dirty="0" smtClean="0">
+                            <a:latin typeface="Cambria Math" panose="02040503050406030204" pitchFamily="18" charset="0"/>
+                          </a:rPr>
+                          <m:t>2</m:t>
+                        </m:r>
+                      </m:e>
+                      <m:sub>
+                        <m:r>
+                          <a:rPr lang="en-US" b="0" i="1" dirty="0" smtClean="0">
+                            <a:latin typeface="Cambria Math" panose="02040503050406030204" pitchFamily="18" charset="0"/>
+                          </a:rPr>
+                          <m:t>𝑡</m:t>
+                        </m:r>
+                      </m:sub>
+                    </m:sSub>
+                    <m:r>
+                      <a:rPr lang="en-US" b="0" i="1" dirty="0" smtClean="0">
+                        <a:latin typeface="Cambria Math" panose="02040503050406030204" pitchFamily="18" charset="0"/>
+                      </a:rPr>
+                      <m:t>=1</m:t>
+                    </m:r>
+                  </m:oMath>
+                </a14:m>
+                <a:r>
+                  <a:rPr lang="en-US" dirty="0"/>
+                  <a:t> and </a:t>
+                </a:r>
+                <a14:m>
+                  <m:oMath xmlns:m="http://schemas.openxmlformats.org/officeDocument/2006/math">
                     <m:r>
                       <m:rPr>
                         <m:sty m:val="p"/>
@@ -16182,7 +15472,7 @@
                           <a:rPr lang="en-US" b="0" i="1" smtClean="0">
                             <a:latin typeface="Cambria Math" panose="02040503050406030204" pitchFamily="18" charset="0"/>
                           </a:rPr>
-                          <m:t>2</m:t>
+                          <m:t>3</m:t>
                         </m:r>
                       </m:e>
                       <m:sub>
@@ -16198,16 +15488,32 @@
                       <a:rPr lang="en-US" b="0" i="1" smtClean="0">
                         <a:latin typeface="Cambria Math" panose="02040503050406030204" pitchFamily="18" charset="0"/>
                       </a:rPr>
-                      <m:t>=−1</m:t>
+                      <m:t>=0</m:t>
                     </m:r>
                   </m:oMath>
                 </a14:m>
-                <a:r>
-                  <a:rPr lang="en-US" dirty="0"/>
-                  <a:t> and </a:t>
+                <a:endParaRPr lang="en-US" dirty="0"/>
+              </a:p>
+              <a:p>
+                <a:pPr lvl="1"/>
+                <a:r>
+                  <a:rPr lang="en-US" dirty="0"/>
+                  <a:t>When </a:t>
                 </a:r>
                 <a14:m>
                   <m:oMath xmlns:m="http://schemas.openxmlformats.org/officeDocument/2006/math">
+                    <m:r>
+                      <a:rPr lang="en-US" b="0" i="1" smtClean="0">
+                        <a:latin typeface="Cambria Math" panose="02040503050406030204" pitchFamily="18" charset="0"/>
+                      </a:rPr>
+                      <m:t>𝑡</m:t>
+                    </m:r>
+                    <m:r>
+                      <a:rPr lang="en-US" b="0" i="1" smtClean="0">
+                        <a:latin typeface="Cambria Math" panose="02040503050406030204" pitchFamily="18" charset="0"/>
+                      </a:rPr>
+                      <m:t>=3, </m:t>
+                    </m:r>
                     <m:r>
                       <m:rPr>
                         <m:sty m:val="p"/>
@@ -16236,6 +15542,60 @@
                           <a:rPr lang="en-US" b="0" i="1" smtClean="0">
                             <a:latin typeface="Cambria Math" panose="02040503050406030204" pitchFamily="18" charset="0"/>
                           </a:rPr>
+                          <m:t>2</m:t>
+                        </m:r>
+                      </m:e>
+                      <m:sub>
+                        <m:r>
+                          <a:rPr lang="en-US" b="0" i="1" smtClean="0">
+                            <a:latin typeface="Cambria Math" panose="02040503050406030204" pitchFamily="18" charset="0"/>
+                          </a:rPr>
+                          <m:t>𝑡</m:t>
+                        </m:r>
+                      </m:sub>
+                    </m:sSub>
+                    <m:r>
+                      <a:rPr lang="en-US" b="0" i="1" smtClean="0">
+                        <a:latin typeface="Cambria Math" panose="02040503050406030204" pitchFamily="18" charset="0"/>
+                      </a:rPr>
+                      <m:t>=−1</m:t>
+                    </m:r>
+                  </m:oMath>
+                </a14:m>
+                <a:r>
+                  <a:rPr lang="en-US" dirty="0"/>
+                  <a:t> and </a:t>
+                </a:r>
+                <a14:m>
+                  <m:oMath xmlns:m="http://schemas.openxmlformats.org/officeDocument/2006/math">
+                    <m:r>
+                      <m:rPr>
+                        <m:sty m:val="p"/>
+                      </m:rPr>
+                      <a:rPr lang="en-US" b="0" i="0" smtClean="0">
+                        <a:latin typeface="Cambria Math" panose="02040503050406030204" pitchFamily="18" charset="0"/>
+                      </a:rPr>
+                      <m:t>Δ</m:t>
+                    </m:r>
+                    <m:r>
+                      <a:rPr lang="en-US" b="0" i="1" smtClean="0">
+                        <a:latin typeface="Cambria Math" panose="02040503050406030204" pitchFamily="18" charset="0"/>
+                      </a:rPr>
+                      <m:t>𝑑</m:t>
+                    </m:r>
+                    <m:sSub>
+                      <m:sSubPr>
+                        <m:ctrlPr>
+                          <a:rPr lang="en-US" b="0" i="1" smtClean="0">
+                            <a:latin typeface="Cambria Math" panose="02040503050406030204" pitchFamily="18" charset="0"/>
+                          </a:rPr>
+                        </m:ctrlPr>
+                      </m:sSubPr>
+                      <m:e>
+                        <m:r>
+                          <a:rPr lang="en-US" b="0" i="1" smtClean="0">
+                            <a:latin typeface="Cambria Math" panose="02040503050406030204" pitchFamily="18" charset="0"/>
+                          </a:rPr>
                           <m:t>3</m:t>
                         </m:r>
                       </m:e>
@@ -16259,49 +15619,33 @@
                 <a:endParaRPr lang="en-US" dirty="0"/>
               </a:p>
               <a:p>
-                <a:pPr lvl="1"/>
-                <a:r>
-                  <a:rPr lang="en-US" dirty="0"/>
-                  <a:t>There is no intercept </a:t>
+                <a:r>
+                  <a:rPr lang="en-US" dirty="0"/>
+                  <a:t>To generalize our model when </a:t>
                 </a:r>
                 <a14:m>
                   <m:oMath xmlns:m="http://schemas.openxmlformats.org/officeDocument/2006/math">
-                    <m:sSub>
-                      <m:sSubPr>
-                        <m:ctrlPr>
-                          <a:rPr lang="en-US" b="0" i="1" smtClean="0">
-                            <a:latin typeface="Cambria Math" panose="02040503050406030204" pitchFamily="18" charset="0"/>
-                          </a:rPr>
-                        </m:ctrlPr>
-                      </m:sSubPr>
-                      <m:e>
-                        <m:r>
-                          <a:rPr lang="en-US" b="0" i="1" smtClean="0">
-                            <a:latin typeface="Cambria Math" panose="02040503050406030204" pitchFamily="18" charset="0"/>
-                          </a:rPr>
-                          <m:t>𝛿</m:t>
-                        </m:r>
-                      </m:e>
-                      <m:sub>
-                        <m:r>
-                          <a:rPr lang="en-US" b="0" i="1" smtClean="0">
-                            <a:latin typeface="Cambria Math" panose="02040503050406030204" pitchFamily="18" charset="0"/>
-                          </a:rPr>
-                          <m:t>1</m:t>
-                        </m:r>
-                      </m:sub>
-                    </m:sSub>
+                    <m:r>
+                      <a:rPr lang="en-US" b="0" i="1" smtClean="0">
+                        <a:latin typeface="Cambria Math" panose="02040503050406030204" pitchFamily="18" charset="0"/>
+                      </a:rPr>
+                      <m:t>𝑇</m:t>
+                    </m:r>
+                    <m:r>
+                      <a:rPr lang="en-US" b="0" i="1" smtClean="0">
+                        <a:latin typeface="Cambria Math" panose="02040503050406030204" pitchFamily="18" charset="0"/>
+                      </a:rPr>
+                      <m:t>=3</m:t>
+                    </m:r>
                   </m:oMath>
                 </a14:m>
-                <a:r>
-                  <a:rPr lang="en-US" dirty="0"/>
-                  <a:t>, since it drops out</a:t>
-                </a:r>
-              </a:p>
-              <a:p>
-                <a:r>
-                  <a:rPr lang="en-US" dirty="0"/>
-                  <a:t>To generalize our model when </a:t>
+                <a:endParaRPr lang="en-US" dirty="0"/>
+              </a:p>
+              <a:p>
+                <a:pPr lvl="1"/>
+                <a:r>
+                  <a:rPr lang="en-US" dirty="0"/>
+                  <a:t>It is preferable to estimate with an intercept and a single-year binary usually </a:t>
                 </a:r>
                 <a14:m>
                   <m:oMath xmlns:m="http://schemas.openxmlformats.org/officeDocument/2006/math">
@@ -16309,14 +15653,33 @@
                       <a:rPr lang="en-US" b="0" i="1" smtClean="0">
                         <a:latin typeface="Cambria Math" panose="02040503050406030204" pitchFamily="18" charset="0"/>
                       </a:rPr>
-                      <m:t>𝑇</m:t>
-                    </m:r>
-                    <m:r>
-                      <a:rPr lang="en-US" b="0" i="1" smtClean="0">
-                        <a:latin typeface="Cambria Math" panose="02040503050406030204" pitchFamily="18" charset="0"/>
-                      </a:rPr>
-                      <m:t>=3</m:t>
-                    </m:r>
+                      <m:t>𝑑</m:t>
+                    </m:r>
+                    <m:sSub>
+                      <m:sSubPr>
+                        <m:ctrlPr>
+                          <a:rPr lang="en-US" b="0" i="1" smtClean="0">
+                            <a:latin typeface="Cambria Math" panose="02040503050406030204" pitchFamily="18" charset="0"/>
+                          </a:rPr>
+                        </m:ctrlPr>
+                      </m:sSubPr>
+                      <m:e>
+                        <m:r>
+                          <a:rPr lang="en-US" b="0" i="1" smtClean="0">
+                            <a:latin typeface="Cambria Math" panose="02040503050406030204" pitchFamily="18" charset="0"/>
+                          </a:rPr>
+                          <m:t>3</m:t>
+                        </m:r>
+                      </m:e>
+                      <m:sub>
+                        <m:r>
+                          <a:rPr lang="en-US" b="0" i="1" smtClean="0">
+                            <a:latin typeface="Cambria Math" panose="02040503050406030204" pitchFamily="18" charset="0"/>
+                          </a:rPr>
+                          <m:t>𝑡</m:t>
+                        </m:r>
+                      </m:sub>
+                    </m:sSub>
                   </m:oMath>
                 </a14:m>
                 <a:endParaRPr lang="en-US" dirty="0"/>
@@ -16713,10 +16076,14 @@
               </p:nvPr>
             </p:nvSpPr>
             <p:spPr>
+              <a:xfrm>
+                <a:off x="838200" y="1825624"/>
+                <a:ext cx="10515600" cy="4852577"/>
+              </a:xfrm>
               <a:blipFill>
                 <a:blip r:embed="rId2"/>
                 <a:stretch>
-                  <a:fillRect l="-1086" t="-2326" b="-872"/>
+                  <a:fillRect l="-965" t="-2344"/>
                 </a:stretch>
               </a:blipFill>
             </p:spPr>
@@ -16814,7 +16181,7 @@
             <p:spPr/>
             <p:txBody>
               <a:bodyPr>
-                <a:normAutofit/>
+                <a:normAutofit lnSpcReduction="10000"/>
               </a:bodyPr>
               <a:lstStyle/>
               <a:p>
@@ -16841,460 +16208,469 @@
                 <a:endParaRPr lang="en-US" dirty="0"/>
               </a:p>
               <a:p>
-                <a:pPr lvl="1"/>
+                <a:pPr marL="457200" lvl="1" indent="0">
+                  <a:buNone/>
+                </a:pPr>
                 <a14:m>
-                  <m:oMath xmlns:m="http://schemas.openxmlformats.org/officeDocument/2006/math">
-                    <m:r>
-                      <m:rPr>
-                        <m:sty m:val="p"/>
-                      </m:rPr>
-                      <a:rPr lang="en-US" b="0" i="0" smtClean="0">
-                        <a:latin typeface="Cambria Math" panose="02040503050406030204" pitchFamily="18" charset="0"/>
-                      </a:rPr>
-                      <m:t>Δ</m:t>
-                    </m:r>
-                    <m:sSub>
-                      <m:sSubPr>
-                        <m:ctrlPr>
-                          <a:rPr lang="en-US" b="0" i="1" smtClean="0">
-                            <a:latin typeface="Cambria Math" panose="02040503050406030204" pitchFamily="18" charset="0"/>
-                          </a:rPr>
-                        </m:ctrlPr>
-                      </m:sSubPr>
-                      <m:e>
-                        <m:r>
-                          <a:rPr lang="en-US" b="0" i="1" smtClean="0">
-                            <a:latin typeface="Cambria Math" panose="02040503050406030204" pitchFamily="18" charset="0"/>
-                          </a:rPr>
-                          <m:t>𝑦</m:t>
-                        </m:r>
-                      </m:e>
-                      <m:sub>
-                        <m:r>
-                          <a:rPr lang="en-US" b="0" i="1" smtClean="0">
-                            <a:latin typeface="Cambria Math" panose="02040503050406030204" pitchFamily="18" charset="0"/>
-                          </a:rPr>
-                          <m:t>𝑖𝑡</m:t>
-                        </m:r>
-                      </m:sub>
-                    </m:sSub>
-                    <m:r>
-                      <a:rPr lang="en-US" b="0" i="1" smtClean="0">
-                        <a:latin typeface="Cambria Math" panose="02040503050406030204" pitchFamily="18" charset="0"/>
-                      </a:rPr>
-                      <m:t>=</m:t>
-                    </m:r>
-                    <m:sSub>
-                      <m:sSubPr>
-                        <m:ctrlPr>
-                          <a:rPr lang="en-US" b="0" i="1" smtClean="0">
-                            <a:latin typeface="Cambria Math" panose="02040503050406030204" pitchFamily="18" charset="0"/>
-                          </a:rPr>
-                        </m:ctrlPr>
-                      </m:sSubPr>
-                      <m:e>
-                        <m:r>
-                          <a:rPr lang="en-US" b="0" i="1" smtClean="0">
-                            <a:latin typeface="Cambria Math" panose="02040503050406030204" pitchFamily="18" charset="0"/>
-                          </a:rPr>
-                          <m:t>𝛼</m:t>
-                        </m:r>
-                      </m:e>
-                      <m:sub>
-                        <m:r>
-                          <a:rPr lang="en-US" b="0" i="1" smtClean="0">
-                            <a:latin typeface="Cambria Math" panose="02040503050406030204" pitchFamily="18" charset="0"/>
-                          </a:rPr>
-                          <m:t>0</m:t>
-                        </m:r>
-                      </m:sub>
-                    </m:sSub>
-                    <m:r>
-                      <a:rPr lang="en-US" b="0" i="1" smtClean="0">
-                        <a:latin typeface="Cambria Math" panose="02040503050406030204" pitchFamily="18" charset="0"/>
-                      </a:rPr>
-                      <m:t>+</m:t>
-                    </m:r>
-                    <m:sSub>
-                      <m:sSubPr>
-                        <m:ctrlPr>
-                          <a:rPr lang="en-US" b="0" i="1" smtClean="0">
-                            <a:latin typeface="Cambria Math" panose="02040503050406030204" pitchFamily="18" charset="0"/>
-                          </a:rPr>
-                        </m:ctrlPr>
-                      </m:sSubPr>
-                      <m:e>
-                        <m:r>
-                          <a:rPr lang="en-US" b="0" i="1" smtClean="0">
-                            <a:latin typeface="Cambria Math" panose="02040503050406030204" pitchFamily="18" charset="0"/>
-                          </a:rPr>
-                          <m:t>𝛼</m:t>
-                        </m:r>
-                      </m:e>
-                      <m:sub>
-                        <m:r>
-                          <a:rPr lang="en-US" b="0" i="1" smtClean="0">
-                            <a:latin typeface="Cambria Math" panose="02040503050406030204" pitchFamily="18" charset="0"/>
-                          </a:rPr>
-                          <m:t>3</m:t>
-                        </m:r>
-                      </m:sub>
-                    </m:sSub>
-                    <m:r>
-                      <a:rPr lang="en-US" b="0" i="1" smtClean="0">
-                        <a:latin typeface="Cambria Math" panose="02040503050406030204" pitchFamily="18" charset="0"/>
-                      </a:rPr>
-                      <m:t>𝑑</m:t>
-                    </m:r>
-                    <m:sSub>
-                      <m:sSubPr>
-                        <m:ctrlPr>
-                          <a:rPr lang="en-US" b="0" i="1" smtClean="0">
-                            <a:latin typeface="Cambria Math" panose="02040503050406030204" pitchFamily="18" charset="0"/>
-                          </a:rPr>
-                        </m:ctrlPr>
-                      </m:sSubPr>
-                      <m:e>
-                        <m:r>
-                          <a:rPr lang="en-US" b="0" i="1" smtClean="0">
-                            <a:latin typeface="Cambria Math" panose="02040503050406030204" pitchFamily="18" charset="0"/>
-                          </a:rPr>
-                          <m:t>3</m:t>
-                        </m:r>
-                      </m:e>
-                      <m:sub>
-                        <m:r>
-                          <a:rPr lang="en-US" b="0" i="1" smtClean="0">
-                            <a:latin typeface="Cambria Math" panose="02040503050406030204" pitchFamily="18" charset="0"/>
-                          </a:rPr>
-                          <m:t>𝑡</m:t>
-                        </m:r>
-                      </m:sub>
-                    </m:sSub>
-                    <m:r>
-                      <a:rPr lang="en-US" b="0" i="1" smtClean="0">
-                        <a:latin typeface="Cambria Math" panose="02040503050406030204" pitchFamily="18" charset="0"/>
-                      </a:rPr>
-                      <m:t>+</m:t>
-                    </m:r>
-                    <m:sSub>
-                      <m:sSubPr>
-                        <m:ctrlPr>
-                          <a:rPr lang="en-US" b="0" i="1" smtClean="0">
-                            <a:latin typeface="Cambria Math" panose="02040503050406030204" pitchFamily="18" charset="0"/>
-                          </a:rPr>
-                        </m:ctrlPr>
-                      </m:sSubPr>
-                      <m:e>
-                        <m:r>
-                          <a:rPr lang="en-US" b="0" i="1" smtClean="0">
-                            <a:latin typeface="Cambria Math" panose="02040503050406030204" pitchFamily="18" charset="0"/>
-                          </a:rPr>
-                          <m:t>𝛼</m:t>
-                        </m:r>
-                      </m:e>
-                      <m:sub>
-                        <m:r>
-                          <a:rPr lang="en-US" b="0" i="1" smtClean="0">
-                            <a:latin typeface="Cambria Math" panose="02040503050406030204" pitchFamily="18" charset="0"/>
-                          </a:rPr>
-                          <m:t>4</m:t>
-                        </m:r>
-                      </m:sub>
-                    </m:sSub>
-                    <m:r>
-                      <a:rPr lang="en-US" b="0" i="1" smtClean="0">
-                        <a:latin typeface="Cambria Math" panose="02040503050406030204" pitchFamily="18" charset="0"/>
-                      </a:rPr>
-                      <m:t>𝑑</m:t>
-                    </m:r>
-                    <m:sSub>
-                      <m:sSubPr>
-                        <m:ctrlPr>
-                          <a:rPr lang="en-US" b="0" i="1" smtClean="0">
-                            <a:latin typeface="Cambria Math" panose="02040503050406030204" pitchFamily="18" charset="0"/>
-                          </a:rPr>
-                        </m:ctrlPr>
-                      </m:sSubPr>
-                      <m:e>
-                        <m:r>
-                          <a:rPr lang="en-US" b="0" i="1" smtClean="0">
-                            <a:latin typeface="Cambria Math" panose="02040503050406030204" pitchFamily="18" charset="0"/>
-                          </a:rPr>
-                          <m:t>4</m:t>
-                        </m:r>
-                      </m:e>
-                      <m:sub>
-                        <m:r>
-                          <a:rPr lang="en-US" b="0" i="1" smtClean="0">
-                            <a:latin typeface="Cambria Math" panose="02040503050406030204" pitchFamily="18" charset="0"/>
-                          </a:rPr>
-                          <m:t>𝑡</m:t>
-                        </m:r>
-                      </m:sub>
-                    </m:sSub>
-                    <m:r>
-                      <a:rPr lang="en-US" b="0" i="1" smtClean="0">
-                        <a:latin typeface="Cambria Math" panose="02040503050406030204" pitchFamily="18" charset="0"/>
-                      </a:rPr>
-                      <m:t>+…+</m:t>
-                    </m:r>
-                    <m:sSub>
-                      <m:sSubPr>
-                        <m:ctrlPr>
-                          <a:rPr lang="en-US" b="0" i="1" smtClean="0">
-                            <a:latin typeface="Cambria Math" panose="02040503050406030204" pitchFamily="18" charset="0"/>
-                          </a:rPr>
-                        </m:ctrlPr>
-                      </m:sSubPr>
-                      <m:e>
-                        <m:r>
-                          <a:rPr lang="en-US" b="0" i="1" smtClean="0">
-                            <a:latin typeface="Cambria Math" panose="02040503050406030204" pitchFamily="18" charset="0"/>
-                          </a:rPr>
-                          <m:t>𝛼</m:t>
-                        </m:r>
-                      </m:e>
-                      <m:sub>
-                        <m:r>
-                          <a:rPr lang="en-US" b="0" i="1" smtClean="0">
-                            <a:latin typeface="Cambria Math" panose="02040503050406030204" pitchFamily="18" charset="0"/>
-                          </a:rPr>
-                          <m:t>𝑇</m:t>
-                        </m:r>
-                      </m:sub>
-                    </m:sSub>
-                    <m:r>
-                      <a:rPr lang="en-US" b="0" i="1" smtClean="0">
-                        <a:latin typeface="Cambria Math" panose="02040503050406030204" pitchFamily="18" charset="0"/>
-                      </a:rPr>
-                      <m:t>𝑑</m:t>
-                    </m:r>
-                    <m:sSub>
-                      <m:sSubPr>
-                        <m:ctrlPr>
-                          <a:rPr lang="en-US" b="0" i="1" smtClean="0">
-                            <a:latin typeface="Cambria Math" panose="02040503050406030204" pitchFamily="18" charset="0"/>
-                          </a:rPr>
-                        </m:ctrlPr>
-                      </m:sSubPr>
-                      <m:e>
-                        <m:r>
-                          <a:rPr lang="en-US" b="0" i="1" smtClean="0">
-                            <a:latin typeface="Cambria Math" panose="02040503050406030204" pitchFamily="18" charset="0"/>
-                          </a:rPr>
-                          <m:t>𝑇</m:t>
-                        </m:r>
-                      </m:e>
-                      <m:sub>
-                        <m:r>
-                          <a:rPr lang="en-US" b="0" i="1" smtClean="0">
-                            <a:latin typeface="Cambria Math" panose="02040503050406030204" pitchFamily="18" charset="0"/>
-                          </a:rPr>
-                          <m:t>𝑡</m:t>
-                        </m:r>
-                      </m:sub>
-                    </m:sSub>
-                    <m:r>
-                      <a:rPr lang="en-US" b="0" i="1" smtClean="0">
-                        <a:latin typeface="Cambria Math" panose="02040503050406030204" pitchFamily="18" charset="0"/>
-                      </a:rPr>
-                      <m:t>+</m:t>
-                    </m:r>
-                    <m:sSub>
-                      <m:sSubPr>
-                        <m:ctrlPr>
-                          <a:rPr lang="en-US" b="0" i="1" smtClean="0">
-                            <a:latin typeface="Cambria Math" panose="02040503050406030204" pitchFamily="18" charset="0"/>
-                          </a:rPr>
-                        </m:ctrlPr>
-                      </m:sSubPr>
-                      <m:e>
-                        <m:r>
-                          <a:rPr lang="en-US" b="0" i="1" smtClean="0">
-                            <a:latin typeface="Cambria Math" panose="02040503050406030204" pitchFamily="18" charset="0"/>
-                          </a:rPr>
-                          <m:t>𝛽</m:t>
-                        </m:r>
-                      </m:e>
-                      <m:sub>
-                        <m:r>
-                          <a:rPr lang="en-US" b="0" i="1" smtClean="0">
-                            <a:latin typeface="Cambria Math" panose="02040503050406030204" pitchFamily="18" charset="0"/>
-                          </a:rPr>
-                          <m:t>1</m:t>
-                        </m:r>
-                      </m:sub>
-                    </m:sSub>
-                    <m:r>
-                      <m:rPr>
-                        <m:sty m:val="p"/>
-                      </m:rPr>
-                      <a:rPr lang="en-US" b="0" i="0" smtClean="0">
-                        <a:latin typeface="Cambria Math" panose="02040503050406030204" pitchFamily="18" charset="0"/>
-                      </a:rPr>
-                      <m:t>Δ</m:t>
-                    </m:r>
-                    <m:sSub>
-                      <m:sSubPr>
-                        <m:ctrlPr>
-                          <a:rPr lang="en-US" b="0" i="1" smtClean="0">
-                            <a:latin typeface="Cambria Math" panose="02040503050406030204" pitchFamily="18" charset="0"/>
-                          </a:rPr>
-                        </m:ctrlPr>
-                      </m:sSubPr>
-                      <m:e>
-                        <m:r>
-                          <a:rPr lang="en-US" b="0" i="1" smtClean="0">
-                            <a:latin typeface="Cambria Math" panose="02040503050406030204" pitchFamily="18" charset="0"/>
-                          </a:rPr>
-                          <m:t>𝑥</m:t>
-                        </m:r>
-                      </m:e>
-                      <m:sub>
-                        <m:r>
-                          <a:rPr lang="en-US" b="0" i="1" smtClean="0">
-                            <a:latin typeface="Cambria Math" panose="02040503050406030204" pitchFamily="18" charset="0"/>
-                          </a:rPr>
-                          <m:t>1,</m:t>
-                        </m:r>
-                        <m:r>
-                          <a:rPr lang="en-US" b="0" i="1" smtClean="0">
-                            <a:latin typeface="Cambria Math" panose="02040503050406030204" pitchFamily="18" charset="0"/>
-                          </a:rPr>
-                          <m:t>𝑖𝑡</m:t>
-                        </m:r>
-                      </m:sub>
-                    </m:sSub>
-                    <m:r>
-                      <a:rPr lang="en-US" b="0" i="1" smtClean="0">
-                        <a:latin typeface="Cambria Math" panose="02040503050406030204" pitchFamily="18" charset="0"/>
-                      </a:rPr>
-                      <m:t>+…+</m:t>
-                    </m:r>
-                    <m:sSub>
-                      <m:sSubPr>
-                        <m:ctrlPr>
-                          <a:rPr lang="en-US" b="0" i="1" smtClean="0">
-                            <a:latin typeface="Cambria Math" panose="02040503050406030204" pitchFamily="18" charset="0"/>
-                          </a:rPr>
-                        </m:ctrlPr>
-                      </m:sSubPr>
-                      <m:e>
-                        <m:r>
-                          <a:rPr lang="en-US" b="0" i="1" smtClean="0">
-                            <a:latin typeface="Cambria Math" panose="02040503050406030204" pitchFamily="18" charset="0"/>
-                          </a:rPr>
-                          <m:t>𝛽</m:t>
-                        </m:r>
-                      </m:e>
-                      <m:sub>
-                        <m:r>
-                          <a:rPr lang="en-US" b="0" i="1" smtClean="0">
-                            <a:latin typeface="Cambria Math" panose="02040503050406030204" pitchFamily="18" charset="0"/>
-                          </a:rPr>
-                          <m:t>𝑘</m:t>
-                        </m:r>
-                      </m:sub>
-                    </m:sSub>
-                    <m:r>
-                      <m:rPr>
-                        <m:sty m:val="p"/>
-                      </m:rPr>
-                      <a:rPr lang="en-US" b="0" i="0" smtClean="0">
-                        <a:latin typeface="Cambria Math" panose="02040503050406030204" pitchFamily="18" charset="0"/>
-                      </a:rPr>
-                      <m:t>Δ</m:t>
-                    </m:r>
-                    <m:sSub>
-                      <m:sSubPr>
-                        <m:ctrlPr>
-                          <a:rPr lang="en-US" b="0" i="1" smtClean="0">
-                            <a:latin typeface="Cambria Math" panose="02040503050406030204" pitchFamily="18" charset="0"/>
-                          </a:rPr>
-                        </m:ctrlPr>
-                      </m:sSubPr>
-                      <m:e>
-                        <m:r>
-                          <a:rPr lang="en-US" b="0" i="1" smtClean="0">
-                            <a:latin typeface="Cambria Math" panose="02040503050406030204" pitchFamily="18" charset="0"/>
-                          </a:rPr>
-                          <m:t>𝑥</m:t>
-                        </m:r>
-                      </m:e>
-                      <m:sub>
-                        <m:r>
-                          <a:rPr lang="en-US" b="0" i="1" smtClean="0">
-                            <a:latin typeface="Cambria Math" panose="02040503050406030204" pitchFamily="18" charset="0"/>
-                          </a:rPr>
-                          <m:t>𝑘</m:t>
-                        </m:r>
-                        <m:r>
-                          <a:rPr lang="en-US" b="0" i="1" smtClean="0">
-                            <a:latin typeface="Cambria Math" panose="02040503050406030204" pitchFamily="18" charset="0"/>
-                          </a:rPr>
-                          <m:t>,</m:t>
-                        </m:r>
-                        <m:r>
-                          <a:rPr lang="en-US" b="0" i="1" smtClean="0">
-                            <a:latin typeface="Cambria Math" panose="02040503050406030204" pitchFamily="18" charset="0"/>
-                          </a:rPr>
-                          <m:t>𝑖𝑡</m:t>
-                        </m:r>
-                      </m:sub>
-                    </m:sSub>
-                    <m:r>
-                      <a:rPr lang="en-US" b="0" i="1" smtClean="0">
-                        <a:latin typeface="Cambria Math" panose="02040503050406030204" pitchFamily="18" charset="0"/>
-                      </a:rPr>
-                      <m:t>+</m:t>
-                    </m:r>
-                    <m:r>
-                      <m:rPr>
-                        <m:sty m:val="p"/>
-                      </m:rPr>
-                      <a:rPr lang="en-US" b="0" i="0" smtClean="0">
-                        <a:latin typeface="Cambria Math" panose="02040503050406030204" pitchFamily="18" charset="0"/>
-                      </a:rPr>
-                      <m:t>Δ</m:t>
-                    </m:r>
-                    <m:sSub>
-                      <m:sSubPr>
-                        <m:ctrlPr>
-                          <a:rPr lang="en-US" b="0" i="0" smtClean="0">
-                            <a:latin typeface="Cambria Math" panose="02040503050406030204" pitchFamily="18" charset="0"/>
-                          </a:rPr>
-                        </m:ctrlPr>
-                      </m:sSubPr>
-                      <m:e>
-                        <m:r>
-                          <m:rPr>
-                            <m:sty m:val="p"/>
-                          </m:rPr>
-                          <a:rPr lang="en-US" b="0" i="0" smtClean="0">
-                            <a:latin typeface="Cambria Math" panose="02040503050406030204" pitchFamily="18" charset="0"/>
-                          </a:rPr>
-                          <m:t>u</m:t>
-                        </m:r>
-                      </m:e>
-                      <m:sub>
-                        <m:r>
-                          <m:rPr>
-                            <m:sty m:val="p"/>
-                          </m:rPr>
-                          <a:rPr lang="en-US" b="0" i="0" smtClean="0">
-                            <a:latin typeface="Cambria Math" panose="02040503050406030204" pitchFamily="18" charset="0"/>
-                          </a:rPr>
-                          <m:t>it</m:t>
-                        </m:r>
-                      </m:sub>
-                    </m:sSub>
-                  </m:oMath>
+                  <m:oMathPara xmlns:m="http://schemas.openxmlformats.org/officeDocument/2006/math">
+                    <m:oMathParaPr>
+                      <m:jc m:val="centerGroup"/>
+                    </m:oMathParaPr>
+                    <m:oMath xmlns:m="http://schemas.openxmlformats.org/officeDocument/2006/math">
+                      <m:r>
+                        <m:rPr>
+                          <m:sty m:val="p"/>
+                        </m:rPr>
+                        <a:rPr lang="en-US" b="0" i="0" smtClean="0">
+                          <a:latin typeface="Cambria Math" panose="02040503050406030204" pitchFamily="18" charset="0"/>
+                        </a:rPr>
+                        <m:t>Δ</m:t>
+                      </m:r>
+                      <m:sSub>
+                        <m:sSubPr>
+                          <m:ctrlPr>
+                            <a:rPr lang="en-US" b="0" i="1" smtClean="0">
+                              <a:latin typeface="Cambria Math" panose="02040503050406030204" pitchFamily="18" charset="0"/>
+                            </a:rPr>
+                          </m:ctrlPr>
+                        </m:sSubPr>
+                        <m:e>
+                          <m:r>
+                            <a:rPr lang="en-US" b="0" i="1" smtClean="0">
+                              <a:latin typeface="Cambria Math" panose="02040503050406030204" pitchFamily="18" charset="0"/>
+                            </a:rPr>
+                            <m:t>𝑦</m:t>
+                          </m:r>
+                        </m:e>
+                        <m:sub>
+                          <m:r>
+                            <a:rPr lang="en-US" b="0" i="1" smtClean="0">
+                              <a:latin typeface="Cambria Math" panose="02040503050406030204" pitchFamily="18" charset="0"/>
+                            </a:rPr>
+                            <m:t>𝑖𝑡</m:t>
+                          </m:r>
+                        </m:sub>
+                      </m:sSub>
+                      <m:r>
+                        <a:rPr lang="en-US" b="0" i="1" smtClean="0">
+                          <a:latin typeface="Cambria Math" panose="02040503050406030204" pitchFamily="18" charset="0"/>
+                        </a:rPr>
+                        <m:t>=</m:t>
+                      </m:r>
+                      <m:sSub>
+                        <m:sSubPr>
+                          <m:ctrlPr>
+                            <a:rPr lang="en-US" b="0" i="1" smtClean="0">
+                              <a:latin typeface="Cambria Math" panose="02040503050406030204" pitchFamily="18" charset="0"/>
+                            </a:rPr>
+                          </m:ctrlPr>
+                        </m:sSubPr>
+                        <m:e>
+                          <m:r>
+                            <a:rPr lang="en-US" b="0" i="1" smtClean="0">
+                              <a:latin typeface="Cambria Math" panose="02040503050406030204" pitchFamily="18" charset="0"/>
+                            </a:rPr>
+                            <m:t>𝛼</m:t>
+                          </m:r>
+                        </m:e>
+                        <m:sub>
+                          <m:r>
+                            <a:rPr lang="en-US" b="0" i="1" smtClean="0">
+                              <a:latin typeface="Cambria Math" panose="02040503050406030204" pitchFamily="18" charset="0"/>
+                            </a:rPr>
+                            <m:t>0</m:t>
+                          </m:r>
+                        </m:sub>
+                      </m:sSub>
+                      <m:r>
+                        <a:rPr lang="en-US" b="0" i="1" smtClean="0">
+                          <a:latin typeface="Cambria Math" panose="02040503050406030204" pitchFamily="18" charset="0"/>
+                        </a:rPr>
+                        <m:t>+</m:t>
+                      </m:r>
+                      <m:sSub>
+                        <m:sSubPr>
+                          <m:ctrlPr>
+                            <a:rPr lang="en-US" b="0" i="1" smtClean="0">
+                              <a:latin typeface="Cambria Math" panose="02040503050406030204" pitchFamily="18" charset="0"/>
+                            </a:rPr>
+                          </m:ctrlPr>
+                        </m:sSubPr>
+                        <m:e>
+                          <m:r>
+                            <a:rPr lang="en-US" b="0" i="1" smtClean="0">
+                              <a:latin typeface="Cambria Math" panose="02040503050406030204" pitchFamily="18" charset="0"/>
+                            </a:rPr>
+                            <m:t>𝛼</m:t>
+                          </m:r>
+                        </m:e>
+                        <m:sub>
+                          <m:r>
+                            <a:rPr lang="en-US" b="0" i="1" smtClean="0">
+                              <a:latin typeface="Cambria Math" panose="02040503050406030204" pitchFamily="18" charset="0"/>
+                            </a:rPr>
+                            <m:t>3</m:t>
+                          </m:r>
+                        </m:sub>
+                      </m:sSub>
+                      <m:r>
+                        <a:rPr lang="en-US" b="0" i="1" smtClean="0">
+                          <a:latin typeface="Cambria Math" panose="02040503050406030204" pitchFamily="18" charset="0"/>
+                        </a:rPr>
+                        <m:t>𝑑</m:t>
+                      </m:r>
+                      <m:sSub>
+                        <m:sSubPr>
+                          <m:ctrlPr>
+                            <a:rPr lang="en-US" b="0" i="1" smtClean="0">
+                              <a:latin typeface="Cambria Math" panose="02040503050406030204" pitchFamily="18" charset="0"/>
+                            </a:rPr>
+                          </m:ctrlPr>
+                        </m:sSubPr>
+                        <m:e>
+                          <m:r>
+                            <a:rPr lang="en-US" b="0" i="1" smtClean="0">
+                              <a:latin typeface="Cambria Math" panose="02040503050406030204" pitchFamily="18" charset="0"/>
+                            </a:rPr>
+                            <m:t>3</m:t>
+                          </m:r>
+                        </m:e>
+                        <m:sub>
+                          <m:r>
+                            <a:rPr lang="en-US" b="0" i="1" smtClean="0">
+                              <a:latin typeface="Cambria Math" panose="02040503050406030204" pitchFamily="18" charset="0"/>
+                            </a:rPr>
+                            <m:t>𝑡</m:t>
+                          </m:r>
+                        </m:sub>
+                      </m:sSub>
+                      <m:r>
+                        <a:rPr lang="en-US" b="0" i="1" smtClean="0">
+                          <a:latin typeface="Cambria Math" panose="02040503050406030204" pitchFamily="18" charset="0"/>
+                        </a:rPr>
+                        <m:t>+</m:t>
+                      </m:r>
+                      <m:sSub>
+                        <m:sSubPr>
+                          <m:ctrlPr>
+                            <a:rPr lang="en-US" b="0" i="1" smtClean="0">
+                              <a:latin typeface="Cambria Math" panose="02040503050406030204" pitchFamily="18" charset="0"/>
+                            </a:rPr>
+                          </m:ctrlPr>
+                        </m:sSubPr>
+                        <m:e>
+                          <m:r>
+                            <a:rPr lang="en-US" b="0" i="1" smtClean="0">
+                              <a:latin typeface="Cambria Math" panose="02040503050406030204" pitchFamily="18" charset="0"/>
+                            </a:rPr>
+                            <m:t>𝛼</m:t>
+                          </m:r>
+                        </m:e>
+                        <m:sub>
+                          <m:r>
+                            <a:rPr lang="en-US" b="0" i="1" smtClean="0">
+                              <a:latin typeface="Cambria Math" panose="02040503050406030204" pitchFamily="18" charset="0"/>
+                            </a:rPr>
+                            <m:t>4</m:t>
+                          </m:r>
+                        </m:sub>
+                      </m:sSub>
+                      <m:r>
+                        <a:rPr lang="en-US" b="0" i="1" smtClean="0">
+                          <a:latin typeface="Cambria Math" panose="02040503050406030204" pitchFamily="18" charset="0"/>
+                        </a:rPr>
+                        <m:t>𝑑</m:t>
+                      </m:r>
+                      <m:sSub>
+                        <m:sSubPr>
+                          <m:ctrlPr>
+                            <a:rPr lang="en-US" b="0" i="1" smtClean="0">
+                              <a:latin typeface="Cambria Math" panose="02040503050406030204" pitchFamily="18" charset="0"/>
+                            </a:rPr>
+                          </m:ctrlPr>
+                        </m:sSubPr>
+                        <m:e>
+                          <m:r>
+                            <a:rPr lang="en-US" b="0" i="1" smtClean="0">
+                              <a:latin typeface="Cambria Math" panose="02040503050406030204" pitchFamily="18" charset="0"/>
+                            </a:rPr>
+                            <m:t>4</m:t>
+                          </m:r>
+                        </m:e>
+                        <m:sub>
+                          <m:r>
+                            <a:rPr lang="en-US" b="0" i="1" smtClean="0">
+                              <a:latin typeface="Cambria Math" panose="02040503050406030204" pitchFamily="18" charset="0"/>
+                            </a:rPr>
+                            <m:t>𝑡</m:t>
+                          </m:r>
+                        </m:sub>
+                      </m:sSub>
+                      <m:r>
+                        <a:rPr lang="en-US" b="0" i="1" smtClean="0">
+                          <a:latin typeface="Cambria Math" panose="02040503050406030204" pitchFamily="18" charset="0"/>
+                        </a:rPr>
+                        <m:t>+…+</m:t>
+                      </m:r>
+                      <m:sSub>
+                        <m:sSubPr>
+                          <m:ctrlPr>
+                            <a:rPr lang="en-US" b="0" i="1" smtClean="0">
+                              <a:latin typeface="Cambria Math" panose="02040503050406030204" pitchFamily="18" charset="0"/>
+                            </a:rPr>
+                          </m:ctrlPr>
+                        </m:sSubPr>
+                        <m:e>
+                          <m:r>
+                            <a:rPr lang="en-US" b="0" i="1" smtClean="0">
+                              <a:latin typeface="Cambria Math" panose="02040503050406030204" pitchFamily="18" charset="0"/>
+                            </a:rPr>
+                            <m:t>𝛼</m:t>
+                          </m:r>
+                        </m:e>
+                        <m:sub>
+                          <m:r>
+                            <a:rPr lang="en-US" b="0" i="1" smtClean="0">
+                              <a:latin typeface="Cambria Math" panose="02040503050406030204" pitchFamily="18" charset="0"/>
+                            </a:rPr>
+                            <m:t>𝑇</m:t>
+                          </m:r>
+                        </m:sub>
+                      </m:sSub>
+                      <m:r>
+                        <a:rPr lang="en-US" b="0" i="1" smtClean="0">
+                          <a:latin typeface="Cambria Math" panose="02040503050406030204" pitchFamily="18" charset="0"/>
+                        </a:rPr>
+                        <m:t>𝑑</m:t>
+                      </m:r>
+                      <m:sSub>
+                        <m:sSubPr>
+                          <m:ctrlPr>
+                            <a:rPr lang="en-US" b="0" i="1" smtClean="0">
+                              <a:latin typeface="Cambria Math" panose="02040503050406030204" pitchFamily="18" charset="0"/>
+                            </a:rPr>
+                          </m:ctrlPr>
+                        </m:sSubPr>
+                        <m:e>
+                          <m:r>
+                            <a:rPr lang="en-US" b="0" i="1" smtClean="0">
+                              <a:latin typeface="Cambria Math" panose="02040503050406030204" pitchFamily="18" charset="0"/>
+                            </a:rPr>
+                            <m:t>𝑇</m:t>
+                          </m:r>
+                        </m:e>
+                        <m:sub>
+                          <m:r>
+                            <a:rPr lang="en-US" b="0" i="1" smtClean="0">
+                              <a:latin typeface="Cambria Math" panose="02040503050406030204" pitchFamily="18" charset="0"/>
+                            </a:rPr>
+                            <m:t>𝑡</m:t>
+                          </m:r>
+                        </m:sub>
+                      </m:sSub>
+                      <m:r>
+                        <a:rPr lang="en-US" b="0" i="1" smtClean="0">
+                          <a:latin typeface="Cambria Math" panose="02040503050406030204" pitchFamily="18" charset="0"/>
+                        </a:rPr>
+                        <m:t>+</m:t>
+                      </m:r>
+                      <m:sSub>
+                        <m:sSubPr>
+                          <m:ctrlPr>
+                            <a:rPr lang="en-US" b="0" i="1" smtClean="0">
+                              <a:latin typeface="Cambria Math" panose="02040503050406030204" pitchFamily="18" charset="0"/>
+                            </a:rPr>
+                          </m:ctrlPr>
+                        </m:sSubPr>
+                        <m:e>
+                          <m:r>
+                            <a:rPr lang="en-US" b="0" i="1" smtClean="0">
+                              <a:latin typeface="Cambria Math" panose="02040503050406030204" pitchFamily="18" charset="0"/>
+                            </a:rPr>
+                            <m:t>𝛽</m:t>
+                          </m:r>
+                        </m:e>
+                        <m:sub>
+                          <m:r>
+                            <a:rPr lang="en-US" b="0" i="1" smtClean="0">
+                              <a:latin typeface="Cambria Math" panose="02040503050406030204" pitchFamily="18" charset="0"/>
+                            </a:rPr>
+                            <m:t>1</m:t>
+                          </m:r>
+                        </m:sub>
+                      </m:sSub>
+                      <m:r>
+                        <m:rPr>
+                          <m:sty m:val="p"/>
+                        </m:rPr>
+                        <a:rPr lang="en-US" b="0" i="0" smtClean="0">
+                          <a:latin typeface="Cambria Math" panose="02040503050406030204" pitchFamily="18" charset="0"/>
+                        </a:rPr>
+                        <m:t>Δ</m:t>
+                      </m:r>
+                      <m:sSub>
+                        <m:sSubPr>
+                          <m:ctrlPr>
+                            <a:rPr lang="en-US" b="0" i="1" smtClean="0">
+                              <a:latin typeface="Cambria Math" panose="02040503050406030204" pitchFamily="18" charset="0"/>
+                            </a:rPr>
+                          </m:ctrlPr>
+                        </m:sSubPr>
+                        <m:e>
+                          <m:r>
+                            <a:rPr lang="en-US" b="0" i="1" smtClean="0">
+                              <a:latin typeface="Cambria Math" panose="02040503050406030204" pitchFamily="18" charset="0"/>
+                            </a:rPr>
+                            <m:t>𝑥</m:t>
+                          </m:r>
+                        </m:e>
+                        <m:sub>
+                          <m:r>
+                            <a:rPr lang="en-US" b="0" i="1" smtClean="0">
+                              <a:latin typeface="Cambria Math" panose="02040503050406030204" pitchFamily="18" charset="0"/>
+                            </a:rPr>
+                            <m:t>1,</m:t>
+                          </m:r>
+                          <m:r>
+                            <a:rPr lang="en-US" b="0" i="1" smtClean="0">
+                              <a:latin typeface="Cambria Math" panose="02040503050406030204" pitchFamily="18" charset="0"/>
+                            </a:rPr>
+                            <m:t>𝑖𝑡</m:t>
+                          </m:r>
+                        </m:sub>
+                      </m:sSub>
+                      <m:r>
+                        <a:rPr lang="en-US" b="0" i="1" smtClean="0">
+                          <a:latin typeface="Cambria Math" panose="02040503050406030204" pitchFamily="18" charset="0"/>
+                        </a:rPr>
+                        <m:t>+…+</m:t>
+                      </m:r>
+                      <m:sSub>
+                        <m:sSubPr>
+                          <m:ctrlPr>
+                            <a:rPr lang="en-US" b="0" i="1" smtClean="0">
+                              <a:latin typeface="Cambria Math" panose="02040503050406030204" pitchFamily="18" charset="0"/>
+                            </a:rPr>
+                          </m:ctrlPr>
+                        </m:sSubPr>
+                        <m:e>
+                          <m:r>
+                            <a:rPr lang="en-US" b="0" i="1" smtClean="0">
+                              <a:latin typeface="Cambria Math" panose="02040503050406030204" pitchFamily="18" charset="0"/>
+                            </a:rPr>
+                            <m:t>𝛽</m:t>
+                          </m:r>
+                        </m:e>
+                        <m:sub>
+                          <m:r>
+                            <a:rPr lang="en-US" b="0" i="1" smtClean="0">
+                              <a:latin typeface="Cambria Math" panose="02040503050406030204" pitchFamily="18" charset="0"/>
+                            </a:rPr>
+                            <m:t>𝑘</m:t>
+                          </m:r>
+                        </m:sub>
+                      </m:sSub>
+                      <m:r>
+                        <m:rPr>
+                          <m:sty m:val="p"/>
+                        </m:rPr>
+                        <a:rPr lang="en-US" b="0" i="0" smtClean="0">
+                          <a:latin typeface="Cambria Math" panose="02040503050406030204" pitchFamily="18" charset="0"/>
+                        </a:rPr>
+                        <m:t>Δ</m:t>
+                      </m:r>
+                      <m:sSub>
+                        <m:sSubPr>
+                          <m:ctrlPr>
+                            <a:rPr lang="en-US" b="0" i="1" smtClean="0">
+                              <a:latin typeface="Cambria Math" panose="02040503050406030204" pitchFamily="18" charset="0"/>
+                            </a:rPr>
+                          </m:ctrlPr>
+                        </m:sSubPr>
+                        <m:e>
+                          <m:r>
+                            <a:rPr lang="en-US" b="0" i="1" smtClean="0">
+                              <a:latin typeface="Cambria Math" panose="02040503050406030204" pitchFamily="18" charset="0"/>
+                            </a:rPr>
+                            <m:t>𝑥</m:t>
+                          </m:r>
+                        </m:e>
+                        <m:sub>
+                          <m:r>
+                            <a:rPr lang="en-US" b="0" i="1" smtClean="0">
+                              <a:latin typeface="Cambria Math" panose="02040503050406030204" pitchFamily="18" charset="0"/>
+                            </a:rPr>
+                            <m:t>𝑘</m:t>
+                          </m:r>
+                          <m:r>
+                            <a:rPr lang="en-US" b="0" i="1" smtClean="0">
+                              <a:latin typeface="Cambria Math" panose="02040503050406030204" pitchFamily="18" charset="0"/>
+                            </a:rPr>
+                            <m:t>,</m:t>
+                          </m:r>
+                          <m:r>
+                            <a:rPr lang="en-US" b="0" i="1" smtClean="0">
+                              <a:latin typeface="Cambria Math" panose="02040503050406030204" pitchFamily="18" charset="0"/>
+                            </a:rPr>
+                            <m:t>𝑖𝑡</m:t>
+                          </m:r>
+                        </m:sub>
+                      </m:sSub>
+                      <m:r>
+                        <a:rPr lang="en-US" b="0" i="1" smtClean="0">
+                          <a:latin typeface="Cambria Math" panose="02040503050406030204" pitchFamily="18" charset="0"/>
+                        </a:rPr>
+                        <m:t>+</m:t>
+                      </m:r>
+                      <m:r>
+                        <m:rPr>
+                          <m:sty m:val="p"/>
+                        </m:rPr>
+                        <a:rPr lang="en-US" b="0" i="0" smtClean="0">
+                          <a:latin typeface="Cambria Math" panose="02040503050406030204" pitchFamily="18" charset="0"/>
+                        </a:rPr>
+                        <m:t>Δ</m:t>
+                      </m:r>
+                      <m:sSub>
+                        <m:sSubPr>
+                          <m:ctrlPr>
+                            <a:rPr lang="en-US" b="0" i="1" smtClean="0">
+                              <a:latin typeface="Cambria Math" panose="02040503050406030204" pitchFamily="18" charset="0"/>
+                            </a:rPr>
+                          </m:ctrlPr>
+                        </m:sSubPr>
+                        <m:e>
+                          <m:r>
+                            <m:rPr>
+                              <m:sty m:val="p"/>
+                            </m:rPr>
+                            <a:rPr lang="en-US" b="0" i="0" smtClean="0">
+                              <a:latin typeface="Cambria Math" panose="02040503050406030204" pitchFamily="18" charset="0"/>
+                            </a:rPr>
+                            <m:t>u</m:t>
+                          </m:r>
+                        </m:e>
+                        <m:sub>
+                          <m:r>
+                            <m:rPr>
+                              <m:sty m:val="p"/>
+                            </m:rPr>
+                            <a:rPr lang="en-US" b="0" i="0" smtClean="0">
+                              <a:latin typeface="Cambria Math" panose="02040503050406030204" pitchFamily="18" charset="0"/>
+                            </a:rPr>
+                            <m:t>it</m:t>
+                          </m:r>
+                        </m:sub>
+                      </m:sSub>
+                    </m:oMath>
+                  </m:oMathPara>
                 </a14:m>
                 <a:endParaRPr lang="en-US" b="0" dirty="0"/>
               </a:p>
               <a:p>
-                <a:pPr lvl="1"/>
+                <a:pPr marL="457200" lvl="1" indent="0">
+                  <a:buNone/>
+                </a:pPr>
                 <a:r>
                   <a:rPr lang="en-US" dirty="0"/>
                   <a:t>For </a:t>
@@ -17327,7 +16703,7 @@
                 <a:pPr lvl="1"/>
                 <a:r>
                   <a:rPr lang="en-US" dirty="0"/>
-                  <a:t>When </a:t>
+                  <a:t>It is preferable to estimate with an intercept and a single-year binary usually </a:t>
                 </a:r>
                 <a14:m>
                   <m:oMath xmlns:m="http://schemas.openxmlformats.org/officeDocument/2006/math">
@@ -17335,32 +16711,112 @@
                       <a:rPr lang="en-US" b="0" i="1" smtClean="0">
                         <a:latin typeface="Cambria Math" panose="02040503050406030204" pitchFamily="18" charset="0"/>
                       </a:rPr>
-                      <m:t>𝑇</m:t>
-                    </m:r>
-                  </m:oMath>
-                </a14:m>
-                <a:r>
-                  <a:rPr lang="en-US" dirty="0"/>
-                  <a:t> is small compared to </a:t>
-                </a:r>
-                <a14:m>
-                  <m:oMath xmlns:m="http://schemas.openxmlformats.org/officeDocument/2006/math">
-                    <m:r>
-                      <a:rPr lang="en-US" b="0" i="1" smtClean="0">
-                        <a:latin typeface="Cambria Math" panose="02040503050406030204" pitchFamily="18" charset="0"/>
-                      </a:rPr>
-                      <m:t>𝑁</m:t>
-                    </m:r>
+                      <m:t>𝑑</m:t>
+                    </m:r>
+                    <m:sSub>
+                      <m:sSubPr>
+                        <m:ctrlPr>
+                          <a:rPr lang="en-US" b="0" i="1" smtClean="0">
+                            <a:latin typeface="Cambria Math" panose="02040503050406030204" pitchFamily="18" charset="0"/>
+                          </a:rPr>
+                        </m:ctrlPr>
+                      </m:sSubPr>
+                      <m:e>
+                        <m:r>
+                          <a:rPr lang="en-US" b="0" i="1" smtClean="0">
+                            <a:latin typeface="Cambria Math" panose="02040503050406030204" pitchFamily="18" charset="0"/>
+                          </a:rPr>
+                          <m:t>3</m:t>
+                        </m:r>
+                      </m:e>
+                      <m:sub>
+                        <m:r>
+                          <a:rPr lang="en-US" b="0" i="1" smtClean="0">
+                            <a:latin typeface="Cambria Math" panose="02040503050406030204" pitchFamily="18" charset="0"/>
+                          </a:rPr>
+                          <m:t>𝑡</m:t>
+                        </m:r>
+                      </m:sub>
+                    </m:sSub>
                   </m:oMath>
                 </a14:m>
                 <a:endParaRPr lang="en-US" dirty="0"/>
               </a:p>
               <a:p>
-                <a:pPr lvl="2"/>
+                <a:r>
+                  <a:rPr lang="en-US" dirty="0"/>
+                  <a:t>When </a:t>
+                </a:r>
+                <a14:m>
+                  <m:oMath xmlns:m="http://schemas.openxmlformats.org/officeDocument/2006/math">
+                    <m:r>
+                      <a:rPr lang="en-US" b="0" i="1" smtClean="0">
+                        <a:latin typeface="Cambria Math" panose="02040503050406030204" pitchFamily="18" charset="0"/>
+                      </a:rPr>
+                      <m:t>𝑇</m:t>
+                    </m:r>
+                  </m:oMath>
+                </a14:m>
+                <a:r>
+                  <a:rPr lang="en-US" dirty="0"/>
+                  <a:t> is small compared to </a:t>
+                </a:r>
+                <a14:m>
+                  <m:oMath xmlns:m="http://schemas.openxmlformats.org/officeDocument/2006/math">
+                    <m:r>
+                      <a:rPr lang="en-US" b="0" i="1" smtClean="0">
+                        <a:latin typeface="Cambria Math" panose="02040503050406030204" pitchFamily="18" charset="0"/>
+                      </a:rPr>
+                      <m:t>𝑁</m:t>
+                    </m:r>
+                  </m:oMath>
+                </a14:m>
+                <a:endParaRPr lang="en-US" dirty="0"/>
+              </a:p>
+              <a:p>
+                <a:pPr lvl="1"/>
                 <a:r>
                   <a:rPr lang="en-US" dirty="0"/>
                   <a:t>Add time binaries to account for secular trends in changes</a:t>
                 </a:r>
+              </a:p>
+              <a:p>
+                <a:pPr lvl="1"/>
+                <a:r>
+                  <a:rPr lang="en-US" dirty="0"/>
+                  <a:t>With Times Series will will have a large </a:t>
+                </a:r>
+                <a14:m>
+                  <m:oMath xmlns:m="http://schemas.openxmlformats.org/officeDocument/2006/math">
+                    <m:r>
+                      <a:rPr lang="en-US" b="0" i="1" smtClean="0">
+                        <a:latin typeface="Cambria Math" panose="02040503050406030204" pitchFamily="18" charset="0"/>
+                      </a:rPr>
+                      <m:t>𝑇</m:t>
+                    </m:r>
+                  </m:oMath>
+                </a14:m>
+                <a:r>
+                  <a:rPr lang="en-US" dirty="0"/>
+                  <a:t> and </a:t>
+                </a:r>
+                <a14:m>
+                  <m:oMath xmlns:m="http://schemas.openxmlformats.org/officeDocument/2006/math">
+                    <m:r>
+                      <a:rPr lang="en-US" b="0" i="1" smtClean="0">
+                        <a:latin typeface="Cambria Math" panose="02040503050406030204" pitchFamily="18" charset="0"/>
+                      </a:rPr>
+                      <m:t>𝑁</m:t>
+                    </m:r>
+                    <m:r>
+                      <a:rPr lang="en-US" b="0" i="1" smtClean="0">
+                        <a:latin typeface="Cambria Math" panose="02040503050406030204" pitchFamily="18" charset="0"/>
+                      </a:rPr>
+                      <m:t>=1</m:t>
+                    </m:r>
+                  </m:oMath>
+                </a14:m>
+                <a:endParaRPr lang="en-US" dirty="0"/>
               </a:p>
               <a:p>
                 <a:r>
@@ -17467,7 +16923,7 @@
               <a:blipFill>
                 <a:blip r:embed="rId2"/>
                 <a:stretch>
-                  <a:fillRect l="-1086" t="-2326"/>
+                  <a:fillRect l="-1086" t="-3198"/>
                 </a:stretch>
               </a:blipFill>
             </p:spPr>
@@ -17565,19 +17021,20 @@
             <p:spPr/>
             <p:txBody>
               <a:bodyPr>
-                <a:normAutofit/>
+                <a:normAutofit lnSpcReduction="10000"/>
               </a:bodyPr>
               <a:lstStyle/>
               <a:p>
                 <a:r>
                   <a:rPr lang="en-US" dirty="0"/>
-                  <a:t>Don’t forget</a:t>
-                </a:r>
-              </a:p>
-              <a:p>
-                <a:r>
-                  <a:rPr lang="en-US" dirty="0"/>
-                  <a:t>We are primarily interested in </a:t>
+                  <a:t>Intercepts in the First Difference are rarely of interest</a:t>
+                </a:r>
+              </a:p>
+              <a:p>
+                <a:pPr lvl="1"/>
+                <a:r>
+                  <a:rPr lang="en-US" dirty="0"/>
+                  <a:t>We usually just want to eliminate the unobserved heterogeneity </a:t>
                 </a:r>
                 <a14:m>
                   <m:oMath xmlns:m="http://schemas.openxmlformats.org/officeDocument/2006/math">
@@ -17594,46 +17051,15 @@
                           <a:rPr lang="en-US" b="0" i="1" smtClean="0">
                             <a:latin typeface="Cambria Math" panose="02040503050406030204" pitchFamily="18" charset="0"/>
                           </a:rPr>
-                          <m:t>𝛽</m:t>
-                        </m:r>
-                      </m:e>
-                      <m:sub>
-                        <m:r>
-                          <a:rPr lang="en-US" b="0" i="1" smtClean="0">
-                            <a:latin typeface="Cambria Math" panose="02040503050406030204" pitchFamily="18" charset="0"/>
-                          </a:rPr>
-                          <m:t>1</m:t>
-                        </m:r>
-                      </m:sub>
-                    </m:sSub>
-                    <m:r>
-                      <a:rPr lang="en-US" b="0" i="1" smtClean="0">
-                        <a:latin typeface="Cambria Math" panose="02040503050406030204" pitchFamily="18" charset="0"/>
-                      </a:rPr>
-                      <m:t>,…, </m:t>
-                    </m:r>
-                    <m:sSub>
-                      <m:sSubPr>
-                        <m:ctrlPr>
-                          <a:rPr lang="en-US" b="0" i="1" smtClean="0">
-                            <a:latin typeface="Cambria Math" panose="02040503050406030204" pitchFamily="18" charset="0"/>
-                          </a:rPr>
-                        </m:ctrlPr>
-                      </m:sSubPr>
-                      <m:e>
-                        <m:r>
-                          <a:rPr lang="en-US" b="0" i="1" smtClean="0">
-                            <a:latin typeface="Cambria Math" panose="02040503050406030204" pitchFamily="18" charset="0"/>
-                          </a:rPr>
-                          <m:t>𝛽</m:t>
-                        </m:r>
-                      </m:e>
-                      <m:sub>
-                        <m:r>
-                          <a:rPr lang="en-US" b="0" i="1" smtClean="0">
-                            <a:latin typeface="Cambria Math" panose="02040503050406030204" pitchFamily="18" charset="0"/>
-                          </a:rPr>
-                          <m:t>𝑘</m:t>
+                          <m:t>𝑎</m:t>
+                        </m:r>
+                      </m:e>
+                      <m:sub>
+                        <m:r>
+                          <a:rPr lang="en-US" b="0" i="1" smtClean="0">
+                            <a:latin typeface="Cambria Math" panose="02040503050406030204" pitchFamily="18" charset="0"/>
+                          </a:rPr>
+                          <m:t>𝑖</m:t>
                         </m:r>
                       </m:sub>
                     </m:sSub>
@@ -17642,10 +17068,9 @@
                 <a:endParaRPr lang="en-US" dirty="0"/>
               </a:p>
               <a:p>
-                <a:pPr lvl="1"/>
-                <a:r>
-                  <a:rPr lang="en-US" dirty="0"/>
-                  <a:t>Intercepts may matter but unbiased and consistent estimates of </a:t>
+                <a:r>
+                  <a:rPr lang="en-US" dirty="0"/>
+                  <a:t>We are primarily interested in </a:t>
                 </a:r>
                 <a14:m>
                   <m:oMath xmlns:m="http://schemas.openxmlformats.org/officeDocument/2006/math">
@@ -17670,12 +17095,80 @@
                           <a:rPr lang="en-US" b="0" i="1" smtClean="0">
                             <a:latin typeface="Cambria Math" panose="02040503050406030204" pitchFamily="18" charset="0"/>
                           </a:rPr>
-                          <m:t>𝑗</m:t>
+                          <m:t>1</m:t>
+                        </m:r>
+                      </m:sub>
+                    </m:sSub>
+                    <m:r>
+                      <a:rPr lang="en-US" b="0" i="1" smtClean="0">
+                        <a:latin typeface="Cambria Math" panose="02040503050406030204" pitchFamily="18" charset="0"/>
+                      </a:rPr>
+                      <m:t>,…, </m:t>
+                    </m:r>
+                    <m:sSub>
+                      <m:sSubPr>
+                        <m:ctrlPr>
+                          <a:rPr lang="en-US" b="0" i="1" smtClean="0">
+                            <a:latin typeface="Cambria Math" panose="02040503050406030204" pitchFamily="18" charset="0"/>
+                          </a:rPr>
+                        </m:ctrlPr>
+                      </m:sSubPr>
+                      <m:e>
+                        <m:r>
+                          <a:rPr lang="en-US" b="0" i="1" smtClean="0">
+                            <a:latin typeface="Cambria Math" panose="02040503050406030204" pitchFamily="18" charset="0"/>
+                          </a:rPr>
+                          <m:t>𝛽</m:t>
+                        </m:r>
+                      </m:e>
+                      <m:sub>
+                        <m:r>
+                          <a:rPr lang="en-US" b="0" i="1" smtClean="0">
+                            <a:latin typeface="Cambria Math" panose="02040503050406030204" pitchFamily="18" charset="0"/>
+                          </a:rPr>
+                          <m:t>𝑘</m:t>
                         </m:r>
                       </m:sub>
                     </m:sSub>
                   </m:oMath>
                 </a14:m>
+                <a:endParaRPr lang="en-US" dirty="0"/>
+              </a:p>
+              <a:p>
+                <a:pPr lvl="1"/>
+                <a:r>
+                  <a:rPr lang="en-US" dirty="0"/>
+                  <a:t>Intercepts may matter but unbiased and consistent estimates of </a:t>
+                </a:r>
+                <a14:m>
+                  <m:oMath xmlns:m="http://schemas.openxmlformats.org/officeDocument/2006/math">
+                    <m:sSub>
+                      <m:sSubPr>
+                        <m:ctrlPr>
+                          <a:rPr lang="en-US" b="0" i="1" smtClean="0">
+                            <a:latin typeface="Cambria Math" panose="02040503050406030204" pitchFamily="18" charset="0"/>
+                          </a:rPr>
+                        </m:ctrlPr>
+                      </m:sSubPr>
+                      <m:e>
+                        <m:r>
+                          <a:rPr lang="en-US" b="0" i="1" smtClean="0">
+                            <a:latin typeface="Cambria Math" panose="02040503050406030204" pitchFamily="18" charset="0"/>
+                          </a:rPr>
+                          <m:t>𝛽</m:t>
+                        </m:r>
+                      </m:e>
+                      <m:sub>
+                        <m:r>
+                          <a:rPr lang="en-US" b="0" i="1" smtClean="0">
+                            <a:latin typeface="Cambria Math" panose="02040503050406030204" pitchFamily="18" charset="0"/>
+                          </a:rPr>
+                          <m:t>𝑗</m:t>
+                        </m:r>
+                      </m:sub>
+                    </m:sSub>
+                  </m:oMath>
+                </a14:m>
                 <a:r>
                   <a:rPr lang="en-US" dirty="0"/>
                   <a:t> is the focus</a:t>
@@ -17690,19 +17183,35 @@
               <a:p>
                 <a:pPr lvl="1"/>
                 <a:r>
-                  <a:rPr lang="en-US" dirty="0"/>
-                  <a:t>Strict Exogeneity (no omitted time-varying unobserved confounders)</a:t>
-                </a:r>
-              </a:p>
-              <a:p>
-                <a:pPr lvl="1"/>
+                  <a:rPr lang="en-US" b="1" dirty="0"/>
+                  <a:t>Strict Exogeneity </a:t>
+                </a:r>
+                <a:r>
+                  <a:rPr lang="en-US" dirty="0"/>
+                  <a:t>(no omitted time-varying unobserved confounders)</a:t>
+                </a:r>
+              </a:p>
+              <a:p>
+                <a:r>
+                  <a:rPr lang="en-US" dirty="0"/>
+                  <a:t>We need to check for </a:t>
+                </a:r>
+              </a:p>
+              <a:p>
+                <a:pPr marL="914400" lvl="1" indent="-457200">
+                  <a:buFont typeface="+mj-lt"/>
+                  <a:buAutoNum type="arabicPeriod"/>
+                </a:pPr>
                 <a:r>
                   <a:rPr lang="en-US" dirty="0"/>
                   <a:t>Homoskedasticity</a:t>
                 </a:r>
               </a:p>
               <a:p>
-                <a:pPr lvl="1"/>
+                <a:pPr marL="914400" lvl="1" indent="-457200">
+                  <a:buFont typeface="+mj-lt"/>
+                  <a:buAutoNum type="arabicPeriod"/>
+                </a:pPr>
                 <a:r>
                   <a:rPr lang="en-US" dirty="0"/>
                   <a:t>Differences in idiosyncratic errors are not correlated </a:t>
@@ -17826,7 +17335,13 @@
                     </m:r>
                   </m:oMath>
                 </a14:m>
-                <a:endParaRPr lang="en-US" dirty="0"/>
+                <a:br>
+                  <a:rPr lang="en-US" dirty="0"/>
+                </a:br>
+                <a:r>
+                  <a:rPr lang="en-US" dirty="0"/>
+                  <a:t>also known as serial correlation</a:t>
+                </a:r>
               </a:p>
               <a:p>
                 <a:pPr lvl="1"/>
@@ -17856,7 +17371,7 @@
               <a:blipFill>
                 <a:blip r:embed="rId2"/>
                 <a:stretch>
-                  <a:fillRect l="-1086" t="-2326"/>
+                  <a:fillRect l="-1086" t="-3198" b="-581"/>
                 </a:stretch>
               </a:blipFill>
             </p:spPr>
@@ -17933,8 +17448,8 @@
           </a:p>
         </p:txBody>
       </p:sp>
-      <mc:AlternateContent xmlns:mc="http://schemas.openxmlformats.org/markup-compatibility/2006">
-        <mc:Choice xmlns:a14="http://schemas.microsoft.com/office/drawing/2010/main" Requires="a14">
+      <mc:AlternateContent xmlns:mc="http://schemas.openxmlformats.org/markup-compatibility/2006" xmlns:a14="http://schemas.microsoft.com/office/drawing/2010/main">
+        <mc:Choice Requires="a14">
           <p:sp>
             <p:nvSpPr>
               <p:cNvPr id="3" name="Content Placeholder 2">
@@ -18102,7 +17617,7 @@
             </p:txBody>
           </p:sp>
         </mc:Choice>
-        <mc:Fallback>
+        <mc:Fallback xmlns="">
           <p:sp>
             <p:nvSpPr>
               <p:cNvPr id="3" name="Content Placeholder 2">
@@ -18227,7 +17742,7 @@
               <a:p>
                 <a:r>
                   <a:rPr lang="en-US" dirty="0"/>
-                  <a:t>We need our differenced errors to be uncorrelated</a:t>
+                  <a:t>We need our differenced errors to be uncorrelated (no serial correlation)</a:t>
                 </a:r>
               </a:p>
               <a:p>
@@ -18799,8 +18314,8 @@
           </a:p>
         </p:txBody>
       </p:sp>
-      <mc:AlternateContent xmlns:mc="http://schemas.openxmlformats.org/markup-compatibility/2006">
-        <mc:Choice xmlns:a14="http://schemas.microsoft.com/office/drawing/2010/main" Requires="a14">
+      <mc:AlternateContent xmlns:mc="http://schemas.openxmlformats.org/markup-compatibility/2006" xmlns:a14="http://schemas.microsoft.com/office/drawing/2010/main">
+        <mc:Choice Requires="a14">
           <p:sp>
             <p:nvSpPr>
               <p:cNvPr id="3" name="Content Placeholder 2">
@@ -19639,7 +19154,7 @@
                     <m:d>
                       <m:dPr>
                         <m:ctrlPr>
-                          <a:rPr lang="en-US" b="0" i="0" smtClean="0">
+                          <a:rPr lang="en-US" b="0" i="1" smtClean="0">
                             <a:latin typeface="Cambria Math" panose="02040503050406030204" pitchFamily="18" charset="0"/>
                           </a:rPr>
                         </m:ctrlPr>
@@ -19684,7 +19199,7 @@
             </p:txBody>
           </p:sp>
         </mc:Choice>
-        <mc:Fallback>
+        <mc:Fallback xmlns="">
           <p:sp>
             <p:nvSpPr>
               <p:cNvPr id="3" name="Content Placeholder 2">
@@ -19782,37 +19297,751 @@
           </a:p>
         </p:txBody>
       </p:sp>
-      <p:sp>
-        <p:nvSpPr>
-          <p:cNvPr id="3" name="Content Placeholder 2">
-            <a:extLst>
-              <a:ext uri="{FF2B5EF4-FFF2-40B4-BE49-F238E27FC236}">
-                <a16:creationId xmlns:a16="http://schemas.microsoft.com/office/drawing/2014/main" id="{0DF440FF-148E-CCB9-631A-B939735929FC}"/>
-              </a:ext>
-            </a:extLst>
-          </p:cNvPr>
-          <p:cNvSpPr>
-            <a:spLocks noGrp="1"/>
-          </p:cNvSpPr>
-          <p:nvPr>
-            <p:ph idx="1"/>
-          </p:nvPr>
-        </p:nvSpPr>
-        <p:spPr/>
-        <p:txBody>
-          <a:bodyPr/>
-          <a:lstStyle/>
-          <a:p>
-            <a:r>
-              <a:rPr lang="en-US" dirty="0"/>
-              <a:t>Effect of Enterprise Zones on Unemployment Claims</a:t>
-            </a:r>
-          </a:p>
-          <a:p>
-            <a:endParaRPr lang="en-US" dirty="0"/>
-          </a:p>
-        </p:txBody>
-      </p:sp>
+      <mc:AlternateContent xmlns:mc="http://schemas.openxmlformats.org/markup-compatibility/2006">
+        <mc:Choice xmlns:a14="http://schemas.microsoft.com/office/drawing/2010/main" Requires="a14">
+          <p:sp>
+            <p:nvSpPr>
+              <p:cNvPr id="3" name="Content Placeholder 2">
+                <a:extLst>
+                  <a:ext uri="{FF2B5EF4-FFF2-40B4-BE49-F238E27FC236}">
+                    <a16:creationId xmlns:a16="http://schemas.microsoft.com/office/drawing/2014/main" id="{0DF440FF-148E-CCB9-631A-B939735929FC}"/>
+                  </a:ext>
+                </a:extLst>
+              </p:cNvPr>
+              <p:cNvSpPr>
+                <a:spLocks noGrp="1"/>
+              </p:cNvSpPr>
+              <p:nvPr>
+                <p:ph idx="1"/>
+              </p:nvPr>
+            </p:nvSpPr>
+            <p:spPr>
+              <a:xfrm>
+                <a:off x="838200" y="1825624"/>
+                <a:ext cx="10515600" cy="5032376"/>
+              </a:xfrm>
+            </p:spPr>
+            <p:txBody>
+              <a:bodyPr>
+                <a:normAutofit/>
+              </a:bodyPr>
+              <a:lstStyle/>
+              <a:p>
+                <a:r>
+                  <a:rPr lang="en-US" dirty="0"/>
+                  <a:t>Effect of Enterprise Zones on Unemployment Claims</a:t>
+                </a:r>
+              </a:p>
+              <a:p>
+                <a:pPr lvl="1"/>
+                <a:r>
+                  <a:rPr lang="en-US" dirty="0" err="1"/>
+                  <a:t>Papke</a:t>
+                </a:r>
+                <a:r>
+                  <a:rPr lang="en-US" dirty="0"/>
+                  <a:t> (1994) studied the effect of Indiana’s enterprise zone (EZ) program on unemployment</a:t>
+                </a:r>
+              </a:p>
+              <a:p>
+                <a:pPr lvl="1"/>
+                <a:r>
+                  <a:rPr lang="en-US" dirty="0"/>
+                  <a:t>She included 22 cities from 1980 to 1988 that had 6 zones in 1984 and 4 more zones in 1985</a:t>
+                </a:r>
+              </a:p>
+              <a:p>
+                <a:r>
+                  <a:rPr lang="en-US" dirty="0"/>
+                  <a:t>Policy evaluation model</a:t>
+                </a:r>
+              </a:p>
+              <a:p>
+                <a:pPr lvl="1"/>
+                <a14:m>
+                  <m:oMath xmlns:m="http://schemas.openxmlformats.org/officeDocument/2006/math">
+                    <m:func>
+                      <m:funcPr>
+                        <m:ctrlPr>
+                          <a:rPr lang="en-US" b="0" i="1" smtClean="0">
+                            <a:latin typeface="Cambria Math" panose="02040503050406030204" pitchFamily="18" charset="0"/>
+                          </a:rPr>
+                        </m:ctrlPr>
+                      </m:funcPr>
+                      <m:fName>
+                        <m:r>
+                          <m:rPr>
+                            <m:sty m:val="p"/>
+                          </m:rPr>
+                          <a:rPr lang="en-US" b="0" i="0" smtClean="0">
+                            <a:latin typeface="Cambria Math" panose="02040503050406030204" pitchFamily="18" charset="0"/>
+                          </a:rPr>
+                          <m:t>ln</m:t>
+                        </m:r>
+                      </m:fName>
+                      <m:e>
+                        <m:d>
+                          <m:dPr>
+                            <m:ctrlPr>
+                              <a:rPr lang="en-US" b="0" i="1" smtClean="0">
+                                <a:latin typeface="Cambria Math" panose="02040503050406030204" pitchFamily="18" charset="0"/>
+                              </a:rPr>
+                            </m:ctrlPr>
+                          </m:dPr>
+                          <m:e>
+                            <m:r>
+                              <a:rPr lang="en-US" b="0" i="1" smtClean="0">
+                                <a:latin typeface="Cambria Math" panose="02040503050406030204" pitchFamily="18" charset="0"/>
+                              </a:rPr>
+                              <m:t>𝑢𝑐𝑙𝑚</m:t>
+                            </m:r>
+                            <m:sSub>
+                              <m:sSubPr>
+                                <m:ctrlPr>
+                                  <a:rPr lang="en-US" b="0" i="1" smtClean="0">
+                                    <a:latin typeface="Cambria Math" panose="02040503050406030204" pitchFamily="18" charset="0"/>
+                                  </a:rPr>
+                                </m:ctrlPr>
+                              </m:sSubPr>
+                              <m:e>
+                                <m:r>
+                                  <a:rPr lang="en-US" b="0" i="1" smtClean="0">
+                                    <a:latin typeface="Cambria Math" panose="02040503050406030204" pitchFamily="18" charset="0"/>
+                                  </a:rPr>
+                                  <m:t>𝑠</m:t>
+                                </m:r>
+                              </m:e>
+                              <m:sub>
+                                <m:r>
+                                  <a:rPr lang="en-US" b="0" i="1" smtClean="0">
+                                    <a:latin typeface="Cambria Math" panose="02040503050406030204" pitchFamily="18" charset="0"/>
+                                  </a:rPr>
+                                  <m:t>𝑖𝑡</m:t>
+                                </m:r>
+                              </m:sub>
+                            </m:sSub>
+                          </m:e>
+                        </m:d>
+                      </m:e>
+                    </m:func>
+                    <m:r>
+                      <a:rPr lang="en-US" b="0" i="1" smtClean="0">
+                        <a:latin typeface="Cambria Math" panose="02040503050406030204" pitchFamily="18" charset="0"/>
+                      </a:rPr>
+                      <m:t>=</m:t>
+                    </m:r>
+                    <m:sSub>
+                      <m:sSubPr>
+                        <m:ctrlPr>
+                          <a:rPr lang="en-US" b="0" i="1" smtClean="0">
+                            <a:latin typeface="Cambria Math" panose="02040503050406030204" pitchFamily="18" charset="0"/>
+                          </a:rPr>
+                        </m:ctrlPr>
+                      </m:sSubPr>
+                      <m:e>
+                        <m:r>
+                          <a:rPr lang="en-US" b="0" i="1" smtClean="0">
+                            <a:latin typeface="Cambria Math" panose="02040503050406030204" pitchFamily="18" charset="0"/>
+                          </a:rPr>
+                          <m:t>𝜃</m:t>
+                        </m:r>
+                      </m:e>
+                      <m:sub>
+                        <m:r>
+                          <a:rPr lang="en-US" b="0" i="1" smtClean="0">
+                            <a:latin typeface="Cambria Math" panose="02040503050406030204" pitchFamily="18" charset="0"/>
+                          </a:rPr>
+                          <m:t>𝑡</m:t>
+                        </m:r>
+                      </m:sub>
+                    </m:sSub>
+                    <m:r>
+                      <a:rPr lang="en-US" b="0" i="1" smtClean="0">
+                        <a:latin typeface="Cambria Math" panose="02040503050406030204" pitchFamily="18" charset="0"/>
+                      </a:rPr>
+                      <m:t>+</m:t>
+                    </m:r>
+                    <m:sSub>
+                      <m:sSubPr>
+                        <m:ctrlPr>
+                          <a:rPr lang="en-US" b="0" i="1" smtClean="0">
+                            <a:latin typeface="Cambria Math" panose="02040503050406030204" pitchFamily="18" charset="0"/>
+                          </a:rPr>
+                        </m:ctrlPr>
+                      </m:sSubPr>
+                      <m:e>
+                        <m:r>
+                          <a:rPr lang="en-US" b="0" i="1" smtClean="0">
+                            <a:latin typeface="Cambria Math" panose="02040503050406030204" pitchFamily="18" charset="0"/>
+                          </a:rPr>
+                          <m:t>𝛽</m:t>
+                        </m:r>
+                      </m:e>
+                      <m:sub>
+                        <m:r>
+                          <a:rPr lang="en-US" b="0" i="1" smtClean="0">
+                            <a:latin typeface="Cambria Math" panose="02040503050406030204" pitchFamily="18" charset="0"/>
+                          </a:rPr>
+                          <m:t>1</m:t>
+                        </m:r>
+                      </m:sub>
+                    </m:sSub>
+                    <m:r>
+                      <a:rPr lang="en-US" b="0" i="1" smtClean="0">
+                        <a:latin typeface="Cambria Math" panose="02040503050406030204" pitchFamily="18" charset="0"/>
+                      </a:rPr>
+                      <m:t>𝑒</m:t>
+                    </m:r>
+                    <m:sSub>
+                      <m:sSubPr>
+                        <m:ctrlPr>
+                          <a:rPr lang="en-US" b="0" i="1" smtClean="0">
+                            <a:latin typeface="Cambria Math" panose="02040503050406030204" pitchFamily="18" charset="0"/>
+                          </a:rPr>
+                        </m:ctrlPr>
+                      </m:sSubPr>
+                      <m:e>
+                        <m:r>
+                          <a:rPr lang="en-US" b="0" i="1" smtClean="0">
+                            <a:latin typeface="Cambria Math" panose="02040503050406030204" pitchFamily="18" charset="0"/>
+                          </a:rPr>
+                          <m:t>𝑧</m:t>
+                        </m:r>
+                      </m:e>
+                      <m:sub>
+                        <m:r>
+                          <a:rPr lang="en-US" b="0" i="1" smtClean="0">
+                            <a:latin typeface="Cambria Math" panose="02040503050406030204" pitchFamily="18" charset="0"/>
+                          </a:rPr>
+                          <m:t>𝑖𝑡</m:t>
+                        </m:r>
+                      </m:sub>
+                    </m:sSub>
+                    <m:r>
+                      <a:rPr lang="en-US" b="0" i="1" smtClean="0">
+                        <a:latin typeface="Cambria Math" panose="02040503050406030204" pitchFamily="18" charset="0"/>
+                      </a:rPr>
+                      <m:t>+</m:t>
+                    </m:r>
+                    <m:sSub>
+                      <m:sSubPr>
+                        <m:ctrlPr>
+                          <a:rPr lang="en-US" b="0" i="1" smtClean="0">
+                            <a:latin typeface="Cambria Math" panose="02040503050406030204" pitchFamily="18" charset="0"/>
+                          </a:rPr>
+                        </m:ctrlPr>
+                      </m:sSubPr>
+                      <m:e>
+                        <m:r>
+                          <a:rPr lang="en-US" b="0" i="1" smtClean="0">
+                            <a:latin typeface="Cambria Math" panose="02040503050406030204" pitchFamily="18" charset="0"/>
+                          </a:rPr>
+                          <m:t>𝑎</m:t>
+                        </m:r>
+                      </m:e>
+                      <m:sub>
+                        <m:r>
+                          <a:rPr lang="en-US" b="0" i="1" smtClean="0">
+                            <a:latin typeface="Cambria Math" panose="02040503050406030204" pitchFamily="18" charset="0"/>
+                          </a:rPr>
+                          <m:t>𝑡</m:t>
+                        </m:r>
+                      </m:sub>
+                    </m:sSub>
+                    <m:r>
+                      <a:rPr lang="en-US" b="0" i="1" smtClean="0">
+                        <a:latin typeface="Cambria Math" panose="02040503050406030204" pitchFamily="18" charset="0"/>
+                      </a:rPr>
+                      <m:t>+</m:t>
+                    </m:r>
+                    <m:sSub>
+                      <m:sSubPr>
+                        <m:ctrlPr>
+                          <a:rPr lang="en-US" b="0" i="1" smtClean="0">
+                            <a:latin typeface="Cambria Math" panose="02040503050406030204" pitchFamily="18" charset="0"/>
+                          </a:rPr>
+                        </m:ctrlPr>
+                      </m:sSubPr>
+                      <m:e>
+                        <m:r>
+                          <a:rPr lang="en-US" b="0" i="1" smtClean="0">
+                            <a:latin typeface="Cambria Math" panose="02040503050406030204" pitchFamily="18" charset="0"/>
+                          </a:rPr>
+                          <m:t>𝑢</m:t>
+                        </m:r>
+                      </m:e>
+                      <m:sub>
+                        <m:r>
+                          <a:rPr lang="en-US" b="0" i="1" smtClean="0">
+                            <a:latin typeface="Cambria Math" panose="02040503050406030204" pitchFamily="18" charset="0"/>
+                          </a:rPr>
+                          <m:t>𝑖𝑡</m:t>
+                        </m:r>
+                      </m:sub>
+                    </m:sSub>
+                  </m:oMath>
+                </a14:m>
+                <a:endParaRPr lang="en-US" dirty="0"/>
+              </a:p>
+              <a:p>
+                <a:pPr lvl="1"/>
+                <a14:m>
+                  <m:oMath xmlns:m="http://schemas.openxmlformats.org/officeDocument/2006/math">
+                    <m:r>
+                      <m:rPr>
+                        <m:sty m:val="p"/>
+                      </m:rPr>
+                      <a:rPr lang="en-US" b="0" i="0" smtClean="0">
+                        <a:latin typeface="Cambria Math" panose="02040503050406030204" pitchFamily="18" charset="0"/>
+                      </a:rPr>
+                      <m:t>Δ</m:t>
+                    </m:r>
+                    <m:func>
+                      <m:funcPr>
+                        <m:ctrlPr>
+                          <a:rPr lang="en-US" b="0" i="1" smtClean="0">
+                            <a:latin typeface="Cambria Math" panose="02040503050406030204" pitchFamily="18" charset="0"/>
+                          </a:rPr>
+                        </m:ctrlPr>
+                      </m:funcPr>
+                      <m:fName>
+                        <m:r>
+                          <m:rPr>
+                            <m:sty m:val="p"/>
+                          </m:rPr>
+                          <a:rPr lang="en-US" b="0" i="0" smtClean="0">
+                            <a:latin typeface="Cambria Math" panose="02040503050406030204" pitchFamily="18" charset="0"/>
+                          </a:rPr>
+                          <m:t>ln</m:t>
+                        </m:r>
+                      </m:fName>
+                      <m:e>
+                        <m:d>
+                          <m:dPr>
+                            <m:ctrlPr>
+                              <a:rPr lang="en-US" b="0" i="1" smtClean="0">
+                                <a:latin typeface="Cambria Math" panose="02040503050406030204" pitchFamily="18" charset="0"/>
+                              </a:rPr>
+                            </m:ctrlPr>
+                          </m:dPr>
+                          <m:e>
+                            <m:r>
+                              <a:rPr lang="en-US" b="0" i="1" smtClean="0">
+                                <a:latin typeface="Cambria Math" panose="02040503050406030204" pitchFamily="18" charset="0"/>
+                              </a:rPr>
+                              <m:t>𝑢𝑐𝑙𝑚</m:t>
+                            </m:r>
+                            <m:sSub>
+                              <m:sSubPr>
+                                <m:ctrlPr>
+                                  <a:rPr lang="en-US" b="0" i="1" smtClean="0">
+                                    <a:latin typeface="Cambria Math" panose="02040503050406030204" pitchFamily="18" charset="0"/>
+                                  </a:rPr>
+                                </m:ctrlPr>
+                              </m:sSubPr>
+                              <m:e>
+                                <m:r>
+                                  <a:rPr lang="en-US" b="0" i="1" smtClean="0">
+                                    <a:latin typeface="Cambria Math" panose="02040503050406030204" pitchFamily="18" charset="0"/>
+                                  </a:rPr>
+                                  <m:t>𝑠</m:t>
+                                </m:r>
+                              </m:e>
+                              <m:sub>
+                                <m:r>
+                                  <a:rPr lang="en-US" b="0" i="1" smtClean="0">
+                                    <a:latin typeface="Cambria Math" panose="02040503050406030204" pitchFamily="18" charset="0"/>
+                                  </a:rPr>
+                                  <m:t>𝑖𝑡</m:t>
+                                </m:r>
+                              </m:sub>
+                            </m:sSub>
+                          </m:e>
+                        </m:d>
+                      </m:e>
+                    </m:func>
+                    <m:r>
+                      <a:rPr lang="en-US" b="0" i="1" smtClean="0">
+                        <a:latin typeface="Cambria Math" panose="02040503050406030204" pitchFamily="18" charset="0"/>
+                      </a:rPr>
+                      <m:t>=</m:t>
+                    </m:r>
+                    <m:sSub>
+                      <m:sSubPr>
+                        <m:ctrlPr>
+                          <a:rPr lang="en-US" b="0" i="1" smtClean="0">
+                            <a:latin typeface="Cambria Math" panose="02040503050406030204" pitchFamily="18" charset="0"/>
+                          </a:rPr>
+                        </m:ctrlPr>
+                      </m:sSubPr>
+                      <m:e>
+                        <m:r>
+                          <a:rPr lang="en-US" b="0" i="1" smtClean="0">
+                            <a:latin typeface="Cambria Math" panose="02040503050406030204" pitchFamily="18" charset="0"/>
+                          </a:rPr>
+                          <m:t>𝛼</m:t>
+                        </m:r>
+                      </m:e>
+                      <m:sub>
+                        <m:r>
+                          <a:rPr lang="en-US" b="0" i="1" smtClean="0">
+                            <a:latin typeface="Cambria Math" panose="02040503050406030204" pitchFamily="18" charset="0"/>
+                          </a:rPr>
+                          <m:t>0</m:t>
+                        </m:r>
+                      </m:sub>
+                    </m:sSub>
+                    <m:r>
+                      <a:rPr lang="en-US" b="0" i="1" smtClean="0">
+                        <a:latin typeface="Cambria Math" panose="02040503050406030204" pitchFamily="18" charset="0"/>
+                      </a:rPr>
+                      <m:t>+</m:t>
+                    </m:r>
+                    <m:sSub>
+                      <m:sSubPr>
+                        <m:ctrlPr>
+                          <a:rPr lang="en-US" b="0" i="1" smtClean="0">
+                            <a:latin typeface="Cambria Math" panose="02040503050406030204" pitchFamily="18" charset="0"/>
+                          </a:rPr>
+                        </m:ctrlPr>
+                      </m:sSubPr>
+                      <m:e>
+                        <m:r>
+                          <a:rPr lang="en-US" b="0" i="1" smtClean="0">
+                            <a:latin typeface="Cambria Math" panose="02040503050406030204" pitchFamily="18" charset="0"/>
+                          </a:rPr>
+                          <m:t>𝛼</m:t>
+                        </m:r>
+                      </m:e>
+                      <m:sub>
+                        <m:r>
+                          <a:rPr lang="en-US" b="0" i="1" smtClean="0">
+                            <a:latin typeface="Cambria Math" panose="02040503050406030204" pitchFamily="18" charset="0"/>
+                          </a:rPr>
+                          <m:t>1</m:t>
+                        </m:r>
+                      </m:sub>
+                    </m:sSub>
+                    <m:r>
+                      <a:rPr lang="en-US" b="0" i="1" smtClean="0">
+                        <a:latin typeface="Cambria Math" panose="02040503050406030204" pitchFamily="18" charset="0"/>
+                      </a:rPr>
+                      <m:t>𝑑</m:t>
+                    </m:r>
+                    <m:sSub>
+                      <m:sSubPr>
+                        <m:ctrlPr>
+                          <a:rPr lang="en-US" b="0" i="1" smtClean="0">
+                            <a:latin typeface="Cambria Math" panose="02040503050406030204" pitchFamily="18" charset="0"/>
+                          </a:rPr>
+                        </m:ctrlPr>
+                      </m:sSubPr>
+                      <m:e>
+                        <m:r>
+                          <a:rPr lang="en-US" b="0" i="1" smtClean="0">
+                            <a:latin typeface="Cambria Math" panose="02040503050406030204" pitchFamily="18" charset="0"/>
+                          </a:rPr>
+                          <m:t>82</m:t>
+                        </m:r>
+                      </m:e>
+                      <m:sub>
+                        <m:r>
+                          <a:rPr lang="en-US" b="0" i="1" smtClean="0">
+                            <a:latin typeface="Cambria Math" panose="02040503050406030204" pitchFamily="18" charset="0"/>
+                          </a:rPr>
+                          <m:t>𝑡</m:t>
+                        </m:r>
+                      </m:sub>
+                    </m:sSub>
+                    <m:r>
+                      <a:rPr lang="en-US" b="0" i="1" smtClean="0">
+                        <a:latin typeface="Cambria Math" panose="02040503050406030204" pitchFamily="18" charset="0"/>
+                      </a:rPr>
+                      <m:t>+…+</m:t>
+                    </m:r>
+                    <m:sSub>
+                      <m:sSubPr>
+                        <m:ctrlPr>
+                          <a:rPr lang="en-US" b="0" i="1" smtClean="0">
+                            <a:latin typeface="Cambria Math" panose="02040503050406030204" pitchFamily="18" charset="0"/>
+                          </a:rPr>
+                        </m:ctrlPr>
+                      </m:sSubPr>
+                      <m:e>
+                        <m:r>
+                          <a:rPr lang="en-US" b="0" i="1" smtClean="0">
+                            <a:latin typeface="Cambria Math" panose="02040503050406030204" pitchFamily="18" charset="0"/>
+                          </a:rPr>
+                          <m:t>𝛼</m:t>
+                        </m:r>
+                      </m:e>
+                      <m:sub>
+                        <m:r>
+                          <a:rPr lang="en-US" b="0" i="1" smtClean="0">
+                            <a:latin typeface="Cambria Math" panose="02040503050406030204" pitchFamily="18" charset="0"/>
+                          </a:rPr>
+                          <m:t>7</m:t>
+                        </m:r>
+                      </m:sub>
+                    </m:sSub>
+                    <m:r>
+                      <a:rPr lang="en-US" b="0" i="1" smtClean="0">
+                        <a:latin typeface="Cambria Math" panose="02040503050406030204" pitchFamily="18" charset="0"/>
+                      </a:rPr>
+                      <m:t>𝑑</m:t>
+                    </m:r>
+                    <m:r>
+                      <a:rPr lang="en-US" b="0" i="1" smtClean="0">
+                        <a:latin typeface="Cambria Math" panose="02040503050406030204" pitchFamily="18" charset="0"/>
+                      </a:rPr>
+                      <m:t>88+</m:t>
+                    </m:r>
+                    <m:r>
+                      <a:rPr lang="en-US" b="0" i="1" smtClean="0">
+                        <a:latin typeface="Cambria Math" panose="02040503050406030204" pitchFamily="18" charset="0"/>
+                      </a:rPr>
+                      <m:t>𝛽𝛿</m:t>
+                    </m:r>
+                    <m:r>
+                      <a:rPr lang="en-US" b="0" i="1" smtClean="0">
+                        <a:latin typeface="Cambria Math" panose="02040503050406030204" pitchFamily="18" charset="0"/>
+                      </a:rPr>
+                      <m:t>𝑒</m:t>
+                    </m:r>
+                    <m:sSub>
+                      <m:sSubPr>
+                        <m:ctrlPr>
+                          <a:rPr lang="en-US" b="0" i="1" smtClean="0">
+                            <a:latin typeface="Cambria Math" panose="02040503050406030204" pitchFamily="18" charset="0"/>
+                          </a:rPr>
+                        </m:ctrlPr>
+                      </m:sSubPr>
+                      <m:e>
+                        <m:r>
+                          <a:rPr lang="en-US" b="0" i="1" smtClean="0">
+                            <a:latin typeface="Cambria Math" panose="02040503050406030204" pitchFamily="18" charset="0"/>
+                          </a:rPr>
+                          <m:t>𝑧</m:t>
+                        </m:r>
+                      </m:e>
+                      <m:sub>
+                        <m:r>
+                          <a:rPr lang="en-US" b="0" i="1" smtClean="0">
+                            <a:latin typeface="Cambria Math" panose="02040503050406030204" pitchFamily="18" charset="0"/>
+                          </a:rPr>
+                          <m:t>𝑖𝑡</m:t>
+                        </m:r>
+                      </m:sub>
+                    </m:sSub>
+                    <m:r>
+                      <a:rPr lang="en-US" b="0" i="1" smtClean="0">
+                        <a:latin typeface="Cambria Math" panose="02040503050406030204" pitchFamily="18" charset="0"/>
+                      </a:rPr>
+                      <m:t>+</m:t>
+                    </m:r>
+                    <m:r>
+                      <a:rPr lang="en-US" b="0" i="1" smtClean="0">
+                        <a:latin typeface="Cambria Math" panose="02040503050406030204" pitchFamily="18" charset="0"/>
+                      </a:rPr>
+                      <m:t>𝛿</m:t>
+                    </m:r>
+                    <m:sSub>
+                      <m:sSubPr>
+                        <m:ctrlPr>
+                          <a:rPr lang="en-US" b="0" i="1" smtClean="0">
+                            <a:latin typeface="Cambria Math" panose="02040503050406030204" pitchFamily="18" charset="0"/>
+                          </a:rPr>
+                        </m:ctrlPr>
+                      </m:sSubPr>
+                      <m:e>
+                        <m:r>
+                          <a:rPr lang="en-US" b="0" i="1" smtClean="0">
+                            <a:latin typeface="Cambria Math" panose="02040503050406030204" pitchFamily="18" charset="0"/>
+                          </a:rPr>
+                          <m:t>𝑢</m:t>
+                        </m:r>
+                      </m:e>
+                      <m:sub>
+                        <m:r>
+                          <a:rPr lang="en-US" b="0" i="1" smtClean="0">
+                            <a:latin typeface="Cambria Math" panose="02040503050406030204" pitchFamily="18" charset="0"/>
+                          </a:rPr>
+                          <m:t>𝑖𝑡</m:t>
+                        </m:r>
+                      </m:sub>
+                    </m:sSub>
+                  </m:oMath>
+                </a14:m>
+                <a:endParaRPr lang="en-US" dirty="0"/>
+              </a:p>
+              <a:p>
+                <a:r>
+                  <a:rPr lang="en-US" dirty="0"/>
+                  <a:t>Where </a:t>
+                </a:r>
+              </a:p>
+              <a:p>
+                <a:pPr lvl="1"/>
+                <a14:m>
+                  <m:oMath xmlns:m="http://schemas.openxmlformats.org/officeDocument/2006/math">
+                    <m:func>
+                      <m:funcPr>
+                        <m:ctrlPr>
+                          <a:rPr lang="en-US" b="0" i="1" smtClean="0">
+                            <a:latin typeface="Cambria Math" panose="02040503050406030204" pitchFamily="18" charset="0"/>
+                          </a:rPr>
+                        </m:ctrlPr>
+                      </m:funcPr>
+                      <m:fName>
+                        <m:r>
+                          <m:rPr>
+                            <m:sty m:val="p"/>
+                          </m:rPr>
+                          <a:rPr lang="en-US" b="0" i="0" smtClean="0">
+                            <a:latin typeface="Cambria Math" panose="02040503050406030204" pitchFamily="18" charset="0"/>
+                          </a:rPr>
+                          <m:t>ln</m:t>
+                        </m:r>
+                      </m:fName>
+                      <m:e>
+                        <m:d>
+                          <m:dPr>
+                            <m:ctrlPr>
+                              <a:rPr lang="en-US" b="0" i="1" smtClean="0">
+                                <a:latin typeface="Cambria Math" panose="02040503050406030204" pitchFamily="18" charset="0"/>
+                              </a:rPr>
+                            </m:ctrlPr>
+                          </m:dPr>
+                          <m:e>
+                            <m:r>
+                              <a:rPr lang="en-US" b="0" i="1" smtClean="0">
+                                <a:latin typeface="Cambria Math" panose="02040503050406030204" pitchFamily="18" charset="0"/>
+                              </a:rPr>
+                              <m:t>𝑢𝑐𝑙𝑚</m:t>
+                            </m:r>
+                            <m:sSub>
+                              <m:sSubPr>
+                                <m:ctrlPr>
+                                  <a:rPr lang="en-US" b="0" i="1" smtClean="0">
+                                    <a:latin typeface="Cambria Math" panose="02040503050406030204" pitchFamily="18" charset="0"/>
+                                  </a:rPr>
+                                </m:ctrlPr>
+                              </m:sSubPr>
+                              <m:e>
+                                <m:r>
+                                  <a:rPr lang="en-US" b="0" i="1" smtClean="0">
+                                    <a:latin typeface="Cambria Math" panose="02040503050406030204" pitchFamily="18" charset="0"/>
+                                  </a:rPr>
+                                  <m:t>𝑠</m:t>
+                                </m:r>
+                              </m:e>
+                              <m:sub>
+                                <m:r>
+                                  <a:rPr lang="en-US" b="0" i="1" smtClean="0">
+                                    <a:latin typeface="Cambria Math" panose="02040503050406030204" pitchFamily="18" charset="0"/>
+                                  </a:rPr>
+                                  <m:t>𝑖𝑡</m:t>
+                                </m:r>
+                              </m:sub>
+                            </m:sSub>
+                          </m:e>
+                        </m:d>
+                      </m:e>
+                    </m:func>
+                  </m:oMath>
+                </a14:m>
+                <a:r>
+                  <a:rPr lang="en-US" dirty="0"/>
+                  <a:t> is the natural log of unemployment claims filed in city </a:t>
+                </a:r>
+                <a14:m>
+                  <m:oMath xmlns:m="http://schemas.openxmlformats.org/officeDocument/2006/math">
+                    <m:r>
+                      <a:rPr lang="en-US" b="0" i="1" smtClean="0">
+                        <a:latin typeface="Cambria Math" panose="02040503050406030204" pitchFamily="18" charset="0"/>
+                      </a:rPr>
+                      <m:t>𝑖</m:t>
+                    </m:r>
+                  </m:oMath>
+                </a14:m>
+                <a:r>
+                  <a:rPr lang="en-US" dirty="0"/>
+                  <a:t> in year </a:t>
+                </a:r>
+                <a14:m>
+                  <m:oMath xmlns:m="http://schemas.openxmlformats.org/officeDocument/2006/math">
+                    <m:r>
+                      <a:rPr lang="en-US" b="0" i="1" smtClean="0">
+                        <a:latin typeface="Cambria Math" panose="02040503050406030204" pitchFamily="18" charset="0"/>
+                      </a:rPr>
+                      <m:t>𝑡</m:t>
+                    </m:r>
+                  </m:oMath>
+                </a14:m>
+                <a:r>
+                  <a:rPr lang="en-US" dirty="0"/>
+                  <a:t> and the difference approximates annual growth rates</a:t>
+                </a:r>
+              </a:p>
+              <a:p>
+                <a:r>
+                  <a:rPr lang="en-US" dirty="0"/>
+                  <a:t>Note: don’t forget to test for homoskedasticity and serial correlation</a:t>
+                </a:r>
+              </a:p>
+              <a:p>
+                <a:pPr marL="0" indent="0">
+                  <a:buNone/>
+                </a:pPr>
+                <a:endParaRPr lang="en-US" dirty="0"/>
+              </a:p>
+            </p:txBody>
+          </p:sp>
+        </mc:Choice>
+        <mc:Fallback>
+          <p:sp>
+            <p:nvSpPr>
+              <p:cNvPr id="3" name="Content Placeholder 2">
+                <a:extLst>
+                  <a:ext uri="{FF2B5EF4-FFF2-40B4-BE49-F238E27FC236}">
+                    <a16:creationId xmlns:a16="http://schemas.microsoft.com/office/drawing/2014/main" id="{0DF440FF-148E-CCB9-631A-B939735929FC}"/>
+                  </a:ext>
+                </a:extLst>
+              </p:cNvPr>
+              <p:cNvSpPr>
+                <a:spLocks noGrp="1" noRot="1" noChangeAspect="1" noMove="1" noResize="1" noEditPoints="1" noAdjustHandles="1" noChangeArrowheads="1" noChangeShapeType="1" noTextEdit="1"/>
+              </p:cNvSpPr>
+              <p:nvPr>
+                <p:ph idx="1"/>
+              </p:nvPr>
+            </p:nvSpPr>
+            <p:spPr>
+              <a:xfrm>
+                <a:off x="838200" y="1825624"/>
+                <a:ext cx="10515600" cy="5032376"/>
+              </a:xfrm>
+              <a:blipFill>
+                <a:blip r:embed="rId2"/>
+                <a:stretch>
+                  <a:fillRect l="-1086" t="-2015" r="-1086" b="-2015"/>
+                </a:stretch>
+              </a:blipFill>
+            </p:spPr>
+            <p:txBody>
+              <a:bodyPr/>
+              <a:lstStyle/>
+              <a:p>
+                <a:r>
+                  <a:rPr lang="en-US">
+                    <a:noFill/>
+                  </a:rPr>
+                  <a:t> </a:t>
+                </a:r>
+              </a:p>
+            </p:txBody>
+          </p:sp>
+        </mc:Fallback>
+      </mc:AlternateContent>
     </p:spTree>
     <p:extLst>
       <p:ext uri="{BB962C8B-B14F-4D97-AF65-F5344CB8AC3E}">
@@ -20417,19 +20646,19 @@
                       </a:rPr>
                       <m:t>+</m:t>
                     </m:r>
-                    <m:sSub>
-                      <m:sSubPr>
-                        <m:ctrlPr>
-                          <a:rPr lang="en-US" b="0" i="1" smtClean="0">
-                            <a:latin typeface="Cambria Math" panose="02040503050406030204" pitchFamily="18" charset="0"/>
-                          </a:rPr>
-                        </m:ctrlPr>
-                      </m:sSubPr>
-                      <m:e>
-                        <m:r>
+                    <m:sSubSup>
+                      <m:sSubSupPr>
+                        <m:ctrlPr>
                           <a:rPr lang="en-US" b="1" i="1" smtClean="0">
                             <a:latin typeface="Cambria Math" panose="02040503050406030204" pitchFamily="18" charset="0"/>
                           </a:rPr>
+                        </m:ctrlPr>
+                      </m:sSubSupPr>
+                      <m:e>
+                        <m:r>
+                          <a:rPr lang="en-US" b="1" i="1" smtClean="0">
+                            <a:latin typeface="Cambria Math" panose="02040503050406030204" pitchFamily="18" charset="0"/>
+                          </a:rPr>
                           <m:t>𝒛</m:t>
                         </m:r>
                       </m:e>
@@ -20441,7 +20670,15 @@
                           <m:t>𝑖𝑡</m:t>
                         </m:r>
                       </m:sub>
-                    </m:sSub>
+                      <m:sup>
+                        <m:r>
+                          <a:rPr lang="en-US" b="1" i="1" smtClean="0">
+                            <a:latin typeface="Cambria Math" panose="02040503050406030204" pitchFamily="18" charset="0"/>
+                          </a:rPr>
+                          <m:t>′</m:t>
+                        </m:r>
+                      </m:sup>
+                    </m:sSubSup>
                     <m:r>
                       <a:rPr lang="en-US" b="1" i="1" smtClean="0">
                         <a:latin typeface="Cambria Math" panose="02040503050406030204" pitchFamily="18" charset="0"/>
@@ -20513,6 +20750,74 @@
                   </m:oMath>
                 </a14:m>
                 <a:endParaRPr lang="en-US" dirty="0"/>
+              </a:p>
+              <a:p>
+                <a:pPr lvl="1"/>
+                <a:r>
+                  <a:rPr lang="en-US" dirty="0"/>
+                  <a:t>Where </a:t>
+                </a:r>
+                <a14:m>
+                  <m:oMath xmlns:m="http://schemas.openxmlformats.org/officeDocument/2006/math">
+                    <m:sSubSup>
+                      <m:sSubSupPr>
+                        <m:ctrlPr>
+                          <a:rPr lang="en-US" b="1" i="1" smtClean="0">
+                            <a:latin typeface="Cambria Math" panose="02040503050406030204" pitchFamily="18" charset="0"/>
+                          </a:rPr>
+                        </m:ctrlPr>
+                      </m:sSubSupPr>
+                      <m:e>
+                        <m:r>
+                          <a:rPr lang="en-US" b="1" i="1">
+                            <a:latin typeface="Cambria Math" panose="02040503050406030204" pitchFamily="18" charset="0"/>
+                          </a:rPr>
+                          <m:t>𝒛</m:t>
+                        </m:r>
+                      </m:e>
+                      <m:sub>
+                        <m:r>
+                          <a:rPr lang="en-US" i="1">
+                            <a:latin typeface="Cambria Math" panose="02040503050406030204" pitchFamily="18" charset="0"/>
+                          </a:rPr>
+                          <m:t>𝑖𝑡</m:t>
+                        </m:r>
+                      </m:sub>
+                      <m:sup>
+                        <m:r>
+                          <a:rPr lang="en-US" b="1" i="1" smtClean="0">
+                            <a:latin typeface="Cambria Math" panose="02040503050406030204" pitchFamily="18" charset="0"/>
+                          </a:rPr>
+                          <m:t>′</m:t>
+                        </m:r>
+                      </m:sup>
+                    </m:sSubSup>
+                  </m:oMath>
+                </a14:m>
+                <a:r>
+                  <a:rPr lang="en-US" dirty="0"/>
+                  <a:t> is just a vector of other explanatory variables and </a:t>
+                </a:r>
+                <a14:m>
+                  <m:oMath xmlns:m="http://schemas.openxmlformats.org/officeDocument/2006/math">
+                    <m:r>
+                      <a:rPr lang="en-US" b="1" i="1">
+                        <a:latin typeface="Cambria Math" panose="02040503050406030204" pitchFamily="18" charset="0"/>
+                      </a:rPr>
+                      <m:t>𝝀</m:t>
+                    </m:r>
+                    <m:r>
+                      <a:rPr lang="en-US" b="1" i="1">
+                        <a:latin typeface="Cambria Math" panose="02040503050406030204" pitchFamily="18" charset="0"/>
+                      </a:rPr>
+                      <m:t> </m:t>
+                    </m:r>
+                  </m:oMath>
+                </a14:m>
+                <a:r>
+                  <a:rPr lang="en-US" dirty="0"/>
+                  <a:t>is a vector of their coefficients</a:t>
+                </a:r>
               </a:p>
               <a:p>
                 <a:pPr lvl="1"/>
@@ -20604,7 +20909,7 @@
           <p:cNvPr id="2" name="Title 1">
             <a:extLst>
               <a:ext uri="{FF2B5EF4-FFF2-40B4-BE49-F238E27FC236}">
-                <a16:creationId xmlns:a16="http://schemas.microsoft.com/office/drawing/2014/main" id="{394FF48D-A53B-D345-85F6-A93871B01DF2}"/>
+                <a16:creationId xmlns:a16="http://schemas.microsoft.com/office/drawing/2014/main" id="{97EDCF95-2F9C-6DBB-A552-C4C9AA49D3CF}"/>
               </a:ext>
             </a:extLst>
           </p:cNvPr>
@@ -20629,10 +20934,10 @@
       </p:sp>
       <p:sp>
         <p:nvSpPr>
-          <p:cNvPr id="3" name="Content Placeholder 2">
+          <p:cNvPr id="3" name="Text Placeholder 2">
             <a:extLst>
               <a:ext uri="{FF2B5EF4-FFF2-40B4-BE49-F238E27FC236}">
-                <a16:creationId xmlns:a16="http://schemas.microsoft.com/office/drawing/2014/main" id="{972ED737-8A9D-CC44-EB1E-517B2CA1A389}"/>
+                <a16:creationId xmlns:a16="http://schemas.microsoft.com/office/drawing/2014/main" id="{7E46C5BC-7149-F6B3-A6F9-C9125AFA75B5}"/>
               </a:ext>
             </a:extLst>
           </p:cNvPr>
@@ -20640,94 +20945,22 @@
             <a:spLocks noGrp="1"/>
           </p:cNvSpPr>
           <p:nvPr>
-            <p:ph idx="1"/>
+            <p:ph type="body" idx="1"/>
           </p:nvPr>
         </p:nvSpPr>
         <p:spPr/>
         <p:txBody>
-          <a:bodyPr>
-            <a:normAutofit fontScale="92500" lnSpcReduction="20000"/>
-          </a:bodyPr>
+          <a:bodyPr/>
           <a:lstStyle/>
           <a:p>
-            <a:r>
-              <a:rPr lang="en-US" dirty="0"/>
-              <a:t>Pooled Cross-sections</a:t>
-            </a:r>
-          </a:p>
-          <a:p>
-            <a:pPr lvl="1"/>
-            <a:r>
-              <a:rPr lang="en-US" dirty="0"/>
-              <a:t>Pooled cross-sections are independent random samples of units of analysis from a large population at different points in time (such as months, years, </a:t>
-            </a:r>
-            <a:r>
-              <a:rPr lang="en-US" dirty="0" err="1"/>
-              <a:t>etc</a:t>
-            </a:r>
-            <a:r>
-              <a:rPr lang="en-US" dirty="0"/>
-              <a:t>)</a:t>
-            </a:r>
-          </a:p>
-          <a:p>
-            <a:pPr lvl="1"/>
-            <a:r>
-              <a:rPr lang="en-US" dirty="0"/>
-              <a:t>There is a unit of analysis dimension and time dimension, but they are independent samples and not the same units followed over time</a:t>
-            </a:r>
-          </a:p>
-          <a:p>
-            <a:pPr lvl="1"/>
-            <a:r>
-              <a:rPr lang="en-US" dirty="0"/>
-              <a:t>For example: in year 1, we randomly sample wages for workers; in year 2, we randomly sample wages of workers, etc.</a:t>
-            </a:r>
-          </a:p>
-          <a:p>
-            <a:r>
-              <a:rPr lang="en-US" dirty="0"/>
-              <a:t>Pooling independent cross-sections across time differ from single simple random sample</a:t>
-            </a:r>
-          </a:p>
-          <a:p>
-            <a:pPr lvl="1"/>
-            <a:r>
-              <a:rPr lang="en-US" dirty="0"/>
-              <a:t>Distribution of variables may change over time; </a:t>
-            </a:r>
-          </a:p>
-          <a:p>
-            <a:pPr lvl="1"/>
-            <a:r>
-              <a:rPr lang="en-US" dirty="0"/>
-              <a:t>We can account for time trends</a:t>
-            </a:r>
-          </a:p>
-          <a:p>
-            <a:pPr lvl="1"/>
-            <a:r>
-              <a:rPr lang="en-US" dirty="0"/>
-              <a:t>Add time binaries to adjust intercepts</a:t>
-            </a:r>
-          </a:p>
-          <a:p>
-            <a:pPr lvl="1"/>
-            <a:r>
-              <a:rPr lang="en-US" dirty="0"/>
-              <a:t>We still cannot account for time-invariant omitted variables (confounders) from within units of analysis, though</a:t>
-            </a:r>
-          </a:p>
-          <a:p>
-            <a:pPr lvl="1"/>
-            <a:endParaRPr lang="en-US" dirty="0"/>
+            <a:endParaRPr lang="en-US"/>
           </a:p>
         </p:txBody>
       </p:sp>
     </p:spTree>
     <p:extLst>
       <p:ext uri="{BB962C8B-B14F-4D97-AF65-F5344CB8AC3E}">
-        <p14:creationId xmlns:p14="http://schemas.microsoft.com/office/powerpoint/2010/main" val="1666707348"/>
+        <p14:creationId xmlns:p14="http://schemas.microsoft.com/office/powerpoint/2010/main" val="2146100197"/>
       </p:ext>
     </p:extLst>
   </p:cSld>
@@ -20782,8 +21015,8 @@
           </a:p>
         </p:txBody>
       </p:sp>
-      <mc:AlternateContent xmlns:mc="http://schemas.openxmlformats.org/markup-compatibility/2006">
-        <mc:Choice xmlns:a14="http://schemas.microsoft.com/office/drawing/2010/main" Requires="a14">
+      <mc:AlternateContent xmlns:mc="http://schemas.openxmlformats.org/markup-compatibility/2006" xmlns:a14="http://schemas.microsoft.com/office/drawing/2010/main">
+        <mc:Choice Requires="a14">
           <p:sp>
             <p:nvSpPr>
               <p:cNvPr id="3" name="Content Placeholder 2">
@@ -21712,7 +21945,7 @@
                     <m:sSub>
                       <m:sSubPr>
                         <m:ctrlPr>
-                          <a:rPr lang="en-US" b="0" i="0" smtClean="0">
+                          <a:rPr lang="en-US" b="0" i="1" smtClean="0">
                             <a:latin typeface="Cambria Math" panose="02040503050406030204" pitchFamily="18" charset="0"/>
                           </a:rPr>
                         </m:ctrlPr>
@@ -21903,7 +22136,7 @@
             </p:txBody>
           </p:sp>
         </mc:Choice>
-        <mc:Fallback>
+        <mc:Fallback xmlns="">
           <p:sp>
             <p:nvSpPr>
               <p:cNvPr id="3" name="Content Placeholder 2">
@@ -22026,12 +22259,20 @@
           <a:bodyPr/>
           <a:lstStyle/>
           <a:p>
+            <a:pPr marL="514350" indent="-514350">
+              <a:buFont typeface="+mj-lt"/>
+              <a:buAutoNum type="arabicPeriod"/>
+            </a:pPr>
             <a:r>
               <a:rPr lang="en-US" dirty="0"/>
               <a:t>If key variables do not vary or lack variation</a:t>
             </a:r>
           </a:p>
           <a:p>
+            <a:pPr marL="514350" indent="-514350">
+              <a:buFont typeface="+mj-lt"/>
+              <a:buAutoNum type="arabicPeriod"/>
+            </a:pPr>
             <a:r>
               <a:rPr lang="en-US" dirty="0"/>
               <a:t>If strict exogeneity does not hold</a:t>
@@ -22052,6 +22293,10 @@
             </a:r>
           </a:p>
           <a:p>
+            <a:pPr marL="514350" indent="-514350">
+              <a:buFont typeface="+mj-lt"/>
+              <a:buAutoNum type="arabicPeriod"/>
+            </a:pPr>
             <a:r>
               <a:rPr lang="en-US" dirty="0"/>
               <a:t>If there is measurement error</a:t>
@@ -22069,6 +22314,16 @@
             <a:r>
               <a:rPr lang="en-US" dirty="0"/>
               <a:t>Especially when differencing when classic error-in-variables makes the bias potentially large</a:t>
+            </a:r>
+          </a:p>
+          <a:p>
+            <a:pPr marL="514350" indent="-514350">
+              <a:buFont typeface="+mj-lt"/>
+              <a:buAutoNum type="arabicPeriod"/>
+            </a:pPr>
+            <a:r>
+              <a:rPr lang="en-US" dirty="0"/>
+              <a:t>Will not solve simultaneity bias</a:t>
             </a:r>
           </a:p>
           <a:p>
@@ -22198,6 +22453,169 @@
           <p:cNvPr id="2" name="Title 1">
             <a:extLst>
               <a:ext uri="{FF2B5EF4-FFF2-40B4-BE49-F238E27FC236}">
+                <a16:creationId xmlns:a16="http://schemas.microsoft.com/office/drawing/2014/main" id="{394FF48D-A53B-D345-85F6-A93871B01DF2}"/>
+              </a:ext>
+            </a:extLst>
+          </p:cNvPr>
+          <p:cNvSpPr>
+            <a:spLocks noGrp="1"/>
+          </p:cNvSpPr>
+          <p:nvPr>
+            <p:ph type="title"/>
+          </p:nvPr>
+        </p:nvSpPr>
+        <p:spPr/>
+        <p:txBody>
+          <a:bodyPr/>
+          <a:lstStyle/>
+          <a:p>
+            <a:r>
+              <a:rPr lang="en-US" dirty="0"/>
+              <a:t>Pooling Independent Cross-Sections Across Time</a:t>
+            </a:r>
+          </a:p>
+        </p:txBody>
+      </p:sp>
+      <p:sp>
+        <p:nvSpPr>
+          <p:cNvPr id="3" name="Content Placeholder 2">
+            <a:extLst>
+              <a:ext uri="{FF2B5EF4-FFF2-40B4-BE49-F238E27FC236}">
+                <a16:creationId xmlns:a16="http://schemas.microsoft.com/office/drawing/2014/main" id="{972ED737-8A9D-CC44-EB1E-517B2CA1A389}"/>
+              </a:ext>
+            </a:extLst>
+          </p:cNvPr>
+          <p:cNvSpPr>
+            <a:spLocks noGrp="1"/>
+          </p:cNvSpPr>
+          <p:nvPr>
+            <p:ph idx="1"/>
+          </p:nvPr>
+        </p:nvSpPr>
+        <p:spPr/>
+        <p:txBody>
+          <a:bodyPr>
+            <a:normAutofit fontScale="92500" lnSpcReduction="20000"/>
+          </a:bodyPr>
+          <a:lstStyle/>
+          <a:p>
+            <a:r>
+              <a:rPr lang="en-US" dirty="0"/>
+              <a:t>Pooled Cross-sections</a:t>
+            </a:r>
+          </a:p>
+          <a:p>
+            <a:pPr lvl="1"/>
+            <a:r>
+              <a:rPr lang="en-US" dirty="0"/>
+              <a:t>Pooled cross-sections are </a:t>
+            </a:r>
+            <a:r>
+              <a:rPr lang="en-US" b="1" dirty="0"/>
+              <a:t>independent</a:t>
+            </a:r>
+            <a:r>
+              <a:rPr lang="en-US" dirty="0"/>
+              <a:t> random samples of units of analysis from a large population at different points in time (such as months, years, </a:t>
+            </a:r>
+            <a:r>
+              <a:rPr lang="en-US" dirty="0" err="1"/>
+              <a:t>etc</a:t>
+            </a:r>
+            <a:r>
+              <a:rPr lang="en-US" dirty="0"/>
+              <a:t>)</a:t>
+            </a:r>
+          </a:p>
+          <a:p>
+            <a:pPr lvl="1"/>
+            <a:r>
+              <a:rPr lang="en-US" dirty="0"/>
+              <a:t>There is a unit of analysis dimension and time dimension, but they are independent samples and not the same units followed over time</a:t>
+            </a:r>
+          </a:p>
+          <a:p>
+            <a:pPr lvl="1"/>
+            <a:r>
+              <a:rPr lang="en-US" dirty="0"/>
+              <a:t>For example: in year 1, we randomly sample wages for workers; in year 2, we randomly sample wages of workers, etc.</a:t>
+            </a:r>
+          </a:p>
+          <a:p>
+            <a:r>
+              <a:rPr lang="en-US" dirty="0"/>
+              <a:t>Pooling independent cross-sections across time differ from single simple random sample</a:t>
+            </a:r>
+          </a:p>
+          <a:p>
+            <a:pPr lvl="1"/>
+            <a:r>
+              <a:rPr lang="en-US" dirty="0"/>
+              <a:t>Distribution of variables may change over time; </a:t>
+            </a:r>
+          </a:p>
+          <a:p>
+            <a:pPr lvl="1"/>
+            <a:r>
+              <a:rPr lang="en-US" dirty="0"/>
+              <a:t>We can account for time trends</a:t>
+            </a:r>
+          </a:p>
+          <a:p>
+            <a:pPr lvl="1"/>
+            <a:r>
+              <a:rPr lang="en-US" dirty="0"/>
+              <a:t>Add time binaries to adjust intercepts</a:t>
+            </a:r>
+          </a:p>
+          <a:p>
+            <a:pPr lvl="1"/>
+            <a:r>
+              <a:rPr lang="en-US" dirty="0"/>
+              <a:t>We still cannot account for time-invariant omitted variables (confounders) from within units of analysis, though</a:t>
+            </a:r>
+          </a:p>
+          <a:p>
+            <a:pPr lvl="1"/>
+            <a:endParaRPr lang="en-US" dirty="0"/>
+          </a:p>
+        </p:txBody>
+      </p:sp>
+    </p:spTree>
+    <p:extLst>
+      <p:ext uri="{BB962C8B-B14F-4D97-AF65-F5344CB8AC3E}">
+        <p14:creationId xmlns:p14="http://schemas.microsoft.com/office/powerpoint/2010/main" val="1666707348"/>
+      </p:ext>
+    </p:extLst>
+  </p:cSld>
+  <p:clrMapOvr>
+    <a:masterClrMapping/>
+  </p:clrMapOvr>
+</p:sld>
+</file>
+
+<file path=ppt/slides/slide6.xml><?xml version="1.0" encoding="utf-8"?>
+<p:sld xmlns:a="http://schemas.openxmlformats.org/drawingml/2006/main" xmlns:r="http://schemas.openxmlformats.org/officeDocument/2006/relationships" xmlns:p="http://schemas.openxmlformats.org/presentationml/2006/main">
+  <p:cSld>
+    <p:spTree>
+      <p:nvGrpSpPr>
+        <p:cNvPr id="1" name=""/>
+        <p:cNvGrpSpPr/>
+        <p:nvPr/>
+      </p:nvGrpSpPr>
+      <p:grpSpPr>
+        <a:xfrm>
+          <a:off x="0" y="0"/>
+          <a:ext cx="0" cy="0"/>
+          <a:chOff x="0" y="0"/>
+          <a:chExt cx="0" cy="0"/>
+        </a:xfrm>
+      </p:grpSpPr>
+      <p:sp>
+        <p:nvSpPr>
+          <p:cNvPr id="2" name="Title 1">
+            <a:extLst>
+              <a:ext uri="{FF2B5EF4-FFF2-40B4-BE49-F238E27FC236}">
                 <a16:creationId xmlns:a16="http://schemas.microsoft.com/office/drawing/2014/main" id="{E16C1247-8488-128D-CC95-F9D44F4366C0}"/>
               </a:ext>
             </a:extLst>
@@ -22216,7 +22634,7 @@
           <a:p>
             <a:r>
               <a:rPr lang="en-US" dirty="0"/>
-              <a:t>Pooling Independent Cross Sections across Time</a:t>
+              <a:t>Reasons to Pool Cross-sectional Data</a:t>
             </a:r>
           </a:p>
         </p:txBody>
@@ -22253,7 +22671,15 @@
             <a:pPr lvl="1"/>
             <a:r>
               <a:rPr lang="en-US" dirty="0"/>
-              <a:t>We are pooling independent random samples of the population at different points in time</a:t>
+              <a:t>We are </a:t>
+            </a:r>
+            <a:r>
+              <a:rPr lang="en-US" b="1" dirty="0"/>
+              <a:t>pooling independent random samples </a:t>
+            </a:r>
+            <a:r>
+              <a:rPr lang="en-US" dirty="0"/>
+              <a:t>of the population at different points in time</a:t>
             </a:r>
           </a:p>
           <a:p>
@@ -22323,7 +22749,7 @@
 </p:sld>
 </file>
 
-<file path=ppt/slides/slide6.xml><?xml version="1.0" encoding="utf-8"?>
+<file path=ppt/slides/slide7.xml><?xml version="1.0" encoding="utf-8"?>
 <p:sld xmlns:a="http://schemas.openxmlformats.org/drawingml/2006/main" xmlns:r="http://schemas.openxmlformats.org/officeDocument/2006/relationships" xmlns:p="http://schemas.openxmlformats.org/presentationml/2006/main">
   <p:cSld>
     <p:spTree>
@@ -22363,7 +22789,7 @@
           <a:p>
             <a:r>
               <a:rPr lang="en-US" dirty="0"/>
-              <a:t>Pooling Independent Cross Sections across Time</a:t>
+              <a:t>Time Trends or Secular Trends</a:t>
             </a:r>
           </a:p>
         </p:txBody>
@@ -22463,95 +22889,6 @@
 </p:sld>
 </file>
 
-<file path=ppt/slides/slide7.xml><?xml version="1.0" encoding="utf-8"?>
-<p:sld xmlns:a="http://schemas.openxmlformats.org/drawingml/2006/main" xmlns:r="http://schemas.openxmlformats.org/officeDocument/2006/relationships" xmlns:p="http://schemas.openxmlformats.org/presentationml/2006/main">
-  <p:cSld>
-    <p:spTree>
-      <p:nvGrpSpPr>
-        <p:cNvPr id="1" name=""/>
-        <p:cNvGrpSpPr/>
-        <p:nvPr/>
-      </p:nvGrpSpPr>
-      <p:grpSpPr>
-        <a:xfrm>
-          <a:off x="0" y="0"/>
-          <a:ext cx="0" cy="0"/>
-          <a:chOff x="0" y="0"/>
-          <a:chExt cx="0" cy="0"/>
-        </a:xfrm>
-      </p:grpSpPr>
-      <p:sp>
-        <p:nvSpPr>
-          <p:cNvPr id="2" name="Title 1">
-            <a:extLst>
-              <a:ext uri="{FF2B5EF4-FFF2-40B4-BE49-F238E27FC236}">
-                <a16:creationId xmlns:a16="http://schemas.microsoft.com/office/drawing/2014/main" id="{E16C1247-8488-128D-CC95-F9D44F4366C0}"/>
-              </a:ext>
-            </a:extLst>
-          </p:cNvPr>
-          <p:cNvSpPr>
-            <a:spLocks noGrp="1"/>
-          </p:cNvSpPr>
-          <p:nvPr>
-            <p:ph type="title"/>
-          </p:nvPr>
-        </p:nvSpPr>
-        <p:spPr/>
-        <p:txBody>
-          <a:bodyPr/>
-          <a:lstStyle/>
-          <a:p>
-            <a:r>
-              <a:rPr lang="en-US" dirty="0"/>
-              <a:t>Pooling Independent Cross Sections across Time</a:t>
-            </a:r>
-          </a:p>
-        </p:txBody>
-      </p:sp>
-      <p:sp>
-        <p:nvSpPr>
-          <p:cNvPr id="3" name="Content Placeholder 2">
-            <a:extLst>
-              <a:ext uri="{FF2B5EF4-FFF2-40B4-BE49-F238E27FC236}">
-                <a16:creationId xmlns:a16="http://schemas.microsoft.com/office/drawing/2014/main" id="{C0E384C5-7CDA-A7D1-F3D4-202DD23EBB6A}"/>
-              </a:ext>
-            </a:extLst>
-          </p:cNvPr>
-          <p:cNvSpPr>
-            <a:spLocks noGrp="1"/>
-          </p:cNvSpPr>
-          <p:nvPr>
-            <p:ph idx="1"/>
-          </p:nvPr>
-        </p:nvSpPr>
-        <p:spPr/>
-        <p:txBody>
-          <a:bodyPr/>
-          <a:lstStyle/>
-          <a:p>
-            <a:r>
-              <a:rPr lang="en-US" dirty="0"/>
-              <a:t>Fertility over Time Example</a:t>
-            </a:r>
-          </a:p>
-          <a:p>
-            <a:endParaRPr lang="en-US" dirty="0"/>
-          </a:p>
-        </p:txBody>
-      </p:sp>
-    </p:spTree>
-    <p:extLst>
-      <p:ext uri="{BB962C8B-B14F-4D97-AF65-F5344CB8AC3E}">
-        <p14:creationId xmlns:p14="http://schemas.microsoft.com/office/powerpoint/2010/main" val="2852992323"/>
-      </p:ext>
-    </p:extLst>
-  </p:cSld>
-  <p:clrMapOvr>
-    <a:masterClrMapping/>
-  </p:clrMapOvr>
-</p:sld>
-</file>
-
 <file path=ppt/slides/slide8.xml><?xml version="1.0" encoding="utf-8"?>
 <p:sld xmlns:a="http://schemas.openxmlformats.org/drawingml/2006/main" xmlns:r="http://schemas.openxmlformats.org/officeDocument/2006/relationships" xmlns:p="http://schemas.openxmlformats.org/presentationml/2006/main">
   <p:cSld>
@@ -22592,7 +22929,7 @@
           <a:p>
             <a:r>
               <a:rPr lang="en-US" dirty="0"/>
-              <a:t>Pooling Independent Cross Sections across Time</a:t>
+              <a:t>Time Trends or Secular Trends</a:t>
             </a:r>
           </a:p>
         </p:txBody>
@@ -22615,610 +22952,620 @@
                 <p:ph idx="1"/>
               </p:nvPr>
             </p:nvSpPr>
-            <p:spPr/>
+            <p:spPr>
+              <a:xfrm>
+                <a:off x="838200" y="1825625"/>
+                <a:ext cx="10515600" cy="4667250"/>
+              </a:xfrm>
+            </p:spPr>
             <p:txBody>
               <a:bodyPr>
-                <a:normAutofit/>
+                <a:normAutofit lnSpcReduction="10000"/>
               </a:bodyPr>
               <a:lstStyle/>
               <a:p>
                 <a:r>
                   <a:rPr lang="en-US" dirty="0"/>
-                  <a:t>Returns to Education Example</a:t>
-                </a:r>
-              </a:p>
-              <a:p>
-                <a:r>
-                  <a:rPr lang="en-US" dirty="0"/>
-                  <a:t>Our model of natural log of hourly wages</a:t>
+                  <a:t>Fertility over Time</a:t>
                 </a:r>
               </a:p>
               <a:p>
                 <a:pPr lvl="1"/>
+                <a:r>
+                  <a:rPr lang="en-US" dirty="0"/>
+                  <a:t>What happens to fertility rates over time?</a:t>
+                </a:r>
+              </a:p>
+              <a:p>
+                <a:pPr lvl="1"/>
+                <a:r>
+                  <a:rPr lang="en-US" dirty="0"/>
+                  <a:t>Including year binaries can control for secular changes</a:t>
+                </a:r>
+              </a:p>
+              <a:p>
+                <a:r>
+                  <a:rPr lang="en-US" dirty="0"/>
+                  <a:t>Sanders (1992) uses </a:t>
+                </a:r>
+              </a:p>
+              <a:p>
+                <a:pPr lvl="1"/>
+                <a:r>
+                  <a:rPr lang="en-US" dirty="0"/>
+                  <a:t>Data from the National Opinion Research Center’s General Social Survey from 1974 to 1984</a:t>
+                </a:r>
+              </a:p>
+              <a:p>
+                <a:pPr marL="0" indent="0">
+                  <a:buNone/>
+                </a:pPr>
+                <a14:m>
+                  <m:oMathPara xmlns:m="http://schemas.openxmlformats.org/officeDocument/2006/math">
+                    <m:oMathParaPr>
+                      <m:jc m:val="centerGroup"/>
+                    </m:oMathParaPr>
+                    <m:oMath xmlns:m="http://schemas.openxmlformats.org/officeDocument/2006/math">
+                      <m:r>
+                        <a:rPr lang="en-US" b="0" i="1" smtClean="0">
+                          <a:latin typeface="Cambria Math" panose="02040503050406030204" pitchFamily="18" charset="0"/>
+                        </a:rPr>
+                        <m:t>𝑘𝑖𝑑𝑠</m:t>
+                      </m:r>
+                      <m:r>
+                        <a:rPr lang="en-US" b="0" i="1" smtClean="0">
+                          <a:latin typeface="Cambria Math" panose="02040503050406030204" pitchFamily="18" charset="0"/>
+                        </a:rPr>
+                        <m:t>=</m:t>
+                      </m:r>
+                      <m:r>
+                        <a:rPr lang="en-US" b="0" i="1" smtClean="0">
+                          <a:latin typeface="Cambria Math" panose="02040503050406030204" pitchFamily="18" charset="0"/>
+                        </a:rPr>
+                        <m:t>𝛼</m:t>
+                      </m:r>
+                      <m:r>
+                        <a:rPr lang="en-US" b="0" i="1" smtClean="0">
+                          <a:latin typeface="Cambria Math" panose="02040503050406030204" pitchFamily="18" charset="0"/>
+                        </a:rPr>
+                        <m:t>+</m:t>
+                      </m:r>
+                      <m:sSub>
+                        <m:sSubPr>
+                          <m:ctrlPr>
+                            <a:rPr lang="en-US" b="0" i="1" smtClean="0">
+                              <a:latin typeface="Cambria Math" panose="02040503050406030204" pitchFamily="18" charset="0"/>
+                            </a:rPr>
+                          </m:ctrlPr>
+                        </m:sSubPr>
+                        <m:e>
+                          <m:r>
+                            <a:rPr lang="en-US" b="0" i="1" smtClean="0">
+                              <a:latin typeface="Cambria Math" panose="02040503050406030204" pitchFamily="18" charset="0"/>
+                            </a:rPr>
+                            <m:t>𝛽</m:t>
+                          </m:r>
+                        </m:e>
+                        <m:sub>
+                          <m:r>
+                            <a:rPr lang="en-US" b="0" i="1" smtClean="0">
+                              <a:latin typeface="Cambria Math" panose="02040503050406030204" pitchFamily="18" charset="0"/>
+                            </a:rPr>
+                            <m:t>1</m:t>
+                          </m:r>
+                        </m:sub>
+                      </m:sSub>
+                      <m:r>
+                        <a:rPr lang="en-US" b="0" i="1" smtClean="0">
+                          <a:latin typeface="Cambria Math" panose="02040503050406030204" pitchFamily="18" charset="0"/>
+                        </a:rPr>
+                        <m:t>𝑒𝑑𝑢</m:t>
+                      </m:r>
+                      <m:r>
+                        <a:rPr lang="en-US" b="0" i="1" smtClean="0">
+                          <a:latin typeface="Cambria Math" panose="02040503050406030204" pitchFamily="18" charset="0"/>
+                        </a:rPr>
+                        <m:t>+</m:t>
+                      </m:r>
+                      <m:sSub>
+                        <m:sSubPr>
+                          <m:ctrlPr>
+                            <a:rPr lang="en-US" b="0" i="1" smtClean="0">
+                              <a:latin typeface="Cambria Math" panose="02040503050406030204" pitchFamily="18" charset="0"/>
+                            </a:rPr>
+                          </m:ctrlPr>
+                        </m:sSubPr>
+                        <m:e>
+                          <m:r>
+                            <a:rPr lang="en-US" b="0" i="1" smtClean="0">
+                              <a:latin typeface="Cambria Math" panose="02040503050406030204" pitchFamily="18" charset="0"/>
+                            </a:rPr>
+                            <m:t>𝛽</m:t>
+                          </m:r>
+                        </m:e>
+                        <m:sub>
+                          <m:r>
+                            <a:rPr lang="en-US" b="0" i="1" smtClean="0">
+                              <a:latin typeface="Cambria Math" panose="02040503050406030204" pitchFamily="18" charset="0"/>
+                            </a:rPr>
+                            <m:t>2</m:t>
+                          </m:r>
+                        </m:sub>
+                      </m:sSub>
+                      <m:r>
+                        <a:rPr lang="en-US" b="0" i="1" smtClean="0">
+                          <a:latin typeface="Cambria Math" panose="02040503050406030204" pitchFamily="18" charset="0"/>
+                        </a:rPr>
+                        <m:t>𝑎𝑔𝑒</m:t>
+                      </m:r>
+                      <m:r>
+                        <a:rPr lang="en-US" b="0" i="1" smtClean="0">
+                          <a:latin typeface="Cambria Math" panose="02040503050406030204" pitchFamily="18" charset="0"/>
+                        </a:rPr>
+                        <m:t>+</m:t>
+                      </m:r>
+                      <m:sSub>
+                        <m:sSubPr>
+                          <m:ctrlPr>
+                            <a:rPr lang="en-US" b="0" i="1" smtClean="0">
+                              <a:latin typeface="Cambria Math" panose="02040503050406030204" pitchFamily="18" charset="0"/>
+                            </a:rPr>
+                          </m:ctrlPr>
+                        </m:sSubPr>
+                        <m:e>
+                          <m:r>
+                            <a:rPr lang="en-US" b="0" i="1" smtClean="0">
+                              <a:latin typeface="Cambria Math" panose="02040503050406030204" pitchFamily="18" charset="0"/>
+                            </a:rPr>
+                            <m:t>𝛽</m:t>
+                          </m:r>
+                        </m:e>
+                        <m:sub>
+                          <m:r>
+                            <a:rPr lang="en-US" b="0" i="1" smtClean="0">
+                              <a:latin typeface="Cambria Math" panose="02040503050406030204" pitchFamily="18" charset="0"/>
+                            </a:rPr>
+                            <m:t>3</m:t>
+                          </m:r>
+                        </m:sub>
+                      </m:sSub>
+                      <m:r>
+                        <a:rPr lang="en-US" b="0" i="1" smtClean="0">
+                          <a:latin typeface="Cambria Math" panose="02040503050406030204" pitchFamily="18" charset="0"/>
+                        </a:rPr>
+                        <m:t>𝑎𝑔</m:t>
+                      </m:r>
+                      <m:sSup>
+                        <m:sSupPr>
+                          <m:ctrlPr>
+                            <a:rPr lang="en-US" b="0" i="1" smtClean="0">
+                              <a:latin typeface="Cambria Math" panose="02040503050406030204" pitchFamily="18" charset="0"/>
+                            </a:rPr>
+                          </m:ctrlPr>
+                        </m:sSupPr>
+                        <m:e>
+                          <m:r>
+                            <a:rPr lang="en-US" b="0" i="1" smtClean="0">
+                              <a:latin typeface="Cambria Math" panose="02040503050406030204" pitchFamily="18" charset="0"/>
+                            </a:rPr>
+                            <m:t>𝑒</m:t>
+                          </m:r>
+                        </m:e>
+                        <m:sup>
+                          <m:r>
+                            <a:rPr lang="en-US" b="0" i="1" smtClean="0">
+                              <a:latin typeface="Cambria Math" panose="02040503050406030204" pitchFamily="18" charset="0"/>
+                            </a:rPr>
+                            <m:t>2</m:t>
+                          </m:r>
+                        </m:sup>
+                      </m:sSup>
+                      <m:r>
+                        <a:rPr lang="en-US" b="0" i="1" smtClean="0">
+                          <a:latin typeface="Cambria Math" panose="02040503050406030204" pitchFamily="18" charset="0"/>
+                        </a:rPr>
+                        <m:t>+</m:t>
+                      </m:r>
+                      <m:sSub>
+                        <m:sSubPr>
+                          <m:ctrlPr>
+                            <a:rPr lang="en-US" b="0" i="1" smtClean="0">
+                              <a:latin typeface="Cambria Math" panose="02040503050406030204" pitchFamily="18" charset="0"/>
+                            </a:rPr>
+                          </m:ctrlPr>
+                        </m:sSubPr>
+                        <m:e>
+                          <m:r>
+                            <a:rPr lang="en-US" b="0" i="1" smtClean="0">
+                              <a:latin typeface="Cambria Math" panose="02040503050406030204" pitchFamily="18" charset="0"/>
+                            </a:rPr>
+                            <m:t>𝛽</m:t>
+                          </m:r>
+                        </m:e>
+                        <m:sub>
+                          <m:r>
+                            <a:rPr lang="en-US" b="0" i="1" smtClean="0">
+                              <a:latin typeface="Cambria Math" panose="02040503050406030204" pitchFamily="18" charset="0"/>
+                            </a:rPr>
+                            <m:t>4</m:t>
+                          </m:r>
+                        </m:sub>
+                      </m:sSub>
+                      <m:r>
+                        <a:rPr lang="en-US" b="0" i="1" smtClean="0">
+                          <a:latin typeface="Cambria Math" panose="02040503050406030204" pitchFamily="18" charset="0"/>
+                        </a:rPr>
+                        <m:t>𝐵𝑙𝑎𝑐𝑘</m:t>
+                      </m:r>
+                      <m:r>
+                        <a:rPr lang="en-US" b="0" i="1" smtClean="0">
+                          <a:latin typeface="Cambria Math" panose="02040503050406030204" pitchFamily="18" charset="0"/>
+                        </a:rPr>
+                        <m:t>+</m:t>
+                      </m:r>
+                      <m:sSub>
+                        <m:sSubPr>
+                          <m:ctrlPr>
+                            <a:rPr lang="en-US" b="0" i="1" smtClean="0">
+                              <a:latin typeface="Cambria Math" panose="02040503050406030204" pitchFamily="18" charset="0"/>
+                            </a:rPr>
+                          </m:ctrlPr>
+                        </m:sSubPr>
+                        <m:e>
+                          <m:r>
+                            <a:rPr lang="en-US" b="0" i="1" smtClean="0">
+                              <a:latin typeface="Cambria Math" panose="02040503050406030204" pitchFamily="18" charset="0"/>
+                            </a:rPr>
+                            <m:t>𝛽</m:t>
+                          </m:r>
+                        </m:e>
+                        <m:sub>
+                          <m:r>
+                            <a:rPr lang="en-US" b="0" i="1" smtClean="0">
+                              <a:latin typeface="Cambria Math" panose="02040503050406030204" pitchFamily="18" charset="0"/>
+                            </a:rPr>
+                            <m:t>5</m:t>
+                          </m:r>
+                        </m:sub>
+                      </m:sSub>
+                      <m:r>
+                        <a:rPr lang="en-US" b="0" i="1" smtClean="0">
+                          <a:latin typeface="Cambria Math" panose="02040503050406030204" pitchFamily="18" charset="0"/>
+                        </a:rPr>
+                        <m:t>𝐸𝑎𝑠𝑡</m:t>
+                      </m:r>
+                      <m:r>
+                        <a:rPr lang="en-US" b="0" i="1" smtClean="0">
+                          <a:latin typeface="Cambria Math" panose="02040503050406030204" pitchFamily="18" charset="0"/>
+                        </a:rPr>
+                        <m:t>+</m:t>
+                      </m:r>
+                    </m:oMath>
+                    <m:oMath xmlns:m="http://schemas.openxmlformats.org/officeDocument/2006/math">
+                      <m:sSub>
+                        <m:sSubPr>
+                          <m:ctrlPr>
+                            <a:rPr lang="en-US" b="0" i="1" smtClean="0">
+                              <a:latin typeface="Cambria Math" panose="02040503050406030204" pitchFamily="18" charset="0"/>
+                            </a:rPr>
+                          </m:ctrlPr>
+                        </m:sSubPr>
+                        <m:e>
+                          <m:r>
+                            <a:rPr lang="en-US" b="0" i="1" smtClean="0">
+                              <a:latin typeface="Cambria Math" panose="02040503050406030204" pitchFamily="18" charset="0"/>
+                            </a:rPr>
+                            <m:t>                </m:t>
+                          </m:r>
+                          <m:r>
+                            <a:rPr lang="en-US" b="0" i="1" smtClean="0">
+                              <a:latin typeface="Cambria Math" panose="02040503050406030204" pitchFamily="18" charset="0"/>
+                            </a:rPr>
+                            <m:t>𝛽</m:t>
+                          </m:r>
+                        </m:e>
+                        <m:sub>
+                          <m:r>
+                            <a:rPr lang="en-US" b="0" i="1" smtClean="0">
+                              <a:latin typeface="Cambria Math" panose="02040503050406030204" pitchFamily="18" charset="0"/>
+                            </a:rPr>
+                            <m:t>6</m:t>
+                          </m:r>
+                        </m:sub>
+                      </m:sSub>
+                      <m:r>
+                        <a:rPr lang="en-US" b="0" i="1" smtClean="0">
+                          <a:latin typeface="Cambria Math" panose="02040503050406030204" pitchFamily="18" charset="0"/>
+                        </a:rPr>
+                        <m:t>𝑀𝑖𝑑𝑤𝑒𝑠𝑡</m:t>
+                      </m:r>
+                      <m:r>
+                        <a:rPr lang="en-US" b="0" i="1" smtClean="0">
+                          <a:latin typeface="Cambria Math" panose="02040503050406030204" pitchFamily="18" charset="0"/>
+                        </a:rPr>
+                        <m:t>+</m:t>
+                      </m:r>
+                      <m:sSub>
+                        <m:sSubPr>
+                          <m:ctrlPr>
+                            <a:rPr lang="en-US" b="0" i="1" smtClean="0">
+                              <a:latin typeface="Cambria Math" panose="02040503050406030204" pitchFamily="18" charset="0"/>
+                            </a:rPr>
+                          </m:ctrlPr>
+                        </m:sSubPr>
+                        <m:e>
+                          <m:r>
+                            <a:rPr lang="en-US" b="0" i="1" smtClean="0">
+                              <a:latin typeface="Cambria Math" panose="02040503050406030204" pitchFamily="18" charset="0"/>
+                            </a:rPr>
+                            <m:t>𝛽</m:t>
+                          </m:r>
+                        </m:e>
+                        <m:sub>
+                          <m:r>
+                            <a:rPr lang="en-US" b="0" i="1" smtClean="0">
+                              <a:latin typeface="Cambria Math" panose="02040503050406030204" pitchFamily="18" charset="0"/>
+                            </a:rPr>
+                            <m:t>7</m:t>
+                          </m:r>
+                        </m:sub>
+                      </m:sSub>
+                      <m:r>
+                        <a:rPr lang="en-US" b="0" i="1" smtClean="0">
+                          <a:latin typeface="Cambria Math" panose="02040503050406030204" pitchFamily="18" charset="0"/>
+                        </a:rPr>
+                        <m:t>𝑊𝑒𝑠𝑡</m:t>
+                      </m:r>
+                      <m:r>
+                        <a:rPr lang="en-US" b="0" i="1" smtClean="0">
+                          <a:latin typeface="Cambria Math" panose="02040503050406030204" pitchFamily="18" charset="0"/>
+                        </a:rPr>
+                        <m:t>+</m:t>
+                      </m:r>
+                      <m:sSub>
+                        <m:sSubPr>
+                          <m:ctrlPr>
+                            <a:rPr lang="en-US" b="0" i="1" smtClean="0">
+                              <a:latin typeface="Cambria Math" panose="02040503050406030204" pitchFamily="18" charset="0"/>
+                            </a:rPr>
+                          </m:ctrlPr>
+                        </m:sSubPr>
+                        <m:e>
+                          <m:r>
+                            <a:rPr lang="en-US" b="0" i="1" smtClean="0">
+                              <a:latin typeface="Cambria Math" panose="02040503050406030204" pitchFamily="18" charset="0"/>
+                            </a:rPr>
+                            <m:t>𝛽</m:t>
+                          </m:r>
+                        </m:e>
+                        <m:sub>
+                          <m:r>
+                            <a:rPr lang="en-US" b="0" i="1" smtClean="0">
+                              <a:latin typeface="Cambria Math" panose="02040503050406030204" pitchFamily="18" charset="0"/>
+                            </a:rPr>
+                            <m:t>8</m:t>
+                          </m:r>
+                        </m:sub>
+                      </m:sSub>
+                      <m:r>
+                        <a:rPr lang="en-US" b="0" i="1" smtClean="0">
+                          <a:latin typeface="Cambria Math" panose="02040503050406030204" pitchFamily="18" charset="0"/>
+                        </a:rPr>
+                        <m:t>𝐹𝑎𝑟𝑚</m:t>
+                      </m:r>
+                      <m:r>
+                        <a:rPr lang="en-US" b="0" i="1" smtClean="0">
+                          <a:latin typeface="Cambria Math" panose="02040503050406030204" pitchFamily="18" charset="0"/>
+                        </a:rPr>
+                        <m:t>+</m:t>
+                      </m:r>
+                      <m:sSub>
+                        <m:sSubPr>
+                          <m:ctrlPr>
+                            <a:rPr lang="en-US" b="0" i="1" smtClean="0">
+                              <a:latin typeface="Cambria Math" panose="02040503050406030204" pitchFamily="18" charset="0"/>
+                            </a:rPr>
+                          </m:ctrlPr>
+                        </m:sSubPr>
+                        <m:e>
+                          <m:r>
+                            <a:rPr lang="en-US" b="0" i="1" smtClean="0">
+                              <a:latin typeface="Cambria Math" panose="02040503050406030204" pitchFamily="18" charset="0"/>
+                            </a:rPr>
+                            <m:t>𝛽</m:t>
+                          </m:r>
+                        </m:e>
+                        <m:sub>
+                          <m:r>
+                            <a:rPr lang="en-US" b="0" i="1" smtClean="0">
+                              <a:latin typeface="Cambria Math" panose="02040503050406030204" pitchFamily="18" charset="0"/>
+                            </a:rPr>
+                            <m:t>9</m:t>
+                          </m:r>
+                        </m:sub>
+                      </m:sSub>
+                      <m:r>
+                        <a:rPr lang="en-US" b="0" i="1" smtClean="0">
+                          <a:latin typeface="Cambria Math" panose="02040503050406030204" pitchFamily="18" charset="0"/>
+                        </a:rPr>
+                        <m:t>𝑂𝑡h𝑒𝑟𝑅𝑢𝑟𝑎𝑙</m:t>
+                      </m:r>
+                      <m:r>
+                        <a:rPr lang="en-US" b="0" i="1" smtClean="0">
+                          <a:latin typeface="Cambria Math" panose="02040503050406030204" pitchFamily="18" charset="0"/>
+                        </a:rPr>
+                        <m:t>+</m:t>
+                      </m:r>
+                    </m:oMath>
+                    <m:oMath xmlns:m="http://schemas.openxmlformats.org/officeDocument/2006/math">
+                      <m:r>
+                        <a:rPr lang="en-US" b="0" i="0" smtClean="0">
+                          <a:latin typeface="Cambria Math" panose="02040503050406030204" pitchFamily="18" charset="0"/>
+                        </a:rPr>
+                        <m:t>                </m:t>
+                      </m:r>
+                      <m:sSub>
+                        <m:sSubPr>
+                          <m:ctrlPr>
+                            <a:rPr lang="en-US" b="0" i="1" smtClean="0">
+                              <a:latin typeface="Cambria Math" panose="02040503050406030204" pitchFamily="18" charset="0"/>
+                            </a:rPr>
+                          </m:ctrlPr>
+                        </m:sSubPr>
+                        <m:e>
+                          <m:r>
+                            <a:rPr lang="en-US" b="0" i="1" smtClean="0">
+                              <a:latin typeface="Cambria Math" panose="02040503050406030204" pitchFamily="18" charset="0"/>
+                            </a:rPr>
+                            <m:t>𝛽</m:t>
+                          </m:r>
+                        </m:e>
+                        <m:sub>
+                          <m:r>
+                            <a:rPr lang="en-US" b="0" i="1" smtClean="0">
+                              <a:latin typeface="Cambria Math" panose="02040503050406030204" pitchFamily="18" charset="0"/>
+                            </a:rPr>
+                            <m:t>10</m:t>
+                          </m:r>
+                        </m:sub>
+                      </m:sSub>
+                      <m:r>
+                        <a:rPr lang="en-US" b="0" i="1" smtClean="0">
+                          <a:latin typeface="Cambria Math" panose="02040503050406030204" pitchFamily="18" charset="0"/>
+                        </a:rPr>
+                        <m:t>𝑇𝑜𝑤𝑛</m:t>
+                      </m:r>
+                      <m:r>
+                        <a:rPr lang="en-US" b="0" i="1" smtClean="0">
+                          <a:latin typeface="Cambria Math" panose="02040503050406030204" pitchFamily="18" charset="0"/>
+                        </a:rPr>
+                        <m:t>+</m:t>
+                      </m:r>
+                      <m:sSub>
+                        <m:sSubPr>
+                          <m:ctrlPr>
+                            <a:rPr lang="en-US" b="0" i="1" smtClean="0">
+                              <a:latin typeface="Cambria Math" panose="02040503050406030204" pitchFamily="18" charset="0"/>
+                            </a:rPr>
+                          </m:ctrlPr>
+                        </m:sSubPr>
+                        <m:e>
+                          <m:r>
+                            <a:rPr lang="en-US" b="0" i="1" smtClean="0">
+                              <a:latin typeface="Cambria Math" panose="02040503050406030204" pitchFamily="18" charset="0"/>
+                            </a:rPr>
+                            <m:t>𝛽</m:t>
+                          </m:r>
+                        </m:e>
+                        <m:sub>
+                          <m:r>
+                            <a:rPr lang="en-US" b="0" i="1" smtClean="0">
+                              <a:latin typeface="Cambria Math" panose="02040503050406030204" pitchFamily="18" charset="0"/>
+                            </a:rPr>
+                            <m:t>11</m:t>
+                          </m:r>
+                        </m:sub>
+                      </m:sSub>
+                      <m:r>
+                        <a:rPr lang="en-US" b="0" i="1" smtClean="0">
+                          <a:latin typeface="Cambria Math" panose="02040503050406030204" pitchFamily="18" charset="0"/>
+                        </a:rPr>
+                        <m:t>𝑆𝑚𝑎𝑙𝑙𝐶𝑖𝑡𝑦</m:t>
+                      </m:r>
+                      <m:r>
+                        <a:rPr lang="en-US" b="0" i="1" smtClean="0">
+                          <a:latin typeface="Cambria Math" panose="02040503050406030204" pitchFamily="18" charset="0"/>
+                        </a:rPr>
+                        <m:t>+</m:t>
+                      </m:r>
+                      <m:r>
+                        <a:rPr lang="en-US" b="1" i="1" smtClean="0">
+                          <a:latin typeface="Cambria Math" panose="02040503050406030204" pitchFamily="18" charset="0"/>
+                        </a:rPr>
+                        <m:t>𝒀𝒆𝒂</m:t>
+                      </m:r>
+                      <m:sSup>
+                        <m:sSupPr>
+                          <m:ctrlPr>
+                            <a:rPr lang="en-US" b="1" i="1" smtClean="0">
+                              <a:latin typeface="Cambria Math" panose="02040503050406030204" pitchFamily="18" charset="0"/>
+                            </a:rPr>
+                          </m:ctrlPr>
+                        </m:sSupPr>
+                        <m:e>
+                          <m:r>
+                            <a:rPr lang="en-US" b="1" i="1" smtClean="0">
+                              <a:latin typeface="Cambria Math" panose="02040503050406030204" pitchFamily="18" charset="0"/>
+                            </a:rPr>
+                            <m:t>𝒓</m:t>
+                          </m:r>
+                        </m:e>
+                        <m:sup>
+                          <m:r>
+                            <a:rPr lang="en-US" b="1" i="1" smtClean="0">
+                              <a:latin typeface="Cambria Math" panose="02040503050406030204" pitchFamily="18" charset="0"/>
+                            </a:rPr>
+                            <m:t>′</m:t>
+                          </m:r>
+                        </m:sup>
+                      </m:sSup>
+                      <m:r>
+                        <a:rPr lang="en-US" b="1" i="1" smtClean="0">
+                          <a:latin typeface="Cambria Math" panose="02040503050406030204" pitchFamily="18" charset="0"/>
+                        </a:rPr>
+                        <m:t>𝜹</m:t>
+                      </m:r>
+                      <m:r>
+                        <a:rPr lang="en-US" b="0" i="1" smtClean="0">
+                          <a:latin typeface="Cambria Math" panose="02040503050406030204" pitchFamily="18" charset="0"/>
+                        </a:rPr>
+                        <m:t>+</m:t>
+                      </m:r>
+                      <m:r>
+                        <a:rPr lang="en-US" b="0" i="1" smtClean="0">
+                          <a:latin typeface="Cambria Math" panose="02040503050406030204" pitchFamily="18" charset="0"/>
+                        </a:rPr>
+                        <m:t>𝜀</m:t>
+                      </m:r>
+                    </m:oMath>
+                  </m:oMathPara>
+                </a14:m>
+                <a:endParaRPr lang="en-US" dirty="0"/>
+              </a:p>
+              <a:p>
+                <a:r>
+                  <a:rPr lang="en-US" dirty="0"/>
+                  <a:t>Our vector of coefficients </a:t>
+                </a:r>
                 <a14:m>
                   <m:oMath xmlns:m="http://schemas.openxmlformats.org/officeDocument/2006/math">
-                    <m:func>
-                      <m:funcPr>
-                        <m:ctrlPr>
-                          <a:rPr lang="en-US" b="0" i="1" smtClean="0">
-                            <a:latin typeface="Cambria Math" panose="02040503050406030204" pitchFamily="18" charset="0"/>
-                          </a:rPr>
-                        </m:ctrlPr>
-                      </m:funcPr>
-                      <m:fName>
-                        <m:r>
-                          <m:rPr>
-                            <m:sty m:val="p"/>
-                          </m:rPr>
-                          <a:rPr lang="en-US" b="0" i="0" smtClean="0">
-                            <a:latin typeface="Cambria Math" panose="02040503050406030204" pitchFamily="18" charset="0"/>
-                          </a:rPr>
-                          <m:t>ln</m:t>
-                        </m:r>
-                      </m:fName>
-                      <m:e>
-                        <m:d>
-                          <m:dPr>
-                            <m:ctrlPr>
-                              <a:rPr lang="en-US" b="0" i="1" smtClean="0">
-                                <a:latin typeface="Cambria Math" panose="02040503050406030204" pitchFamily="18" charset="0"/>
-                              </a:rPr>
-                            </m:ctrlPr>
-                          </m:dPr>
-                          <m:e>
-                            <m:r>
-                              <a:rPr lang="en-US" b="0" i="1" smtClean="0">
-                                <a:latin typeface="Cambria Math" panose="02040503050406030204" pitchFamily="18" charset="0"/>
-                              </a:rPr>
-                              <m:t>𝑤𝑎𝑔𝑒</m:t>
-                            </m:r>
-                          </m:e>
-                        </m:d>
-                      </m:e>
-                    </m:func>
-                    <m:r>
-                      <a:rPr lang="en-US" b="0" i="1" smtClean="0">
-                        <a:latin typeface="Cambria Math" panose="02040503050406030204" pitchFamily="18" charset="0"/>
-                      </a:rPr>
-                      <m:t>=</m:t>
-                    </m:r>
-                    <m:sSub>
-                      <m:sSubPr>
-                        <m:ctrlPr>
-                          <a:rPr lang="en-US" b="0" i="1" smtClean="0">
-                            <a:latin typeface="Cambria Math" panose="02040503050406030204" pitchFamily="18" charset="0"/>
-                          </a:rPr>
-                        </m:ctrlPr>
-                      </m:sSubPr>
-                      <m:e>
-                        <m:r>
-                          <a:rPr lang="en-US" b="0" i="1" smtClean="0">
-                            <a:latin typeface="Cambria Math" panose="02040503050406030204" pitchFamily="18" charset="0"/>
-                          </a:rPr>
-                          <m:t>𝛽</m:t>
-                        </m:r>
-                      </m:e>
-                      <m:sub>
-                        <m:r>
-                          <a:rPr lang="en-US" b="0" i="1" smtClean="0">
-                            <a:latin typeface="Cambria Math" panose="02040503050406030204" pitchFamily="18" charset="0"/>
-                          </a:rPr>
-                          <m:t>0</m:t>
-                        </m:r>
-                      </m:sub>
-                    </m:sSub>
-                    <m:r>
-                      <a:rPr lang="en-US" b="0" i="1" smtClean="0">
-                        <a:latin typeface="Cambria Math" panose="02040503050406030204" pitchFamily="18" charset="0"/>
-                      </a:rPr>
-                      <m:t>+</m:t>
-                    </m:r>
-                    <m:sSub>
-                      <m:sSubPr>
-                        <m:ctrlPr>
-                          <a:rPr lang="en-US" b="0" i="1" smtClean="0">
-                            <a:latin typeface="Cambria Math" panose="02040503050406030204" pitchFamily="18" charset="0"/>
-                          </a:rPr>
-                        </m:ctrlPr>
-                      </m:sSubPr>
-                      <m:e>
-                        <m:r>
-                          <a:rPr lang="en-US" b="0" i="1" smtClean="0">
-                            <a:latin typeface="Cambria Math" panose="02040503050406030204" pitchFamily="18" charset="0"/>
-                          </a:rPr>
-                          <m:t>𝛿</m:t>
-                        </m:r>
-                      </m:e>
-                      <m:sub>
-                        <m:r>
-                          <a:rPr lang="en-US" b="0" i="1" smtClean="0">
-                            <a:latin typeface="Cambria Math" panose="02040503050406030204" pitchFamily="18" charset="0"/>
-                          </a:rPr>
-                          <m:t>0</m:t>
-                        </m:r>
-                      </m:sub>
-                    </m:sSub>
-                    <m:r>
-                      <a:rPr lang="en-US" b="0" i="1" smtClean="0">
-                        <a:latin typeface="Cambria Math" panose="02040503050406030204" pitchFamily="18" charset="0"/>
-                      </a:rPr>
-                      <m:t>𝑦</m:t>
-                    </m:r>
-                    <m:r>
-                      <a:rPr lang="en-US" b="0" i="1" smtClean="0">
-                        <a:latin typeface="Cambria Math" panose="02040503050406030204" pitchFamily="18" charset="0"/>
-                      </a:rPr>
-                      <m:t>85+</m:t>
-                    </m:r>
-                    <m:sSub>
-                      <m:sSubPr>
-                        <m:ctrlPr>
-                          <a:rPr lang="en-US" b="0" i="1" smtClean="0">
-                            <a:latin typeface="Cambria Math" panose="02040503050406030204" pitchFamily="18" charset="0"/>
-                          </a:rPr>
-                        </m:ctrlPr>
-                      </m:sSubPr>
-                      <m:e>
-                        <m:r>
-                          <a:rPr lang="en-US" b="0" i="1" smtClean="0">
-                            <a:latin typeface="Cambria Math" panose="02040503050406030204" pitchFamily="18" charset="0"/>
-                          </a:rPr>
-                          <m:t>𝛽</m:t>
-                        </m:r>
-                      </m:e>
-                      <m:sub>
-                        <m:r>
-                          <a:rPr lang="en-US" b="0" i="1" smtClean="0">
-                            <a:latin typeface="Cambria Math" panose="02040503050406030204" pitchFamily="18" charset="0"/>
-                          </a:rPr>
-                          <m:t>1</m:t>
-                        </m:r>
-                      </m:sub>
-                    </m:sSub>
-                    <m:r>
-                      <a:rPr lang="en-US" b="0" i="1" smtClean="0">
-                        <a:latin typeface="Cambria Math" panose="02040503050406030204" pitchFamily="18" charset="0"/>
-                      </a:rPr>
-                      <m:t>𝑒𝑑𝑢</m:t>
-                    </m:r>
-                    <m:r>
-                      <a:rPr lang="en-US" b="0" i="1" smtClean="0">
-                        <a:latin typeface="Cambria Math" panose="02040503050406030204" pitchFamily="18" charset="0"/>
-                      </a:rPr>
-                      <m:t>+</m:t>
-                    </m:r>
-                    <m:sSub>
-                      <m:sSubPr>
-                        <m:ctrlPr>
-                          <a:rPr lang="en-US" b="0" i="1" smtClean="0">
-                            <a:latin typeface="Cambria Math" panose="02040503050406030204" pitchFamily="18" charset="0"/>
-                          </a:rPr>
-                        </m:ctrlPr>
-                      </m:sSubPr>
-                      <m:e>
-                        <m:r>
-                          <a:rPr lang="en-US" b="0" i="1" smtClean="0">
-                            <a:latin typeface="Cambria Math" panose="02040503050406030204" pitchFamily="18" charset="0"/>
-                          </a:rPr>
-                          <m:t>𝛿</m:t>
-                        </m:r>
-                      </m:e>
-                      <m:sub>
-                        <m:r>
-                          <a:rPr lang="en-US" b="0" i="1" smtClean="0">
-                            <a:latin typeface="Cambria Math" panose="02040503050406030204" pitchFamily="18" charset="0"/>
-                          </a:rPr>
-                          <m:t>1</m:t>
-                        </m:r>
-                      </m:sub>
-                    </m:sSub>
-                    <m:r>
-                      <a:rPr lang="en-US" b="0" i="1" smtClean="0">
-                        <a:latin typeface="Cambria Math" panose="02040503050406030204" pitchFamily="18" charset="0"/>
-                      </a:rPr>
-                      <m:t>𝑦</m:t>
-                    </m:r>
-                    <m:r>
-                      <a:rPr lang="en-US" b="0" i="1" smtClean="0">
-                        <a:latin typeface="Cambria Math" panose="02040503050406030204" pitchFamily="18" charset="0"/>
-                      </a:rPr>
-                      <m:t>85∗</m:t>
-                    </m:r>
-                    <m:r>
-                      <a:rPr lang="en-US" b="0" i="1" smtClean="0">
-                        <a:latin typeface="Cambria Math" panose="02040503050406030204" pitchFamily="18" charset="0"/>
-                      </a:rPr>
-                      <m:t>𝑒𝑑𝑢</m:t>
-                    </m:r>
-                    <m:r>
-                      <a:rPr lang="en-US" b="0" i="1" smtClean="0">
-                        <a:latin typeface="Cambria Math" panose="02040503050406030204" pitchFamily="18" charset="0"/>
-                      </a:rPr>
-                      <m:t>+</m:t>
-                    </m:r>
-                    <m:sSub>
-                      <m:sSubPr>
-                        <m:ctrlPr>
-                          <a:rPr lang="en-US" b="0" i="1" smtClean="0">
-                            <a:latin typeface="Cambria Math" panose="02040503050406030204" pitchFamily="18" charset="0"/>
-                          </a:rPr>
-                        </m:ctrlPr>
-                      </m:sSubPr>
-                      <m:e>
-                        <m:r>
-                          <a:rPr lang="en-US" b="0" i="1" smtClean="0">
-                            <a:latin typeface="Cambria Math" panose="02040503050406030204" pitchFamily="18" charset="0"/>
-                          </a:rPr>
-                          <m:t>𝛽</m:t>
-                        </m:r>
-                      </m:e>
-                      <m:sub>
-                        <m:r>
-                          <a:rPr lang="en-US" b="0" i="1" smtClean="0">
-                            <a:latin typeface="Cambria Math" panose="02040503050406030204" pitchFamily="18" charset="0"/>
-                          </a:rPr>
-                          <m:t>2</m:t>
-                        </m:r>
-                      </m:sub>
-                    </m:sSub>
-                    <m:r>
-                      <a:rPr lang="en-US" b="0" i="1" smtClean="0">
-                        <a:latin typeface="Cambria Math" panose="02040503050406030204" pitchFamily="18" charset="0"/>
-                      </a:rPr>
-                      <m:t>𝑒𝑥𝑝𝑟</m:t>
-                    </m:r>
-                    <m:r>
-                      <a:rPr lang="en-US" b="0" i="1" smtClean="0">
-                        <a:latin typeface="Cambria Math" panose="02040503050406030204" pitchFamily="18" charset="0"/>
-                      </a:rPr>
-                      <m:t>+</m:t>
-                    </m:r>
-                    <m:sSub>
-                      <m:sSubPr>
-                        <m:ctrlPr>
-                          <a:rPr lang="en-US" b="0" i="1" smtClean="0">
-                            <a:latin typeface="Cambria Math" panose="02040503050406030204" pitchFamily="18" charset="0"/>
-                          </a:rPr>
-                        </m:ctrlPr>
-                      </m:sSubPr>
-                      <m:e>
-                        <m:r>
-                          <a:rPr lang="en-US" b="0" i="1" smtClean="0">
-                            <a:latin typeface="Cambria Math" panose="02040503050406030204" pitchFamily="18" charset="0"/>
-                          </a:rPr>
-                          <m:t>𝛽</m:t>
-                        </m:r>
-                      </m:e>
-                      <m:sub>
-                        <m:r>
-                          <a:rPr lang="en-US" b="0" i="1" smtClean="0">
-                            <a:latin typeface="Cambria Math" panose="02040503050406030204" pitchFamily="18" charset="0"/>
-                          </a:rPr>
-                          <m:t>3</m:t>
-                        </m:r>
-                      </m:sub>
-                    </m:sSub>
-                    <m:r>
-                      <a:rPr lang="en-US" b="0" i="1" smtClean="0">
-                        <a:latin typeface="Cambria Math" panose="02040503050406030204" pitchFamily="18" charset="0"/>
-                      </a:rPr>
-                      <m:t>𝑒𝑥𝑝</m:t>
-                    </m:r>
-                    <m:sSup>
-                      <m:sSupPr>
-                        <m:ctrlPr>
-                          <a:rPr lang="en-US" b="0" i="1" smtClean="0">
-                            <a:latin typeface="Cambria Math" panose="02040503050406030204" pitchFamily="18" charset="0"/>
-                          </a:rPr>
-                        </m:ctrlPr>
-                      </m:sSupPr>
-                      <m:e>
-                        <m:r>
-                          <a:rPr lang="en-US" b="0" i="1" smtClean="0">
-                            <a:latin typeface="Cambria Math" panose="02040503050406030204" pitchFamily="18" charset="0"/>
-                          </a:rPr>
-                          <m:t>𝑟</m:t>
-                        </m:r>
-                      </m:e>
-                      <m:sup>
-                        <m:r>
-                          <a:rPr lang="en-US" b="0" i="1" smtClean="0">
-                            <a:latin typeface="Cambria Math" panose="02040503050406030204" pitchFamily="18" charset="0"/>
-                          </a:rPr>
-                          <m:t>2</m:t>
-                        </m:r>
-                      </m:sup>
-                    </m:sSup>
-                    <m:r>
-                      <a:rPr lang="en-US" b="0" i="1" smtClean="0">
-                        <a:latin typeface="Cambria Math" panose="02040503050406030204" pitchFamily="18" charset="0"/>
-                      </a:rPr>
-                      <m:t>+</m:t>
-                    </m:r>
-                    <m:sSub>
-                      <m:sSubPr>
-                        <m:ctrlPr>
-                          <a:rPr lang="en-US" b="0" i="1" smtClean="0">
-                            <a:latin typeface="Cambria Math" panose="02040503050406030204" pitchFamily="18" charset="0"/>
-                          </a:rPr>
-                        </m:ctrlPr>
-                      </m:sSubPr>
-                      <m:e>
-                        <m:r>
-                          <a:rPr lang="en-US" b="0" i="1" smtClean="0">
-                            <a:latin typeface="Cambria Math" panose="02040503050406030204" pitchFamily="18" charset="0"/>
-                          </a:rPr>
-                          <m:t>𝛽</m:t>
-                        </m:r>
-                      </m:e>
-                      <m:sub>
-                        <m:r>
-                          <a:rPr lang="en-US" b="0" i="1" smtClean="0">
-                            <a:latin typeface="Cambria Math" panose="02040503050406030204" pitchFamily="18" charset="0"/>
-                          </a:rPr>
-                          <m:t>4</m:t>
-                        </m:r>
-                      </m:sub>
-                    </m:sSub>
-                    <m:r>
-                      <a:rPr lang="en-US" b="0" i="1" smtClean="0">
-                        <a:latin typeface="Cambria Math" panose="02040503050406030204" pitchFamily="18" charset="0"/>
-                      </a:rPr>
-                      <m:t>𝑢𝑛𝑖𝑜𝑛</m:t>
-                    </m:r>
-                    <m:r>
-                      <a:rPr lang="en-US" b="0" i="1" smtClean="0">
-                        <a:latin typeface="Cambria Math" panose="02040503050406030204" pitchFamily="18" charset="0"/>
-                      </a:rPr>
-                      <m:t>+</m:t>
-                    </m:r>
-                    <m:sSub>
-                      <m:sSubPr>
-                        <m:ctrlPr>
-                          <a:rPr lang="en-US" b="0" i="1" smtClean="0">
-                            <a:latin typeface="Cambria Math" panose="02040503050406030204" pitchFamily="18" charset="0"/>
-                          </a:rPr>
-                        </m:ctrlPr>
-                      </m:sSubPr>
-                      <m:e>
-                        <m:r>
-                          <a:rPr lang="en-US" b="0" i="1" smtClean="0">
-                            <a:latin typeface="Cambria Math" panose="02040503050406030204" pitchFamily="18" charset="0"/>
-                          </a:rPr>
-                          <m:t>𝛽</m:t>
-                        </m:r>
-                      </m:e>
-                      <m:sub>
-                        <m:r>
-                          <a:rPr lang="en-US" b="0" i="1" smtClean="0">
-                            <a:latin typeface="Cambria Math" panose="02040503050406030204" pitchFamily="18" charset="0"/>
-                          </a:rPr>
-                          <m:t>5</m:t>
-                        </m:r>
-                      </m:sub>
-                    </m:sSub>
-                    <m:r>
-                      <a:rPr lang="en-US" b="0" i="1" smtClean="0">
-                        <a:latin typeface="Cambria Math" panose="02040503050406030204" pitchFamily="18" charset="0"/>
-                      </a:rPr>
-                      <m:t>𝑓𝑒𝑚𝑎𝑙𝑒</m:t>
-                    </m:r>
-                    <m:r>
-                      <a:rPr lang="en-US" b="0" i="1" smtClean="0">
-                        <a:latin typeface="Cambria Math" panose="02040503050406030204" pitchFamily="18" charset="0"/>
-                      </a:rPr>
-                      <m:t>+</m:t>
-                    </m:r>
-                    <m:sSub>
-                      <m:sSubPr>
-                        <m:ctrlPr>
-                          <a:rPr lang="en-US" b="0" i="1" smtClean="0">
-                            <a:latin typeface="Cambria Math" panose="02040503050406030204" pitchFamily="18" charset="0"/>
-                          </a:rPr>
-                        </m:ctrlPr>
-                      </m:sSubPr>
-                      <m:e>
-                        <m:r>
-                          <a:rPr lang="en-US" b="0" i="1" smtClean="0">
-                            <a:latin typeface="Cambria Math" panose="02040503050406030204" pitchFamily="18" charset="0"/>
-                          </a:rPr>
-                          <m:t>𝛿</m:t>
-                        </m:r>
-                      </m:e>
-                      <m:sub>
-                        <m:r>
-                          <a:rPr lang="en-US" b="0" i="1" smtClean="0">
-                            <a:latin typeface="Cambria Math" panose="02040503050406030204" pitchFamily="18" charset="0"/>
-                          </a:rPr>
-                          <m:t>5</m:t>
-                        </m:r>
-                      </m:sub>
-                    </m:sSub>
-                    <m:r>
-                      <a:rPr lang="en-US" b="0" i="1" smtClean="0">
-                        <a:latin typeface="Cambria Math" panose="02040503050406030204" pitchFamily="18" charset="0"/>
-                      </a:rPr>
-                      <m:t>𝑦</m:t>
-                    </m:r>
-                    <m:r>
-                      <a:rPr lang="en-US" b="0" i="1" smtClean="0">
-                        <a:latin typeface="Cambria Math" panose="02040503050406030204" pitchFamily="18" charset="0"/>
-                      </a:rPr>
-                      <m:t>85∗</m:t>
-                    </m:r>
-                    <m:r>
-                      <a:rPr lang="en-US" b="0" i="1" smtClean="0">
-                        <a:latin typeface="Cambria Math" panose="02040503050406030204" pitchFamily="18" charset="0"/>
-                      </a:rPr>
-                      <m:t>𝑓𝑒𝑚𝑎𝑙𝑒</m:t>
-                    </m:r>
-                    <m:r>
-                      <a:rPr lang="en-US" b="0" i="1" smtClean="0">
-                        <a:latin typeface="Cambria Math" panose="02040503050406030204" pitchFamily="18" charset="0"/>
-                      </a:rPr>
-                      <m:t>+</m:t>
-                    </m:r>
-                    <m:r>
-                      <a:rPr lang="en-US" b="0" i="1" smtClean="0">
-                        <a:latin typeface="Cambria Math" panose="02040503050406030204" pitchFamily="18" charset="0"/>
-                      </a:rPr>
-                      <m:t>𝑢</m:t>
+                    <m:r>
+                      <a:rPr lang="en-US" b="1" i="1" smtClean="0">
+                        <a:latin typeface="Cambria Math" panose="02040503050406030204" pitchFamily="18" charset="0"/>
+                      </a:rPr>
+                      <m:t>𝜹</m:t>
                     </m:r>
                   </m:oMath>
                 </a14:m>
+                <a:r>
+                  <a:rPr lang="en-US" dirty="0"/>
+                  <a:t> shows the time effects or the trend relative to a base year</a:t>
+                </a:r>
+              </a:p>
+              <a:p>
+                <a:pPr lvl="1"/>
+                <a:r>
+                  <a:rPr lang="en-US" dirty="0"/>
+                  <a:t>We’ll want to set 1974 as the base year</a:t>
+                </a:r>
+              </a:p>
+              <a:p>
                 <a:endParaRPr lang="en-US" dirty="0"/>
               </a:p>
               <a:p>
-                <a:pPr lvl="1"/>
-                <a:r>
-                  <a:rPr lang="en-US" dirty="0"/>
-                  <a:t>Our </a:t>
-                </a:r>
-                <a14:m>
-                  <m:oMath xmlns:m="http://schemas.openxmlformats.org/officeDocument/2006/math">
-                    <m:r>
-                      <a:rPr lang="en-US" b="0" i="1" smtClean="0">
-                        <a:latin typeface="Cambria Math" panose="02040503050406030204" pitchFamily="18" charset="0"/>
-                      </a:rPr>
-                      <m:t>𝑦</m:t>
-                    </m:r>
-                    <m:r>
-                      <a:rPr lang="en-US" b="0" i="1" smtClean="0">
-                        <a:latin typeface="Cambria Math" panose="02040503050406030204" pitchFamily="18" charset="0"/>
-                      </a:rPr>
-                      <m:t>85</m:t>
-                    </m:r>
-                  </m:oMath>
-                </a14:m>
-                <a:r>
-                  <a:rPr lang="en-US" dirty="0"/>
-                  <a:t> is a time binary/dummy variable that is 1 if the observation is 1985 and 0 if the observations is not in 1985</a:t>
-                </a:r>
-              </a:p>
-              <a:p>
-                <a:r>
-                  <a:rPr lang="en-US" dirty="0"/>
-                  <a:t>Intercepts</a:t>
-                </a:r>
-              </a:p>
-              <a:p>
-                <a:pPr lvl="1"/>
-                <a:r>
-                  <a:rPr lang="en-US" dirty="0"/>
-                  <a:t>Our intercept for 1978 would be </a:t>
-                </a:r>
-                <a14:m>
-                  <m:oMath xmlns:m="http://schemas.openxmlformats.org/officeDocument/2006/math">
-                    <m:sSub>
-                      <m:sSubPr>
-                        <m:ctrlPr>
-                          <a:rPr lang="en-US" b="0" i="1" smtClean="0">
-                            <a:latin typeface="Cambria Math" panose="02040503050406030204" pitchFamily="18" charset="0"/>
-                          </a:rPr>
-                        </m:ctrlPr>
-                      </m:sSubPr>
-                      <m:e>
-                        <m:r>
-                          <a:rPr lang="en-US" b="0" i="1" smtClean="0">
-                            <a:latin typeface="Cambria Math" panose="02040503050406030204" pitchFamily="18" charset="0"/>
-                          </a:rPr>
-                          <m:t>𝛽</m:t>
-                        </m:r>
-                      </m:e>
-                      <m:sub>
-                        <m:r>
-                          <a:rPr lang="en-US" b="0" i="1" smtClean="0">
-                            <a:latin typeface="Cambria Math" panose="02040503050406030204" pitchFamily="18" charset="0"/>
-                          </a:rPr>
-                          <m:t>0</m:t>
-                        </m:r>
-                      </m:sub>
-                    </m:sSub>
-                  </m:oMath>
-                </a14:m>
-                <a:r>
-                  <a:rPr lang="en-US" dirty="0"/>
-                  <a:t> and </a:t>
-                </a:r>
-              </a:p>
-              <a:p>
-                <a:pPr lvl="1"/>
-                <a:r>
-                  <a:rPr lang="en-US" dirty="0"/>
-                  <a:t>the intercept for 1985 would be</a:t>
-                </a:r>
-                <a:br>
-                  <a:rPr lang="en-US" dirty="0"/>
-                </a:br>
-                <a14:m>
-                  <m:oMath xmlns:m="http://schemas.openxmlformats.org/officeDocument/2006/math">
-                    <m:sSub>
-                      <m:sSubPr>
-                        <m:ctrlPr>
-                          <a:rPr lang="en-US" b="0" i="1" smtClean="0">
-                            <a:latin typeface="Cambria Math" panose="02040503050406030204" pitchFamily="18" charset="0"/>
-                          </a:rPr>
-                        </m:ctrlPr>
-                      </m:sSubPr>
-                      <m:e>
-                        <m:r>
-                          <a:rPr lang="en-US" b="0" i="1" smtClean="0">
-                            <a:latin typeface="Cambria Math" panose="02040503050406030204" pitchFamily="18" charset="0"/>
-                          </a:rPr>
-                          <m:t>𝛽</m:t>
-                        </m:r>
-                      </m:e>
-                      <m:sub>
-                        <m:r>
-                          <a:rPr lang="en-US" b="0" i="1" smtClean="0">
-                            <a:latin typeface="Cambria Math" panose="02040503050406030204" pitchFamily="18" charset="0"/>
-                          </a:rPr>
-                          <m:t>0</m:t>
-                        </m:r>
-                      </m:sub>
-                    </m:sSub>
-                    <m:r>
-                      <a:rPr lang="en-US" b="0" i="1" smtClean="0">
-                        <a:latin typeface="Cambria Math" panose="02040503050406030204" pitchFamily="18" charset="0"/>
-                      </a:rPr>
-                      <m:t>+</m:t>
-                    </m:r>
-                    <m:sSub>
-                      <m:sSubPr>
-                        <m:ctrlPr>
-                          <a:rPr lang="en-US" b="0" i="1" smtClean="0">
-                            <a:latin typeface="Cambria Math" panose="02040503050406030204" pitchFamily="18" charset="0"/>
-                          </a:rPr>
-                        </m:ctrlPr>
-                      </m:sSubPr>
-                      <m:e>
-                        <m:r>
-                          <a:rPr lang="en-US" b="0" i="1" smtClean="0">
-                            <a:latin typeface="Cambria Math" panose="02040503050406030204" pitchFamily="18" charset="0"/>
-                          </a:rPr>
-                          <m:t>𝛿</m:t>
-                        </m:r>
-                      </m:e>
-                      <m:sub>
-                        <m:r>
-                          <a:rPr lang="en-US" b="0" i="1" smtClean="0">
-                            <a:latin typeface="Cambria Math" panose="02040503050406030204" pitchFamily="18" charset="0"/>
-                          </a:rPr>
-                          <m:t>0</m:t>
-                        </m:r>
-                      </m:sub>
-                    </m:sSub>
-                  </m:oMath>
-                </a14:m>
-                <a:r>
-                  <a:rPr lang="en-US" dirty="0"/>
-                  <a:t> </a:t>
-                </a:r>
-              </a:p>
-              <a:p>
-                <a:pPr marL="457200" lvl="1" indent="0">
-                  <a:buNone/>
-                </a:pPr>
+                <a:endParaRPr lang="en-US" dirty="0"/>
+              </a:p>
+              <a:p>
                 <a:endParaRPr lang="en-US" dirty="0"/>
               </a:p>
             </p:txBody>
@@ -23242,10 +23589,14 @@
               </p:nvPr>
             </p:nvSpPr>
             <p:spPr>
+              <a:xfrm>
+                <a:off x="838200" y="1825625"/>
+                <a:ext cx="10515600" cy="4667250"/>
+              </a:xfrm>
               <a:blipFill>
                 <a:blip r:embed="rId2"/>
                 <a:stretch>
-                  <a:fillRect l="-1086" t="-2326"/>
+                  <a:fillRect l="-1086" t="-2981" r="-724" b="-1084"/>
                 </a:stretch>
               </a:blipFill>
             </p:spPr>
@@ -23267,7 +23618,7 @@
     </p:spTree>
     <p:extLst>
       <p:ext uri="{BB962C8B-B14F-4D97-AF65-F5344CB8AC3E}">
-        <p14:creationId xmlns:p14="http://schemas.microsoft.com/office/powerpoint/2010/main" val="1251033833"/>
+        <p14:creationId xmlns:p14="http://schemas.microsoft.com/office/powerpoint/2010/main" val="2852992323"/>
       </p:ext>
     </p:extLst>
   </p:cSld>
@@ -23317,7 +23668,7 @@
           <a:p>
             <a:r>
               <a:rPr lang="en-US" dirty="0"/>
-              <a:t>Pooling Independent Cross Sections across Time</a:t>
+              <a:t>Interactions with Pooled Data</a:t>
             </a:r>
           </a:p>
         </p:txBody>
@@ -23340,12 +23691,37 @@
                 <p:ph idx="1"/>
               </p:nvPr>
             </p:nvSpPr>
-            <p:spPr/>
+            <p:spPr>
+              <a:xfrm>
+                <a:off x="838200" y="1825624"/>
+                <a:ext cx="10515600" cy="4862851"/>
+              </a:xfrm>
+            </p:spPr>
             <p:txBody>
               <a:bodyPr>
                 <a:normAutofit lnSpcReduction="10000"/>
               </a:bodyPr>
               <a:lstStyle/>
+              <a:p>
+                <a:r>
+                  <a:rPr lang="en-US" dirty="0"/>
+                  <a:t>Returns to Education and Gender Wage Gap Example</a:t>
+                </a:r>
+              </a:p>
+              <a:p>
+                <a:pPr lvl="1"/>
+                <a:r>
+                  <a:rPr lang="en-US" dirty="0"/>
+                  <a:t>How has earnings gap changed over time?</a:t>
+                </a:r>
+              </a:p>
+              <a:p>
+                <a:pPr lvl="1"/>
+                <a:r>
+                  <a:rPr lang="en-US" dirty="0"/>
+                  <a:t>We can interact our year binaries with an explanatory variable of interest to see how earnings have changed</a:t>
+                </a:r>
+              </a:p>
               <a:p>
                 <a:r>
                   <a:rPr lang="en-US" dirty="0"/>
@@ -23788,53 +24164,43 @@
                 <a:endParaRPr lang="en-US" dirty="0"/>
               </a:p>
               <a:p>
-                <a:r>
-                  <a:rPr lang="en-US" dirty="0"/>
-                  <a:t>Returns to education can vary by year with our interactions</a:t>
-                </a:r>
-              </a:p>
-              <a:p>
                 <a:pPr lvl="1"/>
                 <a:r>
                   <a:rPr lang="en-US" dirty="0"/>
-                  <a:t>The returns to education in 1978 is </a:t>
+                  <a:t>Our </a:t>
                 </a:r>
                 <a14:m>
                   <m:oMath xmlns:m="http://schemas.openxmlformats.org/officeDocument/2006/math">
-                    <m:sSub>
-                      <m:sSubPr>
-                        <m:ctrlPr>
-                          <a:rPr lang="en-US" b="0" i="1" smtClean="0">
-                            <a:latin typeface="Cambria Math" panose="02040503050406030204" pitchFamily="18" charset="0"/>
-                          </a:rPr>
-                        </m:ctrlPr>
-                      </m:sSubPr>
-                      <m:e>
-                        <m:r>
-                          <a:rPr lang="en-US" b="0" i="1" smtClean="0">
-                            <a:latin typeface="Cambria Math" panose="02040503050406030204" pitchFamily="18" charset="0"/>
-                          </a:rPr>
-                          <m:t>𝛽</m:t>
-                        </m:r>
-                      </m:e>
-                      <m:sub>
-                        <m:r>
-                          <a:rPr lang="en-US" b="0" i="1" smtClean="0">
-                            <a:latin typeface="Cambria Math" panose="02040503050406030204" pitchFamily="18" charset="0"/>
-                          </a:rPr>
-                          <m:t>1</m:t>
-                        </m:r>
-                      </m:sub>
-                    </m:sSub>
+                    <m:r>
+                      <a:rPr lang="en-US" b="0" i="1" smtClean="0">
+                        <a:latin typeface="Cambria Math" panose="02040503050406030204" pitchFamily="18" charset="0"/>
+                      </a:rPr>
+                      <m:t>𝑦</m:t>
+                    </m:r>
+                    <m:r>
+                      <a:rPr lang="en-US" b="0" i="1" smtClean="0">
+                        <a:latin typeface="Cambria Math" panose="02040503050406030204" pitchFamily="18" charset="0"/>
+                      </a:rPr>
+                      <m:t>85</m:t>
+                    </m:r>
                   </m:oMath>
                 </a14:m>
-                <a:endParaRPr lang="en-US" dirty="0"/>
+                <a:r>
+                  <a:rPr lang="en-US" dirty="0"/>
+                  <a:t> is a time binary/dummy variable that is 1 if the observation is 1985 and 0 if the observations is not in 1985</a:t>
+                </a:r>
+              </a:p>
+              <a:p>
+                <a:r>
+                  <a:rPr lang="en-US" dirty="0"/>
+                  <a:t>Intercepts</a:t>
+                </a:r>
               </a:p>
               <a:p>
                 <a:pPr lvl="1"/>
                 <a:r>
                   <a:rPr lang="en-US" dirty="0"/>
-                  <a:t>The returns to education in 1985 is </a:t>
+                  <a:t>Our intercept for 1978 would be </a:t>
                 </a:r>
                 <a14:m>
                   <m:oMath xmlns:m="http://schemas.openxmlformats.org/officeDocument/2006/math">
@@ -23859,47 +24225,26 @@
                           <a:rPr lang="en-US" b="0" i="1" smtClean="0">
                             <a:latin typeface="Cambria Math" panose="02040503050406030204" pitchFamily="18" charset="0"/>
                           </a:rPr>
-                          <m:t>1</m:t>
-                        </m:r>
-                      </m:sub>
-                    </m:sSub>
-                    <m:r>
-                      <a:rPr lang="en-US" b="0" i="1" smtClean="0">
-                        <a:latin typeface="Cambria Math" panose="02040503050406030204" pitchFamily="18" charset="0"/>
-                      </a:rPr>
-                      <m:t>+</m:t>
-                    </m:r>
-                    <m:sSub>
-                      <m:sSubPr>
-                        <m:ctrlPr>
-                          <a:rPr lang="en-US" b="0" i="1" smtClean="0">
-                            <a:latin typeface="Cambria Math" panose="02040503050406030204" pitchFamily="18" charset="0"/>
-                          </a:rPr>
-                        </m:ctrlPr>
-                      </m:sSubPr>
-                      <m:e>
-                        <m:r>
-                          <a:rPr lang="en-US" b="0" i="1" smtClean="0">
-                            <a:latin typeface="Cambria Math" panose="02040503050406030204" pitchFamily="18" charset="0"/>
-                          </a:rPr>
-                          <m:t>𝛿</m:t>
-                        </m:r>
-                      </m:e>
-                      <m:sub>
-                        <m:r>
-                          <a:rPr lang="en-US" b="0" i="1" smtClean="0">
-                            <a:latin typeface="Cambria Math" panose="02040503050406030204" pitchFamily="18" charset="0"/>
-                          </a:rPr>
-                          <m:t>1</m:t>
+                          <m:t>0</m:t>
                         </m:r>
                       </m:sub>
                     </m:sSub>
                   </m:oMath>
                 </a14:m>
-                <a:endParaRPr lang="en-US" dirty="0"/>
+                <a:r>
+                  <a:rPr lang="en-US" dirty="0"/>
+                  <a:t> and </a:t>
+                </a:r>
               </a:p>
               <a:p>
                 <a:pPr lvl="1"/>
+                <a:r>
+                  <a:rPr lang="en-US" dirty="0"/>
+                  <a:t>the intercept for 1985 would be</a:t>
+                </a:r>
+                <a:br>
+                  <a:rPr lang="en-US" dirty="0"/>
+                </a:br>
                 <a14:m>
                   <m:oMath xmlns:m="http://schemas.openxmlformats.org/officeDocument/2006/math">
                     <m:sSub>
@@ -23915,6 +24260,37 @@
                           <a:rPr lang="en-US" b="0" i="1" smtClean="0">
                             <a:latin typeface="Cambria Math" panose="02040503050406030204" pitchFamily="18" charset="0"/>
                           </a:rPr>
+                          <m:t>𝛽</m:t>
+                        </m:r>
+                      </m:e>
+                      <m:sub>
+                        <m:r>
+                          <a:rPr lang="en-US" b="0" i="1" smtClean="0">
+                            <a:latin typeface="Cambria Math" panose="02040503050406030204" pitchFamily="18" charset="0"/>
+                          </a:rPr>
+                          <m:t>0</m:t>
+                        </m:r>
+                      </m:sub>
+                    </m:sSub>
+                    <m:r>
+                      <a:rPr lang="en-US" b="0" i="1" smtClean="0">
+                        <a:latin typeface="Cambria Math" panose="02040503050406030204" pitchFamily="18" charset="0"/>
+                      </a:rPr>
+                      <m:t>+</m:t>
+                    </m:r>
+                    <m:sSub>
+                      <m:sSubPr>
+                        <m:ctrlPr>
+                          <a:rPr lang="en-US" b="0" i="1" smtClean="0">
+                            <a:latin typeface="Cambria Math" panose="02040503050406030204" pitchFamily="18" charset="0"/>
+                          </a:rPr>
+                        </m:ctrlPr>
+                      </m:sSubPr>
+                      <m:e>
+                        <m:r>
+                          <a:rPr lang="en-US" b="0" i="1" smtClean="0">
+                            <a:latin typeface="Cambria Math" panose="02040503050406030204" pitchFamily="18" charset="0"/>
+                          </a:rPr>
                           <m:t>𝛿</m:t>
                         </m:r>
                       </m:e>
@@ -23923,7 +24299,7 @@
                           <a:rPr lang="en-US" b="0" i="1" smtClean="0">
                             <a:latin typeface="Cambria Math" panose="02040503050406030204" pitchFamily="18" charset="0"/>
                           </a:rPr>
-                          <m:t>1</m:t>
+                          <m:t>0</m:t>
                         </m:r>
                       </m:sub>
                     </m:sSub>
@@ -23931,121 +24307,8 @@
                 </a14:m>
                 <a:r>
                   <a:rPr lang="en-US" dirty="0"/>
-                  <a:t> represents how much returns to education changed between 1978 and 1985</a:t>
-                </a:r>
-              </a:p>
-              <a:p>
-                <a:r>
-                  <a:rPr lang="en-US" dirty="0"/>
-                  <a:t>Wage differential between men and women</a:t>
-                </a:r>
-              </a:p>
-              <a:p>
-                <a:pPr lvl="1"/>
-                <a14:m>
-                  <m:oMath xmlns:m="http://schemas.openxmlformats.org/officeDocument/2006/math">
-                    <m:sSub>
-                      <m:sSubPr>
-                        <m:ctrlPr>
-                          <a:rPr lang="en-US" b="0" i="1" smtClean="0">
-                            <a:latin typeface="Cambria Math" panose="02040503050406030204" pitchFamily="18" charset="0"/>
-                          </a:rPr>
-                        </m:ctrlPr>
-                      </m:sSubPr>
-                      <m:e>
-                        <m:r>
-                          <a:rPr lang="en-US" b="0" i="1" smtClean="0">
-                            <a:latin typeface="Cambria Math" panose="02040503050406030204" pitchFamily="18" charset="0"/>
-                          </a:rPr>
-                          <m:t>𝛽</m:t>
-                        </m:r>
-                      </m:e>
-                      <m:sub>
-                        <m:r>
-                          <a:rPr lang="en-US" b="0" i="1" smtClean="0">
-                            <a:latin typeface="Cambria Math" panose="02040503050406030204" pitchFamily="18" charset="0"/>
-                          </a:rPr>
-                          <m:t>5</m:t>
-                        </m:r>
-                      </m:sub>
-                    </m:sSub>
-                  </m:oMath>
-                </a14:m>
-                <a:r>
-                  <a:rPr lang="en-US" dirty="0"/>
-                  <a:t> represents the logged wage differential between men and women in 1978</a:t>
-                </a:r>
-              </a:p>
-              <a:p>
-                <a:pPr lvl="1"/>
-                <a14:m>
-                  <m:oMath xmlns:m="http://schemas.openxmlformats.org/officeDocument/2006/math">
-                    <m:sSub>
-                      <m:sSubPr>
-                        <m:ctrlPr>
-                          <a:rPr lang="en-US" b="0" i="1" smtClean="0">
-                            <a:latin typeface="Cambria Math" panose="02040503050406030204" pitchFamily="18" charset="0"/>
-                          </a:rPr>
-                        </m:ctrlPr>
-                      </m:sSubPr>
-                      <m:e>
-                        <m:r>
-                          <a:rPr lang="en-US" b="0" i="1" smtClean="0">
-                            <a:latin typeface="Cambria Math" panose="02040503050406030204" pitchFamily="18" charset="0"/>
-                          </a:rPr>
-                          <m:t>𝛽</m:t>
-                        </m:r>
-                      </m:e>
-                      <m:sub>
-                        <m:r>
-                          <a:rPr lang="en-US" b="0" i="1" smtClean="0">
-                            <a:latin typeface="Cambria Math" panose="02040503050406030204" pitchFamily="18" charset="0"/>
-                          </a:rPr>
-                          <m:t>5</m:t>
-                        </m:r>
-                      </m:sub>
-                    </m:sSub>
-                    <m:r>
-                      <a:rPr lang="en-US" b="0" i="1" smtClean="0">
-                        <a:latin typeface="Cambria Math" panose="02040503050406030204" pitchFamily="18" charset="0"/>
-                      </a:rPr>
-                      <m:t>+</m:t>
-                    </m:r>
-                    <m:sSub>
-                      <m:sSubPr>
-                        <m:ctrlPr>
-                          <a:rPr lang="en-US" b="0" i="1" smtClean="0">
-                            <a:latin typeface="Cambria Math" panose="02040503050406030204" pitchFamily="18" charset="0"/>
-                          </a:rPr>
-                        </m:ctrlPr>
-                      </m:sSubPr>
-                      <m:e>
-                        <m:r>
-                          <a:rPr lang="en-US" b="0" i="1" smtClean="0">
-                            <a:latin typeface="Cambria Math" panose="02040503050406030204" pitchFamily="18" charset="0"/>
-                          </a:rPr>
-                          <m:t>𝛿</m:t>
-                        </m:r>
-                      </m:e>
-                      <m:sub>
-                        <m:r>
-                          <a:rPr lang="en-US" b="0" i="1" smtClean="0">
-                            <a:latin typeface="Cambria Math" panose="02040503050406030204" pitchFamily="18" charset="0"/>
-                          </a:rPr>
-                          <m:t>5</m:t>
-                        </m:r>
-                      </m:sub>
-                    </m:sSub>
-                  </m:oMath>
-                </a14:m>
-                <a:r>
-                  <a:rPr lang="en-US" dirty="0"/>
-                  <a:t> represents the logged wage differential in 1985</a:t>
-                </a:r>
-              </a:p>
-              <a:p>
-                <a:pPr lvl="1"/>
-                <a:endParaRPr lang="en-US" dirty="0"/>
+                  <a:t> </a:t>
+                </a:r>
               </a:p>
               <a:p>
                 <a:pPr marL="457200" lvl="1" indent="0">
@@ -24074,10 +24337,14 @@
               </p:nvPr>
             </p:nvSpPr>
             <p:spPr>
+              <a:xfrm>
+                <a:off x="838200" y="1825624"/>
+                <a:ext cx="10515600" cy="4862851"/>
+              </a:xfrm>
               <a:blipFill>
                 <a:blip r:embed="rId2"/>
                 <a:stretch>
-                  <a:fillRect l="-1086" t="-3198"/>
+                  <a:fillRect l="-1086" t="-2865"/>
                 </a:stretch>
               </a:blipFill>
             </p:spPr>
@@ -24099,7 +24366,7 @@
     </p:spTree>
     <p:extLst>
       <p:ext uri="{BB962C8B-B14F-4D97-AF65-F5344CB8AC3E}">
-        <p14:creationId xmlns:p14="http://schemas.microsoft.com/office/powerpoint/2010/main" val="1928230344"/>
+        <p14:creationId xmlns:p14="http://schemas.microsoft.com/office/powerpoint/2010/main" val="1251033833"/>
       </p:ext>
     </p:extLst>
   </p:cSld>

--- a/Slides/Week_3_Panel_Data_Part1.pptx
+++ b/Slides/Week_3_Panel_Data_Part1.pptx
@@ -300,7 +300,7 @@
           <a:p>
             <a:fld id="{3270012D-94D3-0947-9D71-029D28FD143D}" type="datetimeFigureOut">
               <a:rPr lang="en-US" smtClean="0"/>
-              <a:t>3/10/24</a:t>
+              <a:t>9/11/24</a:t>
             </a:fld>
             <a:endParaRPr lang="en-US"/>
           </a:p>
@@ -498,7 +498,7 @@
           <a:p>
             <a:fld id="{3270012D-94D3-0947-9D71-029D28FD143D}" type="datetimeFigureOut">
               <a:rPr lang="en-US" smtClean="0"/>
-              <a:t>3/10/24</a:t>
+              <a:t>9/11/24</a:t>
             </a:fld>
             <a:endParaRPr lang="en-US"/>
           </a:p>
@@ -706,7 +706,7 @@
           <a:p>
             <a:fld id="{3270012D-94D3-0947-9D71-029D28FD143D}" type="datetimeFigureOut">
               <a:rPr lang="en-US" smtClean="0"/>
-              <a:t>3/10/24</a:t>
+              <a:t>9/11/24</a:t>
             </a:fld>
             <a:endParaRPr lang="en-US"/>
           </a:p>
@@ -904,7 +904,7 @@
           <a:p>
             <a:fld id="{3270012D-94D3-0947-9D71-029D28FD143D}" type="datetimeFigureOut">
               <a:rPr lang="en-US" smtClean="0"/>
-              <a:t>3/10/24</a:t>
+              <a:t>9/11/24</a:t>
             </a:fld>
             <a:endParaRPr lang="en-US"/>
           </a:p>
@@ -1179,7 +1179,7 @@
           <a:p>
             <a:fld id="{3270012D-94D3-0947-9D71-029D28FD143D}" type="datetimeFigureOut">
               <a:rPr lang="en-US" smtClean="0"/>
-              <a:t>3/10/24</a:t>
+              <a:t>9/11/24</a:t>
             </a:fld>
             <a:endParaRPr lang="en-US"/>
           </a:p>
@@ -1444,7 +1444,7 @@
           <a:p>
             <a:fld id="{3270012D-94D3-0947-9D71-029D28FD143D}" type="datetimeFigureOut">
               <a:rPr lang="en-US" smtClean="0"/>
-              <a:t>3/10/24</a:t>
+              <a:t>9/11/24</a:t>
             </a:fld>
             <a:endParaRPr lang="en-US"/>
           </a:p>
@@ -1856,7 +1856,7 @@
           <a:p>
             <a:fld id="{3270012D-94D3-0947-9D71-029D28FD143D}" type="datetimeFigureOut">
               <a:rPr lang="en-US" smtClean="0"/>
-              <a:t>3/10/24</a:t>
+              <a:t>9/11/24</a:t>
             </a:fld>
             <a:endParaRPr lang="en-US"/>
           </a:p>
@@ -1997,7 +1997,7 @@
           <a:p>
             <a:fld id="{3270012D-94D3-0947-9D71-029D28FD143D}" type="datetimeFigureOut">
               <a:rPr lang="en-US" smtClean="0"/>
-              <a:t>3/10/24</a:t>
+              <a:t>9/11/24</a:t>
             </a:fld>
             <a:endParaRPr lang="en-US"/>
           </a:p>
@@ -2110,7 +2110,7 @@
           <a:p>
             <a:fld id="{3270012D-94D3-0947-9D71-029D28FD143D}" type="datetimeFigureOut">
               <a:rPr lang="en-US" smtClean="0"/>
-              <a:t>3/10/24</a:t>
+              <a:t>9/11/24</a:t>
             </a:fld>
             <a:endParaRPr lang="en-US"/>
           </a:p>
@@ -2421,7 +2421,7 @@
           <a:p>
             <a:fld id="{3270012D-94D3-0947-9D71-029D28FD143D}" type="datetimeFigureOut">
               <a:rPr lang="en-US" smtClean="0"/>
-              <a:t>3/10/24</a:t>
+              <a:t>9/11/24</a:t>
             </a:fld>
             <a:endParaRPr lang="en-US"/>
           </a:p>
@@ -2709,7 +2709,7 @@
           <a:p>
             <a:fld id="{3270012D-94D3-0947-9D71-029D28FD143D}" type="datetimeFigureOut">
               <a:rPr lang="en-US" smtClean="0"/>
-              <a:t>3/10/24</a:t>
+              <a:t>9/11/24</a:t>
             </a:fld>
             <a:endParaRPr lang="en-US"/>
           </a:p>
@@ -2950,7 +2950,7 @@
           <a:p>
             <a:fld id="{3270012D-94D3-0947-9D71-029D28FD143D}" type="datetimeFigureOut">
               <a:rPr lang="en-US" smtClean="0"/>
-              <a:t>3/10/24</a:t>
+              <a:t>9/11/24</a:t>
             </a:fld>
             <a:endParaRPr lang="en-US"/>
           </a:p>
@@ -3483,8 +3483,8 @@
           </a:p>
         </p:txBody>
       </p:sp>
-      <mc:AlternateContent xmlns:mc="http://schemas.openxmlformats.org/markup-compatibility/2006">
-        <mc:Choice xmlns:a14="http://schemas.microsoft.com/office/drawing/2010/main" Requires="a14">
+      <mc:AlternateContent xmlns:mc="http://schemas.openxmlformats.org/markup-compatibility/2006" xmlns:a14="http://schemas.microsoft.com/office/drawing/2010/main">
+        <mc:Choice Requires="a14">
           <p:sp>
             <p:nvSpPr>
               <p:cNvPr id="3" name="Content Placeholder 2">
@@ -4225,7 +4225,7 @@
             </p:txBody>
           </p:sp>
         </mc:Choice>
-        <mc:Fallback>
+        <mc:Fallback xmlns="">
           <p:sp>
             <p:nvSpPr>
               <p:cNvPr id="3" name="Content Placeholder 2">
@@ -4323,8 +4323,8 @@
           </a:p>
         </p:txBody>
       </p:sp>
-      <mc:AlternateContent xmlns:mc="http://schemas.openxmlformats.org/markup-compatibility/2006">
-        <mc:Choice xmlns:a14="http://schemas.microsoft.com/office/drawing/2010/main" Requires="a14">
+      <mc:AlternateContent xmlns:mc="http://schemas.openxmlformats.org/markup-compatibility/2006" xmlns:a14="http://schemas.microsoft.com/office/drawing/2010/main">
+        <mc:Choice Requires="a14">
           <p:sp>
             <p:nvSpPr>
               <p:cNvPr id="3" name="Content Placeholder 2">
@@ -4659,7 +4659,7 @@
             </p:txBody>
           </p:sp>
         </mc:Choice>
-        <mc:Fallback>
+        <mc:Fallback xmlns="">
           <p:sp>
             <p:nvSpPr>
               <p:cNvPr id="3" name="Content Placeholder 2">
@@ -4761,8 +4761,8 @@
           </a:p>
         </p:txBody>
       </p:sp>
-      <mc:AlternateContent xmlns:mc="http://schemas.openxmlformats.org/markup-compatibility/2006">
-        <mc:Choice xmlns:a14="http://schemas.microsoft.com/office/drawing/2010/main" Requires="a14">
+      <mc:AlternateContent xmlns:mc="http://schemas.openxmlformats.org/markup-compatibility/2006" xmlns:a14="http://schemas.microsoft.com/office/drawing/2010/main">
+        <mc:Choice Requires="a14">
           <p:sp>
             <p:nvSpPr>
               <p:cNvPr id="3" name="Content Placeholder 2">
@@ -5111,7 +5111,7 @@
             </p:txBody>
           </p:sp>
         </mc:Choice>
-        <mc:Fallback>
+        <mc:Fallback xmlns="">
           <p:sp>
             <p:nvSpPr>
               <p:cNvPr id="3" name="Content Placeholder 2">
@@ -5472,8 +5472,8 @@
           </a:p>
         </p:txBody>
       </p:sp>
-      <mc:AlternateContent xmlns:mc="http://schemas.openxmlformats.org/markup-compatibility/2006">
-        <mc:Choice xmlns:a14="http://schemas.microsoft.com/office/drawing/2010/main" Requires="a14">
+      <mc:AlternateContent xmlns:mc="http://schemas.openxmlformats.org/markup-compatibility/2006" xmlns:a14="http://schemas.microsoft.com/office/drawing/2010/main">
+        <mc:Choice Requires="a14">
           <p:sp>
             <p:nvSpPr>
               <p:cNvPr id="3" name="Content Placeholder 2">
@@ -6219,7 +6219,7 @@
             </p:txBody>
           </p:sp>
         </mc:Choice>
-        <mc:Fallback>
+        <mc:Fallback xmlns="">
           <p:sp>
             <p:nvSpPr>
               <p:cNvPr id="3" name="Content Placeholder 2">
@@ -6558,8 +6558,8 @@
           </a:p>
         </p:txBody>
       </p:sp>
-      <mc:AlternateContent xmlns:mc="http://schemas.openxmlformats.org/markup-compatibility/2006">
-        <mc:Choice xmlns:a14="http://schemas.microsoft.com/office/drawing/2010/main" Requires="a14">
+      <mc:AlternateContent xmlns:mc="http://schemas.openxmlformats.org/markup-compatibility/2006" xmlns:a14="http://schemas.microsoft.com/office/drawing/2010/main">
+        <mc:Choice Requires="a14">
           <p:sp>
             <p:nvSpPr>
               <p:cNvPr id="3" name="Content Placeholder 2">
@@ -7271,7 +7271,7 @@
             </p:txBody>
           </p:sp>
         </mc:Choice>
-        <mc:Fallback>
+        <mc:Fallback xmlns="">
           <p:sp>
             <p:nvSpPr>
               <p:cNvPr id="3" name="Content Placeholder 2">
@@ -7369,8 +7369,8 @@
           </a:p>
         </p:txBody>
       </p:sp>
-      <mc:AlternateContent xmlns:mc="http://schemas.openxmlformats.org/markup-compatibility/2006">
-        <mc:Choice xmlns:a14="http://schemas.microsoft.com/office/drawing/2010/main" Requires="a14">
+      <mc:AlternateContent xmlns:mc="http://schemas.openxmlformats.org/markup-compatibility/2006" xmlns:a14="http://schemas.microsoft.com/office/drawing/2010/main">
+        <mc:Choice Requires="a14">
           <p:sp>
             <p:nvSpPr>
               <p:cNvPr id="3" name="Content Placeholder 2">
@@ -7605,7 +7605,7 @@
             </p:txBody>
           </p:sp>
         </mc:Choice>
-        <mc:Fallback>
+        <mc:Fallback xmlns="">
           <p:sp>
             <p:nvSpPr>
               <p:cNvPr id="3" name="Content Placeholder 2">
@@ -7703,8 +7703,8 @@
           </a:p>
         </p:txBody>
       </p:sp>
-      <mc:AlternateContent xmlns:mc="http://schemas.openxmlformats.org/markup-compatibility/2006">
-        <mc:Choice xmlns:a14="http://schemas.microsoft.com/office/drawing/2010/main" Requires="a14">
+      <mc:AlternateContent xmlns:mc="http://schemas.openxmlformats.org/markup-compatibility/2006" xmlns:a14="http://schemas.microsoft.com/office/drawing/2010/main">
+        <mc:Choice Requires="a14">
           <p:sp>
             <p:nvSpPr>
               <p:cNvPr id="3" name="Content Placeholder 2">
@@ -8101,7 +8101,7 @@
             </p:txBody>
           </p:sp>
         </mc:Choice>
-        <mc:Fallback>
+        <mc:Fallback xmlns="">
           <p:sp>
             <p:nvSpPr>
               <p:cNvPr id="3" name="Content Placeholder 2">
@@ -8228,25 +8228,24 @@
           <a:p>
             <a:r>
               <a:rPr lang="en-US" dirty="0"/>
-              <a:t>Problem Set 1 – Instrumental Variables is available </a:t>
+              <a:t>Problem Set 1 due September 15</a:t>
             </a:r>
           </a:p>
           <a:p>
-            <a:pPr lvl="1"/>
             <a:r>
               <a:rPr lang="en-US" dirty="0"/>
-              <a:t>Due April 1</a:t>
+              <a:t>IV Presentation due September 18</a:t>
+            </a:r>
+          </a:p>
+          <a:p>
+            <a:r>
+              <a:rPr lang="en-US" dirty="0"/>
+              <a:t>Problem Set 2 will be available </a:t>
             </a:r>
             <a:r>
-              <a:rPr lang="en-US" baseline="30000" dirty="0"/>
-              <a:t>st</a:t>
+              <a:rPr lang="en-US"/>
+              <a:t>later this week</a:t>
             </a:r>
-            <a:endParaRPr lang="en-US" dirty="0"/>
-          </a:p>
-          <a:p>
-            <a:pPr marL="457200" lvl="1" indent="0">
-              <a:buNone/>
-            </a:pPr>
             <a:endParaRPr lang="en-US" dirty="0"/>
           </a:p>
         </p:txBody>
@@ -8309,8 +8308,8 @@
           </a:p>
         </p:txBody>
       </p:sp>
-      <mc:AlternateContent xmlns:mc="http://schemas.openxmlformats.org/markup-compatibility/2006">
-        <mc:Choice xmlns:a14="http://schemas.microsoft.com/office/drawing/2010/main" Requires="a14">
+      <mc:AlternateContent xmlns:mc="http://schemas.openxmlformats.org/markup-compatibility/2006" xmlns:a14="http://schemas.microsoft.com/office/drawing/2010/main">
+        <mc:Choice Requires="a14">
           <p:sp>
             <p:nvSpPr>
               <p:cNvPr id="3" name="Content Placeholder 2">
@@ -8478,7 +8477,7 @@
             </p:txBody>
           </p:sp>
         </mc:Choice>
-        <mc:Fallback>
+        <mc:Fallback xmlns="">
           <p:sp>
             <p:nvSpPr>
               <p:cNvPr id="3" name="Content Placeholder 2">
@@ -8580,8 +8579,8 @@
           </a:p>
         </p:txBody>
       </p:sp>
-      <mc:AlternateContent xmlns:mc="http://schemas.openxmlformats.org/markup-compatibility/2006">
-        <mc:Choice xmlns:a14="http://schemas.microsoft.com/office/drawing/2010/main" Requires="a14">
+      <mc:AlternateContent xmlns:mc="http://schemas.openxmlformats.org/markup-compatibility/2006" xmlns:a14="http://schemas.microsoft.com/office/drawing/2010/main">
+        <mc:Choice Requires="a14">
           <p:sp>
             <p:nvSpPr>
               <p:cNvPr id="3" name="Content Placeholder 2">
@@ -10072,7 +10071,7 @@
             </p:txBody>
           </p:sp>
         </mc:Choice>
-        <mc:Fallback>
+        <mc:Fallback xmlns="">
           <p:sp>
             <p:nvSpPr>
               <p:cNvPr id="3" name="Content Placeholder 2">
@@ -10592,8 +10591,8 @@
           </a:p>
         </p:txBody>
       </p:sp>
-      <mc:AlternateContent xmlns:mc="http://schemas.openxmlformats.org/markup-compatibility/2006">
-        <mc:Choice xmlns:a14="http://schemas.microsoft.com/office/drawing/2010/main" Requires="a14">
+      <mc:AlternateContent xmlns:mc="http://schemas.openxmlformats.org/markup-compatibility/2006" xmlns:a14="http://schemas.microsoft.com/office/drawing/2010/main">
+        <mc:Choice Requires="a14">
           <p:sp>
             <p:nvSpPr>
               <p:cNvPr id="3" name="Content Placeholder 2">
@@ -11031,7 +11030,7 @@
             </p:txBody>
           </p:sp>
         </mc:Choice>
-        <mc:Fallback>
+        <mc:Fallback xmlns="">
           <p:sp>
             <p:nvSpPr>
               <p:cNvPr id="3" name="Content Placeholder 2">
@@ -11172,6 +11171,144 @@
                   <a:rPr lang="en-US" dirty="0"/>
                   <a:t>The variance of the differenced errors, conditional on all explanatory variables, is constant </a:t>
                 </a:r>
+                <a14:m>
+                  <m:oMath xmlns:m="http://schemas.openxmlformats.org/officeDocument/2006/math">
+                    <m:r>
+                      <a:rPr lang="en-US" b="0" i="1" smtClean="0">
+                        <a:latin typeface="Cambria Math" panose="02040503050406030204" pitchFamily="18" charset="0"/>
+                      </a:rPr>
+                      <m:t>𝑉𝑎𝑟</m:t>
+                    </m:r>
+                    <m:d>
+                      <m:dPr>
+                        <m:ctrlPr>
+                          <a:rPr lang="en-US" b="0" i="1" smtClean="0">
+                            <a:latin typeface="Cambria Math" panose="02040503050406030204" pitchFamily="18" charset="0"/>
+                          </a:rPr>
+                        </m:ctrlPr>
+                      </m:dPr>
+                      <m:e>
+                        <m:r>
+                          <m:rPr>
+                            <m:sty m:val="p"/>
+                          </m:rPr>
+                          <a:rPr lang="en-US" b="0" i="0" smtClean="0">
+                            <a:latin typeface="Cambria Math" panose="02040503050406030204" pitchFamily="18" charset="0"/>
+                          </a:rPr>
+                          <m:t>Δ</m:t>
+                        </m:r>
+                        <m:sSub>
+                          <m:sSubPr>
+                            <m:ctrlPr>
+                              <a:rPr lang="en-US" b="0" i="1" smtClean="0">
+                                <a:latin typeface="Cambria Math" panose="02040503050406030204" pitchFamily="18" charset="0"/>
+                              </a:rPr>
+                            </m:ctrlPr>
+                          </m:sSubPr>
+                          <m:e>
+                            <m:r>
+                              <a:rPr lang="en-US" b="0" i="1" smtClean="0">
+                                <a:latin typeface="Cambria Math" panose="02040503050406030204" pitchFamily="18" charset="0"/>
+                              </a:rPr>
+                              <m:t>𝑢</m:t>
+                            </m:r>
+                          </m:e>
+                          <m:sub>
+                            <m:r>
+                              <a:rPr lang="en-US" b="0" i="1" smtClean="0">
+                                <a:latin typeface="Cambria Math" panose="02040503050406030204" pitchFamily="18" charset="0"/>
+                              </a:rPr>
+                              <m:t>𝑖𝑡</m:t>
+                            </m:r>
+                          </m:sub>
+                        </m:sSub>
+                      </m:e>
+                      <m:e>
+                        <m:sSub>
+                          <m:sSubPr>
+                            <m:ctrlPr>
+                              <a:rPr lang="en-US" b="0" i="1" smtClean="0">
+                                <a:latin typeface="Cambria Math" panose="02040503050406030204" pitchFamily="18" charset="0"/>
+                              </a:rPr>
+                            </m:ctrlPr>
+                          </m:sSubPr>
+                          <m:e>
+                            <m:r>
+                              <a:rPr lang="en-US" b="0" i="1" smtClean="0">
+                                <a:latin typeface="Cambria Math" panose="02040503050406030204" pitchFamily="18" charset="0"/>
+                              </a:rPr>
+                              <m:t>𝑋</m:t>
+                            </m:r>
+                          </m:e>
+                          <m:sub>
+                            <m:r>
+                              <a:rPr lang="en-US" b="0" i="1" smtClean="0">
+                                <a:latin typeface="Cambria Math" panose="02040503050406030204" pitchFamily="18" charset="0"/>
+                              </a:rPr>
+                              <m:t>𝑖</m:t>
+                            </m:r>
+                          </m:sub>
+                        </m:sSub>
+                      </m:e>
+                    </m:d>
+                    <m:r>
+                      <a:rPr lang="en-US" b="0" i="1" smtClean="0">
+                        <a:latin typeface="Cambria Math" panose="02040503050406030204" pitchFamily="18" charset="0"/>
+                      </a:rPr>
+                      <m:t>=</m:t>
+                    </m:r>
+                    <m:sSup>
+                      <m:sSupPr>
+                        <m:ctrlPr>
+                          <a:rPr lang="en-US" b="0" i="1" smtClean="0">
+                            <a:latin typeface="Cambria Math" panose="02040503050406030204" pitchFamily="18" charset="0"/>
+                          </a:rPr>
+                        </m:ctrlPr>
+                      </m:sSupPr>
+                      <m:e>
+                        <m:r>
+                          <a:rPr lang="en-US" b="0" i="1" smtClean="0">
+                            <a:latin typeface="Cambria Math" panose="02040503050406030204" pitchFamily="18" charset="0"/>
+                          </a:rPr>
+                          <m:t>𝜎</m:t>
+                        </m:r>
+                      </m:e>
+                      <m:sup>
+                        <m:r>
+                          <a:rPr lang="en-US" b="0" i="1" smtClean="0">
+                            <a:latin typeface="Cambria Math" panose="02040503050406030204" pitchFamily="18" charset="0"/>
+                          </a:rPr>
+                          <m:t>2</m:t>
+                        </m:r>
+                      </m:sup>
+                    </m:sSup>
+                    <m:r>
+                      <a:rPr lang="en-US" b="0" i="1" smtClean="0">
+                        <a:latin typeface="Cambria Math" panose="02040503050406030204" pitchFamily="18" charset="0"/>
+                      </a:rPr>
+                      <m:t>,</m:t>
+                    </m:r>
+                    <m:r>
+                      <a:rPr lang="en-US" b="0" i="1" smtClean="0">
+                        <a:latin typeface="Cambria Math" panose="02040503050406030204" pitchFamily="18" charset="0"/>
+                      </a:rPr>
+                      <m:t>𝑡</m:t>
+                    </m:r>
+                    <m:r>
+                      <a:rPr lang="en-US" b="0" i="1" smtClean="0">
+                        <a:latin typeface="Cambria Math" panose="02040503050406030204" pitchFamily="18" charset="0"/>
+                      </a:rPr>
+                      <m:t>=2,…,</m:t>
+                    </m:r>
+                    <m:r>
+                      <a:rPr lang="en-US" b="0" i="1" smtClean="0">
+                        <a:latin typeface="Cambria Math" panose="02040503050406030204" pitchFamily="18" charset="0"/>
+                      </a:rPr>
+                      <m:t>𝑇</m:t>
+                    </m:r>
+                  </m:oMath>
+                </a14:m>
+                <a:endParaRPr lang="en-US" dirty="0"/>
               </a:p>
               <a:p>
                 <a:r>
@@ -11572,8 +11709,8 @@
           </a:p>
         </p:txBody>
       </p:sp>
-      <mc:AlternateContent xmlns:mc="http://schemas.openxmlformats.org/markup-compatibility/2006">
-        <mc:Choice xmlns:a14="http://schemas.microsoft.com/office/drawing/2010/main" Requires="a14">
+      <mc:AlternateContent xmlns:mc="http://schemas.openxmlformats.org/markup-compatibility/2006" xmlns:a14="http://schemas.microsoft.com/office/drawing/2010/main">
+        <mc:Choice Requires="a14">
           <p:sp>
             <p:nvSpPr>
               <p:cNvPr id="3" name="Content Placeholder 2">
@@ -12055,7 +12192,7 @@
             </p:txBody>
           </p:sp>
         </mc:Choice>
-        <mc:Fallback>
+        <mc:Fallback xmlns="">
           <p:sp>
             <p:nvSpPr>
               <p:cNvPr id="3" name="Content Placeholder 2">
@@ -12922,8 +13059,8 @@
           </a:p>
         </p:txBody>
       </p:sp>
-      <mc:AlternateContent xmlns:mc="http://schemas.openxmlformats.org/markup-compatibility/2006">
-        <mc:Choice xmlns:a14="http://schemas.microsoft.com/office/drawing/2010/main" Requires="a14">
+      <mc:AlternateContent xmlns:mc="http://schemas.openxmlformats.org/markup-compatibility/2006" xmlns:a14="http://schemas.microsoft.com/office/drawing/2010/main">
+        <mc:Choice Requires="a14">
           <p:sp>
             <p:nvSpPr>
               <p:cNvPr id="3" name="Content Placeholder 2">
@@ -13356,7 +13493,7 @@
             </p:txBody>
           </p:sp>
         </mc:Choice>
-        <mc:Fallback>
+        <mc:Fallback xmlns="">
           <p:sp>
             <p:nvSpPr>
               <p:cNvPr id="3" name="Content Placeholder 2">
@@ -13454,8 +13591,8 @@
           </a:p>
         </p:txBody>
       </p:sp>
-      <mc:AlternateContent xmlns:mc="http://schemas.openxmlformats.org/markup-compatibility/2006">
-        <mc:Choice xmlns:a14="http://schemas.microsoft.com/office/drawing/2010/main" Requires="a14">
+      <mc:AlternateContent xmlns:mc="http://schemas.openxmlformats.org/markup-compatibility/2006" xmlns:a14="http://schemas.microsoft.com/office/drawing/2010/main">
+        <mc:Choice Requires="a14">
           <p:sp>
             <p:nvSpPr>
               <p:cNvPr id="3" name="Content Placeholder 2">
@@ -13668,7 +13805,7 @@
             </p:txBody>
           </p:sp>
         </mc:Choice>
-        <mc:Fallback>
+        <mc:Fallback xmlns="">
           <p:sp>
             <p:nvSpPr>
               <p:cNvPr id="3" name="Content Placeholder 2">
@@ -14752,8 +14889,8 @@
           </a:p>
         </p:txBody>
       </p:sp>
-      <mc:AlternateContent xmlns:mc="http://schemas.openxmlformats.org/markup-compatibility/2006">
-        <mc:Choice xmlns:a14="http://schemas.microsoft.com/office/drawing/2010/main" Requires="a14">
+      <mc:AlternateContent xmlns:mc="http://schemas.openxmlformats.org/markup-compatibility/2006" xmlns:a14="http://schemas.microsoft.com/office/drawing/2010/main">
+        <mc:Choice Requires="a14">
           <p:sp>
             <p:nvSpPr>
               <p:cNvPr id="3" name="Content Placeholder 2">
@@ -16058,7 +16195,7 @@
             </p:txBody>
           </p:sp>
         </mc:Choice>
-        <mc:Fallback>
+        <mc:Fallback xmlns="">
           <p:sp>
             <p:nvSpPr>
               <p:cNvPr id="3" name="Content Placeholder 2">
@@ -16160,8 +16297,8 @@
           </a:p>
         </p:txBody>
       </p:sp>
-      <mc:AlternateContent xmlns:mc="http://schemas.openxmlformats.org/markup-compatibility/2006">
-        <mc:Choice xmlns:a14="http://schemas.microsoft.com/office/drawing/2010/main" Requires="a14">
+      <mc:AlternateContent xmlns:mc="http://schemas.openxmlformats.org/markup-compatibility/2006" xmlns:a14="http://schemas.microsoft.com/office/drawing/2010/main">
+        <mc:Choice Requires="a14">
           <p:sp>
             <p:nvSpPr>
               <p:cNvPr id="3" name="Content Placeholder 2">
@@ -16902,7 +17039,7 @@
             </p:txBody>
           </p:sp>
         </mc:Choice>
-        <mc:Fallback>
+        <mc:Fallback xmlns="">
           <p:sp>
             <p:nvSpPr>
               <p:cNvPr id="3" name="Content Placeholder 2">
@@ -17000,8 +17137,8 @@
           </a:p>
         </p:txBody>
       </p:sp>
-      <mc:AlternateContent xmlns:mc="http://schemas.openxmlformats.org/markup-compatibility/2006">
-        <mc:Choice xmlns:a14="http://schemas.microsoft.com/office/drawing/2010/main" Requires="a14">
+      <mc:AlternateContent xmlns:mc="http://schemas.openxmlformats.org/markup-compatibility/2006" xmlns:a14="http://schemas.microsoft.com/office/drawing/2010/main">
+        <mc:Choice Requires="a14">
           <p:sp>
             <p:nvSpPr>
               <p:cNvPr id="3" name="Content Placeholder 2">
@@ -17350,7 +17487,7 @@
             </p:txBody>
           </p:sp>
         </mc:Choice>
-        <mc:Fallback>
+        <mc:Fallback xmlns="">
           <p:sp>
             <p:nvSpPr>
               <p:cNvPr id="3" name="Content Placeholder 2">
@@ -17715,8 +17852,8 @@
           </a:p>
         </p:txBody>
       </p:sp>
-      <mc:AlternateContent xmlns:mc="http://schemas.openxmlformats.org/markup-compatibility/2006">
-        <mc:Choice xmlns:a14="http://schemas.microsoft.com/office/drawing/2010/main" Requires="a14">
+      <mc:AlternateContent xmlns:mc="http://schemas.openxmlformats.org/markup-compatibility/2006" xmlns:a14="http://schemas.microsoft.com/office/drawing/2010/main">
+        <mc:Choice Requires="a14">
           <p:sp>
             <p:nvSpPr>
               <p:cNvPr id="3" name="Content Placeholder 2">
@@ -18216,7 +18353,7 @@
             </p:txBody>
           </p:sp>
         </mc:Choice>
-        <mc:Fallback>
+        <mc:Fallback xmlns="">
           <p:sp>
             <p:nvSpPr>
               <p:cNvPr id="3" name="Content Placeholder 2">
@@ -19297,8 +19434,8 @@
           </a:p>
         </p:txBody>
       </p:sp>
-      <mc:AlternateContent xmlns:mc="http://schemas.openxmlformats.org/markup-compatibility/2006">
-        <mc:Choice xmlns:a14="http://schemas.microsoft.com/office/drawing/2010/main" Requires="a14">
+      <mc:AlternateContent xmlns:mc="http://schemas.openxmlformats.org/markup-compatibility/2006" xmlns:a14="http://schemas.microsoft.com/office/drawing/2010/main">
+        <mc:Choice Requires="a14">
           <p:sp>
             <p:nvSpPr>
               <p:cNvPr id="3" name="Content Placeholder 2">
@@ -19998,7 +20135,7 @@
             </p:txBody>
           </p:sp>
         </mc:Choice>
-        <mc:Fallback>
+        <mc:Fallback xmlns="">
           <p:sp>
             <p:nvSpPr>
               <p:cNvPr id="3" name="Content Placeholder 2">
@@ -20100,8 +20237,8 @@
           </a:p>
         </p:txBody>
       </p:sp>
-      <mc:AlternateContent xmlns:mc="http://schemas.openxmlformats.org/markup-compatibility/2006">
-        <mc:Choice xmlns:a14="http://schemas.microsoft.com/office/drawing/2010/main" Requires="a14">
+      <mc:AlternateContent xmlns:mc="http://schemas.openxmlformats.org/markup-compatibility/2006" xmlns:a14="http://schemas.microsoft.com/office/drawing/2010/main">
+        <mc:Choice Requires="a14">
           <p:sp>
             <p:nvSpPr>
               <p:cNvPr id="3" name="Content Placeholder 2">
@@ -20830,7 +20967,7 @@
             </p:txBody>
           </p:sp>
         </mc:Choice>
-        <mc:Fallback>
+        <mc:Fallback xmlns="">
           <p:sp>
             <p:nvSpPr>
               <p:cNvPr id="3" name="Content Placeholder 2">
@@ -22934,8 +23071,8 @@
           </a:p>
         </p:txBody>
       </p:sp>
-      <mc:AlternateContent xmlns:mc="http://schemas.openxmlformats.org/markup-compatibility/2006">
-        <mc:Choice xmlns:a14="http://schemas.microsoft.com/office/drawing/2010/main" Requires="a14">
+      <mc:AlternateContent xmlns:mc="http://schemas.openxmlformats.org/markup-compatibility/2006" xmlns:a14="http://schemas.microsoft.com/office/drawing/2010/main">
+        <mc:Choice Requires="a14">
           <p:sp>
             <p:nvSpPr>
               <p:cNvPr id="3" name="Content Placeholder 2">
@@ -23571,7 +23708,7 @@
             </p:txBody>
           </p:sp>
         </mc:Choice>
-        <mc:Fallback>
+        <mc:Fallback xmlns="">
           <p:sp>
             <p:nvSpPr>
               <p:cNvPr id="3" name="Content Placeholder 2">
@@ -23673,8 +23810,8 @@
           </a:p>
         </p:txBody>
       </p:sp>
-      <mc:AlternateContent xmlns:mc="http://schemas.openxmlformats.org/markup-compatibility/2006">
-        <mc:Choice xmlns:a14="http://schemas.microsoft.com/office/drawing/2010/main" Requires="a14">
+      <mc:AlternateContent xmlns:mc="http://schemas.openxmlformats.org/markup-compatibility/2006" xmlns:a14="http://schemas.microsoft.com/office/drawing/2010/main">
+        <mc:Choice Requires="a14">
           <p:sp>
             <p:nvSpPr>
               <p:cNvPr id="3" name="Content Placeholder 2">
@@ -24319,7 +24456,7 @@
             </p:txBody>
           </p:sp>
         </mc:Choice>
-        <mc:Fallback>
+        <mc:Fallback xmlns="">
           <p:sp>
             <p:nvSpPr>
               <p:cNvPr id="3" name="Content Placeholder 2">
